--- a/Project1/docs/Ball Sort Puzzle.pptx
+++ b/Project1/docs/Ball Sort Puzzle.pptx
@@ -2,7 +2,7 @@
 <file path=ppt/presentation.xml><?xml version="1.0" encoding="utf-8"?>
 <p:presentation xmlns:a="http://schemas.openxmlformats.org/drawingml/2006/main" xmlns:r="http://schemas.openxmlformats.org/officeDocument/2006/relationships" xmlns:p="http://schemas.openxmlformats.org/presentationml/2006/main" saveSubsetFonts="1">
   <p:sldMasterIdLst>
-    <p:sldMasterId id="2147483648" r:id="rId1"/>
+    <p:sldMasterId id="2147483684" r:id="rId1"/>
   </p:sldMasterIdLst>
   <p:sldIdLst>
     <p:sldId id="256" r:id="rId2"/>
@@ -108,6 +108,11 @@
       </a:defRPr>
     </a:lvl9pPr>
   </p:defaultTextStyle>
+  <p:extLst>
+    <p:ext uri="{EFAFB233-063F-42B5-8137-9DF3F51BA10A}">
+      <p15:sldGuideLst xmlns:p15="http://schemas.microsoft.com/office/powerpoint/2012/main"/>
+    </p:ext>
+  </p:extLst>
 </p:presentation>
 </file>
 
@@ -133,7 +138,7 @@
           <p:cNvPr id="2" name="Título 1">
             <a:extLst>
               <a:ext uri="{FF2B5EF4-FFF2-40B4-BE49-F238E27FC236}">
-                <a16:creationId xmlns:a16="http://schemas.microsoft.com/office/drawing/2014/main" id="{55DD585B-34ED-4B8A-A796-DEF43B5ADEB3}"/>
+                <a16:creationId xmlns:a16="http://schemas.microsoft.com/office/drawing/2014/main" id="{050D9A45-5CEF-4CA9-BEA0-54484C73807B}"/>
               </a:ext>
             </a:extLst>
           </p:cNvPr>
@@ -170,7 +175,7 @@
           <p:cNvPr id="3" name="Subtítulo 2">
             <a:extLst>
               <a:ext uri="{FF2B5EF4-FFF2-40B4-BE49-F238E27FC236}">
-                <a16:creationId xmlns:a16="http://schemas.microsoft.com/office/drawing/2014/main" id="{15BFBA90-91BC-4607-A987-C236A8CE74AF}"/>
+                <a16:creationId xmlns:a16="http://schemas.microsoft.com/office/drawing/2014/main" id="{6A5EA34C-B1AA-4FCB-9B40-1BA16634BE45}"/>
               </a:ext>
             </a:extLst>
           </p:cNvPr>
@@ -240,7 +245,7 @@
           <p:cNvPr id="4" name="Marcador de Posição da Data 3">
             <a:extLst>
               <a:ext uri="{FF2B5EF4-FFF2-40B4-BE49-F238E27FC236}">
-                <a16:creationId xmlns:a16="http://schemas.microsoft.com/office/drawing/2014/main" id="{ED64452B-4EB4-4E7C-80DE-A59042D06E0C}"/>
+                <a16:creationId xmlns:a16="http://schemas.microsoft.com/office/drawing/2014/main" id="{9CA203CB-9D33-4BFB-B6CE-A517AA858099}"/>
               </a:ext>
             </a:extLst>
           </p:cNvPr>
@@ -258,7 +263,7 @@
           <a:p>
             <a:fld id="{2B03390F-521F-40ED-9D3B-4287339B36CD}" type="datetimeFigureOut">
               <a:rPr lang="pt-PT" smtClean="0"/>
-              <a:t>12/03/2021</a:t>
+              <a:t>13/03/2021</a:t>
             </a:fld>
             <a:endParaRPr lang="pt-PT"/>
           </a:p>
@@ -269,7 +274,7 @@
           <p:cNvPr id="5" name="Marcador de Posição do Rodapé 4">
             <a:extLst>
               <a:ext uri="{FF2B5EF4-FFF2-40B4-BE49-F238E27FC236}">
-                <a16:creationId xmlns:a16="http://schemas.microsoft.com/office/drawing/2014/main" id="{207952E9-804D-435E-A685-8E1F239B8BAB}"/>
+                <a16:creationId xmlns:a16="http://schemas.microsoft.com/office/drawing/2014/main" id="{911F95A5-01BE-427D-806A-C6C2F71EEF73}"/>
               </a:ext>
             </a:extLst>
           </p:cNvPr>
@@ -294,7 +299,7 @@
           <p:cNvPr id="6" name="Marcador de Posição do Número do Diapositivo 5">
             <a:extLst>
               <a:ext uri="{FF2B5EF4-FFF2-40B4-BE49-F238E27FC236}">
-                <a16:creationId xmlns:a16="http://schemas.microsoft.com/office/drawing/2014/main" id="{FBAA3312-FD38-4875-8FD2-DBD718B2F410}"/>
+                <a16:creationId xmlns:a16="http://schemas.microsoft.com/office/drawing/2014/main" id="{458A1241-83B1-477E-A623-03C7AC27AE50}"/>
               </a:ext>
             </a:extLst>
           </p:cNvPr>
@@ -321,7 +326,7 @@
     </p:spTree>
     <p:extLst>
       <p:ext uri="{BB962C8B-B14F-4D97-AF65-F5344CB8AC3E}">
-        <p14:creationId xmlns:p14="http://schemas.microsoft.com/office/powerpoint/2010/main" val="3771028389"/>
+        <p14:creationId xmlns:p14="http://schemas.microsoft.com/office/powerpoint/2010/main" val="3385782322"/>
       </p:ext>
     </p:extLst>
   </p:cSld>
@@ -353,7 +358,7 @@
           <p:cNvPr id="2" name="Título 1">
             <a:extLst>
               <a:ext uri="{FF2B5EF4-FFF2-40B4-BE49-F238E27FC236}">
-                <a16:creationId xmlns:a16="http://schemas.microsoft.com/office/drawing/2014/main" id="{019DC5AD-60AE-40D1-B683-894F35D5D1C3}"/>
+                <a16:creationId xmlns:a16="http://schemas.microsoft.com/office/drawing/2014/main" id="{F163E812-25D7-4464-8290-26E1B571FFBC}"/>
               </a:ext>
             </a:extLst>
           </p:cNvPr>
@@ -381,7 +386,7 @@
           <p:cNvPr id="3" name="Marcador de Posição de Texto Vertical 2">
             <a:extLst>
               <a:ext uri="{FF2B5EF4-FFF2-40B4-BE49-F238E27FC236}">
-                <a16:creationId xmlns:a16="http://schemas.microsoft.com/office/drawing/2014/main" id="{5C352D66-CFD9-4DAC-924C-3B9D0F0D7FA4}"/>
+                <a16:creationId xmlns:a16="http://schemas.microsoft.com/office/drawing/2014/main" id="{1276434C-FE2D-48A0-BB67-0B4D068AB19B}"/>
               </a:ext>
             </a:extLst>
           </p:cNvPr>
@@ -438,7 +443,7 @@
           <p:cNvPr id="4" name="Marcador de Posição da Data 3">
             <a:extLst>
               <a:ext uri="{FF2B5EF4-FFF2-40B4-BE49-F238E27FC236}">
-                <a16:creationId xmlns:a16="http://schemas.microsoft.com/office/drawing/2014/main" id="{D4850069-ACB2-46C8-9C0D-32DB9B4C4691}"/>
+                <a16:creationId xmlns:a16="http://schemas.microsoft.com/office/drawing/2014/main" id="{BE0CF155-4F0A-45C7-B924-5298E6698A83}"/>
               </a:ext>
             </a:extLst>
           </p:cNvPr>
@@ -456,7 +461,7 @@
           <a:p>
             <a:fld id="{2B03390F-521F-40ED-9D3B-4287339B36CD}" type="datetimeFigureOut">
               <a:rPr lang="pt-PT" smtClean="0"/>
-              <a:t>12/03/2021</a:t>
+              <a:t>13/03/2021</a:t>
             </a:fld>
             <a:endParaRPr lang="pt-PT"/>
           </a:p>
@@ -467,7 +472,7 @@
           <p:cNvPr id="5" name="Marcador de Posição do Rodapé 4">
             <a:extLst>
               <a:ext uri="{FF2B5EF4-FFF2-40B4-BE49-F238E27FC236}">
-                <a16:creationId xmlns:a16="http://schemas.microsoft.com/office/drawing/2014/main" id="{3097F49B-D06F-48D2-9C41-6D4076CF526C}"/>
+                <a16:creationId xmlns:a16="http://schemas.microsoft.com/office/drawing/2014/main" id="{1560F4EE-F886-4035-BB41-24C72A4B6122}"/>
               </a:ext>
             </a:extLst>
           </p:cNvPr>
@@ -492,7 +497,7 @@
           <p:cNvPr id="6" name="Marcador de Posição do Número do Diapositivo 5">
             <a:extLst>
               <a:ext uri="{FF2B5EF4-FFF2-40B4-BE49-F238E27FC236}">
-                <a16:creationId xmlns:a16="http://schemas.microsoft.com/office/drawing/2014/main" id="{0C6C9BED-D7BC-4654-9D76-82B1AF47F854}"/>
+                <a16:creationId xmlns:a16="http://schemas.microsoft.com/office/drawing/2014/main" id="{B7C44A88-CA59-4669-B3C4-2E32D58B2CDE}"/>
               </a:ext>
             </a:extLst>
           </p:cNvPr>
@@ -519,7 +524,7 @@
     </p:spTree>
     <p:extLst>
       <p:ext uri="{BB962C8B-B14F-4D97-AF65-F5344CB8AC3E}">
-        <p14:creationId xmlns:p14="http://schemas.microsoft.com/office/powerpoint/2010/main" val="977635233"/>
+        <p14:creationId xmlns:p14="http://schemas.microsoft.com/office/powerpoint/2010/main" val="4024340970"/>
       </p:ext>
     </p:extLst>
   </p:cSld>
@@ -551,7 +556,7 @@
           <p:cNvPr id="2" name="Título Vertical 1">
             <a:extLst>
               <a:ext uri="{FF2B5EF4-FFF2-40B4-BE49-F238E27FC236}">
-                <a16:creationId xmlns:a16="http://schemas.microsoft.com/office/drawing/2014/main" id="{3B528DB0-7D45-4B4C-8737-ECC9E376BC60}"/>
+                <a16:creationId xmlns:a16="http://schemas.microsoft.com/office/drawing/2014/main" id="{D5F9C3A4-94AD-47FA-8E99-7E1E038E5211}"/>
               </a:ext>
             </a:extLst>
           </p:cNvPr>
@@ -584,7 +589,7 @@
           <p:cNvPr id="3" name="Marcador de Posição de Texto Vertical 2">
             <a:extLst>
               <a:ext uri="{FF2B5EF4-FFF2-40B4-BE49-F238E27FC236}">
-                <a16:creationId xmlns:a16="http://schemas.microsoft.com/office/drawing/2014/main" id="{7B5FD769-F5C4-411C-ABC4-5886BC2C6437}"/>
+                <a16:creationId xmlns:a16="http://schemas.microsoft.com/office/drawing/2014/main" id="{6D56EB87-F51F-4349-A0B1-DBB77346E0D3}"/>
               </a:ext>
             </a:extLst>
           </p:cNvPr>
@@ -646,7 +651,7 @@
           <p:cNvPr id="4" name="Marcador de Posição da Data 3">
             <a:extLst>
               <a:ext uri="{FF2B5EF4-FFF2-40B4-BE49-F238E27FC236}">
-                <a16:creationId xmlns:a16="http://schemas.microsoft.com/office/drawing/2014/main" id="{C569B1CC-76D1-4F41-A452-FC8156C4CB99}"/>
+                <a16:creationId xmlns:a16="http://schemas.microsoft.com/office/drawing/2014/main" id="{E638C987-01DB-4EFB-BB68-355022783B87}"/>
               </a:ext>
             </a:extLst>
           </p:cNvPr>
@@ -664,7 +669,7 @@
           <a:p>
             <a:fld id="{2B03390F-521F-40ED-9D3B-4287339B36CD}" type="datetimeFigureOut">
               <a:rPr lang="pt-PT" smtClean="0"/>
-              <a:t>12/03/2021</a:t>
+              <a:t>13/03/2021</a:t>
             </a:fld>
             <a:endParaRPr lang="pt-PT"/>
           </a:p>
@@ -675,7 +680,7 @@
           <p:cNvPr id="5" name="Marcador de Posição do Rodapé 4">
             <a:extLst>
               <a:ext uri="{FF2B5EF4-FFF2-40B4-BE49-F238E27FC236}">
-                <a16:creationId xmlns:a16="http://schemas.microsoft.com/office/drawing/2014/main" id="{796B8011-40D6-4471-98F8-982F2716A5B2}"/>
+                <a16:creationId xmlns:a16="http://schemas.microsoft.com/office/drawing/2014/main" id="{60930552-1C5D-4B17-AC36-122D4EDCE4B0}"/>
               </a:ext>
             </a:extLst>
           </p:cNvPr>
@@ -700,7 +705,7 @@
           <p:cNvPr id="6" name="Marcador de Posição do Número do Diapositivo 5">
             <a:extLst>
               <a:ext uri="{FF2B5EF4-FFF2-40B4-BE49-F238E27FC236}">
-                <a16:creationId xmlns:a16="http://schemas.microsoft.com/office/drawing/2014/main" id="{707714E9-AD35-4E46-AABD-F449BB5E52B8}"/>
+                <a16:creationId xmlns:a16="http://schemas.microsoft.com/office/drawing/2014/main" id="{34355E64-05BA-426A-A80D-AB605512FD08}"/>
               </a:ext>
             </a:extLst>
           </p:cNvPr>
@@ -727,7 +732,7 @@
     </p:spTree>
     <p:extLst>
       <p:ext uri="{BB962C8B-B14F-4D97-AF65-F5344CB8AC3E}">
-        <p14:creationId xmlns:p14="http://schemas.microsoft.com/office/powerpoint/2010/main" val="2876140199"/>
+        <p14:creationId xmlns:p14="http://schemas.microsoft.com/office/powerpoint/2010/main" val="750454782"/>
       </p:ext>
     </p:extLst>
   </p:cSld>
@@ -759,7 +764,7 @@
           <p:cNvPr id="2" name="Título 1">
             <a:extLst>
               <a:ext uri="{FF2B5EF4-FFF2-40B4-BE49-F238E27FC236}">
-                <a16:creationId xmlns:a16="http://schemas.microsoft.com/office/drawing/2014/main" id="{0881FA8F-D0F2-4FCC-88B1-C56A931B2102}"/>
+                <a16:creationId xmlns:a16="http://schemas.microsoft.com/office/drawing/2014/main" id="{C9E57273-E6FD-469F-89A8-762CC7953DFD}"/>
               </a:ext>
             </a:extLst>
           </p:cNvPr>
@@ -787,7 +792,7 @@
           <p:cNvPr id="3" name="Marcador de Posição de Conteúdo 2">
             <a:extLst>
               <a:ext uri="{FF2B5EF4-FFF2-40B4-BE49-F238E27FC236}">
-                <a16:creationId xmlns:a16="http://schemas.microsoft.com/office/drawing/2014/main" id="{1114D52C-C15E-4B49-AFB1-014329DF0122}"/>
+                <a16:creationId xmlns:a16="http://schemas.microsoft.com/office/drawing/2014/main" id="{D2B2B806-75BE-4DB7-8AF0-91588C807AEF}"/>
               </a:ext>
             </a:extLst>
           </p:cNvPr>
@@ -844,7 +849,7 @@
           <p:cNvPr id="4" name="Marcador de Posição da Data 3">
             <a:extLst>
               <a:ext uri="{FF2B5EF4-FFF2-40B4-BE49-F238E27FC236}">
-                <a16:creationId xmlns:a16="http://schemas.microsoft.com/office/drawing/2014/main" id="{E1FFBE87-5376-4448-9307-EF4CAFFD0D29}"/>
+                <a16:creationId xmlns:a16="http://schemas.microsoft.com/office/drawing/2014/main" id="{F7B10586-6BAE-4367-A63F-63967FB5769A}"/>
               </a:ext>
             </a:extLst>
           </p:cNvPr>
@@ -862,7 +867,7 @@
           <a:p>
             <a:fld id="{2B03390F-521F-40ED-9D3B-4287339B36CD}" type="datetimeFigureOut">
               <a:rPr lang="pt-PT" smtClean="0"/>
-              <a:t>12/03/2021</a:t>
+              <a:t>13/03/2021</a:t>
             </a:fld>
             <a:endParaRPr lang="pt-PT"/>
           </a:p>
@@ -873,7 +878,7 @@
           <p:cNvPr id="5" name="Marcador de Posição do Rodapé 4">
             <a:extLst>
               <a:ext uri="{FF2B5EF4-FFF2-40B4-BE49-F238E27FC236}">
-                <a16:creationId xmlns:a16="http://schemas.microsoft.com/office/drawing/2014/main" id="{1CAC4EAD-7166-4671-BD1B-B33559D19F26}"/>
+                <a16:creationId xmlns:a16="http://schemas.microsoft.com/office/drawing/2014/main" id="{E4643E87-A7C1-474D-BE0C-DDC85E793306}"/>
               </a:ext>
             </a:extLst>
           </p:cNvPr>
@@ -898,7 +903,7 @@
           <p:cNvPr id="6" name="Marcador de Posição do Número do Diapositivo 5">
             <a:extLst>
               <a:ext uri="{FF2B5EF4-FFF2-40B4-BE49-F238E27FC236}">
-                <a16:creationId xmlns:a16="http://schemas.microsoft.com/office/drawing/2014/main" id="{BD30E138-891F-4CC8-AC29-BEC4FE6E9EB8}"/>
+                <a16:creationId xmlns:a16="http://schemas.microsoft.com/office/drawing/2014/main" id="{368626AB-6496-499D-A3EE-3FD87C210E8C}"/>
               </a:ext>
             </a:extLst>
           </p:cNvPr>
@@ -925,7 +930,7 @@
     </p:spTree>
     <p:extLst>
       <p:ext uri="{BB962C8B-B14F-4D97-AF65-F5344CB8AC3E}">
-        <p14:creationId xmlns:p14="http://schemas.microsoft.com/office/powerpoint/2010/main" val="3735377456"/>
+        <p14:creationId xmlns:p14="http://schemas.microsoft.com/office/powerpoint/2010/main" val="2714031592"/>
       </p:ext>
     </p:extLst>
   </p:cSld>
@@ -957,7 +962,7 @@
           <p:cNvPr id="2" name="Título 1">
             <a:extLst>
               <a:ext uri="{FF2B5EF4-FFF2-40B4-BE49-F238E27FC236}">
-                <a16:creationId xmlns:a16="http://schemas.microsoft.com/office/drawing/2014/main" id="{8DEBBD48-52CA-411E-A90C-492ACD17E86B}"/>
+                <a16:creationId xmlns:a16="http://schemas.microsoft.com/office/drawing/2014/main" id="{602A16FE-2124-4AA5-A561-F0027D66DD79}"/>
               </a:ext>
             </a:extLst>
           </p:cNvPr>
@@ -994,7 +999,7 @@
           <p:cNvPr id="3" name="Marcador de Posição do Texto 2">
             <a:extLst>
               <a:ext uri="{FF2B5EF4-FFF2-40B4-BE49-F238E27FC236}">
-                <a16:creationId xmlns:a16="http://schemas.microsoft.com/office/drawing/2014/main" id="{E109006C-BD85-4A67-8E7B-BDBEEBA23FA1}"/>
+                <a16:creationId xmlns:a16="http://schemas.microsoft.com/office/drawing/2014/main" id="{3F34C559-214B-452E-9437-072BC348F986}"/>
               </a:ext>
             </a:extLst>
           </p:cNvPr>
@@ -1119,7 +1124,7 @@
           <p:cNvPr id="4" name="Marcador de Posição da Data 3">
             <a:extLst>
               <a:ext uri="{FF2B5EF4-FFF2-40B4-BE49-F238E27FC236}">
-                <a16:creationId xmlns:a16="http://schemas.microsoft.com/office/drawing/2014/main" id="{63F3B056-AACC-4313-885C-C24FD6C0CFDF}"/>
+                <a16:creationId xmlns:a16="http://schemas.microsoft.com/office/drawing/2014/main" id="{01BB5BD2-598F-4430-996B-8FB4B606E600}"/>
               </a:ext>
             </a:extLst>
           </p:cNvPr>
@@ -1137,7 +1142,7 @@
           <a:p>
             <a:fld id="{2B03390F-521F-40ED-9D3B-4287339B36CD}" type="datetimeFigureOut">
               <a:rPr lang="pt-PT" smtClean="0"/>
-              <a:t>12/03/2021</a:t>
+              <a:t>13/03/2021</a:t>
             </a:fld>
             <a:endParaRPr lang="pt-PT"/>
           </a:p>
@@ -1148,7 +1153,7 @@
           <p:cNvPr id="5" name="Marcador de Posição do Rodapé 4">
             <a:extLst>
               <a:ext uri="{FF2B5EF4-FFF2-40B4-BE49-F238E27FC236}">
-                <a16:creationId xmlns:a16="http://schemas.microsoft.com/office/drawing/2014/main" id="{9A54A801-FD5E-46EF-B4CB-C02B3BF41D34}"/>
+                <a16:creationId xmlns:a16="http://schemas.microsoft.com/office/drawing/2014/main" id="{4DA8C962-2331-45AF-A887-394570E77A05}"/>
               </a:ext>
             </a:extLst>
           </p:cNvPr>
@@ -1173,7 +1178,7 @@
           <p:cNvPr id="6" name="Marcador de Posição do Número do Diapositivo 5">
             <a:extLst>
               <a:ext uri="{FF2B5EF4-FFF2-40B4-BE49-F238E27FC236}">
-                <a16:creationId xmlns:a16="http://schemas.microsoft.com/office/drawing/2014/main" id="{93F54DA2-5893-42B6-81A2-1549AB954E8B}"/>
+                <a16:creationId xmlns:a16="http://schemas.microsoft.com/office/drawing/2014/main" id="{A8D5941F-8121-40B2-BE25-475A6A1E98DB}"/>
               </a:ext>
             </a:extLst>
           </p:cNvPr>
@@ -1200,7 +1205,7 @@
     </p:spTree>
     <p:extLst>
       <p:ext uri="{BB962C8B-B14F-4D97-AF65-F5344CB8AC3E}">
-        <p14:creationId xmlns:p14="http://schemas.microsoft.com/office/powerpoint/2010/main" val="4120642410"/>
+        <p14:creationId xmlns:p14="http://schemas.microsoft.com/office/powerpoint/2010/main" val="739911426"/>
       </p:ext>
     </p:extLst>
   </p:cSld>
@@ -1232,7 +1237,7 @@
           <p:cNvPr id="2" name="Título 1">
             <a:extLst>
               <a:ext uri="{FF2B5EF4-FFF2-40B4-BE49-F238E27FC236}">
-                <a16:creationId xmlns:a16="http://schemas.microsoft.com/office/drawing/2014/main" id="{F07CCCB4-71EE-4880-A7C9-68162CD8E03C}"/>
+                <a16:creationId xmlns:a16="http://schemas.microsoft.com/office/drawing/2014/main" id="{287A2598-8813-4FBB-B0C9-CCFCC61EDE24}"/>
               </a:ext>
             </a:extLst>
           </p:cNvPr>
@@ -1260,7 +1265,7 @@
           <p:cNvPr id="3" name="Marcador de Posição de Conteúdo 2">
             <a:extLst>
               <a:ext uri="{FF2B5EF4-FFF2-40B4-BE49-F238E27FC236}">
-                <a16:creationId xmlns:a16="http://schemas.microsoft.com/office/drawing/2014/main" id="{BC5F720C-37A9-4A25-9618-45FDF98C9FDF}"/>
+                <a16:creationId xmlns:a16="http://schemas.microsoft.com/office/drawing/2014/main" id="{B86AF4D9-F702-4C7B-8F35-E14028513942}"/>
               </a:ext>
             </a:extLst>
           </p:cNvPr>
@@ -1322,7 +1327,7 @@
           <p:cNvPr id="4" name="Marcador de Posição de Conteúdo 3">
             <a:extLst>
               <a:ext uri="{FF2B5EF4-FFF2-40B4-BE49-F238E27FC236}">
-                <a16:creationId xmlns:a16="http://schemas.microsoft.com/office/drawing/2014/main" id="{A2B03E4F-6C5A-4443-8BF7-387B6F5B2765}"/>
+                <a16:creationId xmlns:a16="http://schemas.microsoft.com/office/drawing/2014/main" id="{987182A7-7C0D-4CFE-8144-5952C01316B4}"/>
               </a:ext>
             </a:extLst>
           </p:cNvPr>
@@ -1384,7 +1389,7 @@
           <p:cNvPr id="5" name="Marcador de Posição da Data 4">
             <a:extLst>
               <a:ext uri="{FF2B5EF4-FFF2-40B4-BE49-F238E27FC236}">
-                <a16:creationId xmlns:a16="http://schemas.microsoft.com/office/drawing/2014/main" id="{9A670470-D45F-423B-8B87-73275548AA62}"/>
+                <a16:creationId xmlns:a16="http://schemas.microsoft.com/office/drawing/2014/main" id="{CDAE22EA-5A3A-417A-9E73-57CFE1C45526}"/>
               </a:ext>
             </a:extLst>
           </p:cNvPr>
@@ -1402,7 +1407,7 @@
           <a:p>
             <a:fld id="{2B03390F-521F-40ED-9D3B-4287339B36CD}" type="datetimeFigureOut">
               <a:rPr lang="pt-PT" smtClean="0"/>
-              <a:t>12/03/2021</a:t>
+              <a:t>13/03/2021</a:t>
             </a:fld>
             <a:endParaRPr lang="pt-PT"/>
           </a:p>
@@ -1413,7 +1418,7 @@
           <p:cNvPr id="6" name="Marcador de Posição do Rodapé 5">
             <a:extLst>
               <a:ext uri="{FF2B5EF4-FFF2-40B4-BE49-F238E27FC236}">
-                <a16:creationId xmlns:a16="http://schemas.microsoft.com/office/drawing/2014/main" id="{41C02925-EC6B-4BB1-A0A5-75397D3A671A}"/>
+                <a16:creationId xmlns:a16="http://schemas.microsoft.com/office/drawing/2014/main" id="{18FC64B1-94D1-45A1-876F-B282621DE118}"/>
               </a:ext>
             </a:extLst>
           </p:cNvPr>
@@ -1438,7 +1443,7 @@
           <p:cNvPr id="7" name="Marcador de Posição do Número do Diapositivo 6">
             <a:extLst>
               <a:ext uri="{FF2B5EF4-FFF2-40B4-BE49-F238E27FC236}">
-                <a16:creationId xmlns:a16="http://schemas.microsoft.com/office/drawing/2014/main" id="{21D7AFAB-568A-44FF-B176-276EABDB7F63}"/>
+                <a16:creationId xmlns:a16="http://schemas.microsoft.com/office/drawing/2014/main" id="{11E502D3-E406-4E59-9152-B26375113350}"/>
               </a:ext>
             </a:extLst>
           </p:cNvPr>
@@ -1465,13 +1470,18 @@
     </p:spTree>
     <p:extLst>
       <p:ext uri="{BB962C8B-B14F-4D97-AF65-F5344CB8AC3E}">
-        <p14:creationId xmlns:p14="http://schemas.microsoft.com/office/powerpoint/2010/main" val="319520121"/>
+        <p14:creationId xmlns:p14="http://schemas.microsoft.com/office/powerpoint/2010/main" val="358915004"/>
       </p:ext>
     </p:extLst>
   </p:cSld>
   <p:clrMapOvr>
     <a:masterClrMapping/>
   </p:clrMapOvr>
+  <p:extLst>
+    <p:ext uri="{DCECCB84-F9BA-43D5-87BE-67443E8EF086}">
+      <p15:sldGuideLst xmlns:p15="http://schemas.microsoft.com/office/powerpoint/2012/main"/>
+    </p:ext>
+  </p:extLst>
 </p:sldLayout>
 </file>
 
@@ -1497,7 +1507,7 @@
           <p:cNvPr id="2" name="Título 1">
             <a:extLst>
               <a:ext uri="{FF2B5EF4-FFF2-40B4-BE49-F238E27FC236}">
-                <a16:creationId xmlns:a16="http://schemas.microsoft.com/office/drawing/2014/main" id="{B38C4A7A-7D20-412D-96CC-C66938690F5A}"/>
+                <a16:creationId xmlns:a16="http://schemas.microsoft.com/office/drawing/2014/main" id="{D55F437F-AEBC-43F1-A28A-94D72A98EFC8}"/>
               </a:ext>
             </a:extLst>
           </p:cNvPr>
@@ -1530,7 +1540,7 @@
           <p:cNvPr id="3" name="Marcador de Posição do Texto 2">
             <a:extLst>
               <a:ext uri="{FF2B5EF4-FFF2-40B4-BE49-F238E27FC236}">
-                <a16:creationId xmlns:a16="http://schemas.microsoft.com/office/drawing/2014/main" id="{414F420E-7961-4D15-A1A9-45EEC1F9E67D}"/>
+                <a16:creationId xmlns:a16="http://schemas.microsoft.com/office/drawing/2014/main" id="{03C47422-AF8A-41FB-BCA0-912BB2F44B03}"/>
               </a:ext>
             </a:extLst>
           </p:cNvPr>
@@ -1601,7 +1611,7 @@
           <p:cNvPr id="4" name="Marcador de Posição de Conteúdo 3">
             <a:extLst>
               <a:ext uri="{FF2B5EF4-FFF2-40B4-BE49-F238E27FC236}">
-                <a16:creationId xmlns:a16="http://schemas.microsoft.com/office/drawing/2014/main" id="{18174A0C-7017-494D-93AA-D90D7997D1AB}"/>
+                <a16:creationId xmlns:a16="http://schemas.microsoft.com/office/drawing/2014/main" id="{8E7C53FF-8B99-4494-9514-CDDA05453731}"/>
               </a:ext>
             </a:extLst>
           </p:cNvPr>
@@ -1663,7 +1673,7 @@
           <p:cNvPr id="5" name="Marcador de Posição do Texto 4">
             <a:extLst>
               <a:ext uri="{FF2B5EF4-FFF2-40B4-BE49-F238E27FC236}">
-                <a16:creationId xmlns:a16="http://schemas.microsoft.com/office/drawing/2014/main" id="{DAF160CE-70C6-44C6-B319-CF9BD8FD1814}"/>
+                <a16:creationId xmlns:a16="http://schemas.microsoft.com/office/drawing/2014/main" id="{B60B9BC2-B0CC-43FA-937F-716DB6254B75}"/>
               </a:ext>
             </a:extLst>
           </p:cNvPr>
@@ -1734,7 +1744,7 @@
           <p:cNvPr id="6" name="Marcador de Posição de Conteúdo 5">
             <a:extLst>
               <a:ext uri="{FF2B5EF4-FFF2-40B4-BE49-F238E27FC236}">
-                <a16:creationId xmlns:a16="http://schemas.microsoft.com/office/drawing/2014/main" id="{9CF19955-8FF8-4258-B1E4-84662EC282E0}"/>
+                <a16:creationId xmlns:a16="http://schemas.microsoft.com/office/drawing/2014/main" id="{5521DAEF-2641-4920-9DF3-0F9A5C44F30E}"/>
               </a:ext>
             </a:extLst>
           </p:cNvPr>
@@ -1796,7 +1806,7 @@
           <p:cNvPr id="7" name="Marcador de Posição da Data 6">
             <a:extLst>
               <a:ext uri="{FF2B5EF4-FFF2-40B4-BE49-F238E27FC236}">
-                <a16:creationId xmlns:a16="http://schemas.microsoft.com/office/drawing/2014/main" id="{D2A2B4D6-5B5C-4229-967F-8E20FD564081}"/>
+                <a16:creationId xmlns:a16="http://schemas.microsoft.com/office/drawing/2014/main" id="{B070E84C-8021-47B6-9741-6165182B8EA0}"/>
               </a:ext>
             </a:extLst>
           </p:cNvPr>
@@ -1814,7 +1824,7 @@
           <a:p>
             <a:fld id="{2B03390F-521F-40ED-9D3B-4287339B36CD}" type="datetimeFigureOut">
               <a:rPr lang="pt-PT" smtClean="0"/>
-              <a:t>12/03/2021</a:t>
+              <a:t>13/03/2021</a:t>
             </a:fld>
             <a:endParaRPr lang="pt-PT"/>
           </a:p>
@@ -1825,7 +1835,7 @@
           <p:cNvPr id="8" name="Marcador de Posição do Rodapé 7">
             <a:extLst>
               <a:ext uri="{FF2B5EF4-FFF2-40B4-BE49-F238E27FC236}">
-                <a16:creationId xmlns:a16="http://schemas.microsoft.com/office/drawing/2014/main" id="{7679456B-1427-4D11-A49E-B4319490AC95}"/>
+                <a16:creationId xmlns:a16="http://schemas.microsoft.com/office/drawing/2014/main" id="{8E229EEE-255D-4E6F-A329-CFEBE086BE21}"/>
               </a:ext>
             </a:extLst>
           </p:cNvPr>
@@ -1850,7 +1860,7 @@
           <p:cNvPr id="9" name="Marcador de Posição do Número do Diapositivo 8">
             <a:extLst>
               <a:ext uri="{FF2B5EF4-FFF2-40B4-BE49-F238E27FC236}">
-                <a16:creationId xmlns:a16="http://schemas.microsoft.com/office/drawing/2014/main" id="{706948B6-F737-4C6E-BCC0-254C28EA8983}"/>
+                <a16:creationId xmlns:a16="http://schemas.microsoft.com/office/drawing/2014/main" id="{89B1FF1F-2821-41BE-95A9-65BB1FE14893}"/>
               </a:ext>
             </a:extLst>
           </p:cNvPr>
@@ -1877,13 +1887,18 @@
     </p:spTree>
     <p:extLst>
       <p:ext uri="{BB962C8B-B14F-4D97-AF65-F5344CB8AC3E}">
-        <p14:creationId xmlns:p14="http://schemas.microsoft.com/office/powerpoint/2010/main" val="2375359165"/>
+        <p14:creationId xmlns:p14="http://schemas.microsoft.com/office/powerpoint/2010/main" val="2936738890"/>
       </p:ext>
     </p:extLst>
   </p:cSld>
   <p:clrMapOvr>
     <a:masterClrMapping/>
   </p:clrMapOvr>
+  <p:extLst>
+    <p:ext uri="{DCECCB84-F9BA-43D5-87BE-67443E8EF086}">
+      <p15:sldGuideLst xmlns:p15="http://schemas.microsoft.com/office/powerpoint/2012/main"/>
+    </p:ext>
+  </p:extLst>
 </p:sldLayout>
 </file>
 
@@ -1909,7 +1924,7 @@
           <p:cNvPr id="2" name="Título 1">
             <a:extLst>
               <a:ext uri="{FF2B5EF4-FFF2-40B4-BE49-F238E27FC236}">
-                <a16:creationId xmlns:a16="http://schemas.microsoft.com/office/drawing/2014/main" id="{84814EF1-FD09-4306-8EAB-71E864A3A24E}"/>
+                <a16:creationId xmlns:a16="http://schemas.microsoft.com/office/drawing/2014/main" id="{1E16E819-844F-4BFC-9E02-D7C44E7CEA94}"/>
               </a:ext>
             </a:extLst>
           </p:cNvPr>
@@ -1937,7 +1952,7 @@
           <p:cNvPr id="3" name="Marcador de Posição da Data 2">
             <a:extLst>
               <a:ext uri="{FF2B5EF4-FFF2-40B4-BE49-F238E27FC236}">
-                <a16:creationId xmlns:a16="http://schemas.microsoft.com/office/drawing/2014/main" id="{9A7EE366-00E7-418A-B4B1-CD2A05DCAC14}"/>
+                <a16:creationId xmlns:a16="http://schemas.microsoft.com/office/drawing/2014/main" id="{45A9ECA3-D38C-4D45-87B3-37A773163D8D}"/>
               </a:ext>
             </a:extLst>
           </p:cNvPr>
@@ -1955,7 +1970,7 @@
           <a:p>
             <a:fld id="{2B03390F-521F-40ED-9D3B-4287339B36CD}" type="datetimeFigureOut">
               <a:rPr lang="pt-PT" smtClean="0"/>
-              <a:t>12/03/2021</a:t>
+              <a:t>13/03/2021</a:t>
             </a:fld>
             <a:endParaRPr lang="pt-PT"/>
           </a:p>
@@ -1966,7 +1981,7 @@
           <p:cNvPr id="4" name="Marcador de Posição do Rodapé 3">
             <a:extLst>
               <a:ext uri="{FF2B5EF4-FFF2-40B4-BE49-F238E27FC236}">
-                <a16:creationId xmlns:a16="http://schemas.microsoft.com/office/drawing/2014/main" id="{99BB7840-E08E-460B-9E4C-A775BF4E77BE}"/>
+                <a16:creationId xmlns:a16="http://schemas.microsoft.com/office/drawing/2014/main" id="{8A08E209-6516-454A-8768-181CCC2B5BA2}"/>
               </a:ext>
             </a:extLst>
           </p:cNvPr>
@@ -1991,7 +2006,7 @@
           <p:cNvPr id="5" name="Marcador de Posição do Número do Diapositivo 4">
             <a:extLst>
               <a:ext uri="{FF2B5EF4-FFF2-40B4-BE49-F238E27FC236}">
-                <a16:creationId xmlns:a16="http://schemas.microsoft.com/office/drawing/2014/main" id="{CCE9B562-4EFA-44E1-9965-337030371E2C}"/>
+                <a16:creationId xmlns:a16="http://schemas.microsoft.com/office/drawing/2014/main" id="{48DC9701-6EE3-4FEB-9A01-9B5D27111B07}"/>
               </a:ext>
             </a:extLst>
           </p:cNvPr>
@@ -2018,7 +2033,7 @@
     </p:spTree>
     <p:extLst>
       <p:ext uri="{BB962C8B-B14F-4D97-AF65-F5344CB8AC3E}">
-        <p14:creationId xmlns:p14="http://schemas.microsoft.com/office/powerpoint/2010/main" val="2021401295"/>
+        <p14:creationId xmlns:p14="http://schemas.microsoft.com/office/powerpoint/2010/main" val="3987184377"/>
       </p:ext>
     </p:extLst>
   </p:cSld>
@@ -2050,7 +2065,7 @@
           <p:cNvPr id="2" name="Marcador de Posição da Data 1">
             <a:extLst>
               <a:ext uri="{FF2B5EF4-FFF2-40B4-BE49-F238E27FC236}">
-                <a16:creationId xmlns:a16="http://schemas.microsoft.com/office/drawing/2014/main" id="{DFA54C58-1D2D-4CDB-86AA-B2970B735236}"/>
+                <a16:creationId xmlns:a16="http://schemas.microsoft.com/office/drawing/2014/main" id="{4EC5804B-A543-4F0B-9200-8C41E31180B9}"/>
               </a:ext>
             </a:extLst>
           </p:cNvPr>
@@ -2068,7 +2083,7 @@
           <a:p>
             <a:fld id="{2B03390F-521F-40ED-9D3B-4287339B36CD}" type="datetimeFigureOut">
               <a:rPr lang="pt-PT" smtClean="0"/>
-              <a:t>12/03/2021</a:t>
+              <a:t>13/03/2021</a:t>
             </a:fld>
             <a:endParaRPr lang="pt-PT"/>
           </a:p>
@@ -2079,7 +2094,7 @@
           <p:cNvPr id="3" name="Marcador de Posição do Rodapé 2">
             <a:extLst>
               <a:ext uri="{FF2B5EF4-FFF2-40B4-BE49-F238E27FC236}">
-                <a16:creationId xmlns:a16="http://schemas.microsoft.com/office/drawing/2014/main" id="{D5D7B8A1-3524-46ED-8434-FF4C6E015CCA}"/>
+                <a16:creationId xmlns:a16="http://schemas.microsoft.com/office/drawing/2014/main" id="{4BDCB4ED-5E4B-48F5-85C1-193F0968CD74}"/>
               </a:ext>
             </a:extLst>
           </p:cNvPr>
@@ -2104,7 +2119,7 @@
           <p:cNvPr id="4" name="Marcador de Posição do Número do Diapositivo 3">
             <a:extLst>
               <a:ext uri="{FF2B5EF4-FFF2-40B4-BE49-F238E27FC236}">
-                <a16:creationId xmlns:a16="http://schemas.microsoft.com/office/drawing/2014/main" id="{62256658-2610-4062-8F24-AF4F29DEE2DA}"/>
+                <a16:creationId xmlns:a16="http://schemas.microsoft.com/office/drawing/2014/main" id="{81ED7904-24C4-40CC-82A7-144573563E5C}"/>
               </a:ext>
             </a:extLst>
           </p:cNvPr>
@@ -2131,7 +2146,7 @@
     </p:spTree>
     <p:extLst>
       <p:ext uri="{BB962C8B-B14F-4D97-AF65-F5344CB8AC3E}">
-        <p14:creationId xmlns:p14="http://schemas.microsoft.com/office/powerpoint/2010/main" val="1833165741"/>
+        <p14:creationId xmlns:p14="http://schemas.microsoft.com/office/powerpoint/2010/main" val="2958507119"/>
       </p:ext>
     </p:extLst>
   </p:cSld>
@@ -2163,7 +2178,7 @@
           <p:cNvPr id="2" name="Título 1">
             <a:extLst>
               <a:ext uri="{FF2B5EF4-FFF2-40B4-BE49-F238E27FC236}">
-                <a16:creationId xmlns:a16="http://schemas.microsoft.com/office/drawing/2014/main" id="{44BB5EE6-B981-4A4E-AF3A-2706D111DE81}"/>
+                <a16:creationId xmlns:a16="http://schemas.microsoft.com/office/drawing/2014/main" id="{E479DD09-DB74-4C8B-A725-5D69D1F9C24C}"/>
               </a:ext>
             </a:extLst>
           </p:cNvPr>
@@ -2200,7 +2215,7 @@
           <p:cNvPr id="3" name="Marcador de Posição de Conteúdo 2">
             <a:extLst>
               <a:ext uri="{FF2B5EF4-FFF2-40B4-BE49-F238E27FC236}">
-                <a16:creationId xmlns:a16="http://schemas.microsoft.com/office/drawing/2014/main" id="{444243A7-F356-467B-95C2-0BF4A3CBF2C4}"/>
+                <a16:creationId xmlns:a16="http://schemas.microsoft.com/office/drawing/2014/main" id="{B64C3CCE-DA5F-4D27-9254-04CA98692C28}"/>
               </a:ext>
             </a:extLst>
           </p:cNvPr>
@@ -2290,7 +2305,7 @@
           <p:cNvPr id="4" name="Marcador de Posição do Texto 3">
             <a:extLst>
               <a:ext uri="{FF2B5EF4-FFF2-40B4-BE49-F238E27FC236}">
-                <a16:creationId xmlns:a16="http://schemas.microsoft.com/office/drawing/2014/main" id="{9DD5D7C5-740B-4189-914D-C6B89C190014}"/>
+                <a16:creationId xmlns:a16="http://schemas.microsoft.com/office/drawing/2014/main" id="{BA194632-5B4D-4A22-8AB2-CB10499C6A97}"/>
               </a:ext>
             </a:extLst>
           </p:cNvPr>
@@ -2361,7 +2376,7 @@
           <p:cNvPr id="5" name="Marcador de Posição da Data 4">
             <a:extLst>
               <a:ext uri="{FF2B5EF4-FFF2-40B4-BE49-F238E27FC236}">
-                <a16:creationId xmlns:a16="http://schemas.microsoft.com/office/drawing/2014/main" id="{C450CBCC-19CD-4BD4-977C-A97DDCCCA104}"/>
+                <a16:creationId xmlns:a16="http://schemas.microsoft.com/office/drawing/2014/main" id="{A17A2952-4836-470F-8A0E-EFADC29E0B7D}"/>
               </a:ext>
             </a:extLst>
           </p:cNvPr>
@@ -2379,7 +2394,7 @@
           <a:p>
             <a:fld id="{2B03390F-521F-40ED-9D3B-4287339B36CD}" type="datetimeFigureOut">
               <a:rPr lang="pt-PT" smtClean="0"/>
-              <a:t>12/03/2021</a:t>
+              <a:t>13/03/2021</a:t>
             </a:fld>
             <a:endParaRPr lang="pt-PT"/>
           </a:p>
@@ -2390,7 +2405,7 @@
           <p:cNvPr id="6" name="Marcador de Posição do Rodapé 5">
             <a:extLst>
               <a:ext uri="{FF2B5EF4-FFF2-40B4-BE49-F238E27FC236}">
-                <a16:creationId xmlns:a16="http://schemas.microsoft.com/office/drawing/2014/main" id="{DCC71EA6-B8EA-4D31-B3C5-DFEC25B35970}"/>
+                <a16:creationId xmlns:a16="http://schemas.microsoft.com/office/drawing/2014/main" id="{459F07A5-7ACC-4EEA-B5D4-B4FB6CB09E73}"/>
               </a:ext>
             </a:extLst>
           </p:cNvPr>
@@ -2415,7 +2430,7 @@
           <p:cNvPr id="7" name="Marcador de Posição do Número do Diapositivo 6">
             <a:extLst>
               <a:ext uri="{FF2B5EF4-FFF2-40B4-BE49-F238E27FC236}">
-                <a16:creationId xmlns:a16="http://schemas.microsoft.com/office/drawing/2014/main" id="{9C316322-A713-4065-A8DC-9962F9D9C590}"/>
+                <a16:creationId xmlns:a16="http://schemas.microsoft.com/office/drawing/2014/main" id="{EA302550-F5FE-40D4-972F-584B30116560}"/>
               </a:ext>
             </a:extLst>
           </p:cNvPr>
@@ -2442,13 +2457,18 @@
     </p:spTree>
     <p:extLst>
       <p:ext uri="{BB962C8B-B14F-4D97-AF65-F5344CB8AC3E}">
-        <p14:creationId xmlns:p14="http://schemas.microsoft.com/office/powerpoint/2010/main" val="7835713"/>
+        <p14:creationId xmlns:p14="http://schemas.microsoft.com/office/powerpoint/2010/main" val="591635837"/>
       </p:ext>
     </p:extLst>
   </p:cSld>
   <p:clrMapOvr>
     <a:masterClrMapping/>
   </p:clrMapOvr>
+  <p:extLst>
+    <p:ext uri="{DCECCB84-F9BA-43D5-87BE-67443E8EF086}">
+      <p15:sldGuideLst xmlns:p15="http://schemas.microsoft.com/office/powerpoint/2012/main"/>
+    </p:ext>
+  </p:extLst>
 </p:sldLayout>
 </file>
 
@@ -2474,7 +2494,7 @@
           <p:cNvPr id="2" name="Título 1">
             <a:extLst>
               <a:ext uri="{FF2B5EF4-FFF2-40B4-BE49-F238E27FC236}">
-                <a16:creationId xmlns:a16="http://schemas.microsoft.com/office/drawing/2014/main" id="{5322B889-7A4F-48C1-A4F7-09322D2994F9}"/>
+                <a16:creationId xmlns:a16="http://schemas.microsoft.com/office/drawing/2014/main" id="{AAAD14EC-F458-4726-B1CF-C52F7AA8AC0F}"/>
               </a:ext>
             </a:extLst>
           </p:cNvPr>
@@ -2511,7 +2531,7 @@
           <p:cNvPr id="3" name="Marcador de Posição da Imagem 2">
             <a:extLst>
               <a:ext uri="{FF2B5EF4-FFF2-40B4-BE49-F238E27FC236}">
-                <a16:creationId xmlns:a16="http://schemas.microsoft.com/office/drawing/2014/main" id="{5E66B6B7-B0E8-4839-95E4-AC21A31DF10D}"/>
+                <a16:creationId xmlns:a16="http://schemas.microsoft.com/office/drawing/2014/main" id="{76A15CC8-2066-4568-AC91-6BE92F870963}"/>
               </a:ext>
             </a:extLst>
           </p:cNvPr>
@@ -2578,7 +2598,7 @@
           <p:cNvPr id="4" name="Marcador de Posição do Texto 3">
             <a:extLst>
               <a:ext uri="{FF2B5EF4-FFF2-40B4-BE49-F238E27FC236}">
-                <a16:creationId xmlns:a16="http://schemas.microsoft.com/office/drawing/2014/main" id="{FF4A3B0B-A421-4EEC-8B09-D5A8A2E0817F}"/>
+                <a16:creationId xmlns:a16="http://schemas.microsoft.com/office/drawing/2014/main" id="{2E86CA9A-C397-46DB-9F66-C72BB28A6C64}"/>
               </a:ext>
             </a:extLst>
           </p:cNvPr>
@@ -2649,7 +2669,7 @@
           <p:cNvPr id="5" name="Marcador de Posição da Data 4">
             <a:extLst>
               <a:ext uri="{FF2B5EF4-FFF2-40B4-BE49-F238E27FC236}">
-                <a16:creationId xmlns:a16="http://schemas.microsoft.com/office/drawing/2014/main" id="{CC27798F-53FD-4525-A2DC-557DFDF7C1A3}"/>
+                <a16:creationId xmlns:a16="http://schemas.microsoft.com/office/drawing/2014/main" id="{45603EE1-8E22-476A-A085-9A86BFFBE8DD}"/>
               </a:ext>
             </a:extLst>
           </p:cNvPr>
@@ -2667,7 +2687,7 @@
           <a:p>
             <a:fld id="{2B03390F-521F-40ED-9D3B-4287339B36CD}" type="datetimeFigureOut">
               <a:rPr lang="pt-PT" smtClean="0"/>
-              <a:t>12/03/2021</a:t>
+              <a:t>13/03/2021</a:t>
             </a:fld>
             <a:endParaRPr lang="pt-PT"/>
           </a:p>
@@ -2678,7 +2698,7 @@
           <p:cNvPr id="6" name="Marcador de Posição do Rodapé 5">
             <a:extLst>
               <a:ext uri="{FF2B5EF4-FFF2-40B4-BE49-F238E27FC236}">
-                <a16:creationId xmlns:a16="http://schemas.microsoft.com/office/drawing/2014/main" id="{C10B8526-98A3-4F32-8496-CB8FAFC7CB9E}"/>
+                <a16:creationId xmlns:a16="http://schemas.microsoft.com/office/drawing/2014/main" id="{A1173EF3-66B8-4F1A-8FAF-9A0BB3193B4C}"/>
               </a:ext>
             </a:extLst>
           </p:cNvPr>
@@ -2703,7 +2723,7 @@
           <p:cNvPr id="7" name="Marcador de Posição do Número do Diapositivo 6">
             <a:extLst>
               <a:ext uri="{FF2B5EF4-FFF2-40B4-BE49-F238E27FC236}">
-                <a16:creationId xmlns:a16="http://schemas.microsoft.com/office/drawing/2014/main" id="{BED72732-280C-4A31-9C7F-53585C69C84F}"/>
+                <a16:creationId xmlns:a16="http://schemas.microsoft.com/office/drawing/2014/main" id="{2C80BC86-D1C0-4AA9-A9C2-7F1A4985F263}"/>
               </a:ext>
             </a:extLst>
           </p:cNvPr>
@@ -2730,7 +2750,7 @@
     </p:spTree>
     <p:extLst>
       <p:ext uri="{BB962C8B-B14F-4D97-AF65-F5344CB8AC3E}">
-        <p14:creationId xmlns:p14="http://schemas.microsoft.com/office/powerpoint/2010/main" val="4219262580"/>
+        <p14:creationId xmlns:p14="http://schemas.microsoft.com/office/powerpoint/2010/main" val="1126905496"/>
       </p:ext>
     </p:extLst>
   </p:cSld>
@@ -2767,7 +2787,7 @@
           <p:cNvPr id="2" name="Marcador de Posição do Título 1">
             <a:extLst>
               <a:ext uri="{FF2B5EF4-FFF2-40B4-BE49-F238E27FC236}">
-                <a16:creationId xmlns:a16="http://schemas.microsoft.com/office/drawing/2014/main" id="{FD5ACF28-7F6D-4815-870F-CE3A8807105E}"/>
+                <a16:creationId xmlns:a16="http://schemas.microsoft.com/office/drawing/2014/main" id="{EBAE2748-4468-4C9F-9D9B-D889F9A50863}"/>
               </a:ext>
             </a:extLst>
           </p:cNvPr>
@@ -2805,7 +2825,7 @@
           <p:cNvPr id="3" name="Marcador de Posição do Texto 2">
             <a:extLst>
               <a:ext uri="{FF2B5EF4-FFF2-40B4-BE49-F238E27FC236}">
-                <a16:creationId xmlns:a16="http://schemas.microsoft.com/office/drawing/2014/main" id="{1DE3694D-1A8A-411E-9819-4D14223254E3}"/>
+                <a16:creationId xmlns:a16="http://schemas.microsoft.com/office/drawing/2014/main" id="{87821F19-F763-4653-BF56-35DFEE2EDE6A}"/>
               </a:ext>
             </a:extLst>
           </p:cNvPr>
@@ -2872,7 +2892,7 @@
           <p:cNvPr id="4" name="Marcador de Posição da Data 3">
             <a:extLst>
               <a:ext uri="{FF2B5EF4-FFF2-40B4-BE49-F238E27FC236}">
-                <a16:creationId xmlns:a16="http://schemas.microsoft.com/office/drawing/2014/main" id="{6A0DBF95-2C5C-42FD-A325-9FBFA2328C94}"/>
+                <a16:creationId xmlns:a16="http://schemas.microsoft.com/office/drawing/2014/main" id="{C0A38487-9238-44B9-AA09-10E3922DAE5A}"/>
               </a:ext>
             </a:extLst>
           </p:cNvPr>
@@ -2908,7 +2928,7 @@
           <a:p>
             <a:fld id="{2B03390F-521F-40ED-9D3B-4287339B36CD}" type="datetimeFigureOut">
               <a:rPr lang="pt-PT" smtClean="0"/>
-              <a:t>12/03/2021</a:t>
+              <a:t>13/03/2021</a:t>
             </a:fld>
             <a:endParaRPr lang="pt-PT"/>
           </a:p>
@@ -2919,7 +2939,7 @@
           <p:cNvPr id="5" name="Marcador de Posição do Rodapé 4">
             <a:extLst>
               <a:ext uri="{FF2B5EF4-FFF2-40B4-BE49-F238E27FC236}">
-                <a16:creationId xmlns:a16="http://schemas.microsoft.com/office/drawing/2014/main" id="{F620A224-FD79-4E41-AFEA-7CBD2D558FC0}"/>
+                <a16:creationId xmlns:a16="http://schemas.microsoft.com/office/drawing/2014/main" id="{FF370C92-93B5-4DD1-953C-D81DCE23B7D6}"/>
               </a:ext>
             </a:extLst>
           </p:cNvPr>
@@ -2962,7 +2982,7 @@
           <p:cNvPr id="6" name="Marcador de Posição do Número do Diapositivo 5">
             <a:extLst>
               <a:ext uri="{FF2B5EF4-FFF2-40B4-BE49-F238E27FC236}">
-                <a16:creationId xmlns:a16="http://schemas.microsoft.com/office/drawing/2014/main" id="{9D7D125F-CB94-40AA-9C44-6B3B39106A06}"/>
+                <a16:creationId xmlns:a16="http://schemas.microsoft.com/office/drawing/2014/main" id="{8882A878-0ABF-46D2-A3B7-02D74DC6E75D}"/>
               </a:ext>
             </a:extLst>
           </p:cNvPr>
@@ -3007,23 +3027,23 @@
     </p:spTree>
     <p:extLst>
       <p:ext uri="{BB962C8B-B14F-4D97-AF65-F5344CB8AC3E}">
-        <p14:creationId xmlns:p14="http://schemas.microsoft.com/office/powerpoint/2010/main" val="1248555828"/>
+        <p14:creationId xmlns:p14="http://schemas.microsoft.com/office/powerpoint/2010/main" val="2239151191"/>
       </p:ext>
     </p:extLst>
   </p:cSld>
   <p:clrMap bg1="lt1" tx1="dk1" bg2="lt2" tx2="dk2" accent1="accent1" accent2="accent2" accent3="accent3" accent4="accent4" accent5="accent5" accent6="accent6" hlink="hlink" folHlink="folHlink"/>
   <p:sldLayoutIdLst>
-    <p:sldLayoutId id="2147483649" r:id="rId1"/>
-    <p:sldLayoutId id="2147483650" r:id="rId2"/>
-    <p:sldLayoutId id="2147483651" r:id="rId3"/>
-    <p:sldLayoutId id="2147483652" r:id="rId4"/>
-    <p:sldLayoutId id="2147483653" r:id="rId5"/>
-    <p:sldLayoutId id="2147483654" r:id="rId6"/>
-    <p:sldLayoutId id="2147483655" r:id="rId7"/>
-    <p:sldLayoutId id="2147483656" r:id="rId8"/>
-    <p:sldLayoutId id="2147483657" r:id="rId9"/>
-    <p:sldLayoutId id="2147483658" r:id="rId10"/>
-    <p:sldLayoutId id="2147483659" r:id="rId11"/>
+    <p:sldLayoutId id="2147483685" r:id="rId1"/>
+    <p:sldLayoutId id="2147483686" r:id="rId2"/>
+    <p:sldLayoutId id="2147483687" r:id="rId3"/>
+    <p:sldLayoutId id="2147483688" r:id="rId4"/>
+    <p:sldLayoutId id="2147483689" r:id="rId5"/>
+    <p:sldLayoutId id="2147483690" r:id="rId6"/>
+    <p:sldLayoutId id="2147483691" r:id="rId7"/>
+    <p:sldLayoutId id="2147483692" r:id="rId8"/>
+    <p:sldLayoutId id="2147483693" r:id="rId9"/>
+    <p:sldLayoutId id="2147483694" r:id="rId10"/>
+    <p:sldLayoutId id="2147483695" r:id="rId11"/>
   </p:sldLayoutIdLst>
   <p:txStyles>
     <p:titleStyle>
@@ -3305,12 +3325,25 @@
       </a:lvl9pPr>
     </p:otherStyle>
   </p:txStyles>
+  <p:extLst>
+    <p:ext uri="{27BBF7A9-308A-43DC-89C8-2F10F3537804}">
+      <p15:sldGuideLst xmlns:p15="http://schemas.microsoft.com/office/powerpoint/2012/main"/>
+    </p:ext>
+  </p:extLst>
 </p:sldMaster>
 </file>
 
 <file path=ppt/slides/slide1.xml><?xml version="1.0" encoding="utf-8"?>
 <p:sld xmlns:a="http://schemas.openxmlformats.org/drawingml/2006/main" xmlns:r="http://schemas.openxmlformats.org/officeDocument/2006/relationships" xmlns:p="http://schemas.openxmlformats.org/presentationml/2006/main">
   <p:cSld>
+    <p:bg>
+      <p:bgPr>
+        <a:solidFill>
+          <a:schemeClr val="accent1"/>
+        </a:solidFill>
+        <a:effectLst/>
+      </p:bgPr>
+    </p:bg>
     <p:spTree>
       <p:nvGrpSpPr>
         <p:cNvPr id="1" name=""/>
@@ -3343,7 +3376,7 @@
         </p:nvSpPr>
         <p:spPr>
           <a:xfrm>
-            <a:off x="1524000" y="761999"/>
+            <a:off x="1524000" y="1111975"/>
             <a:ext cx="9144000" cy="919163"/>
           </a:xfrm>
         </p:spPr>
@@ -3352,30 +3385,42 @@
           <a:lstStyle/>
           <a:p>
             <a:r>
+              <a:rPr lang="en-GB" dirty="0">
+                <a:solidFill>
+                  <a:schemeClr val="bg1"/>
+                </a:solidFill>
+                <a:ea typeface="Roboto" pitchFamily="2" charset="0"/>
+                <a:cs typeface="Calibri" panose="020F0502020204030204" pitchFamily="34" charset="0"/>
+              </a:rPr>
+              <a:t>Ball</a:t>
+            </a:r>
+            <a:r>
+              <a:rPr lang="pt-PT" dirty="0">
+                <a:solidFill>
+                  <a:schemeClr val="bg1"/>
+                </a:solidFill>
+                <a:ea typeface="Roboto" pitchFamily="2" charset="0"/>
+                <a:cs typeface="Calibri" panose="020F0502020204030204" pitchFamily="34" charset="0"/>
+              </a:rPr>
+              <a:t> </a:t>
+            </a:r>
+            <a:r>
               <a:rPr lang="pt-PT" dirty="0" err="1">
-                <a:latin typeface="Roboto" pitchFamily="2" charset="0"/>
-                <a:ea typeface="Roboto" pitchFamily="2" charset="0"/>
-              </a:rPr>
-              <a:t>Ball</a:t>
+                <a:solidFill>
+                  <a:schemeClr val="bg1"/>
+                </a:solidFill>
+                <a:ea typeface="Roboto" pitchFamily="2" charset="0"/>
+                <a:cs typeface="Calibri" panose="020F0502020204030204" pitchFamily="34" charset="0"/>
+              </a:rPr>
+              <a:t>Sort</a:t>
             </a:r>
             <a:r>
               <a:rPr lang="pt-PT" dirty="0">
-                <a:latin typeface="Roboto" pitchFamily="2" charset="0"/>
-                <a:ea typeface="Roboto" pitchFamily="2" charset="0"/>
-              </a:rPr>
-              <a:t> </a:t>
-            </a:r>
-            <a:r>
-              <a:rPr lang="pt-PT" dirty="0" err="1">
-                <a:latin typeface="Roboto" pitchFamily="2" charset="0"/>
-                <a:ea typeface="Roboto" pitchFamily="2" charset="0"/>
-              </a:rPr>
-              <a:t>Sort</a:t>
-            </a:r>
-            <a:r>
-              <a:rPr lang="pt-PT" dirty="0">
-                <a:latin typeface="Roboto" pitchFamily="2" charset="0"/>
-                <a:ea typeface="Roboto" pitchFamily="2" charset="0"/>
+                <a:solidFill>
+                  <a:schemeClr val="bg1"/>
+                </a:solidFill>
+                <a:ea typeface="Roboto" pitchFamily="2" charset="0"/>
+                <a:cs typeface="Calibri" panose="020F0502020204030204" pitchFamily="34" charset="0"/>
               </a:rPr>
               <a:t> Puzzle</a:t>
             </a:r>
@@ -3400,13 +3445,13 @@
         </p:nvSpPr>
         <p:spPr>
           <a:xfrm>
-            <a:off x="1524000" y="3602037"/>
-            <a:ext cx="9144000" cy="1258721"/>
+            <a:off x="1524000" y="4717728"/>
+            <a:ext cx="9144000" cy="1257300"/>
           </a:xfrm>
         </p:spPr>
         <p:txBody>
           <a:bodyPr>
-            <a:normAutofit lnSpcReduction="10000"/>
+            <a:normAutofit/>
           </a:bodyPr>
           <a:lstStyle/>
           <a:p>
@@ -3414,23 +3459,32 @@
               <a:lnSpc>
                 <a:spcPct val="100000"/>
               </a:lnSpc>
+              <a:spcBef>
+                <a:spcPts val="0"/>
+              </a:spcBef>
             </a:pPr>
             <a:r>
               <a:rPr lang="pt-PT" dirty="0">
-                <a:latin typeface="Roboto" pitchFamily="2" charset="0"/>
+                <a:solidFill>
+                  <a:schemeClr val="bg1"/>
+                </a:solidFill>
                 <a:ea typeface="Roboto" pitchFamily="2" charset="0"/>
               </a:rPr>
               <a:t>Gonçalo Alves – up201806451</a:t>
             </a:r>
             <a:br>
               <a:rPr lang="pt-PT" dirty="0">
-                <a:latin typeface="Roboto" pitchFamily="2" charset="0"/>
+                <a:solidFill>
+                  <a:schemeClr val="bg1"/>
+                </a:solidFill>
                 <a:ea typeface="Roboto" pitchFamily="2" charset="0"/>
               </a:rPr>
             </a:br>
             <a:r>
               <a:rPr lang="pt-PT" dirty="0">
-                <a:latin typeface="Roboto" pitchFamily="2" charset="0"/>
+                <a:solidFill>
+                  <a:schemeClr val="bg1"/>
+                </a:solidFill>
                 <a:ea typeface="Roboto" pitchFamily="2" charset="0"/>
               </a:rPr>
               <a:t>Gustavo Mendes – up201806078</a:t>
@@ -3441,10 +3495,15 @@
               <a:lnSpc>
                 <a:spcPct val="100000"/>
               </a:lnSpc>
+              <a:spcBef>
+                <a:spcPts val="0"/>
+              </a:spcBef>
             </a:pPr>
             <a:r>
               <a:rPr lang="pt-PT" dirty="0">
-                <a:latin typeface="Roboto" pitchFamily="2" charset="0"/>
+                <a:solidFill>
+                  <a:schemeClr val="bg1"/>
+                </a:solidFill>
                 <a:ea typeface="Roboto" pitchFamily="2" charset="0"/>
               </a:rPr>
               <a:t>Pedro Seixas – up201806227</a:t>
@@ -3468,7 +3527,7 @@
         </p:nvSpPr>
         <p:spPr>
           <a:xfrm>
-            <a:off x="1524000" y="1681162"/>
+            <a:off x="1524000" y="2031138"/>
             <a:ext cx="9144000" cy="604838"/>
           </a:xfrm>
           <a:prstGeom prst="rect">
@@ -3477,7 +3536,7 @@
         </p:spPr>
         <p:txBody>
           <a:bodyPr vert="horz" lIns="91440" tIns="45720" rIns="91440" bIns="45720" rtlCol="0">
-            <a:normAutofit fontScale="92500"/>
+            <a:normAutofit/>
           </a:bodyPr>
           <a:lstStyle>
             <a:lvl1pPr marL="0" indent="0" algn="ctr" defTabSz="914400" rtl="0" eaLnBrk="1" latinLnBrk="0" hangingPunct="1">
@@ -3646,13 +3705,274 @@
           <a:p>
             <a:r>
               <a:rPr lang="en-US" sz="2800" dirty="0">
-                <a:latin typeface="Roboto" pitchFamily="2" charset="0"/>
+                <a:solidFill>
+                  <a:schemeClr val="bg1"/>
+                </a:solidFill>
                 <a:ea typeface="Roboto" pitchFamily="2" charset="0"/>
               </a:rPr>
               <a:t>Heuristic Search Methods for One Player Solitaire Games</a:t>
             </a:r>
             <a:endParaRPr lang="pt-PT" sz="2800" dirty="0">
-              <a:latin typeface="Roboto" pitchFamily="2" charset="0"/>
+              <a:solidFill>
+                <a:schemeClr val="bg1"/>
+              </a:solidFill>
+              <a:ea typeface="Roboto" pitchFamily="2" charset="0"/>
+            </a:endParaRPr>
+          </a:p>
+        </p:txBody>
+      </p:sp>
+      <p:pic>
+        <p:nvPicPr>
+          <p:cNvPr id="6" name="Imagem 5">
+            <a:extLst>
+              <a:ext uri="{FF2B5EF4-FFF2-40B4-BE49-F238E27FC236}">
+                <a16:creationId xmlns:a16="http://schemas.microsoft.com/office/drawing/2014/main" id="{679AF644-4635-4624-BA14-F559870732F5}"/>
+              </a:ext>
+            </a:extLst>
+          </p:cNvPr>
+          <p:cNvPicPr>
+            <a:picLocks noChangeAspect="1"/>
+          </p:cNvPicPr>
+          <p:nvPr/>
+        </p:nvPicPr>
+        <p:blipFill>
+          <a:blip r:embed="rId2">
+            <a:extLst>
+              <a:ext uri="{28A0092B-C50C-407E-A947-70E740481C1C}">
+                <a14:useLocalDpi xmlns:a14="http://schemas.microsoft.com/office/drawing/2010/main" val="0"/>
+              </a:ext>
+            </a:extLst>
+          </a:blip>
+          <a:stretch>
+            <a:fillRect/>
+          </a:stretch>
+        </p:blipFill>
+        <p:spPr>
+          <a:xfrm>
+            <a:off x="1524000" y="4513263"/>
+            <a:ext cx="4248150" cy="1666229"/>
+          </a:xfrm>
+          <a:prstGeom prst="rect">
+            <a:avLst/>
+          </a:prstGeom>
+        </p:spPr>
+      </p:pic>
+      <p:sp>
+        <p:nvSpPr>
+          <p:cNvPr id="7" name="Subtítulo 2">
+            <a:extLst>
+              <a:ext uri="{FF2B5EF4-FFF2-40B4-BE49-F238E27FC236}">
+                <a16:creationId xmlns:a16="http://schemas.microsoft.com/office/drawing/2014/main" id="{715BC453-77C2-48CD-9F0C-C44EF75D4669}"/>
+              </a:ext>
+            </a:extLst>
+          </p:cNvPr>
+          <p:cNvSpPr txBox="1">
+            <a:spLocks/>
+          </p:cNvSpPr>
+          <p:nvPr/>
+        </p:nvSpPr>
+        <p:spPr>
+          <a:xfrm>
+            <a:off x="1524000" y="3094118"/>
+            <a:ext cx="9144000" cy="1015920"/>
+          </a:xfrm>
+          <a:prstGeom prst="rect">
+            <a:avLst/>
+          </a:prstGeom>
+        </p:spPr>
+        <p:txBody>
+          <a:bodyPr vert="horz" lIns="91440" tIns="45720" rIns="91440" bIns="45720" rtlCol="0">
+            <a:normAutofit/>
+          </a:bodyPr>
+          <a:lstStyle>
+            <a:lvl1pPr marL="0" indent="0" algn="ctr" defTabSz="914400" rtl="0" eaLnBrk="1" latinLnBrk="0" hangingPunct="1">
+              <a:lnSpc>
+                <a:spcPct val="90000"/>
+              </a:lnSpc>
+              <a:spcBef>
+                <a:spcPts val="1000"/>
+              </a:spcBef>
+              <a:buFont typeface="Arial" panose="020B0604020202020204" pitchFamily="34" charset="0"/>
+              <a:buNone/>
+              <a:defRPr sz="2400" kern="1200">
+                <a:solidFill>
+                  <a:schemeClr val="tx1"/>
+                </a:solidFill>
+                <a:latin typeface="+mn-lt"/>
+                <a:ea typeface="+mn-ea"/>
+                <a:cs typeface="+mn-cs"/>
+              </a:defRPr>
+            </a:lvl1pPr>
+            <a:lvl2pPr marL="457200" indent="0" algn="ctr" defTabSz="914400" rtl="0" eaLnBrk="1" latinLnBrk="0" hangingPunct="1">
+              <a:lnSpc>
+                <a:spcPct val="90000"/>
+              </a:lnSpc>
+              <a:spcBef>
+                <a:spcPts val="500"/>
+              </a:spcBef>
+              <a:buFont typeface="Arial" panose="020B0604020202020204" pitchFamily="34" charset="0"/>
+              <a:buNone/>
+              <a:defRPr sz="2000" kern="1200">
+                <a:solidFill>
+                  <a:schemeClr val="tx1"/>
+                </a:solidFill>
+                <a:latin typeface="+mn-lt"/>
+                <a:ea typeface="+mn-ea"/>
+                <a:cs typeface="+mn-cs"/>
+              </a:defRPr>
+            </a:lvl2pPr>
+            <a:lvl3pPr marL="914400" indent="0" algn="ctr" defTabSz="914400" rtl="0" eaLnBrk="1" latinLnBrk="0" hangingPunct="1">
+              <a:lnSpc>
+                <a:spcPct val="90000"/>
+              </a:lnSpc>
+              <a:spcBef>
+                <a:spcPts val="500"/>
+              </a:spcBef>
+              <a:buFont typeface="Arial" panose="020B0604020202020204" pitchFamily="34" charset="0"/>
+              <a:buNone/>
+              <a:defRPr sz="1800" kern="1200">
+                <a:solidFill>
+                  <a:schemeClr val="tx1"/>
+                </a:solidFill>
+                <a:latin typeface="+mn-lt"/>
+                <a:ea typeface="+mn-ea"/>
+                <a:cs typeface="+mn-cs"/>
+              </a:defRPr>
+            </a:lvl3pPr>
+            <a:lvl4pPr marL="1371600" indent="0" algn="ctr" defTabSz="914400" rtl="0" eaLnBrk="1" latinLnBrk="0" hangingPunct="1">
+              <a:lnSpc>
+                <a:spcPct val="90000"/>
+              </a:lnSpc>
+              <a:spcBef>
+                <a:spcPts val="500"/>
+              </a:spcBef>
+              <a:buFont typeface="Arial" panose="020B0604020202020204" pitchFamily="34" charset="0"/>
+              <a:buNone/>
+              <a:defRPr sz="1600" kern="1200">
+                <a:solidFill>
+                  <a:schemeClr val="tx1"/>
+                </a:solidFill>
+                <a:latin typeface="+mn-lt"/>
+                <a:ea typeface="+mn-ea"/>
+                <a:cs typeface="+mn-cs"/>
+              </a:defRPr>
+            </a:lvl4pPr>
+            <a:lvl5pPr marL="1828800" indent="0" algn="ctr" defTabSz="914400" rtl="0" eaLnBrk="1" latinLnBrk="0" hangingPunct="1">
+              <a:lnSpc>
+                <a:spcPct val="90000"/>
+              </a:lnSpc>
+              <a:spcBef>
+                <a:spcPts val="500"/>
+              </a:spcBef>
+              <a:buFont typeface="Arial" panose="020B0604020202020204" pitchFamily="34" charset="0"/>
+              <a:buNone/>
+              <a:defRPr sz="1600" kern="1200">
+                <a:solidFill>
+                  <a:schemeClr val="tx1"/>
+                </a:solidFill>
+                <a:latin typeface="+mn-lt"/>
+                <a:ea typeface="+mn-ea"/>
+                <a:cs typeface="+mn-cs"/>
+              </a:defRPr>
+            </a:lvl5pPr>
+            <a:lvl6pPr marL="2286000" indent="0" algn="ctr" defTabSz="914400" rtl="0" eaLnBrk="1" latinLnBrk="0" hangingPunct="1">
+              <a:lnSpc>
+                <a:spcPct val="90000"/>
+              </a:lnSpc>
+              <a:spcBef>
+                <a:spcPts val="500"/>
+              </a:spcBef>
+              <a:buFont typeface="Arial" panose="020B0604020202020204" pitchFamily="34" charset="0"/>
+              <a:buNone/>
+              <a:defRPr sz="1600" kern="1200">
+                <a:solidFill>
+                  <a:schemeClr val="tx1"/>
+                </a:solidFill>
+                <a:latin typeface="+mn-lt"/>
+                <a:ea typeface="+mn-ea"/>
+                <a:cs typeface="+mn-cs"/>
+              </a:defRPr>
+            </a:lvl6pPr>
+            <a:lvl7pPr marL="2743200" indent="0" algn="ctr" defTabSz="914400" rtl="0" eaLnBrk="1" latinLnBrk="0" hangingPunct="1">
+              <a:lnSpc>
+                <a:spcPct val="90000"/>
+              </a:lnSpc>
+              <a:spcBef>
+                <a:spcPts val="500"/>
+              </a:spcBef>
+              <a:buFont typeface="Arial" panose="020B0604020202020204" pitchFamily="34" charset="0"/>
+              <a:buNone/>
+              <a:defRPr sz="1600" kern="1200">
+                <a:solidFill>
+                  <a:schemeClr val="tx1"/>
+                </a:solidFill>
+                <a:latin typeface="+mn-lt"/>
+                <a:ea typeface="+mn-ea"/>
+                <a:cs typeface="+mn-cs"/>
+              </a:defRPr>
+            </a:lvl7pPr>
+            <a:lvl8pPr marL="3200400" indent="0" algn="ctr" defTabSz="914400" rtl="0" eaLnBrk="1" latinLnBrk="0" hangingPunct="1">
+              <a:lnSpc>
+                <a:spcPct val="90000"/>
+              </a:lnSpc>
+              <a:spcBef>
+                <a:spcPts val="500"/>
+              </a:spcBef>
+              <a:buFont typeface="Arial" panose="020B0604020202020204" pitchFamily="34" charset="0"/>
+              <a:buNone/>
+              <a:defRPr sz="1600" kern="1200">
+                <a:solidFill>
+                  <a:schemeClr val="tx1"/>
+                </a:solidFill>
+                <a:latin typeface="+mn-lt"/>
+                <a:ea typeface="+mn-ea"/>
+                <a:cs typeface="+mn-cs"/>
+              </a:defRPr>
+            </a:lvl8pPr>
+            <a:lvl9pPr marL="3657600" indent="0" algn="ctr" defTabSz="914400" rtl="0" eaLnBrk="1" latinLnBrk="0" hangingPunct="1">
+              <a:lnSpc>
+                <a:spcPct val="90000"/>
+              </a:lnSpc>
+              <a:spcBef>
+                <a:spcPts val="500"/>
+              </a:spcBef>
+              <a:buFont typeface="Arial" panose="020B0604020202020204" pitchFamily="34" charset="0"/>
+              <a:buNone/>
+              <a:defRPr sz="1600" kern="1200">
+                <a:solidFill>
+                  <a:schemeClr val="tx1"/>
+                </a:solidFill>
+                <a:latin typeface="+mn-lt"/>
+                <a:ea typeface="+mn-ea"/>
+                <a:cs typeface="+mn-cs"/>
+              </a:defRPr>
+            </a:lvl9pPr>
+          </a:lstStyle>
+          <a:p>
+            <a:r>
+              <a:rPr lang="en-US" sz="3200" dirty="0">
+                <a:solidFill>
+                  <a:schemeClr val="bg1"/>
+                </a:solidFill>
+                <a:ea typeface="Roboto" pitchFamily="2" charset="0"/>
+              </a:rPr>
+              <a:t>Artificial Intelligence</a:t>
+            </a:r>
+          </a:p>
+          <a:p>
+            <a:r>
+              <a:rPr lang="en-US" sz="2000" dirty="0">
+                <a:solidFill>
+                  <a:schemeClr val="bg1"/>
+                </a:solidFill>
+                <a:ea typeface="Roboto" pitchFamily="2" charset="0"/>
+              </a:rPr>
+              <a:t>Master in Informatics and Computing Engineering</a:t>
+            </a:r>
+            <a:endParaRPr lang="pt-PT" sz="2000" dirty="0">
+              <a:solidFill>
+                <a:schemeClr val="bg1"/>
+              </a:solidFill>
               <a:ea typeface="Roboto" pitchFamily="2" charset="0"/>
             </a:endParaRPr>
           </a:p>
@@ -3704,20 +4024,23 @@
             <p:ph type="title"/>
           </p:nvPr>
         </p:nvSpPr>
-        <p:spPr/>
+        <p:spPr>
+          <a:xfrm>
+            <a:off x="559716" y="304800"/>
+            <a:ext cx="10515600" cy="1325563"/>
+          </a:xfrm>
+        </p:spPr>
         <p:txBody>
           <a:bodyPr/>
           <a:lstStyle/>
           <a:p>
             <a:r>
-              <a:rPr lang="pt-PT" dirty="0" err="1">
-                <a:latin typeface="Roboto" pitchFamily="2" charset="0"/>
+              <a:rPr lang="pt-PT" b="1" dirty="0" err="1">
                 <a:ea typeface="Roboto" pitchFamily="2" charset="0"/>
               </a:rPr>
               <a:t>Specification</a:t>
             </a:r>
-            <a:endParaRPr lang="pt-PT" dirty="0">
-              <a:latin typeface="Roboto" pitchFamily="2" charset="0"/>
+            <a:endParaRPr lang="pt-PT" b="1" dirty="0">
               <a:ea typeface="Roboto" pitchFamily="2" charset="0"/>
             </a:endParaRPr>
           </a:p>
@@ -3739,10 +4062,15 @@
             <p:ph idx="1"/>
           </p:nvPr>
         </p:nvSpPr>
-        <p:spPr/>
+        <p:spPr>
+          <a:xfrm>
+            <a:off x="559716" y="1796255"/>
+            <a:ext cx="6984084" cy="4351338"/>
+          </a:xfrm>
+        </p:spPr>
         <p:txBody>
           <a:bodyPr>
-            <a:normAutofit fontScale="92500"/>
+            <a:normAutofit lnSpcReduction="10000"/>
           </a:bodyPr>
           <a:lstStyle/>
           <a:p>
@@ -3750,9 +4078,8 @@
               <a:buNone/>
             </a:pPr>
             <a:r>
-              <a:rPr lang="en-US" b="0" i="0" dirty="0">
+              <a:rPr lang="en-US" sz="2400" b="0" i="0" dirty="0">
                 <a:effectLst/>
-                <a:latin typeface="Roboto" pitchFamily="2" charset="0"/>
                 <a:ea typeface="Roboto" pitchFamily="2" charset="0"/>
               </a:rPr>
               <a:t>The objective of the Ball Sort Puzzle is to sort the colored balls in the tubes until all balls with the same color stay in the same tube.</a:t>
@@ -3762,8 +4089,7 @@
             <a:pPr marL="0" indent="0">
               <a:buNone/>
             </a:pPr>
-            <a:endParaRPr lang="en-US" dirty="0">
-              <a:latin typeface="Roboto" pitchFamily="2" charset="0"/>
+            <a:endParaRPr lang="en-US" sz="2400" dirty="0">
               <a:ea typeface="Roboto" pitchFamily="2" charset="0"/>
             </a:endParaRPr>
           </a:p>
@@ -3772,8 +4098,7 @@
               <a:buNone/>
             </a:pPr>
             <a:r>
-              <a:rPr lang="en-US" dirty="0">
-                <a:latin typeface="Roboto" pitchFamily="2" charset="0"/>
+              <a:rPr lang="en-US" sz="2400" dirty="0">
                 <a:ea typeface="Roboto" pitchFamily="2" charset="0"/>
               </a:rPr>
               <a:t>The player can only move a ball at the top of a tube to:</a:t>
@@ -3784,8 +4109,7 @@
               <a:buNone/>
             </a:pPr>
             <a:r>
-              <a:rPr lang="en-US" dirty="0">
-                <a:latin typeface="Roboto" pitchFamily="2" charset="0"/>
+              <a:rPr lang="en-US" sz="2400" dirty="0">
                 <a:ea typeface="Roboto" pitchFamily="2" charset="0"/>
               </a:rPr>
               <a:t>	- an empty tube;</a:t>
@@ -3796,17 +4120,15 @@
               <a:buNone/>
             </a:pPr>
             <a:r>
-              <a:rPr lang="en-US" dirty="0">
-                <a:latin typeface="Roboto" pitchFamily="2" charset="0"/>
-                <a:ea typeface="Roboto" pitchFamily="2" charset="0"/>
-              </a:rPr>
-              <a:t>	- another tube that has a ball with the same color on top and 	has enough space;</a:t>
+              <a:rPr lang="en-US" sz="2400" dirty="0">
+                <a:ea typeface="Roboto" pitchFamily="2" charset="0"/>
+              </a:rPr>
+              <a:t>	- another tube that has a ball with the same 	color on top and has enough 	space;</a:t>
             </a:r>
             <a:br>
-              <a:rPr lang="en-US" dirty="0"/>
+              <a:rPr lang="en-US" sz="2400" dirty="0"/>
             </a:br>
-            <a:endParaRPr lang="en-US" dirty="0">
-              <a:latin typeface="Roboto" pitchFamily="2" charset="0"/>
+            <a:endParaRPr lang="en-US" sz="2400" dirty="0">
               <a:ea typeface="Roboto" pitchFamily="2" charset="0"/>
             </a:endParaRPr>
           </a:p>
@@ -3815,25 +4137,140 @@
               <a:buNone/>
             </a:pPr>
             <a:r>
-              <a:rPr lang="en-US" dirty="0">
-                <a:latin typeface="Roboto" pitchFamily="2" charset="0"/>
-                <a:ea typeface="Roboto" pitchFamily="2" charset="0"/>
-              </a:rPr>
-              <a:t>The player can also undo his moves if he finds himself without moves</a:t>
+              <a:rPr lang="en-US" sz="2400" dirty="0">
+                <a:ea typeface="Roboto" pitchFamily="2" charset="0"/>
+              </a:rPr>
+              <a:t>The player can also undo his moves if he finds himself without moves.</a:t>
             </a:r>
             <a:br>
               <a:rPr lang="en-US" dirty="0">
-                <a:latin typeface="Roboto" pitchFamily="2" charset="0"/>
                 <a:ea typeface="Roboto" pitchFamily="2" charset="0"/>
               </a:rPr>
             </a:br>
             <a:endParaRPr lang="pt-PT" dirty="0">
-              <a:latin typeface="Roboto" pitchFamily="2" charset="0"/>
               <a:ea typeface="Roboto" pitchFamily="2" charset="0"/>
             </a:endParaRPr>
           </a:p>
         </p:txBody>
       </p:sp>
+      <p:sp>
+        <p:nvSpPr>
+          <p:cNvPr id="4" name="Retângulo 3">
+            <a:extLst>
+              <a:ext uri="{FF2B5EF4-FFF2-40B4-BE49-F238E27FC236}">
+                <a16:creationId xmlns:a16="http://schemas.microsoft.com/office/drawing/2014/main" id="{75F5FA41-82AC-4C18-B967-B9C6655A90BC}"/>
+              </a:ext>
+            </a:extLst>
+          </p:cNvPr>
+          <p:cNvSpPr/>
+          <p:nvPr/>
+        </p:nvSpPr>
+        <p:spPr>
+          <a:xfrm>
+            <a:off x="0" y="-35351"/>
+            <a:ext cx="216816" cy="6928701"/>
+          </a:xfrm>
+          <a:prstGeom prst="rect">
+            <a:avLst/>
+          </a:prstGeom>
+        </p:spPr>
+        <p:style>
+          <a:lnRef idx="2">
+            <a:schemeClr val="accent1">
+              <a:shade val="50000"/>
+            </a:schemeClr>
+          </a:lnRef>
+          <a:fillRef idx="1">
+            <a:schemeClr val="accent1"/>
+          </a:fillRef>
+          <a:effectRef idx="0">
+            <a:schemeClr val="accent1"/>
+          </a:effectRef>
+          <a:fontRef idx="minor">
+            <a:schemeClr val="lt1"/>
+          </a:fontRef>
+        </p:style>
+        <p:txBody>
+          <a:bodyPr rtlCol="0" anchor="ctr"/>
+          <a:lstStyle/>
+          <a:p>
+            <a:pPr algn="ctr"/>
+            <a:endParaRPr lang="en-GB"/>
+          </a:p>
+        </p:txBody>
+      </p:sp>
+      <p:pic>
+        <p:nvPicPr>
+          <p:cNvPr id="6" name="Imagem 5">
+            <a:extLst>
+              <a:ext uri="{FF2B5EF4-FFF2-40B4-BE49-F238E27FC236}">
+                <a16:creationId xmlns:a16="http://schemas.microsoft.com/office/drawing/2014/main" id="{151FA63C-8E24-4590-8F30-CAEC5D675DF5}"/>
+              </a:ext>
+            </a:extLst>
+          </p:cNvPr>
+          <p:cNvPicPr>
+            <a:picLocks noChangeAspect="1"/>
+          </p:cNvPicPr>
+          <p:nvPr/>
+        </p:nvPicPr>
+        <p:blipFill>
+          <a:blip r:embed="rId2">
+            <a:extLst>
+              <a:ext uri="{28A0092B-C50C-407E-A947-70E740481C1C}">
+                <a14:useLocalDpi xmlns:a14="http://schemas.microsoft.com/office/drawing/2010/main" val="0"/>
+              </a:ext>
+            </a:extLst>
+          </a:blip>
+          <a:stretch>
+            <a:fillRect/>
+          </a:stretch>
+        </p:blipFill>
+        <p:spPr>
+          <a:xfrm>
+            <a:off x="9856198" y="5937007"/>
+            <a:ext cx="1776086" cy="616193"/>
+          </a:xfrm>
+          <a:prstGeom prst="rect">
+            <a:avLst/>
+          </a:prstGeom>
+        </p:spPr>
+      </p:pic>
+      <p:pic>
+        <p:nvPicPr>
+          <p:cNvPr id="7" name="Imagem 6">
+            <a:extLst>
+              <a:ext uri="{FF2B5EF4-FFF2-40B4-BE49-F238E27FC236}">
+                <a16:creationId xmlns:a16="http://schemas.microsoft.com/office/drawing/2014/main" id="{5C4810FF-F1DE-421A-9160-E3AA87CE8F6A}"/>
+              </a:ext>
+            </a:extLst>
+          </p:cNvPr>
+          <p:cNvPicPr>
+            <a:picLocks noChangeAspect="1"/>
+          </p:cNvPicPr>
+          <p:nvPr/>
+        </p:nvPicPr>
+        <p:blipFill>
+          <a:blip r:embed="rId3">
+            <a:extLst>
+              <a:ext uri="{28A0092B-C50C-407E-A947-70E740481C1C}">
+                <a14:useLocalDpi xmlns:a14="http://schemas.microsoft.com/office/drawing/2010/main" val="0"/>
+              </a:ext>
+            </a:extLst>
+          </a:blip>
+          <a:stretch>
+            <a:fillRect/>
+          </a:stretch>
+        </p:blipFill>
+        <p:spPr>
+          <a:xfrm>
+            <a:off x="8353338" y="1455528"/>
+            <a:ext cx="2719779" cy="3946944"/>
+          </a:xfrm>
+          <a:prstGeom prst="rect">
+            <a:avLst/>
+          </a:prstGeom>
+        </p:spPr>
+      </p:pic>
     </p:spTree>
     <p:extLst>
       <p:ext uri="{BB962C8B-B14F-4D97-AF65-F5344CB8AC3E}">
@@ -3866,48 +4303,70 @@
       </p:grpSpPr>
       <p:sp>
         <p:nvSpPr>
-          <p:cNvPr id="2" name="Título 1">
-            <a:extLst>
-              <a:ext uri="{FF2B5EF4-FFF2-40B4-BE49-F238E27FC236}">
-                <a16:creationId xmlns:a16="http://schemas.microsoft.com/office/drawing/2014/main" id="{087B9796-4EE7-4E83-A4CA-864E11D67006}"/>
-              </a:ext>
-            </a:extLst>
-          </p:cNvPr>
-          <p:cNvSpPr>
-            <a:spLocks noGrp="1"/>
-          </p:cNvSpPr>
-          <p:nvPr>
-            <p:ph type="title"/>
-          </p:nvPr>
-        </p:nvSpPr>
-        <p:spPr/>
-        <p:txBody>
-          <a:bodyPr/>
-          <a:lstStyle/>
-          <a:p>
-            <a:r>
-              <a:rPr lang="pt-PT" dirty="0" err="1">
-                <a:latin typeface="Roboto" pitchFamily="2" charset="0"/>
+          <p:cNvPr id="6" name="Título 1">
+            <a:extLst>
+              <a:ext uri="{FF2B5EF4-FFF2-40B4-BE49-F238E27FC236}">
+                <a16:creationId xmlns:a16="http://schemas.microsoft.com/office/drawing/2014/main" id="{92AF09F9-BF23-453E-83D2-7024226230EC}"/>
+              </a:ext>
+            </a:extLst>
+          </p:cNvPr>
+          <p:cNvSpPr txBox="1">
+            <a:spLocks/>
+          </p:cNvSpPr>
+          <p:nvPr/>
+        </p:nvSpPr>
+        <p:spPr>
+          <a:xfrm>
+            <a:off x="559716" y="304800"/>
+            <a:ext cx="10515600" cy="1325563"/>
+          </a:xfrm>
+          <a:prstGeom prst="rect">
+            <a:avLst/>
+          </a:prstGeom>
+        </p:spPr>
+        <p:txBody>
+          <a:bodyPr vert="horz" lIns="91440" tIns="45720" rIns="91440" bIns="45720" rtlCol="0" anchor="ctr">
+            <a:normAutofit/>
+          </a:bodyPr>
+          <a:lstStyle>
+            <a:lvl1pPr algn="l" defTabSz="914400" rtl="0" eaLnBrk="1" latinLnBrk="0" hangingPunct="1">
+              <a:lnSpc>
+                <a:spcPct val="90000"/>
+              </a:lnSpc>
+              <a:spcBef>
+                <a:spcPct val="0"/>
+              </a:spcBef>
+              <a:buNone/>
+              <a:defRPr sz="4400" kern="1200">
+                <a:solidFill>
+                  <a:schemeClr val="tx1"/>
+                </a:solidFill>
+                <a:latin typeface="+mj-lt"/>
+                <a:ea typeface="+mj-ea"/>
+                <a:cs typeface="+mj-cs"/>
+              </a:defRPr>
+            </a:lvl1pPr>
+          </a:lstStyle>
+          <a:p>
+            <a:r>
+              <a:rPr lang="pt-PT" b="1" dirty="0" err="1">
                 <a:ea typeface="Roboto" pitchFamily="2" charset="0"/>
               </a:rPr>
               <a:t>Related</a:t>
             </a:r>
             <a:r>
-              <a:rPr lang="pt-PT" dirty="0">
-                <a:latin typeface="Roboto" pitchFamily="2" charset="0"/>
+              <a:rPr lang="pt-PT" b="1" dirty="0">
                 <a:ea typeface="Roboto" pitchFamily="2" charset="0"/>
               </a:rPr>
               <a:t> </a:t>
             </a:r>
             <a:r>
-              <a:rPr lang="pt-PT" dirty="0" err="1">
-                <a:latin typeface="Roboto" pitchFamily="2" charset="0"/>
-                <a:ea typeface="Roboto" pitchFamily="2" charset="0"/>
-              </a:rPr>
-              <a:t>work</a:t>
-            </a:r>
-            <a:endParaRPr lang="pt-PT" dirty="0">
-              <a:latin typeface="Roboto" pitchFamily="2" charset="0"/>
+              <a:rPr lang="pt-PT" b="1" dirty="0" err="1">
+                <a:ea typeface="Roboto" pitchFamily="2" charset="0"/>
+              </a:rPr>
+              <a:t>Work</a:t>
+            </a:r>
+            <a:endParaRPr lang="pt-PT" b="1" dirty="0">
               <a:ea typeface="Roboto" pitchFamily="2" charset="0"/>
             </a:endParaRPr>
           </a:p>
@@ -3929,7 +4388,12 @@
             <p:ph idx="1"/>
           </p:nvPr>
         </p:nvSpPr>
-        <p:spPr/>
+        <p:spPr>
+          <a:xfrm>
+            <a:off x="559716" y="1585669"/>
+            <a:ext cx="10515600" cy="4351338"/>
+          </a:xfrm>
+        </p:spPr>
         <p:txBody>
           <a:bodyPr/>
           <a:lstStyle/>
@@ -3939,40 +4403,35 @@
               <a:buChar char="-"/>
             </a:pPr>
             <a:r>
-              <a:rPr lang="pt-PT" dirty="0">
-                <a:latin typeface="Roboto" pitchFamily="2" charset="0"/>
+              <a:rPr lang="pt-PT" sz="2400" dirty="0">
                 <a:ea typeface="Roboto" pitchFamily="2" charset="0"/>
                 <a:hlinkClick r:id="rId2"/>
               </a:rPr>
               <a:t>Link to </a:t>
             </a:r>
             <a:r>
-              <a:rPr lang="pt-PT" dirty="0" err="1">
-                <a:latin typeface="Roboto" pitchFamily="2" charset="0"/>
+              <a:rPr lang="pt-PT" sz="2400" dirty="0" err="1">
                 <a:ea typeface="Roboto" pitchFamily="2" charset="0"/>
                 <a:hlinkClick r:id="rId2"/>
               </a:rPr>
               <a:t>the</a:t>
             </a:r>
             <a:r>
-              <a:rPr lang="pt-PT" dirty="0">
-                <a:latin typeface="Roboto" pitchFamily="2" charset="0"/>
+              <a:rPr lang="pt-PT" sz="2400" dirty="0">
                 <a:ea typeface="Roboto" pitchFamily="2" charset="0"/>
                 <a:hlinkClick r:id="rId2"/>
               </a:rPr>
               <a:t> Google Play </a:t>
             </a:r>
             <a:r>
-              <a:rPr lang="pt-PT" dirty="0" err="1">
-                <a:latin typeface="Roboto" pitchFamily="2" charset="0"/>
+              <a:rPr lang="pt-PT" sz="2400" dirty="0" err="1">
                 <a:ea typeface="Roboto" pitchFamily="2" charset="0"/>
                 <a:hlinkClick r:id="rId2"/>
               </a:rPr>
               <a:t>page</a:t>
             </a:r>
             <a:r>
-              <a:rPr lang="pt-PT" dirty="0">
-                <a:latin typeface="Roboto" pitchFamily="2" charset="0"/>
+              <a:rPr lang="pt-PT" sz="2400" dirty="0">
                 <a:ea typeface="Roboto" pitchFamily="2" charset="0"/>
               </a:rPr>
               <a:t>;</a:t>
@@ -3984,75 +4443,223 @@
               <a:buChar char="-"/>
             </a:pPr>
             <a:r>
-              <a:rPr lang="pt-PT" dirty="0">
-                <a:latin typeface="Roboto" pitchFamily="2" charset="0"/>
+              <a:rPr lang="pt-PT" sz="2400" dirty="0">
                 <a:ea typeface="Roboto" pitchFamily="2" charset="0"/>
                 <a:hlinkClick r:id="rId3"/>
               </a:rPr>
               <a:t>Link </a:t>
             </a:r>
             <a:r>
-              <a:rPr lang="pt-PT" dirty="0" err="1">
-                <a:latin typeface="Roboto" pitchFamily="2" charset="0"/>
+              <a:rPr lang="pt-PT" sz="2400" dirty="0" err="1">
                 <a:ea typeface="Roboto" pitchFamily="2" charset="0"/>
                 <a:hlinkClick r:id="rId3"/>
               </a:rPr>
               <a:t>of</a:t>
             </a:r>
             <a:r>
-              <a:rPr lang="pt-PT" dirty="0">
-                <a:latin typeface="Roboto" pitchFamily="2" charset="0"/>
+              <a:rPr lang="pt-PT" sz="2400" dirty="0">
                 <a:ea typeface="Roboto" pitchFamily="2" charset="0"/>
                 <a:hlinkClick r:id="rId3"/>
               </a:rPr>
               <a:t> </a:t>
             </a:r>
             <a:r>
-              <a:rPr lang="pt-PT" dirty="0" err="1">
-                <a:latin typeface="Roboto" pitchFamily="2" charset="0"/>
+              <a:rPr lang="pt-PT" sz="2400" dirty="0" err="1">
                 <a:ea typeface="Roboto" pitchFamily="2" charset="0"/>
                 <a:hlinkClick r:id="rId3"/>
               </a:rPr>
               <a:t>all</a:t>
             </a:r>
             <a:r>
-              <a:rPr lang="pt-PT" dirty="0">
-                <a:latin typeface="Roboto" pitchFamily="2" charset="0"/>
+              <a:rPr lang="pt-PT" sz="2400" dirty="0">
                 <a:ea typeface="Roboto" pitchFamily="2" charset="0"/>
                 <a:hlinkClick r:id="rId3"/>
               </a:rPr>
               <a:t> </a:t>
             </a:r>
             <a:r>
-              <a:rPr lang="pt-PT" dirty="0" err="1">
-                <a:latin typeface="Roboto" pitchFamily="2" charset="0"/>
+              <a:rPr lang="pt-PT" sz="2400" dirty="0" err="1">
                 <a:ea typeface="Roboto" pitchFamily="2" charset="0"/>
                 <a:hlinkClick r:id="rId3"/>
               </a:rPr>
               <a:t>existing</a:t>
             </a:r>
             <a:r>
-              <a:rPr lang="pt-PT" dirty="0">
-                <a:latin typeface="Roboto" pitchFamily="2" charset="0"/>
+              <a:rPr lang="pt-PT" sz="2400" dirty="0">
                 <a:ea typeface="Roboto" pitchFamily="2" charset="0"/>
                 <a:hlinkClick r:id="rId3"/>
               </a:rPr>
               <a:t> </a:t>
             </a:r>
             <a:r>
-              <a:rPr lang="pt-PT" dirty="0" err="1">
-                <a:latin typeface="Roboto" pitchFamily="2" charset="0"/>
+              <a:rPr lang="pt-PT" sz="2400" dirty="0" err="1">
                 <a:ea typeface="Roboto" pitchFamily="2" charset="0"/>
                 <a:hlinkClick r:id="rId3"/>
               </a:rPr>
               <a:t>levels</a:t>
             </a:r>
             <a:r>
-              <a:rPr lang="pt-PT" dirty="0">
-                <a:latin typeface="Roboto" pitchFamily="2" charset="0"/>
+              <a:rPr lang="pt-PT" sz="2400" dirty="0">
                 <a:ea typeface="Roboto" pitchFamily="2" charset="0"/>
               </a:rPr>
               <a:t>;</a:t>
+            </a:r>
+          </a:p>
+          <a:p>
+            <a:pPr marL="0" indent="0">
+              <a:buNone/>
+            </a:pPr>
+            <a:endParaRPr lang="pt-PT" sz="2400" dirty="0">
+              <a:ea typeface="Roboto" pitchFamily="2" charset="0"/>
+            </a:endParaRPr>
+          </a:p>
+          <a:p>
+            <a:pPr marL="0" indent="0">
+              <a:buNone/>
+            </a:pPr>
+            <a:r>
+              <a:rPr lang="pt-PT" sz="2400" dirty="0" err="1">
+                <a:ea typeface="Roboto" pitchFamily="2" charset="0"/>
+              </a:rPr>
+              <a:t>We</a:t>
+            </a:r>
+            <a:r>
+              <a:rPr lang="pt-PT" sz="2400" dirty="0">
+                <a:ea typeface="Roboto" pitchFamily="2" charset="0"/>
+              </a:rPr>
+              <a:t> </a:t>
+            </a:r>
+            <a:r>
+              <a:rPr lang="pt-PT" sz="2400" dirty="0" err="1">
+                <a:ea typeface="Roboto" pitchFamily="2" charset="0"/>
+              </a:rPr>
+              <a:t>used</a:t>
+            </a:r>
+            <a:r>
+              <a:rPr lang="pt-PT" sz="2400" dirty="0">
+                <a:ea typeface="Roboto" pitchFamily="2" charset="0"/>
+              </a:rPr>
+              <a:t> </a:t>
+            </a:r>
+            <a:r>
+              <a:rPr lang="pt-PT" sz="2400" dirty="0" err="1">
+                <a:ea typeface="Roboto" pitchFamily="2" charset="0"/>
+              </a:rPr>
+              <a:t>the</a:t>
+            </a:r>
+            <a:r>
+              <a:rPr lang="pt-PT" sz="2400" dirty="0">
+                <a:ea typeface="Roboto" pitchFamily="2" charset="0"/>
+              </a:rPr>
+              <a:t> curricular </a:t>
+            </a:r>
+            <a:r>
+              <a:rPr lang="pt-PT" sz="2400" dirty="0" err="1">
+                <a:ea typeface="Roboto" pitchFamily="2" charset="0"/>
+              </a:rPr>
+              <a:t>unit’s</a:t>
+            </a:r>
+            <a:r>
+              <a:rPr lang="pt-PT" sz="2400" dirty="0">
+                <a:ea typeface="Roboto" pitchFamily="2" charset="0"/>
+              </a:rPr>
+              <a:t> </a:t>
+            </a:r>
+            <a:r>
+              <a:rPr lang="pt-PT" sz="2400" dirty="0" err="1">
+                <a:ea typeface="Roboto" pitchFamily="2" charset="0"/>
+              </a:rPr>
+              <a:t>presentations</a:t>
+            </a:r>
+            <a:r>
+              <a:rPr lang="pt-PT" sz="2400" dirty="0">
+                <a:ea typeface="Roboto" pitchFamily="2" charset="0"/>
+              </a:rPr>
+              <a:t> to </a:t>
+            </a:r>
+            <a:r>
+              <a:rPr lang="pt-PT" sz="2400" dirty="0" err="1">
+                <a:ea typeface="Roboto" pitchFamily="2" charset="0"/>
+              </a:rPr>
+              <a:t>guide</a:t>
+            </a:r>
+            <a:r>
+              <a:rPr lang="pt-PT" sz="2400" dirty="0">
+                <a:ea typeface="Roboto" pitchFamily="2" charset="0"/>
+              </a:rPr>
+              <a:t> </a:t>
+            </a:r>
+            <a:r>
+              <a:rPr lang="pt-PT" sz="2400" dirty="0" err="1">
+                <a:ea typeface="Roboto" pitchFamily="2" charset="0"/>
+              </a:rPr>
+              <a:t>our</a:t>
+            </a:r>
+            <a:r>
+              <a:rPr lang="pt-PT" sz="2400" dirty="0">
+                <a:ea typeface="Roboto" pitchFamily="2" charset="0"/>
+              </a:rPr>
+              <a:t> </a:t>
+            </a:r>
+            <a:r>
+              <a:rPr lang="pt-PT" sz="2400" dirty="0" err="1">
+                <a:ea typeface="Roboto" pitchFamily="2" charset="0"/>
+              </a:rPr>
+              <a:t>implementation</a:t>
+            </a:r>
+            <a:r>
+              <a:rPr lang="pt-PT" sz="2400" dirty="0">
+                <a:ea typeface="Roboto" pitchFamily="2" charset="0"/>
+              </a:rPr>
+              <a:t> </a:t>
+            </a:r>
+            <a:r>
+              <a:rPr lang="pt-PT" sz="2400" dirty="0" err="1">
+                <a:ea typeface="Roboto" pitchFamily="2" charset="0"/>
+              </a:rPr>
+              <a:t>of</a:t>
+            </a:r>
+            <a:r>
+              <a:rPr lang="pt-PT" sz="2400" dirty="0">
+                <a:ea typeface="Roboto" pitchFamily="2" charset="0"/>
+              </a:rPr>
+              <a:t> </a:t>
+            </a:r>
+            <a:r>
+              <a:rPr lang="pt-PT" sz="2400" dirty="0" err="1">
+                <a:ea typeface="Roboto" pitchFamily="2" charset="0"/>
+              </a:rPr>
+              <a:t>the</a:t>
+            </a:r>
+            <a:r>
+              <a:rPr lang="pt-PT" sz="2400" dirty="0">
+                <a:ea typeface="Roboto" pitchFamily="2" charset="0"/>
+              </a:rPr>
+              <a:t> </a:t>
+            </a:r>
+            <a:r>
+              <a:rPr lang="pt-PT" sz="2400" dirty="0" err="1">
+                <a:ea typeface="Roboto" pitchFamily="2" charset="0"/>
+              </a:rPr>
+              <a:t>various</a:t>
+            </a:r>
+            <a:r>
+              <a:rPr lang="pt-PT" sz="2400" dirty="0">
+                <a:ea typeface="Roboto" pitchFamily="2" charset="0"/>
+              </a:rPr>
+              <a:t> </a:t>
+            </a:r>
+            <a:r>
+              <a:rPr lang="pt-PT" sz="2400" dirty="0" err="1">
+                <a:ea typeface="Roboto" pitchFamily="2" charset="0"/>
+              </a:rPr>
+              <a:t>algorithms</a:t>
+            </a:r>
+            <a:r>
+              <a:rPr lang="pt-PT" sz="2400" dirty="0">
+                <a:ea typeface="Roboto" pitchFamily="2" charset="0"/>
+              </a:rPr>
+              <a:t>.</a:t>
             </a:r>
           </a:p>
           <a:p>
@@ -4072,6 +4679,88 @@
           </a:p>
         </p:txBody>
       </p:sp>
+      <p:sp>
+        <p:nvSpPr>
+          <p:cNvPr id="4" name="Retângulo 3">
+            <a:extLst>
+              <a:ext uri="{FF2B5EF4-FFF2-40B4-BE49-F238E27FC236}">
+                <a16:creationId xmlns:a16="http://schemas.microsoft.com/office/drawing/2014/main" id="{023EB955-CDDE-4F26-B57C-9942ACF77828}"/>
+              </a:ext>
+            </a:extLst>
+          </p:cNvPr>
+          <p:cNvSpPr/>
+          <p:nvPr/>
+        </p:nvSpPr>
+        <p:spPr>
+          <a:xfrm>
+            <a:off x="0" y="-35351"/>
+            <a:ext cx="216816" cy="6928701"/>
+          </a:xfrm>
+          <a:prstGeom prst="rect">
+            <a:avLst/>
+          </a:prstGeom>
+        </p:spPr>
+        <p:style>
+          <a:lnRef idx="2">
+            <a:schemeClr val="accent1">
+              <a:shade val="50000"/>
+            </a:schemeClr>
+          </a:lnRef>
+          <a:fillRef idx="1">
+            <a:schemeClr val="accent1"/>
+          </a:fillRef>
+          <a:effectRef idx="0">
+            <a:schemeClr val="accent1"/>
+          </a:effectRef>
+          <a:fontRef idx="minor">
+            <a:schemeClr val="lt1"/>
+          </a:fontRef>
+        </p:style>
+        <p:txBody>
+          <a:bodyPr rtlCol="0" anchor="ctr"/>
+          <a:lstStyle/>
+          <a:p>
+            <a:pPr algn="ctr"/>
+            <a:endParaRPr lang="en-GB"/>
+          </a:p>
+        </p:txBody>
+      </p:sp>
+      <p:pic>
+        <p:nvPicPr>
+          <p:cNvPr id="5" name="Imagem 4">
+            <a:extLst>
+              <a:ext uri="{FF2B5EF4-FFF2-40B4-BE49-F238E27FC236}">
+                <a16:creationId xmlns:a16="http://schemas.microsoft.com/office/drawing/2014/main" id="{B5D10940-CFB7-4EB0-958C-89E561785617}"/>
+              </a:ext>
+            </a:extLst>
+          </p:cNvPr>
+          <p:cNvPicPr>
+            <a:picLocks noChangeAspect="1"/>
+          </p:cNvPicPr>
+          <p:nvPr/>
+        </p:nvPicPr>
+        <p:blipFill>
+          <a:blip r:embed="rId4">
+            <a:extLst>
+              <a:ext uri="{28A0092B-C50C-407E-A947-70E740481C1C}">
+                <a14:useLocalDpi xmlns:a14="http://schemas.microsoft.com/office/drawing/2010/main" val="0"/>
+              </a:ext>
+            </a:extLst>
+          </a:blip>
+          <a:stretch>
+            <a:fillRect/>
+          </a:stretch>
+        </p:blipFill>
+        <p:spPr>
+          <a:xfrm>
+            <a:off x="9856198" y="5937007"/>
+            <a:ext cx="1776086" cy="616193"/>
+          </a:xfrm>
+          <a:prstGeom prst="rect">
+            <a:avLst/>
+          </a:prstGeom>
+        </p:spPr>
+      </p:pic>
     </p:spTree>
     <p:extLst>
       <p:ext uri="{BB962C8B-B14F-4D97-AF65-F5344CB8AC3E}">
@@ -4104,10 +4793,69 @@
       </p:grpSpPr>
       <p:sp>
         <p:nvSpPr>
-          <p:cNvPr id="2" name="Título 1">
-            <a:extLst>
-              <a:ext uri="{FF2B5EF4-FFF2-40B4-BE49-F238E27FC236}">
-                <a16:creationId xmlns:a16="http://schemas.microsoft.com/office/drawing/2014/main" id="{8D93E22E-3BB4-4382-9571-3D5DDAA92AD6}"/>
+          <p:cNvPr id="11" name="Título 1">
+            <a:extLst>
+              <a:ext uri="{FF2B5EF4-FFF2-40B4-BE49-F238E27FC236}">
+                <a16:creationId xmlns:a16="http://schemas.microsoft.com/office/drawing/2014/main" id="{3957CF5E-39A9-419D-B5BF-B27642F2C449}"/>
+              </a:ext>
+            </a:extLst>
+          </p:cNvPr>
+          <p:cNvSpPr txBox="1">
+            <a:spLocks/>
+          </p:cNvSpPr>
+          <p:nvPr/>
+        </p:nvSpPr>
+        <p:spPr>
+          <a:xfrm>
+            <a:off x="559716" y="304800"/>
+            <a:ext cx="10515600" cy="1325563"/>
+          </a:xfrm>
+          <a:prstGeom prst="rect">
+            <a:avLst/>
+          </a:prstGeom>
+        </p:spPr>
+        <p:txBody>
+          <a:bodyPr vert="horz" lIns="91440" tIns="45720" rIns="91440" bIns="45720" rtlCol="0" anchor="ctr">
+            <a:normAutofit/>
+          </a:bodyPr>
+          <a:lstStyle>
+            <a:lvl1pPr algn="l" defTabSz="914400" rtl="0" eaLnBrk="1" latinLnBrk="0" hangingPunct="1">
+              <a:lnSpc>
+                <a:spcPct val="90000"/>
+              </a:lnSpc>
+              <a:spcBef>
+                <a:spcPct val="0"/>
+              </a:spcBef>
+              <a:buNone/>
+              <a:defRPr sz="4400" kern="1200">
+                <a:solidFill>
+                  <a:schemeClr val="tx1"/>
+                </a:solidFill>
+                <a:latin typeface="+mj-lt"/>
+                <a:ea typeface="+mj-ea"/>
+                <a:cs typeface="+mj-cs"/>
+              </a:defRPr>
+            </a:lvl1pPr>
+          </a:lstStyle>
+          <a:p>
+            <a:r>
+              <a:rPr lang="en-US" sz="4100" b="1" dirty="0">
+                <a:ea typeface="Roboto" pitchFamily="2" charset="0"/>
+              </a:rPr>
+              <a:t>Formulation of the problem as a search problem</a:t>
+            </a:r>
+            <a:endParaRPr lang="pt-PT" sz="4100" b="1" dirty="0">
+              <a:ea typeface="Roboto" pitchFamily="2" charset="0"/>
+            </a:endParaRPr>
+          </a:p>
+        </p:txBody>
+      </p:sp>
+      <p:sp>
+        <p:nvSpPr>
+          <p:cNvPr id="3" name="Marcador de Posição de Conteúdo 2">
+            <a:extLst>
+              <a:ext uri="{FF2B5EF4-FFF2-40B4-BE49-F238E27FC236}">
+                <a16:creationId xmlns:a16="http://schemas.microsoft.com/office/drawing/2014/main" id="{6C856967-0835-4C72-BCDE-99692129A64C}"/>
               </a:ext>
             </a:extLst>
           </p:cNvPr>
@@ -4115,85 +4863,44 @@
             <a:spLocks noGrp="1"/>
           </p:cNvSpPr>
           <p:nvPr>
-            <p:ph type="title"/>
+            <p:ph idx="1"/>
           </p:nvPr>
         </p:nvSpPr>
-        <p:spPr/>
+        <p:spPr>
+          <a:xfrm>
+            <a:off x="559716" y="3314616"/>
+            <a:ext cx="5057274" cy="3151232"/>
+          </a:xfrm>
+        </p:spPr>
         <p:txBody>
           <a:bodyPr>
             <a:normAutofit/>
           </a:bodyPr>
           <a:lstStyle/>
           <a:p>
-            <a:r>
-              <a:rPr lang="en-US" sz="3700" dirty="0">
-                <a:latin typeface="Roboto" pitchFamily="2" charset="0"/>
-                <a:ea typeface="Roboto" pitchFamily="2" charset="0"/>
-              </a:rPr>
-              <a:t>Formulation of the problem as a search problem</a:t>
-            </a:r>
-            <a:endParaRPr lang="pt-PT" sz="3700" dirty="0">
-              <a:latin typeface="Roboto" pitchFamily="2" charset="0"/>
-              <a:ea typeface="Roboto" pitchFamily="2" charset="0"/>
-            </a:endParaRPr>
-          </a:p>
-        </p:txBody>
-      </p:sp>
-      <p:sp>
-        <p:nvSpPr>
-          <p:cNvPr id="3" name="Marcador de Posição de Conteúdo 2">
-            <a:extLst>
-              <a:ext uri="{FF2B5EF4-FFF2-40B4-BE49-F238E27FC236}">
-                <a16:creationId xmlns:a16="http://schemas.microsoft.com/office/drawing/2014/main" id="{6C856967-0835-4C72-BCDE-99692129A64C}"/>
-              </a:ext>
-            </a:extLst>
-          </p:cNvPr>
-          <p:cNvSpPr>
-            <a:spLocks noGrp="1"/>
-          </p:cNvSpPr>
-          <p:nvPr>
-            <p:ph idx="1"/>
-          </p:nvPr>
-        </p:nvSpPr>
-        <p:spPr>
-          <a:xfrm>
-            <a:off x="832184" y="3400548"/>
-            <a:ext cx="5057274" cy="3151232"/>
-          </a:xfrm>
-        </p:spPr>
-        <p:txBody>
-          <a:bodyPr>
-            <a:normAutofit/>
-          </a:bodyPr>
-          <a:lstStyle/>
-          <a:p>
             <a:pPr marL="0" indent="0">
               <a:buNone/>
             </a:pPr>
             <a:r>
-              <a:rPr lang="pt-PT" sz="2400" dirty="0" err="1">
-                <a:latin typeface="Roboto" pitchFamily="2" charset="0"/>
+              <a:rPr lang="pt-PT" sz="2400" b="1" dirty="0" err="1">
                 <a:ea typeface="Roboto" pitchFamily="2" charset="0"/>
               </a:rPr>
               <a:t>Initial</a:t>
             </a:r>
             <a:r>
-              <a:rPr lang="pt-PT" sz="2400" dirty="0">
-                <a:latin typeface="Roboto" pitchFamily="2" charset="0"/>
+              <a:rPr lang="pt-PT" sz="2400" b="1" dirty="0">
                 <a:ea typeface="Roboto" pitchFamily="2" charset="0"/>
               </a:rPr>
               <a:t> </a:t>
             </a:r>
             <a:r>
-              <a:rPr lang="pt-PT" sz="2400" dirty="0" err="1">
-                <a:latin typeface="Roboto" pitchFamily="2" charset="0"/>
+              <a:rPr lang="pt-PT" sz="2400" b="1" dirty="0" err="1">
                 <a:ea typeface="Roboto" pitchFamily="2" charset="0"/>
               </a:rPr>
               <a:t>State</a:t>
             </a:r>
             <a:r>
               <a:rPr lang="pt-PT" sz="2400" dirty="0">
-                <a:latin typeface="Roboto" pitchFamily="2" charset="0"/>
                 <a:ea typeface="Roboto" pitchFamily="2" charset="0"/>
               </a:rPr>
               <a:t>:</a:t>
@@ -4206,104 +4913,89 @@
             </a:pPr>
             <a:r>
               <a:rPr lang="pt-PT" sz="2400" dirty="0">
-                <a:latin typeface="Roboto" pitchFamily="2" charset="0"/>
                 <a:ea typeface="Roboto" pitchFamily="2" charset="0"/>
               </a:rPr>
               <a:t>Game: [</a:t>
             </a:r>
             <a:r>
               <a:rPr lang="pt-PT" sz="2400" dirty="0" err="1">
-                <a:latin typeface="Roboto" pitchFamily="2" charset="0"/>
                 <a:ea typeface="Roboto" pitchFamily="2" charset="0"/>
               </a:rPr>
               <a:t>Tube,Tube</a:t>
             </a:r>
             <a:r>
               <a:rPr lang="pt-PT" sz="2400" dirty="0">
-                <a:latin typeface="Roboto" pitchFamily="2" charset="0"/>
                 <a:ea typeface="Roboto" pitchFamily="2" charset="0"/>
               </a:rPr>
               <a:t>,…], </a:t>
             </a:r>
             <a:r>
               <a:rPr lang="pt-PT" sz="2400" dirty="0" err="1">
-                <a:latin typeface="Roboto" pitchFamily="2" charset="0"/>
                 <a:ea typeface="Roboto" pitchFamily="2" charset="0"/>
               </a:rPr>
               <a:t>where</a:t>
             </a:r>
             <a:r>
               <a:rPr lang="pt-PT" sz="2400" dirty="0">
-                <a:latin typeface="Roboto" pitchFamily="2" charset="0"/>
                 <a:ea typeface="Roboto" pitchFamily="2" charset="0"/>
               </a:rPr>
               <a:t> </a:t>
             </a:r>
             <a:r>
               <a:rPr lang="pt-PT" sz="2400" dirty="0" err="1">
-                <a:latin typeface="Roboto" pitchFamily="2" charset="0"/>
                 <a:ea typeface="Roboto" pitchFamily="2" charset="0"/>
               </a:rPr>
               <a:t>every</a:t>
             </a:r>
             <a:r>
               <a:rPr lang="pt-PT" sz="2400" dirty="0">
-                <a:latin typeface="Roboto" pitchFamily="2" charset="0"/>
                 <a:ea typeface="Roboto" pitchFamily="2" charset="0"/>
               </a:rPr>
               <a:t> Tube </a:t>
             </a:r>
             <a:r>
               <a:rPr lang="pt-PT" sz="2400" dirty="0" err="1">
-                <a:latin typeface="Roboto" pitchFamily="2" charset="0"/>
                 <a:ea typeface="Roboto" pitchFamily="2" charset="0"/>
               </a:rPr>
               <a:t>doesn’t</a:t>
             </a:r>
             <a:r>
               <a:rPr lang="pt-PT" sz="2400" dirty="0">
-                <a:latin typeface="Roboto" pitchFamily="2" charset="0"/>
                 <a:ea typeface="Roboto" pitchFamily="2" charset="0"/>
               </a:rPr>
               <a:t> </a:t>
             </a:r>
             <a:r>
               <a:rPr lang="pt-PT" sz="2400" dirty="0" err="1">
-                <a:latin typeface="Roboto" pitchFamily="2" charset="0"/>
                 <a:ea typeface="Roboto" pitchFamily="2" charset="0"/>
               </a:rPr>
               <a:t>contain</a:t>
             </a:r>
             <a:r>
               <a:rPr lang="pt-PT" sz="2400" dirty="0">
-                <a:latin typeface="Roboto" pitchFamily="2" charset="0"/>
                 <a:ea typeface="Roboto" pitchFamily="2" charset="0"/>
               </a:rPr>
               <a:t> 4 </a:t>
             </a:r>
             <a:r>
               <a:rPr lang="pt-PT" sz="2400" dirty="0" err="1">
-                <a:latin typeface="Roboto" pitchFamily="2" charset="0"/>
                 <a:ea typeface="Roboto" pitchFamily="2" charset="0"/>
               </a:rPr>
               <a:t>equal</a:t>
             </a:r>
             <a:r>
               <a:rPr lang="pt-PT" sz="2400" dirty="0">
-                <a:latin typeface="Roboto" pitchFamily="2" charset="0"/>
                 <a:ea typeface="Roboto" pitchFamily="2" charset="0"/>
               </a:rPr>
               <a:t> </a:t>
             </a:r>
             <a:r>
               <a:rPr lang="pt-PT" sz="2400" dirty="0" err="1">
-                <a:latin typeface="Roboto" pitchFamily="2" charset="0"/>
                 <a:ea typeface="Roboto" pitchFamily="2" charset="0"/>
               </a:rPr>
               <a:t>numbers</a:t>
             </a:r>
             <a:endParaRPr lang="pt-PT" sz="2400" dirty="0">
-              <a:latin typeface="Roboto" pitchFamily="2" charset="0"/>
               <a:ea typeface="Roboto" pitchFamily="2" charset="0"/>
             </a:endParaRPr>
           </a:p>
@@ -4312,180 +5004,155 @@
               <a:buNone/>
             </a:pPr>
             <a:r>
+              <a:rPr lang="pt-PT" sz="2400" b="1" dirty="0" err="1">
+                <a:ea typeface="Roboto" pitchFamily="2" charset="0"/>
+              </a:rPr>
+              <a:t>Obejctive</a:t>
+            </a:r>
+            <a:r>
+              <a:rPr lang="pt-PT" sz="2400" b="1" dirty="0">
+                <a:ea typeface="Roboto" pitchFamily="2" charset="0"/>
+              </a:rPr>
+              <a:t> </a:t>
+            </a:r>
+            <a:r>
+              <a:rPr lang="pt-PT" sz="2400" b="1" dirty="0" err="1">
+                <a:ea typeface="Roboto" pitchFamily="2" charset="0"/>
+              </a:rPr>
+              <a:t>State</a:t>
+            </a:r>
+            <a:r>
+              <a:rPr lang="pt-PT" sz="2400" dirty="0">
+                <a:ea typeface="Roboto" pitchFamily="2" charset="0"/>
+              </a:rPr>
+              <a:t>:</a:t>
+            </a:r>
+          </a:p>
+          <a:p>
+            <a:pPr marL="0" indent="0">
+              <a:buNone/>
+            </a:pPr>
+            <a:r>
+              <a:rPr lang="pt-PT" sz="2400" dirty="0">
+                <a:ea typeface="Roboto" pitchFamily="2" charset="0"/>
+              </a:rPr>
+              <a:t>- Game: [</a:t>
+            </a:r>
+            <a:r>
               <a:rPr lang="pt-PT" sz="2400" dirty="0" err="1">
-                <a:latin typeface="Roboto" pitchFamily="2" charset="0"/>
-                <a:ea typeface="Roboto" pitchFamily="2" charset="0"/>
-              </a:rPr>
-              <a:t>Obejctive</a:t>
-            </a:r>
-            <a:r>
-              <a:rPr lang="pt-PT" sz="2400" dirty="0">
-                <a:latin typeface="Roboto" pitchFamily="2" charset="0"/>
+                <a:ea typeface="Roboto" pitchFamily="2" charset="0"/>
+              </a:rPr>
+              <a:t>Tube,Tube</a:t>
+            </a:r>
+            <a:r>
+              <a:rPr lang="pt-PT" sz="2400" dirty="0">
+                <a:ea typeface="Roboto" pitchFamily="2" charset="0"/>
+              </a:rPr>
+              <a:t>,…], </a:t>
+            </a:r>
+            <a:r>
+              <a:rPr lang="pt-PT" sz="2400" dirty="0" err="1">
+                <a:ea typeface="Roboto" pitchFamily="2" charset="0"/>
+              </a:rPr>
+              <a:t>where</a:t>
+            </a:r>
+            <a:r>
+              <a:rPr lang="pt-PT" sz="2400" dirty="0">
                 <a:ea typeface="Roboto" pitchFamily="2" charset="0"/>
               </a:rPr>
               <a:t> </a:t>
             </a:r>
             <a:r>
               <a:rPr lang="pt-PT" sz="2400" dirty="0" err="1">
-                <a:latin typeface="Roboto" pitchFamily="2" charset="0"/>
-                <a:ea typeface="Roboto" pitchFamily="2" charset="0"/>
-              </a:rPr>
-              <a:t>State</a:t>
-            </a:r>
-            <a:r>
-              <a:rPr lang="pt-PT" sz="2400" dirty="0">
-                <a:latin typeface="Roboto" pitchFamily="2" charset="0"/>
-                <a:ea typeface="Roboto" pitchFamily="2" charset="0"/>
-              </a:rPr>
-              <a:t>:</a:t>
-            </a:r>
-          </a:p>
-          <a:p>
-            <a:pPr marL="0" indent="0">
-              <a:buNone/>
-            </a:pPr>
-            <a:r>
-              <a:rPr lang="pt-PT" sz="2400" dirty="0">
-                <a:latin typeface="Roboto" pitchFamily="2" charset="0"/>
-                <a:ea typeface="Roboto" pitchFamily="2" charset="0"/>
-              </a:rPr>
-              <a:t>- Game: [</a:t>
+                <a:ea typeface="Roboto" pitchFamily="2" charset="0"/>
+              </a:rPr>
+              <a:t>every</a:t>
+            </a:r>
+            <a:r>
+              <a:rPr lang="pt-PT" sz="2400" dirty="0">
+                <a:ea typeface="Roboto" pitchFamily="2" charset="0"/>
+              </a:rPr>
+              <a:t> Tube </a:t>
             </a:r>
             <a:r>
               <a:rPr lang="pt-PT" sz="2400" dirty="0" err="1">
-                <a:latin typeface="Roboto" pitchFamily="2" charset="0"/>
-                <a:ea typeface="Roboto" pitchFamily="2" charset="0"/>
-              </a:rPr>
-              <a:t>Tube,Tube</a:t>
-            </a:r>
-            <a:r>
-              <a:rPr lang="pt-PT" sz="2400" dirty="0">
-                <a:latin typeface="Roboto" pitchFamily="2" charset="0"/>
-                <a:ea typeface="Roboto" pitchFamily="2" charset="0"/>
-              </a:rPr>
-              <a:t>,…], </a:t>
+                <a:ea typeface="Roboto" pitchFamily="2" charset="0"/>
+              </a:rPr>
+              <a:t>either</a:t>
+            </a:r>
+            <a:r>
+              <a:rPr lang="pt-PT" sz="2400" dirty="0">
+                <a:ea typeface="Roboto" pitchFamily="2" charset="0"/>
+              </a:rPr>
+              <a:t> </a:t>
             </a:r>
             <a:r>
               <a:rPr lang="pt-PT" sz="2400" dirty="0" err="1">
-                <a:latin typeface="Roboto" pitchFamily="2" charset="0"/>
-                <a:ea typeface="Roboto" pitchFamily="2" charset="0"/>
-              </a:rPr>
-              <a:t>where</a:t>
-            </a:r>
-            <a:r>
-              <a:rPr lang="pt-PT" sz="2400" dirty="0">
-                <a:latin typeface="Roboto" pitchFamily="2" charset="0"/>
+                <a:ea typeface="Roboto" pitchFamily="2" charset="0"/>
+              </a:rPr>
+              <a:t>contains</a:t>
+            </a:r>
+            <a:r>
+              <a:rPr lang="pt-PT" sz="2400" dirty="0">
+                <a:ea typeface="Roboto" pitchFamily="2" charset="0"/>
+              </a:rPr>
+              <a:t> 4 </a:t>
+            </a:r>
+            <a:r>
+              <a:rPr lang="pt-PT" sz="2400" dirty="0" err="1">
+                <a:ea typeface="Roboto" pitchFamily="2" charset="0"/>
+              </a:rPr>
+              <a:t>equal</a:t>
+            </a:r>
+            <a:r>
+              <a:rPr lang="pt-PT" sz="2400" dirty="0">
                 <a:ea typeface="Roboto" pitchFamily="2" charset="0"/>
               </a:rPr>
               <a:t> </a:t>
             </a:r>
             <a:r>
               <a:rPr lang="pt-PT" sz="2400" dirty="0" err="1">
-                <a:latin typeface="Roboto" pitchFamily="2" charset="0"/>
-                <a:ea typeface="Roboto" pitchFamily="2" charset="0"/>
-              </a:rPr>
-              <a:t>every</a:t>
-            </a:r>
-            <a:r>
-              <a:rPr lang="pt-PT" sz="2400" dirty="0">
-                <a:latin typeface="Roboto" pitchFamily="2" charset="0"/>
-                <a:ea typeface="Roboto" pitchFamily="2" charset="0"/>
-              </a:rPr>
-              <a:t> Tube </a:t>
+                <a:ea typeface="Roboto" pitchFamily="2" charset="0"/>
+              </a:rPr>
+              <a:t>numbers</a:t>
+            </a:r>
+            <a:r>
+              <a:rPr lang="pt-PT" sz="2400" dirty="0">
+                <a:ea typeface="Roboto" pitchFamily="2" charset="0"/>
+              </a:rPr>
+              <a:t> </a:t>
             </a:r>
             <a:r>
               <a:rPr lang="pt-PT" sz="2400" dirty="0" err="1">
-                <a:latin typeface="Roboto" pitchFamily="2" charset="0"/>
-                <a:ea typeface="Roboto" pitchFamily="2" charset="0"/>
-              </a:rPr>
-              <a:t>either</a:t>
-            </a:r>
-            <a:r>
-              <a:rPr lang="pt-PT" sz="2400" dirty="0">
-                <a:latin typeface="Roboto" pitchFamily="2" charset="0"/>
+                <a:ea typeface="Roboto" pitchFamily="2" charset="0"/>
+              </a:rPr>
+              <a:t>or</a:t>
+            </a:r>
+            <a:r>
+              <a:rPr lang="pt-PT" sz="2400" dirty="0">
                 <a:ea typeface="Roboto" pitchFamily="2" charset="0"/>
               </a:rPr>
               <a:t> </a:t>
             </a:r>
             <a:r>
               <a:rPr lang="pt-PT" sz="2400" dirty="0" err="1">
-                <a:latin typeface="Roboto" pitchFamily="2" charset="0"/>
-                <a:ea typeface="Roboto" pitchFamily="2" charset="0"/>
-              </a:rPr>
-              <a:t>contains</a:t>
-            </a:r>
-            <a:r>
-              <a:rPr lang="pt-PT" sz="2400" dirty="0">
-                <a:latin typeface="Roboto" pitchFamily="2" charset="0"/>
-                <a:ea typeface="Roboto" pitchFamily="2" charset="0"/>
-              </a:rPr>
-              <a:t> 4 </a:t>
+                <a:ea typeface="Roboto" pitchFamily="2" charset="0"/>
+              </a:rPr>
+              <a:t>is</a:t>
+            </a:r>
+            <a:r>
+              <a:rPr lang="pt-PT" sz="2400" dirty="0">
+                <a:ea typeface="Roboto" pitchFamily="2" charset="0"/>
+              </a:rPr>
+              <a:t> </a:t>
             </a:r>
             <a:r>
               <a:rPr lang="pt-PT" sz="2400" dirty="0" err="1">
-                <a:latin typeface="Roboto" pitchFamily="2" charset="0"/>
-                <a:ea typeface="Roboto" pitchFamily="2" charset="0"/>
-              </a:rPr>
-              <a:t>equal</a:t>
-            </a:r>
-            <a:r>
-              <a:rPr lang="pt-PT" sz="2400" dirty="0">
-                <a:latin typeface="Roboto" pitchFamily="2" charset="0"/>
-                <a:ea typeface="Roboto" pitchFamily="2" charset="0"/>
-              </a:rPr>
-              <a:t> </a:t>
-            </a:r>
-            <a:r>
-              <a:rPr lang="pt-PT" sz="2400" dirty="0" err="1">
-                <a:latin typeface="Roboto" pitchFamily="2" charset="0"/>
-                <a:ea typeface="Roboto" pitchFamily="2" charset="0"/>
-              </a:rPr>
-              <a:t>numbers</a:t>
-            </a:r>
-            <a:r>
-              <a:rPr lang="pt-PT" sz="2400" dirty="0">
-                <a:latin typeface="Roboto" pitchFamily="2" charset="0"/>
-                <a:ea typeface="Roboto" pitchFamily="2" charset="0"/>
-              </a:rPr>
-              <a:t> </a:t>
-            </a:r>
-            <a:r>
-              <a:rPr lang="pt-PT" sz="2400" dirty="0" err="1">
-                <a:latin typeface="Roboto" pitchFamily="2" charset="0"/>
-                <a:ea typeface="Roboto" pitchFamily="2" charset="0"/>
-              </a:rPr>
-              <a:t>or</a:t>
-            </a:r>
-            <a:r>
-              <a:rPr lang="pt-PT" sz="2400" dirty="0">
-                <a:latin typeface="Roboto" pitchFamily="2" charset="0"/>
-                <a:ea typeface="Roboto" pitchFamily="2" charset="0"/>
-              </a:rPr>
-              <a:t> </a:t>
-            </a:r>
-            <a:r>
-              <a:rPr lang="pt-PT" sz="2400" dirty="0" err="1">
-                <a:latin typeface="Roboto" pitchFamily="2" charset="0"/>
-                <a:ea typeface="Roboto" pitchFamily="2" charset="0"/>
-              </a:rPr>
-              <a:t>is</a:t>
-            </a:r>
-            <a:r>
-              <a:rPr lang="pt-PT" sz="2400" dirty="0">
-                <a:latin typeface="Roboto" pitchFamily="2" charset="0"/>
-                <a:ea typeface="Roboto" pitchFamily="2" charset="0"/>
-              </a:rPr>
-              <a:t> </a:t>
-            </a:r>
-            <a:r>
-              <a:rPr lang="pt-PT" sz="2400" dirty="0" err="1">
-                <a:latin typeface="Roboto" pitchFamily="2" charset="0"/>
                 <a:ea typeface="Roboto" pitchFamily="2" charset="0"/>
               </a:rPr>
               <a:t>empty</a:t>
             </a:r>
             <a:endParaRPr lang="pt-PT" sz="2400" dirty="0">
-              <a:latin typeface="Roboto" pitchFamily="2" charset="0"/>
               <a:ea typeface="Roboto" pitchFamily="2" charset="0"/>
             </a:endParaRPr>
           </a:p>
@@ -4513,7 +5180,7 @@
         </p:nvSpPr>
         <p:spPr>
           <a:xfrm>
-            <a:off x="838200" y="1658607"/>
+            <a:off x="559716" y="1502111"/>
             <a:ext cx="5057274" cy="1774406"/>
           </a:xfrm>
           <a:prstGeom prst="rect">
@@ -4694,29 +5361,25 @@
               <a:buNone/>
             </a:pPr>
             <a:r>
-              <a:rPr lang="pt-PT" sz="2400" dirty="0" err="1">
-                <a:latin typeface="Roboto" pitchFamily="2" charset="0"/>
+              <a:rPr lang="pt-PT" sz="2400" b="1" dirty="0" err="1">
                 <a:ea typeface="Roboto" pitchFamily="2" charset="0"/>
               </a:rPr>
               <a:t>State</a:t>
             </a:r>
             <a:r>
-              <a:rPr lang="pt-PT" sz="2400" dirty="0">
-                <a:latin typeface="Roboto" pitchFamily="2" charset="0"/>
+              <a:rPr lang="pt-PT" sz="2400" b="1" dirty="0">
                 <a:ea typeface="Roboto" pitchFamily="2" charset="0"/>
               </a:rPr>
               <a:t> </a:t>
             </a:r>
             <a:r>
-              <a:rPr lang="pt-PT" sz="2400" dirty="0" err="1">
-                <a:latin typeface="Roboto" pitchFamily="2" charset="0"/>
+              <a:rPr lang="pt-PT" sz="2400" b="1" dirty="0" err="1">
                 <a:ea typeface="Roboto" pitchFamily="2" charset="0"/>
               </a:rPr>
               <a:t>Representation</a:t>
             </a:r>
             <a:r>
               <a:rPr lang="pt-PT" sz="2400" dirty="0">
-                <a:latin typeface="Roboto" pitchFamily="2" charset="0"/>
                 <a:ea typeface="Roboto" pitchFamily="2" charset="0"/>
               </a:rPr>
               <a:t>:</a:t>
@@ -4729,21 +5392,18 @@
             </a:pPr>
             <a:r>
               <a:rPr lang="pt-PT" sz="2400" dirty="0">
-                <a:latin typeface="Roboto" pitchFamily="2" charset="0"/>
                 <a:ea typeface="Roboto" pitchFamily="2" charset="0"/>
               </a:rPr>
               <a:t>- </a:t>
             </a:r>
             <a:r>
               <a:rPr lang="pt-PT" sz="2400" dirty="0" err="1">
-                <a:latin typeface="Roboto" pitchFamily="2" charset="0"/>
                 <a:ea typeface="Roboto" pitchFamily="2" charset="0"/>
               </a:rPr>
               <a:t>Ball</a:t>
             </a:r>
             <a:r>
               <a:rPr lang="pt-PT" sz="2400" dirty="0">
-                <a:latin typeface="Roboto" pitchFamily="2" charset="0"/>
                 <a:ea typeface="Roboto" pitchFamily="2" charset="0"/>
               </a:rPr>
               <a:t>: [1..∞]</a:t>
@@ -4756,77 +5416,66 @@
             </a:pPr>
             <a:r>
               <a:rPr lang="pt-PT" sz="2400" dirty="0">
-                <a:latin typeface="Roboto" pitchFamily="2" charset="0"/>
                 <a:ea typeface="Roboto" pitchFamily="2" charset="0"/>
               </a:rPr>
               <a:t>Tube: [</a:t>
             </a:r>
             <a:r>
               <a:rPr lang="pt-PT" sz="2400" dirty="0" err="1">
-                <a:latin typeface="Roboto" pitchFamily="2" charset="0"/>
                 <a:ea typeface="Roboto" pitchFamily="2" charset="0"/>
               </a:rPr>
               <a:t>Ball</a:t>
             </a:r>
             <a:r>
               <a:rPr lang="pt-PT" sz="2400" dirty="0">
-                <a:latin typeface="Roboto" pitchFamily="2" charset="0"/>
                 <a:ea typeface="Roboto" pitchFamily="2" charset="0"/>
               </a:rPr>
               <a:t>, </a:t>
             </a:r>
             <a:r>
               <a:rPr lang="pt-PT" sz="2400" dirty="0" err="1">
-                <a:latin typeface="Roboto" pitchFamily="2" charset="0"/>
                 <a:ea typeface="Roboto" pitchFamily="2" charset="0"/>
               </a:rPr>
               <a:t>Ball</a:t>
             </a:r>
             <a:r>
               <a:rPr lang="pt-PT" sz="2400" dirty="0">
-                <a:latin typeface="Roboto" pitchFamily="2" charset="0"/>
                 <a:ea typeface="Roboto" pitchFamily="2" charset="0"/>
               </a:rPr>
               <a:t>, </a:t>
             </a:r>
             <a:r>
               <a:rPr lang="pt-PT" sz="2400" dirty="0" err="1">
-                <a:latin typeface="Roboto" pitchFamily="2" charset="0"/>
                 <a:ea typeface="Roboto" pitchFamily="2" charset="0"/>
               </a:rPr>
               <a:t>Ball</a:t>
             </a:r>
             <a:r>
               <a:rPr lang="pt-PT" sz="2400" dirty="0">
-                <a:latin typeface="Roboto" pitchFamily="2" charset="0"/>
                 <a:ea typeface="Roboto" pitchFamily="2" charset="0"/>
               </a:rPr>
               <a:t>, </a:t>
             </a:r>
             <a:r>
               <a:rPr lang="pt-PT" sz="2400" dirty="0" err="1">
-                <a:latin typeface="Roboto" pitchFamily="2" charset="0"/>
                 <a:ea typeface="Roboto" pitchFamily="2" charset="0"/>
               </a:rPr>
               <a:t>Ball</a:t>
             </a:r>
             <a:r>
               <a:rPr lang="pt-PT" sz="2400" dirty="0">
-                <a:latin typeface="Roboto" pitchFamily="2" charset="0"/>
                 <a:ea typeface="Roboto" pitchFamily="2" charset="0"/>
               </a:rPr>
               <a:t>] </a:t>
             </a:r>
             <a:r>
               <a:rPr lang="pt-PT" sz="2400" dirty="0" err="1">
-                <a:latin typeface="Roboto" pitchFamily="2" charset="0"/>
                 <a:ea typeface="Roboto" pitchFamily="2" charset="0"/>
               </a:rPr>
               <a:t>or</a:t>
             </a:r>
             <a:r>
               <a:rPr lang="pt-PT" sz="2400" dirty="0">
-                <a:latin typeface="Roboto" pitchFamily="2" charset="0"/>
                 <a:ea typeface="Roboto" pitchFamily="2" charset="0"/>
               </a:rPr>
               <a:t> []</a:t>
@@ -4839,21 +5488,18 @@
             </a:pPr>
             <a:r>
               <a:rPr lang="pt-PT" sz="2400" dirty="0">
-                <a:latin typeface="Roboto" pitchFamily="2" charset="0"/>
                 <a:ea typeface="Roboto" pitchFamily="2" charset="0"/>
               </a:rPr>
               <a:t>Game: [</a:t>
             </a:r>
             <a:r>
               <a:rPr lang="pt-PT" sz="2400" dirty="0" err="1">
-                <a:latin typeface="Roboto" pitchFamily="2" charset="0"/>
                 <a:ea typeface="Roboto" pitchFamily="2" charset="0"/>
               </a:rPr>
               <a:t>Tube,Tube</a:t>
             </a:r>
             <a:r>
               <a:rPr lang="pt-PT" sz="2400" dirty="0">
-                <a:latin typeface="Roboto" pitchFamily="2" charset="0"/>
                 <a:ea typeface="Roboto" pitchFamily="2" charset="0"/>
               </a:rPr>
               <a:t>,…]</a:t>
@@ -5077,8 +5723,8 @@
         </p:nvSpPr>
         <p:spPr>
           <a:xfrm>
-            <a:off x="6096000" y="1729039"/>
-            <a:ext cx="4844716" cy="4925471"/>
+            <a:off x="5616990" y="1502111"/>
+            <a:ext cx="5458326" cy="4925471"/>
           </a:xfrm>
           <a:prstGeom prst="rect">
             <a:avLst/>
@@ -5258,15 +5904,13 @@
               <a:buNone/>
             </a:pPr>
             <a:r>
-              <a:rPr lang="pt-PT" sz="2400" dirty="0" err="1">
-                <a:latin typeface="Roboto" pitchFamily="2" charset="0"/>
+              <a:rPr lang="pt-PT" sz="2400" b="1" dirty="0" err="1">
                 <a:ea typeface="Roboto" pitchFamily="2" charset="0"/>
               </a:rPr>
               <a:t>Operators</a:t>
             </a:r>
             <a:r>
               <a:rPr lang="pt-PT" sz="2400" dirty="0">
-                <a:latin typeface="Roboto" pitchFamily="2" charset="0"/>
                 <a:ea typeface="Roboto" pitchFamily="2" charset="0"/>
               </a:rPr>
               <a:t>:</a:t>
@@ -5279,7 +5923,6 @@
             </a:pPr>
             <a:r>
               <a:rPr lang="pt-PT" sz="2400" dirty="0">
-                <a:latin typeface="Roboto" pitchFamily="2" charset="0"/>
                 <a:ea typeface="Roboto" pitchFamily="2" charset="0"/>
               </a:rPr>
               <a:t>Move(X,Y):</a:t>
@@ -5292,181 +5935,155 @@
             </a:pPr>
             <a:r>
               <a:rPr lang="pt-PT" dirty="0" err="1">
-                <a:latin typeface="Roboto" pitchFamily="2" charset="0"/>
                 <a:ea typeface="Roboto" pitchFamily="2" charset="0"/>
               </a:rPr>
               <a:t>PreCond</a:t>
             </a:r>
             <a:r>
               <a:rPr lang="pt-PT" dirty="0">
-                <a:latin typeface="Roboto" pitchFamily="2" charset="0"/>
                 <a:ea typeface="Roboto" pitchFamily="2" charset="0"/>
               </a:rPr>
               <a:t>: Tube Y must </a:t>
             </a:r>
             <a:r>
               <a:rPr lang="pt-PT" dirty="0" err="1">
-                <a:latin typeface="Roboto" pitchFamily="2" charset="0"/>
                 <a:ea typeface="Roboto" pitchFamily="2" charset="0"/>
               </a:rPr>
               <a:t>be</a:t>
             </a:r>
             <a:r>
               <a:rPr lang="pt-PT" dirty="0">
-                <a:latin typeface="Roboto" pitchFamily="2" charset="0"/>
                 <a:ea typeface="Roboto" pitchFamily="2" charset="0"/>
               </a:rPr>
               <a:t> </a:t>
             </a:r>
             <a:r>
               <a:rPr lang="pt-PT" dirty="0" err="1">
-                <a:latin typeface="Roboto" pitchFamily="2" charset="0"/>
                 <a:ea typeface="Roboto" pitchFamily="2" charset="0"/>
               </a:rPr>
               <a:t>empty</a:t>
             </a:r>
             <a:r>
               <a:rPr lang="pt-PT" dirty="0">
-                <a:latin typeface="Roboto" pitchFamily="2" charset="0"/>
                 <a:ea typeface="Roboto" pitchFamily="2" charset="0"/>
               </a:rPr>
               <a:t> </a:t>
             </a:r>
             <a:r>
               <a:rPr lang="pt-PT" dirty="0" err="1">
-                <a:latin typeface="Roboto" pitchFamily="2" charset="0"/>
                 <a:ea typeface="Roboto" pitchFamily="2" charset="0"/>
               </a:rPr>
               <a:t>or</a:t>
             </a:r>
             <a:r>
               <a:rPr lang="pt-PT" dirty="0">
-                <a:latin typeface="Roboto" pitchFamily="2" charset="0"/>
                 <a:ea typeface="Roboto" pitchFamily="2" charset="0"/>
               </a:rPr>
               <a:t> </a:t>
             </a:r>
             <a:r>
               <a:rPr lang="pt-PT" dirty="0" err="1">
-                <a:latin typeface="Roboto" pitchFamily="2" charset="0"/>
                 <a:ea typeface="Roboto" pitchFamily="2" charset="0"/>
               </a:rPr>
               <a:t>have</a:t>
             </a:r>
             <a:r>
               <a:rPr lang="pt-PT" dirty="0">
-                <a:latin typeface="Roboto" pitchFamily="2" charset="0"/>
                 <a:ea typeface="Roboto" pitchFamily="2" charset="0"/>
               </a:rPr>
               <a:t> a </a:t>
             </a:r>
             <a:r>
               <a:rPr lang="pt-PT" dirty="0" err="1">
-                <a:latin typeface="Roboto" pitchFamily="2" charset="0"/>
                 <a:ea typeface="Roboto" pitchFamily="2" charset="0"/>
               </a:rPr>
               <a:t>Ball</a:t>
             </a:r>
             <a:r>
               <a:rPr lang="pt-PT" dirty="0">
-                <a:latin typeface="Roboto" pitchFamily="2" charset="0"/>
                 <a:ea typeface="Roboto" pitchFamily="2" charset="0"/>
               </a:rPr>
               <a:t> </a:t>
             </a:r>
             <a:r>
               <a:rPr lang="pt-PT" dirty="0" err="1">
-                <a:latin typeface="Roboto" pitchFamily="2" charset="0"/>
                 <a:ea typeface="Roboto" pitchFamily="2" charset="0"/>
               </a:rPr>
               <a:t>just</a:t>
             </a:r>
             <a:r>
               <a:rPr lang="pt-PT" dirty="0">
-                <a:latin typeface="Roboto" pitchFamily="2" charset="0"/>
                 <a:ea typeface="Roboto" pitchFamily="2" charset="0"/>
               </a:rPr>
               <a:t> </a:t>
             </a:r>
             <a:r>
               <a:rPr lang="pt-PT" dirty="0" err="1">
-                <a:latin typeface="Roboto" pitchFamily="2" charset="0"/>
                 <a:ea typeface="Roboto" pitchFamily="2" charset="0"/>
               </a:rPr>
               <a:t>like</a:t>
             </a:r>
             <a:r>
               <a:rPr lang="pt-PT" dirty="0">
-                <a:latin typeface="Roboto" pitchFamily="2" charset="0"/>
                 <a:ea typeface="Roboto" pitchFamily="2" charset="0"/>
               </a:rPr>
               <a:t> </a:t>
             </a:r>
             <a:r>
               <a:rPr lang="pt-PT" dirty="0" err="1">
-                <a:latin typeface="Roboto" pitchFamily="2" charset="0"/>
                 <a:ea typeface="Roboto" pitchFamily="2" charset="0"/>
               </a:rPr>
               <a:t>the</a:t>
             </a:r>
             <a:r>
               <a:rPr lang="pt-PT" dirty="0">
-                <a:latin typeface="Roboto" pitchFamily="2" charset="0"/>
                 <a:ea typeface="Roboto" pitchFamily="2" charset="0"/>
               </a:rPr>
               <a:t> </a:t>
             </a:r>
             <a:r>
               <a:rPr lang="pt-PT" dirty="0" err="1">
-                <a:latin typeface="Roboto" pitchFamily="2" charset="0"/>
                 <a:ea typeface="Roboto" pitchFamily="2" charset="0"/>
               </a:rPr>
               <a:t>one</a:t>
             </a:r>
             <a:r>
               <a:rPr lang="pt-PT" dirty="0">
-                <a:latin typeface="Roboto" pitchFamily="2" charset="0"/>
                 <a:ea typeface="Roboto" pitchFamily="2" charset="0"/>
               </a:rPr>
               <a:t> </a:t>
             </a:r>
             <a:r>
               <a:rPr lang="pt-PT" dirty="0" err="1">
-                <a:latin typeface="Roboto" pitchFamily="2" charset="0"/>
                 <a:ea typeface="Roboto" pitchFamily="2" charset="0"/>
               </a:rPr>
               <a:t>that</a:t>
             </a:r>
             <a:r>
               <a:rPr lang="pt-PT" dirty="0">
-                <a:latin typeface="Roboto" pitchFamily="2" charset="0"/>
                 <a:ea typeface="Roboto" pitchFamily="2" charset="0"/>
               </a:rPr>
               <a:t> </a:t>
             </a:r>
             <a:r>
               <a:rPr lang="pt-PT" dirty="0" err="1">
-                <a:latin typeface="Roboto" pitchFamily="2" charset="0"/>
                 <a:ea typeface="Roboto" pitchFamily="2" charset="0"/>
               </a:rPr>
               <a:t>is</a:t>
             </a:r>
             <a:r>
               <a:rPr lang="pt-PT" dirty="0">
-                <a:latin typeface="Roboto" pitchFamily="2" charset="0"/>
                 <a:ea typeface="Roboto" pitchFamily="2" charset="0"/>
               </a:rPr>
               <a:t> </a:t>
             </a:r>
             <a:r>
               <a:rPr lang="pt-PT" dirty="0" err="1">
-                <a:latin typeface="Roboto" pitchFamily="2" charset="0"/>
                 <a:ea typeface="Roboto" pitchFamily="2" charset="0"/>
               </a:rPr>
               <a:t>moved</a:t>
             </a:r>
             <a:endParaRPr lang="pt-PT" dirty="0">
-              <a:latin typeface="Roboto" pitchFamily="2" charset="0"/>
               <a:ea typeface="Roboto" pitchFamily="2" charset="0"/>
             </a:endParaRPr>
           </a:p>
@@ -5477,35 +6094,30 @@
             </a:pPr>
             <a:r>
               <a:rPr lang="pt-PT" dirty="0">
-                <a:latin typeface="Roboto" pitchFamily="2" charset="0"/>
                 <a:ea typeface="Roboto" pitchFamily="2" charset="0"/>
               </a:rPr>
               <a:t>Effect: move </a:t>
             </a:r>
             <a:r>
               <a:rPr lang="pt-PT" dirty="0" err="1">
-                <a:latin typeface="Roboto" pitchFamily="2" charset="0"/>
                 <a:ea typeface="Roboto" pitchFamily="2" charset="0"/>
               </a:rPr>
               <a:t>Ball</a:t>
             </a:r>
             <a:r>
               <a:rPr lang="pt-PT" dirty="0">
-                <a:latin typeface="Roboto" pitchFamily="2" charset="0"/>
                 <a:ea typeface="Roboto" pitchFamily="2" charset="0"/>
               </a:rPr>
               <a:t> </a:t>
             </a:r>
             <a:r>
               <a:rPr lang="pt-PT" dirty="0" err="1">
-                <a:latin typeface="Roboto" pitchFamily="2" charset="0"/>
                 <a:ea typeface="Roboto" pitchFamily="2" charset="0"/>
               </a:rPr>
               <a:t>from</a:t>
             </a:r>
             <a:r>
               <a:rPr lang="pt-PT" dirty="0">
-                <a:latin typeface="Roboto" pitchFamily="2" charset="0"/>
                 <a:ea typeface="Roboto" pitchFamily="2" charset="0"/>
               </a:rPr>
               <a:t> Tube X to Tube Y</a:t>
@@ -5518,294 +6130,252 @@
             </a:pPr>
             <a:r>
               <a:rPr lang="pt-PT" dirty="0" err="1">
-                <a:latin typeface="Roboto" pitchFamily="2" charset="0"/>
                 <a:ea typeface="Roboto" pitchFamily="2" charset="0"/>
               </a:rPr>
               <a:t>Cost</a:t>
             </a:r>
             <a:r>
               <a:rPr lang="pt-PT" dirty="0">
-                <a:latin typeface="Roboto" pitchFamily="2" charset="0"/>
                 <a:ea typeface="Roboto" pitchFamily="2" charset="0"/>
               </a:rPr>
               <a:t>: 1 </a:t>
             </a:r>
             <a:r>
               <a:rPr lang="pt-PT" dirty="0" err="1">
-                <a:latin typeface="Roboto" pitchFamily="2" charset="0"/>
                 <a:ea typeface="Roboto" pitchFamily="2" charset="0"/>
               </a:rPr>
               <a:t>is</a:t>
             </a:r>
             <a:r>
               <a:rPr lang="pt-PT" dirty="0">
-                <a:latin typeface="Roboto" pitchFamily="2" charset="0"/>
                 <a:ea typeface="Roboto" pitchFamily="2" charset="0"/>
               </a:rPr>
               <a:t> </a:t>
             </a:r>
             <a:r>
               <a:rPr lang="pt-PT" dirty="0" err="1">
-                <a:latin typeface="Roboto" pitchFamily="2" charset="0"/>
                 <a:ea typeface="Roboto" pitchFamily="2" charset="0"/>
               </a:rPr>
               <a:t>the</a:t>
             </a:r>
             <a:r>
               <a:rPr lang="pt-PT" dirty="0">
-                <a:latin typeface="Roboto" pitchFamily="2" charset="0"/>
                 <a:ea typeface="Roboto" pitchFamily="2" charset="0"/>
               </a:rPr>
               <a:t> general case, </a:t>
             </a:r>
             <a:r>
               <a:rPr lang="pt-PT" dirty="0" err="1">
-                <a:latin typeface="Roboto" pitchFamily="2" charset="0"/>
                 <a:ea typeface="Roboto" pitchFamily="2" charset="0"/>
               </a:rPr>
               <a:t>it</a:t>
             </a:r>
             <a:r>
               <a:rPr lang="pt-PT" dirty="0">
-                <a:latin typeface="Roboto" pitchFamily="2" charset="0"/>
                 <a:ea typeface="Roboto" pitchFamily="2" charset="0"/>
               </a:rPr>
               <a:t> </a:t>
             </a:r>
             <a:r>
               <a:rPr lang="pt-PT" dirty="0" err="1">
-                <a:latin typeface="Roboto" pitchFamily="2" charset="0"/>
                 <a:ea typeface="Roboto" pitchFamily="2" charset="0"/>
               </a:rPr>
               <a:t>represents</a:t>
             </a:r>
             <a:r>
               <a:rPr lang="pt-PT" dirty="0">
-                <a:latin typeface="Roboto" pitchFamily="2" charset="0"/>
                 <a:ea typeface="Roboto" pitchFamily="2" charset="0"/>
               </a:rPr>
               <a:t> a move; C2, </a:t>
             </a:r>
             <a:r>
               <a:rPr lang="pt-PT" dirty="0" err="1">
-                <a:latin typeface="Roboto" pitchFamily="2" charset="0"/>
                 <a:ea typeface="Roboto" pitchFamily="2" charset="0"/>
               </a:rPr>
               <a:t>evaluation</a:t>
             </a:r>
             <a:r>
               <a:rPr lang="pt-PT" dirty="0">
-                <a:latin typeface="Roboto" pitchFamily="2" charset="0"/>
                 <a:ea typeface="Roboto" pitchFamily="2" charset="0"/>
               </a:rPr>
               <a:t> </a:t>
             </a:r>
             <a:r>
               <a:rPr lang="pt-PT" dirty="0" err="1">
-                <a:latin typeface="Roboto" pitchFamily="2" charset="0"/>
                 <a:ea typeface="Roboto" pitchFamily="2" charset="0"/>
               </a:rPr>
               <a:t>of</a:t>
             </a:r>
             <a:r>
               <a:rPr lang="pt-PT" dirty="0">
-                <a:latin typeface="Roboto" pitchFamily="2" charset="0"/>
                 <a:ea typeface="Roboto" pitchFamily="2" charset="0"/>
               </a:rPr>
               <a:t> </a:t>
             </a:r>
             <a:r>
               <a:rPr lang="pt-PT" dirty="0" err="1">
-                <a:latin typeface="Roboto" pitchFamily="2" charset="0"/>
                 <a:ea typeface="Roboto" pitchFamily="2" charset="0"/>
               </a:rPr>
               <a:t>the</a:t>
             </a:r>
             <a:r>
               <a:rPr lang="pt-PT" dirty="0">
-                <a:latin typeface="Roboto" pitchFamily="2" charset="0"/>
                 <a:ea typeface="Roboto" pitchFamily="2" charset="0"/>
               </a:rPr>
               <a:t> </a:t>
             </a:r>
             <a:r>
               <a:rPr lang="pt-PT" dirty="0" err="1">
-                <a:latin typeface="Roboto" pitchFamily="2" charset="0"/>
                 <a:ea typeface="Roboto" pitchFamily="2" charset="0"/>
               </a:rPr>
               <a:t>number</a:t>
             </a:r>
             <a:r>
               <a:rPr lang="pt-PT" dirty="0">
-                <a:latin typeface="Roboto" pitchFamily="2" charset="0"/>
                 <a:ea typeface="Roboto" pitchFamily="2" charset="0"/>
               </a:rPr>
               <a:t> </a:t>
             </a:r>
             <a:r>
               <a:rPr lang="pt-PT" dirty="0" err="1">
-                <a:latin typeface="Roboto" pitchFamily="2" charset="0"/>
                 <a:ea typeface="Roboto" pitchFamily="2" charset="0"/>
               </a:rPr>
               <a:t>of</a:t>
             </a:r>
             <a:r>
               <a:rPr lang="pt-PT" dirty="0">
-                <a:latin typeface="Roboto" pitchFamily="2" charset="0"/>
                 <a:ea typeface="Roboto" pitchFamily="2" charset="0"/>
               </a:rPr>
               <a:t> </a:t>
             </a:r>
             <a:r>
               <a:rPr lang="pt-PT" dirty="0" err="1">
-                <a:latin typeface="Roboto" pitchFamily="2" charset="0"/>
                 <a:ea typeface="Roboto" pitchFamily="2" charset="0"/>
               </a:rPr>
               <a:t>wrongly</a:t>
             </a:r>
             <a:r>
               <a:rPr lang="pt-PT" dirty="0">
-                <a:latin typeface="Roboto" pitchFamily="2" charset="0"/>
                 <a:ea typeface="Roboto" pitchFamily="2" charset="0"/>
               </a:rPr>
               <a:t> </a:t>
             </a:r>
             <a:r>
               <a:rPr lang="pt-PT" dirty="0" err="1">
-                <a:latin typeface="Roboto" pitchFamily="2" charset="0"/>
                 <a:ea typeface="Roboto" pitchFamily="2" charset="0"/>
               </a:rPr>
               <a:t>placed</a:t>
             </a:r>
             <a:r>
               <a:rPr lang="pt-PT" dirty="0">
-                <a:latin typeface="Roboto" pitchFamily="2" charset="0"/>
                 <a:ea typeface="Roboto" pitchFamily="2" charset="0"/>
               </a:rPr>
               <a:t> </a:t>
             </a:r>
             <a:r>
               <a:rPr lang="pt-PT" dirty="0" err="1">
-                <a:latin typeface="Roboto" pitchFamily="2" charset="0"/>
                 <a:ea typeface="Roboto" pitchFamily="2" charset="0"/>
               </a:rPr>
               <a:t>Balls</a:t>
             </a:r>
             <a:r>
               <a:rPr lang="pt-PT" dirty="0">
-                <a:latin typeface="Roboto" pitchFamily="2" charset="0"/>
                 <a:ea typeface="Roboto" pitchFamily="2" charset="0"/>
               </a:rPr>
               <a:t>, </a:t>
             </a:r>
             <a:r>
               <a:rPr lang="pt-PT" dirty="0" err="1">
-                <a:latin typeface="Roboto" pitchFamily="2" charset="0"/>
                 <a:ea typeface="Roboto" pitchFamily="2" charset="0"/>
               </a:rPr>
               <a:t>based</a:t>
             </a:r>
             <a:r>
               <a:rPr lang="pt-PT" dirty="0">
-                <a:latin typeface="Roboto" pitchFamily="2" charset="0"/>
                 <a:ea typeface="Roboto" pitchFamily="2" charset="0"/>
               </a:rPr>
               <a:t> </a:t>
             </a:r>
             <a:r>
               <a:rPr lang="pt-PT" dirty="0" err="1">
-                <a:latin typeface="Roboto" pitchFamily="2" charset="0"/>
                 <a:ea typeface="Roboto" pitchFamily="2" charset="0"/>
               </a:rPr>
               <a:t>on</a:t>
             </a:r>
             <a:r>
               <a:rPr lang="pt-PT" dirty="0">
-                <a:latin typeface="Roboto" pitchFamily="2" charset="0"/>
                 <a:ea typeface="Roboto" pitchFamily="2" charset="0"/>
               </a:rPr>
               <a:t> </a:t>
             </a:r>
             <a:r>
               <a:rPr lang="pt-PT" dirty="0" err="1">
-                <a:latin typeface="Roboto" pitchFamily="2" charset="0"/>
                 <a:ea typeface="Roboto" pitchFamily="2" charset="0"/>
               </a:rPr>
               <a:t>the</a:t>
             </a:r>
             <a:r>
               <a:rPr lang="pt-PT" dirty="0">
-                <a:latin typeface="Roboto" pitchFamily="2" charset="0"/>
                 <a:ea typeface="Roboto" pitchFamily="2" charset="0"/>
               </a:rPr>
               <a:t> </a:t>
             </a:r>
             <a:r>
               <a:rPr lang="pt-PT" dirty="0" err="1">
-                <a:latin typeface="Roboto" pitchFamily="2" charset="0"/>
                 <a:ea typeface="Roboto" pitchFamily="2" charset="0"/>
               </a:rPr>
               <a:t>Ball</a:t>
             </a:r>
             <a:r>
               <a:rPr lang="pt-PT" dirty="0">
-                <a:latin typeface="Roboto" pitchFamily="2" charset="0"/>
                 <a:ea typeface="Roboto" pitchFamily="2" charset="0"/>
               </a:rPr>
               <a:t> </a:t>
             </a:r>
             <a:r>
               <a:rPr lang="pt-PT" dirty="0" err="1">
-                <a:latin typeface="Roboto" pitchFamily="2" charset="0"/>
                 <a:ea typeface="Roboto" pitchFamily="2" charset="0"/>
               </a:rPr>
               <a:t>at</a:t>
             </a:r>
             <a:r>
               <a:rPr lang="pt-PT" dirty="0">
-                <a:latin typeface="Roboto" pitchFamily="2" charset="0"/>
                 <a:ea typeface="Roboto" pitchFamily="2" charset="0"/>
               </a:rPr>
               <a:t> </a:t>
             </a:r>
             <a:r>
               <a:rPr lang="pt-PT" dirty="0" err="1">
-                <a:latin typeface="Roboto" pitchFamily="2" charset="0"/>
                 <a:ea typeface="Roboto" pitchFamily="2" charset="0"/>
               </a:rPr>
               <a:t>the</a:t>
             </a:r>
             <a:r>
               <a:rPr lang="pt-PT" dirty="0">
-                <a:latin typeface="Roboto" pitchFamily="2" charset="0"/>
                 <a:ea typeface="Roboto" pitchFamily="2" charset="0"/>
               </a:rPr>
               <a:t> </a:t>
             </a:r>
             <a:r>
               <a:rPr lang="pt-PT" dirty="0" err="1">
-                <a:latin typeface="Roboto" pitchFamily="2" charset="0"/>
                 <a:ea typeface="Roboto" pitchFamily="2" charset="0"/>
               </a:rPr>
               <a:t>bottom</a:t>
             </a:r>
             <a:r>
               <a:rPr lang="pt-PT" dirty="0">
-                <a:latin typeface="Roboto" pitchFamily="2" charset="0"/>
                 <a:ea typeface="Roboto" pitchFamily="2" charset="0"/>
               </a:rPr>
               <a:t> </a:t>
             </a:r>
             <a:r>
               <a:rPr lang="pt-PT" dirty="0" err="1">
-                <a:latin typeface="Roboto" pitchFamily="2" charset="0"/>
                 <a:ea typeface="Roboto" pitchFamily="2" charset="0"/>
               </a:rPr>
               <a:t>of</a:t>
             </a:r>
             <a:r>
               <a:rPr lang="pt-PT" dirty="0">
-                <a:latin typeface="Roboto" pitchFamily="2" charset="0"/>
                 <a:ea typeface="Roboto" pitchFamily="2" charset="0"/>
               </a:rPr>
               <a:t> a Tube</a:t>
@@ -5813,6 +6383,88 @@
           </a:p>
         </p:txBody>
       </p:sp>
+      <p:sp>
+        <p:nvSpPr>
+          <p:cNvPr id="9" name="Retângulo 8">
+            <a:extLst>
+              <a:ext uri="{FF2B5EF4-FFF2-40B4-BE49-F238E27FC236}">
+                <a16:creationId xmlns:a16="http://schemas.microsoft.com/office/drawing/2014/main" id="{C7C252AC-EF23-4494-99FD-1BA44A697397}"/>
+              </a:ext>
+            </a:extLst>
+          </p:cNvPr>
+          <p:cNvSpPr/>
+          <p:nvPr/>
+        </p:nvSpPr>
+        <p:spPr>
+          <a:xfrm>
+            <a:off x="0" y="-35351"/>
+            <a:ext cx="216816" cy="6928701"/>
+          </a:xfrm>
+          <a:prstGeom prst="rect">
+            <a:avLst/>
+          </a:prstGeom>
+        </p:spPr>
+        <p:style>
+          <a:lnRef idx="2">
+            <a:schemeClr val="accent1">
+              <a:shade val="50000"/>
+            </a:schemeClr>
+          </a:lnRef>
+          <a:fillRef idx="1">
+            <a:schemeClr val="accent1"/>
+          </a:fillRef>
+          <a:effectRef idx="0">
+            <a:schemeClr val="accent1"/>
+          </a:effectRef>
+          <a:fontRef idx="minor">
+            <a:schemeClr val="lt1"/>
+          </a:fontRef>
+        </p:style>
+        <p:txBody>
+          <a:bodyPr rtlCol="0" anchor="ctr"/>
+          <a:lstStyle/>
+          <a:p>
+            <a:pPr algn="ctr"/>
+            <a:endParaRPr lang="en-GB"/>
+          </a:p>
+        </p:txBody>
+      </p:sp>
+      <p:pic>
+        <p:nvPicPr>
+          <p:cNvPr id="10" name="Imagem 9">
+            <a:extLst>
+              <a:ext uri="{FF2B5EF4-FFF2-40B4-BE49-F238E27FC236}">
+                <a16:creationId xmlns:a16="http://schemas.microsoft.com/office/drawing/2014/main" id="{4A23B258-2202-4B8F-9E21-371CDC9C7A9D}"/>
+              </a:ext>
+            </a:extLst>
+          </p:cNvPr>
+          <p:cNvPicPr>
+            <a:picLocks noChangeAspect="1"/>
+          </p:cNvPicPr>
+          <p:nvPr/>
+        </p:nvPicPr>
+        <p:blipFill>
+          <a:blip r:embed="rId2">
+            <a:extLst>
+              <a:ext uri="{28A0092B-C50C-407E-A947-70E740481C1C}">
+                <a14:useLocalDpi xmlns:a14="http://schemas.microsoft.com/office/drawing/2010/main" val="0"/>
+              </a:ext>
+            </a:extLst>
+          </a:blip>
+          <a:stretch>
+            <a:fillRect/>
+          </a:stretch>
+        </p:blipFill>
+        <p:spPr>
+          <a:xfrm>
+            <a:off x="9856198" y="5937007"/>
+            <a:ext cx="1776086" cy="616193"/>
+          </a:xfrm>
+          <a:prstGeom prst="rect">
+            <a:avLst/>
+          </a:prstGeom>
+        </p:spPr>
+      </p:pic>
     </p:spTree>
     <p:extLst>
       <p:ext uri="{BB962C8B-B14F-4D97-AF65-F5344CB8AC3E}">
@@ -5845,34 +6497,58 @@
       </p:grpSpPr>
       <p:sp>
         <p:nvSpPr>
-          <p:cNvPr id="2" name="Título 1">
-            <a:extLst>
-              <a:ext uri="{FF2B5EF4-FFF2-40B4-BE49-F238E27FC236}">
-                <a16:creationId xmlns:a16="http://schemas.microsoft.com/office/drawing/2014/main" id="{13D4EEB5-6048-497A-BA61-46052B299508}"/>
-              </a:ext>
-            </a:extLst>
-          </p:cNvPr>
-          <p:cNvSpPr>
-            <a:spLocks noGrp="1"/>
-          </p:cNvSpPr>
-          <p:nvPr>
-            <p:ph type="title"/>
-          </p:nvPr>
-        </p:nvSpPr>
-        <p:spPr/>
-        <p:txBody>
-          <a:bodyPr/>
-          <a:lstStyle/>
-          <a:p>
-            <a:r>
-              <a:rPr lang="en-US" dirty="0">
-                <a:latin typeface="Roboto" pitchFamily="2" charset="0"/>
+          <p:cNvPr id="6" name="Título 1">
+            <a:extLst>
+              <a:ext uri="{FF2B5EF4-FFF2-40B4-BE49-F238E27FC236}">
+                <a16:creationId xmlns:a16="http://schemas.microsoft.com/office/drawing/2014/main" id="{6D71369E-7E9A-476A-8E42-16E130DB6ED2}"/>
+              </a:ext>
+            </a:extLst>
+          </p:cNvPr>
+          <p:cNvSpPr txBox="1">
+            <a:spLocks/>
+          </p:cNvSpPr>
+          <p:nvPr/>
+        </p:nvSpPr>
+        <p:spPr>
+          <a:xfrm>
+            <a:off x="559716" y="304800"/>
+            <a:ext cx="10515600" cy="1325563"/>
+          </a:xfrm>
+          <a:prstGeom prst="rect">
+            <a:avLst/>
+          </a:prstGeom>
+        </p:spPr>
+        <p:txBody>
+          <a:bodyPr vert="horz" lIns="91440" tIns="45720" rIns="91440" bIns="45720" rtlCol="0" anchor="ctr">
+            <a:normAutofit/>
+          </a:bodyPr>
+          <a:lstStyle>
+            <a:lvl1pPr algn="l" defTabSz="914400" rtl="0" eaLnBrk="1" latinLnBrk="0" hangingPunct="1">
+              <a:lnSpc>
+                <a:spcPct val="90000"/>
+              </a:lnSpc>
+              <a:spcBef>
+                <a:spcPct val="0"/>
+              </a:spcBef>
+              <a:buNone/>
+              <a:defRPr sz="4400" kern="1200">
+                <a:solidFill>
+                  <a:schemeClr val="tx1"/>
+                </a:solidFill>
+                <a:latin typeface="+mj-lt"/>
+                <a:ea typeface="+mj-ea"/>
+                <a:cs typeface="+mj-cs"/>
+              </a:defRPr>
+            </a:lvl1pPr>
+          </a:lstStyle>
+          <a:p>
+            <a:r>
+              <a:rPr lang="en-US" b="1" dirty="0">
                 <a:ea typeface="Roboto" pitchFamily="2" charset="0"/>
               </a:rPr>
               <a:t>Implementation work already carried out</a:t>
             </a:r>
-            <a:endParaRPr lang="pt-PT" dirty="0">
-              <a:latin typeface="Roboto" pitchFamily="2" charset="0"/>
+            <a:endParaRPr lang="pt-PT" b="1" dirty="0">
               <a:ea typeface="Roboto" pitchFamily="2" charset="0"/>
             </a:endParaRPr>
           </a:p>
@@ -5896,13 +6572,13 @@
         </p:nvSpPr>
         <p:spPr>
           <a:xfrm flipH="1">
-            <a:off x="838201" y="2018131"/>
-            <a:ext cx="10515599" cy="3500354"/>
+            <a:off x="559714" y="1630363"/>
+            <a:ext cx="10515599" cy="4779962"/>
           </a:xfrm>
         </p:spPr>
         <p:txBody>
           <a:bodyPr>
-            <a:normAutofit fontScale="77500" lnSpcReduction="20000"/>
+            <a:normAutofit/>
           </a:bodyPr>
           <a:lstStyle/>
           <a:p>
@@ -5910,159 +6586,141 @@
               <a:buNone/>
             </a:pPr>
             <a:r>
-              <a:rPr lang="pt-PT" dirty="0" err="1">
-                <a:latin typeface="Roboto" pitchFamily="2" charset="0"/>
+              <a:rPr lang="pt-PT" sz="2400" b="1" dirty="0" err="1">
                 <a:ea typeface="Roboto" pitchFamily="2" charset="0"/>
               </a:rPr>
               <a:t>Programming</a:t>
             </a:r>
             <a:r>
-              <a:rPr lang="pt-PT" dirty="0">
-                <a:latin typeface="Roboto" pitchFamily="2" charset="0"/>
+              <a:rPr lang="pt-PT" sz="2400" b="1" dirty="0">
                 <a:ea typeface="Roboto" pitchFamily="2" charset="0"/>
               </a:rPr>
               <a:t> </a:t>
             </a:r>
             <a:r>
-              <a:rPr lang="pt-PT" dirty="0" err="1">
-                <a:latin typeface="Roboto" pitchFamily="2" charset="0"/>
+              <a:rPr lang="pt-PT" sz="2400" b="1" dirty="0" err="1">
                 <a:ea typeface="Roboto" pitchFamily="2" charset="0"/>
               </a:rPr>
               <a:t>language</a:t>
             </a:r>
             <a:r>
-              <a:rPr lang="pt-PT" dirty="0">
-                <a:latin typeface="Roboto" pitchFamily="2" charset="0"/>
+              <a:rPr lang="pt-PT" sz="2400" dirty="0">
                 <a:ea typeface="Roboto" pitchFamily="2" charset="0"/>
               </a:rPr>
               <a:t>: </a:t>
             </a:r>
             <a:r>
-              <a:rPr lang="pt-PT" dirty="0" err="1">
-                <a:latin typeface="Roboto" pitchFamily="2" charset="0"/>
-                <a:ea typeface="Roboto" pitchFamily="2" charset="0"/>
+              <a:rPr lang="pt-PT" sz="2400" dirty="0" err="1">
+                <a:ea typeface="Roboto" pitchFamily="2" charset="0"/>
+                <a:hlinkClick r:id="rId2"/>
               </a:rPr>
               <a:t>Python</a:t>
             </a:r>
             <a:r>
-              <a:rPr lang="pt-PT" dirty="0">
-                <a:latin typeface="Roboto" pitchFamily="2" charset="0"/>
+              <a:rPr lang="pt-PT" sz="2400" dirty="0">
+                <a:ea typeface="Roboto" pitchFamily="2" charset="0"/>
+              </a:rPr>
+              <a:t>, </a:t>
+            </a:r>
+            <a:r>
+              <a:rPr lang="pt-PT" sz="2400" dirty="0" err="1">
+                <a:ea typeface="Roboto" pitchFamily="2" charset="0"/>
+              </a:rPr>
+              <a:t>with</a:t>
+            </a:r>
+            <a:r>
+              <a:rPr lang="pt-PT" sz="2400" dirty="0">
                 <a:ea typeface="Roboto" pitchFamily="2" charset="0"/>
               </a:rPr>
               <a:t> </a:t>
             </a:r>
             <a:r>
-              <a:rPr lang="pt-PT" dirty="0" err="1">
-                <a:latin typeface="Roboto" pitchFamily="2" charset="0"/>
-                <a:ea typeface="Roboto" pitchFamily="2" charset="0"/>
-              </a:rPr>
-              <a:t>with</a:t>
-            </a:r>
-            <a:r>
-              <a:rPr lang="pt-PT" dirty="0">
-                <a:latin typeface="Roboto" pitchFamily="2" charset="0"/>
+              <a:rPr lang="pt-PT" sz="2400" dirty="0" err="1">
+                <a:ea typeface="Roboto" pitchFamily="2" charset="0"/>
+              </a:rPr>
+              <a:t>visualization</a:t>
+            </a:r>
+            <a:r>
+              <a:rPr lang="pt-PT" sz="2400" dirty="0">
                 <a:ea typeface="Roboto" pitchFamily="2" charset="0"/>
               </a:rPr>
               <a:t> </a:t>
             </a:r>
             <a:r>
-              <a:rPr lang="pt-PT" dirty="0" err="1">
-                <a:latin typeface="Roboto" pitchFamily="2" charset="0"/>
-                <a:ea typeface="Roboto" pitchFamily="2" charset="0"/>
-              </a:rPr>
-              <a:t>visualization</a:t>
-            </a:r>
-            <a:r>
-              <a:rPr lang="pt-PT" dirty="0">
-                <a:latin typeface="Roboto" pitchFamily="2" charset="0"/>
+              <a:rPr lang="pt-PT" sz="2400" dirty="0" err="1">
+                <a:ea typeface="Roboto" pitchFamily="2" charset="0"/>
+              </a:rPr>
+              <a:t>using</a:t>
+            </a:r>
+            <a:r>
+              <a:rPr lang="pt-PT" sz="2400" dirty="0">
                 <a:ea typeface="Roboto" pitchFamily="2" charset="0"/>
               </a:rPr>
               <a:t> </a:t>
             </a:r>
             <a:r>
-              <a:rPr lang="pt-PT" dirty="0" err="1">
-                <a:latin typeface="Roboto" pitchFamily="2" charset="0"/>
-                <a:ea typeface="Roboto" pitchFamily="2" charset="0"/>
-              </a:rPr>
-              <a:t>using</a:t>
-            </a:r>
-            <a:r>
-              <a:rPr lang="pt-PT" dirty="0">
-                <a:latin typeface="Roboto" pitchFamily="2" charset="0"/>
+              <a:rPr lang="pt-PT" sz="2400" dirty="0" err="1">
+                <a:ea typeface="Roboto" pitchFamily="2" charset="0"/>
+                <a:hlinkClick r:id="rId3"/>
+              </a:rPr>
+              <a:t>pygame</a:t>
+            </a:r>
+            <a:r>
+              <a:rPr lang="pt-PT" sz="2400" dirty="0">
+                <a:ea typeface="Roboto" pitchFamily="2" charset="0"/>
+              </a:rPr>
+              <a:t> package</a:t>
+            </a:r>
+          </a:p>
+          <a:p>
+            <a:pPr marL="0" indent="0">
+              <a:buNone/>
+            </a:pPr>
+            <a:r>
+              <a:rPr lang="pt-PT" sz="2400" b="1" dirty="0" err="1">
+                <a:ea typeface="Roboto" pitchFamily="2" charset="0"/>
+              </a:rPr>
+              <a:t>Development</a:t>
+            </a:r>
+            <a:r>
+              <a:rPr lang="pt-PT" sz="2400" b="1" dirty="0">
                 <a:ea typeface="Roboto" pitchFamily="2" charset="0"/>
               </a:rPr>
               <a:t> </a:t>
             </a:r>
             <a:r>
-              <a:rPr lang="pt-PT" dirty="0" err="1">
-                <a:latin typeface="Roboto" pitchFamily="2" charset="0"/>
-                <a:ea typeface="Roboto" pitchFamily="2" charset="0"/>
-              </a:rPr>
-              <a:t>pygame</a:t>
-            </a:r>
-            <a:r>
-              <a:rPr lang="pt-PT" dirty="0">
-                <a:latin typeface="Roboto" pitchFamily="2" charset="0"/>
-                <a:ea typeface="Roboto" pitchFamily="2" charset="0"/>
-              </a:rPr>
-              <a:t> package</a:t>
-            </a:r>
-          </a:p>
-          <a:p>
-            <a:pPr marL="0" indent="0">
-              <a:buNone/>
-            </a:pPr>
-            <a:r>
-              <a:rPr lang="pt-PT" dirty="0" err="1">
-                <a:latin typeface="Roboto" pitchFamily="2" charset="0"/>
-                <a:ea typeface="Roboto" pitchFamily="2" charset="0"/>
-              </a:rPr>
-              <a:t>Development</a:t>
-            </a:r>
-            <a:r>
-              <a:rPr lang="pt-PT" dirty="0">
-                <a:latin typeface="Roboto" pitchFamily="2" charset="0"/>
-                <a:ea typeface="Roboto" pitchFamily="2" charset="0"/>
-              </a:rPr>
-              <a:t> </a:t>
-            </a:r>
-            <a:r>
-              <a:rPr lang="pt-PT" dirty="0" err="1">
-                <a:latin typeface="Roboto" pitchFamily="2" charset="0"/>
+              <a:rPr lang="pt-PT" sz="2400" b="1" dirty="0" err="1">
                 <a:ea typeface="Roboto" pitchFamily="2" charset="0"/>
               </a:rPr>
               <a:t>environment</a:t>
             </a:r>
             <a:r>
-              <a:rPr lang="pt-PT" dirty="0">
-                <a:latin typeface="Roboto" pitchFamily="2" charset="0"/>
+              <a:rPr lang="pt-PT" sz="2400" dirty="0">
                 <a:ea typeface="Roboto" pitchFamily="2" charset="0"/>
               </a:rPr>
               <a:t>: </a:t>
             </a:r>
             <a:r>
-              <a:rPr lang="pt-PT" dirty="0" err="1">
-                <a:latin typeface="Roboto" pitchFamily="2" charset="0"/>
-                <a:ea typeface="Roboto" pitchFamily="2" charset="0"/>
+              <a:rPr lang="pt-PT" sz="2400" dirty="0" err="1">
+                <a:ea typeface="Roboto" pitchFamily="2" charset="0"/>
+                <a:hlinkClick r:id="rId4"/>
               </a:rPr>
               <a:t>VSCode</a:t>
             </a:r>
             <a:r>
-              <a:rPr lang="pt-PT" dirty="0">
-                <a:latin typeface="Roboto" pitchFamily="2" charset="0"/>
+              <a:rPr lang="pt-PT" sz="2400" dirty="0">
                 <a:ea typeface="Roboto" pitchFamily="2" charset="0"/>
               </a:rPr>
               <a:t>/</a:t>
             </a:r>
             <a:r>
-              <a:rPr lang="pt-PT" dirty="0" err="1">
-                <a:latin typeface="Roboto" pitchFamily="2" charset="0"/>
-                <a:ea typeface="Roboto" pitchFamily="2" charset="0"/>
+              <a:rPr lang="pt-PT" sz="2400" dirty="0" err="1">
+                <a:ea typeface="Roboto" pitchFamily="2" charset="0"/>
+                <a:hlinkClick r:id="rId5"/>
               </a:rPr>
               <a:t>IntelliJ</a:t>
             </a:r>
-            <a:endParaRPr lang="pt-PT" dirty="0">
-              <a:latin typeface="Roboto" pitchFamily="2" charset="0"/>
+            <a:endParaRPr lang="pt-PT" sz="2400" dirty="0">
               <a:ea typeface="Roboto" pitchFamily="2" charset="0"/>
             </a:endParaRPr>
           </a:p>
@@ -6071,22 +6729,19 @@
               <a:buNone/>
             </a:pPr>
             <a:r>
-              <a:rPr lang="pt-PT" dirty="0">
-                <a:latin typeface="Roboto" pitchFamily="2" charset="0"/>
+              <a:rPr lang="pt-PT" sz="2400" b="1" dirty="0">
                 <a:ea typeface="Roboto" pitchFamily="2" charset="0"/>
               </a:rPr>
               <a:t>Data </a:t>
             </a:r>
             <a:r>
-              <a:rPr lang="pt-PT" dirty="0" err="1">
-                <a:latin typeface="Roboto" pitchFamily="2" charset="0"/>
+              <a:rPr lang="pt-PT" sz="2400" b="1" dirty="0" err="1">
                 <a:ea typeface="Roboto" pitchFamily="2" charset="0"/>
               </a:rPr>
               <a:t>Structures</a:t>
             </a:r>
             <a:r>
-              <a:rPr lang="pt-PT" dirty="0">
-                <a:latin typeface="Roboto" pitchFamily="2" charset="0"/>
+              <a:rPr lang="pt-PT" sz="2400" dirty="0">
                 <a:ea typeface="Roboto" pitchFamily="2" charset="0"/>
               </a:rPr>
               <a:t>:</a:t>
@@ -6098,71 +6753,61 @@
               <a:buChar char="-"/>
             </a:pPr>
             <a:r>
-              <a:rPr lang="pt-PT" dirty="0" err="1">
-                <a:latin typeface="Roboto" pitchFamily="2" charset="0"/>
+              <a:rPr lang="pt-PT" sz="2400" dirty="0" err="1">
                 <a:ea typeface="Roboto" pitchFamily="2" charset="0"/>
               </a:rPr>
               <a:t>Lists</a:t>
             </a:r>
             <a:r>
-              <a:rPr lang="pt-PT" dirty="0">
-                <a:latin typeface="Roboto" pitchFamily="2" charset="0"/>
+              <a:rPr lang="pt-PT" sz="2400" dirty="0">
                 <a:ea typeface="Roboto" pitchFamily="2" charset="0"/>
               </a:rPr>
               <a:t>, for </a:t>
             </a:r>
             <a:r>
-              <a:rPr lang="pt-PT" dirty="0" err="1">
-                <a:latin typeface="Roboto" pitchFamily="2" charset="0"/>
+              <a:rPr lang="pt-PT" sz="2400" dirty="0" err="1">
                 <a:ea typeface="Roboto" pitchFamily="2" charset="0"/>
               </a:rPr>
               <a:t>representing</a:t>
             </a:r>
             <a:r>
-              <a:rPr lang="pt-PT" dirty="0">
-                <a:latin typeface="Roboto" pitchFamily="2" charset="0"/>
+              <a:rPr lang="pt-PT" sz="2400" dirty="0">
                 <a:ea typeface="Roboto" pitchFamily="2" charset="0"/>
               </a:rPr>
               <a:t> </a:t>
             </a:r>
             <a:r>
-              <a:rPr lang="pt-PT" dirty="0" err="1">
-                <a:latin typeface="Roboto" pitchFamily="2" charset="0"/>
+              <a:rPr lang="pt-PT" sz="2400" dirty="0" err="1">
                 <a:ea typeface="Roboto" pitchFamily="2" charset="0"/>
               </a:rPr>
               <a:t>the</a:t>
             </a:r>
             <a:r>
-              <a:rPr lang="pt-PT" dirty="0">
-                <a:latin typeface="Roboto" pitchFamily="2" charset="0"/>
+              <a:rPr lang="pt-PT" sz="2400" dirty="0">
                 <a:ea typeface="Roboto" pitchFamily="2" charset="0"/>
               </a:rPr>
               <a:t> Tubes </a:t>
             </a:r>
             <a:r>
-              <a:rPr lang="pt-PT" dirty="0" err="1">
-                <a:latin typeface="Roboto" pitchFamily="2" charset="0"/>
+              <a:rPr lang="pt-PT" sz="2400" dirty="0" err="1">
                 <a:ea typeface="Roboto" pitchFamily="2" charset="0"/>
               </a:rPr>
               <a:t>and</a:t>
             </a:r>
             <a:r>
-              <a:rPr lang="pt-PT" dirty="0">
-                <a:latin typeface="Roboto" pitchFamily="2" charset="0"/>
+              <a:rPr lang="pt-PT" sz="2400" dirty="0">
                 <a:ea typeface="Roboto" pitchFamily="2" charset="0"/>
               </a:rPr>
               <a:t> </a:t>
             </a:r>
             <a:r>
-              <a:rPr lang="pt-PT" dirty="0" err="1">
-                <a:latin typeface="Roboto" pitchFamily="2" charset="0"/>
+              <a:rPr lang="pt-PT" sz="2400" dirty="0" err="1">
                 <a:ea typeface="Roboto" pitchFamily="2" charset="0"/>
               </a:rPr>
               <a:t>the</a:t>
             </a:r>
             <a:r>
-              <a:rPr lang="pt-PT" dirty="0">
-                <a:latin typeface="Roboto" pitchFamily="2" charset="0"/>
+              <a:rPr lang="pt-PT" sz="2400" dirty="0">
                 <a:ea typeface="Roboto" pitchFamily="2" charset="0"/>
               </a:rPr>
               <a:t> Game</a:t>
@@ -6174,35 +6819,30 @@
               <a:buChar char="-"/>
             </a:pPr>
             <a:r>
-              <a:rPr lang="pt-PT" dirty="0">
-                <a:latin typeface="Roboto" pitchFamily="2" charset="0"/>
+              <a:rPr lang="pt-PT" sz="2400" dirty="0">
                 <a:ea typeface="Roboto" pitchFamily="2" charset="0"/>
               </a:rPr>
               <a:t>Nodes </a:t>
             </a:r>
             <a:r>
-              <a:rPr lang="pt-PT" dirty="0" err="1">
-                <a:latin typeface="Roboto" pitchFamily="2" charset="0"/>
+              <a:rPr lang="pt-PT" sz="2400" dirty="0" err="1">
                 <a:ea typeface="Roboto" pitchFamily="2" charset="0"/>
               </a:rPr>
               <a:t>and</a:t>
             </a:r>
             <a:r>
-              <a:rPr lang="pt-PT" dirty="0">
-                <a:latin typeface="Roboto" pitchFamily="2" charset="0"/>
+              <a:rPr lang="pt-PT" sz="2400" dirty="0">
                 <a:ea typeface="Roboto" pitchFamily="2" charset="0"/>
               </a:rPr>
               <a:t> </a:t>
             </a:r>
             <a:r>
-              <a:rPr lang="pt-PT" dirty="0" err="1">
-                <a:latin typeface="Roboto" pitchFamily="2" charset="0"/>
+              <a:rPr lang="pt-PT" sz="2400" dirty="0" err="1">
                 <a:ea typeface="Roboto" pitchFamily="2" charset="0"/>
               </a:rPr>
               <a:t>Graphs</a:t>
             </a:r>
-            <a:endParaRPr lang="pt-PT" dirty="0">
-              <a:latin typeface="Roboto" pitchFamily="2" charset="0"/>
+            <a:endParaRPr lang="pt-PT" sz="2400" dirty="0">
               <a:ea typeface="Roboto" pitchFamily="2" charset="0"/>
             </a:endParaRPr>
           </a:p>
@@ -6211,259 +6851,103 @@
               <a:buNone/>
             </a:pPr>
             <a:r>
-              <a:rPr lang="pt-PT" dirty="0">
-                <a:latin typeface="Roboto" pitchFamily="2" charset="0"/>
+              <a:rPr lang="pt-PT" sz="2400" b="1" dirty="0">
                 <a:ea typeface="Roboto" pitchFamily="2" charset="0"/>
               </a:rPr>
               <a:t>File </a:t>
             </a:r>
             <a:r>
-              <a:rPr lang="pt-PT" dirty="0" err="1">
-                <a:latin typeface="Roboto" pitchFamily="2" charset="0"/>
+              <a:rPr lang="pt-PT" sz="2400" b="1" dirty="0" err="1">
                 <a:ea typeface="Roboto" pitchFamily="2" charset="0"/>
               </a:rPr>
               <a:t>Structure</a:t>
             </a:r>
             <a:r>
-              <a:rPr lang="pt-PT" dirty="0">
-                <a:latin typeface="Roboto" pitchFamily="2" charset="0"/>
+              <a:rPr lang="pt-PT" sz="2400" dirty="0">
                 <a:ea typeface="Roboto" pitchFamily="2" charset="0"/>
               </a:rPr>
               <a:t>: </a:t>
             </a:r>
             <a:r>
-              <a:rPr lang="pt-PT" dirty="0" err="1">
-                <a:latin typeface="Roboto" pitchFamily="2" charset="0"/>
+              <a:rPr lang="pt-PT" sz="2400" dirty="0" err="1">
                 <a:ea typeface="Roboto" pitchFamily="2" charset="0"/>
               </a:rPr>
               <a:t>The</a:t>
             </a:r>
             <a:r>
-              <a:rPr lang="pt-PT" dirty="0">
-                <a:latin typeface="Roboto" pitchFamily="2" charset="0"/>
+              <a:rPr lang="pt-PT" sz="2400" dirty="0">
                 <a:ea typeface="Roboto" pitchFamily="2" charset="0"/>
               </a:rPr>
               <a:t> </a:t>
             </a:r>
             <a:r>
-              <a:rPr lang="pt-PT" dirty="0" err="1">
-                <a:latin typeface="Roboto" pitchFamily="2" charset="0"/>
+              <a:rPr lang="pt-PT" sz="2400" dirty="0" err="1">
                 <a:ea typeface="Roboto" pitchFamily="2" charset="0"/>
               </a:rPr>
               <a:t>Project’s</a:t>
             </a:r>
             <a:r>
-              <a:rPr lang="pt-PT" dirty="0">
-                <a:latin typeface="Roboto" pitchFamily="2" charset="0"/>
+              <a:rPr lang="pt-PT" sz="2400" dirty="0">
                 <a:ea typeface="Roboto" pitchFamily="2" charset="0"/>
               </a:rPr>
               <a:t> </a:t>
             </a:r>
             <a:r>
-              <a:rPr lang="pt-PT" dirty="0" err="1">
-                <a:latin typeface="Roboto" pitchFamily="2" charset="0"/>
-                <a:ea typeface="Roboto" pitchFamily="2" charset="0"/>
-              </a:rPr>
-              <a:t>directory</a:t>
-            </a:r>
-            <a:r>
-              <a:rPr lang="pt-PT" dirty="0">
-                <a:latin typeface="Roboto" pitchFamily="2" charset="0"/>
+              <a:rPr lang="pt-PT" sz="2400" dirty="0" err="1">
+                <a:ea typeface="Roboto" pitchFamily="2" charset="0"/>
+              </a:rPr>
+              <a:t>Repository</a:t>
+            </a:r>
+            <a:r>
+              <a:rPr lang="pt-PT" sz="2400" dirty="0">
                 <a:ea typeface="Roboto" pitchFamily="2" charset="0"/>
               </a:rPr>
               <a:t> </a:t>
             </a:r>
             <a:r>
-              <a:rPr lang="pt-PT" dirty="0" err="1">
-                <a:latin typeface="Roboto" pitchFamily="2" charset="0"/>
-                <a:ea typeface="Roboto" pitchFamily="2" charset="0"/>
-              </a:rPr>
-              <a:t>contains</a:t>
-            </a:r>
-            <a:r>
-              <a:rPr lang="pt-PT" dirty="0">
-                <a:latin typeface="Roboto" pitchFamily="2" charset="0"/>
-                <a:ea typeface="Roboto" pitchFamily="2" charset="0"/>
-              </a:rPr>
-              <a:t> 4 files (ui – </a:t>
-            </a:r>
-            <a:r>
-              <a:rPr lang="pt-PT" dirty="0" err="1">
-                <a:latin typeface="Roboto" pitchFamily="2" charset="0"/>
-                <a:ea typeface="Roboto" pitchFamily="2" charset="0"/>
-              </a:rPr>
-              <a:t>graphical</a:t>
-            </a:r>
-            <a:r>
-              <a:rPr lang="pt-PT" dirty="0">
-                <a:latin typeface="Roboto" pitchFamily="2" charset="0"/>
-                <a:ea typeface="Roboto" pitchFamily="2" charset="0"/>
-              </a:rPr>
-              <a:t> interface; solver – </a:t>
-            </a:r>
-            <a:r>
-              <a:rPr lang="pt-PT" dirty="0" err="1">
-                <a:latin typeface="Roboto" pitchFamily="2" charset="0"/>
-                <a:ea typeface="Roboto" pitchFamily="2" charset="0"/>
-              </a:rPr>
-              <a:t>search</a:t>
-            </a:r>
-            <a:r>
-              <a:rPr lang="pt-PT" dirty="0">
-                <a:latin typeface="Roboto" pitchFamily="2" charset="0"/>
+              <a:rPr lang="pt-PT" sz="2400" dirty="0" err="1">
+                <a:ea typeface="Roboto" pitchFamily="2" charset="0"/>
+              </a:rPr>
+              <a:t>is</a:t>
+            </a:r>
+            <a:r>
+              <a:rPr lang="pt-PT" sz="2400" dirty="0">
                 <a:ea typeface="Roboto" pitchFamily="2" charset="0"/>
               </a:rPr>
               <a:t> </a:t>
             </a:r>
             <a:r>
-              <a:rPr lang="pt-PT" dirty="0" err="1">
-                <a:latin typeface="Roboto" pitchFamily="2" charset="0"/>
-                <a:ea typeface="Roboto" pitchFamily="2" charset="0"/>
-              </a:rPr>
-              <a:t>methods</a:t>
-            </a:r>
-            <a:r>
-              <a:rPr lang="pt-PT" dirty="0">
-                <a:latin typeface="Roboto" pitchFamily="2" charset="0"/>
-                <a:ea typeface="Roboto" pitchFamily="2" charset="0"/>
-              </a:rPr>
-              <a:t>; tube – </a:t>
-            </a:r>
-            <a:r>
-              <a:rPr lang="pt-PT" dirty="0" err="1">
-                <a:latin typeface="Roboto" pitchFamily="2" charset="0"/>
-                <a:ea typeface="Roboto" pitchFamily="2" charset="0"/>
-              </a:rPr>
-              <a:t>contains</a:t>
-            </a:r>
-            <a:r>
-              <a:rPr lang="pt-PT" dirty="0">
-                <a:latin typeface="Roboto" pitchFamily="2" charset="0"/>
+              <a:rPr lang="pt-PT" sz="2400" dirty="0" err="1">
+                <a:ea typeface="Roboto" pitchFamily="2" charset="0"/>
+              </a:rPr>
+              <a:t>available</a:t>
+            </a:r>
+            <a:r>
+              <a:rPr lang="pt-PT" sz="2400" dirty="0">
                 <a:ea typeface="Roboto" pitchFamily="2" charset="0"/>
               </a:rPr>
               <a:t> </a:t>
             </a:r>
             <a:r>
-              <a:rPr lang="pt-PT" dirty="0" err="1">
-                <a:latin typeface="Roboto" pitchFamily="2" charset="0"/>
-                <a:ea typeface="Roboto" pitchFamily="2" charset="0"/>
-              </a:rPr>
-              <a:t>the</a:t>
-            </a:r>
-            <a:r>
-              <a:rPr lang="pt-PT" dirty="0">
-                <a:latin typeface="Roboto" pitchFamily="2" charset="0"/>
-                <a:ea typeface="Roboto" pitchFamily="2" charset="0"/>
-              </a:rPr>
-              <a:t> Tube </a:t>
-            </a:r>
-            <a:r>
-              <a:rPr lang="pt-PT" dirty="0" err="1">
-                <a:latin typeface="Roboto" pitchFamily="2" charset="0"/>
-                <a:ea typeface="Roboto" pitchFamily="2" charset="0"/>
-              </a:rPr>
-              <a:t>and</a:t>
-            </a:r>
-            <a:r>
-              <a:rPr lang="pt-PT" dirty="0">
-                <a:latin typeface="Roboto" pitchFamily="2" charset="0"/>
-                <a:ea typeface="Roboto" pitchFamily="2" charset="0"/>
-              </a:rPr>
-              <a:t> Game classes, </a:t>
-            </a:r>
-            <a:r>
-              <a:rPr lang="pt-PT" dirty="0" err="1">
-                <a:latin typeface="Roboto" pitchFamily="2" charset="0"/>
-                <a:ea typeface="Roboto" pitchFamily="2" charset="0"/>
-              </a:rPr>
-              <a:t>graph</a:t>
-            </a:r>
-            <a:r>
-              <a:rPr lang="pt-PT" dirty="0">
-                <a:latin typeface="Roboto" pitchFamily="2" charset="0"/>
-                <a:ea typeface="Roboto" pitchFamily="2" charset="0"/>
-              </a:rPr>
-              <a:t> – </a:t>
-            </a:r>
-            <a:r>
-              <a:rPr lang="pt-PT" dirty="0" err="1">
-                <a:latin typeface="Roboto" pitchFamily="2" charset="0"/>
-                <a:ea typeface="Roboto" pitchFamily="2" charset="0"/>
-              </a:rPr>
-              <a:t>contains</a:t>
-            </a:r>
-            <a:r>
-              <a:rPr lang="pt-PT" dirty="0">
-                <a:latin typeface="Roboto" pitchFamily="2" charset="0"/>
-                <a:ea typeface="Roboto" pitchFamily="2" charset="0"/>
-              </a:rPr>
-              <a:t> Node </a:t>
-            </a:r>
-            <a:r>
-              <a:rPr lang="pt-PT" dirty="0" err="1">
-                <a:latin typeface="Roboto" pitchFamily="2" charset="0"/>
-                <a:ea typeface="Roboto" pitchFamily="2" charset="0"/>
-              </a:rPr>
-              <a:t>and</a:t>
-            </a:r>
-            <a:r>
-              <a:rPr lang="pt-PT" dirty="0">
-                <a:latin typeface="Roboto" pitchFamily="2" charset="0"/>
+              <a:rPr lang="pt-PT" sz="2400" dirty="0" err="1">
+                <a:ea typeface="Roboto" pitchFamily="2" charset="0"/>
+              </a:rPr>
+              <a:t>at</a:t>
+            </a:r>
+            <a:r>
+              <a:rPr lang="pt-PT" sz="2400" dirty="0">
                 <a:ea typeface="Roboto" pitchFamily="2" charset="0"/>
               </a:rPr>
               <a:t> </a:t>
             </a:r>
             <a:r>
-              <a:rPr lang="pt-PT" dirty="0" err="1">
-                <a:latin typeface="Roboto" pitchFamily="2" charset="0"/>
-                <a:ea typeface="Roboto" pitchFamily="2" charset="0"/>
-              </a:rPr>
-              <a:t>Graph</a:t>
-            </a:r>
-            <a:r>
-              <a:rPr lang="pt-PT" dirty="0">
-                <a:latin typeface="Roboto" pitchFamily="2" charset="0"/>
-                <a:ea typeface="Roboto" pitchFamily="2" charset="0"/>
-              </a:rPr>
-              <a:t> classes) </a:t>
-            </a:r>
-            <a:r>
-              <a:rPr lang="pt-PT" dirty="0" err="1">
-                <a:latin typeface="Roboto" pitchFamily="2" charset="0"/>
-                <a:ea typeface="Roboto" pitchFamily="2" charset="0"/>
-              </a:rPr>
-              <a:t>and</a:t>
-            </a:r>
-            <a:r>
-              <a:rPr lang="pt-PT" dirty="0">
-                <a:latin typeface="Roboto" pitchFamily="2" charset="0"/>
-                <a:ea typeface="Roboto" pitchFamily="2" charset="0"/>
-              </a:rPr>
-              <a:t> a </a:t>
-            </a:r>
-            <a:r>
-              <a:rPr lang="pt-PT" dirty="0" err="1">
-                <a:latin typeface="Roboto" pitchFamily="2" charset="0"/>
-                <a:ea typeface="Roboto" pitchFamily="2" charset="0"/>
-              </a:rPr>
-              <a:t>subdirectory</a:t>
-            </a:r>
-            <a:r>
-              <a:rPr lang="pt-PT" dirty="0">
-                <a:latin typeface="Roboto" pitchFamily="2" charset="0"/>
-                <a:ea typeface="Roboto" pitchFamily="2" charset="0"/>
-              </a:rPr>
-              <a:t> for </a:t>
-            </a:r>
-            <a:r>
-              <a:rPr lang="pt-PT" dirty="0" err="1">
-                <a:latin typeface="Roboto" pitchFamily="2" charset="0"/>
-                <a:ea typeface="Roboto" pitchFamily="2" charset="0"/>
-              </a:rPr>
-              <a:t>images</a:t>
-            </a:r>
-            <a:endParaRPr lang="pt-PT" dirty="0">
-              <a:latin typeface="Roboto" pitchFamily="2" charset="0"/>
+              <a:rPr lang="pt-PT" sz="2400" dirty="0" err="1">
+                <a:ea typeface="Roboto" pitchFamily="2" charset="0"/>
+                <a:hlinkClick r:id="rId6"/>
+              </a:rPr>
+              <a:t>Github</a:t>
+            </a:r>
+            <a:endParaRPr lang="pt-PT" sz="2400" dirty="0">
               <a:ea typeface="Roboto" pitchFamily="2" charset="0"/>
             </a:endParaRPr>
           </a:p>
@@ -6472,148 +6956,195 @@
               <a:buNone/>
             </a:pPr>
             <a:r>
-              <a:rPr lang="pt-PT" dirty="0" err="1">
-                <a:latin typeface="Roboto" pitchFamily="2" charset="0"/>
+              <a:rPr lang="pt-PT" sz="2400" b="1" dirty="0" err="1">
                 <a:ea typeface="Roboto" pitchFamily="2" charset="0"/>
               </a:rPr>
               <a:t>Implemented</a:t>
             </a:r>
             <a:r>
-              <a:rPr lang="pt-PT" dirty="0">
-                <a:latin typeface="Roboto" pitchFamily="2" charset="0"/>
+              <a:rPr lang="pt-PT" sz="2400" b="1" dirty="0">
                 <a:ea typeface="Roboto" pitchFamily="2" charset="0"/>
               </a:rPr>
               <a:t> </a:t>
             </a:r>
             <a:r>
-              <a:rPr lang="pt-PT" dirty="0" err="1">
-                <a:latin typeface="Roboto" pitchFamily="2" charset="0"/>
+              <a:rPr lang="pt-PT" sz="2400" b="1" dirty="0" err="1">
                 <a:ea typeface="Roboto" pitchFamily="2" charset="0"/>
               </a:rPr>
               <a:t>Work</a:t>
             </a:r>
             <a:r>
-              <a:rPr lang="pt-PT" dirty="0">
-                <a:latin typeface="Roboto" pitchFamily="2" charset="0"/>
+              <a:rPr lang="pt-PT" sz="2400" dirty="0">
                 <a:ea typeface="Roboto" pitchFamily="2" charset="0"/>
               </a:rPr>
               <a:t>: </a:t>
             </a:r>
             <a:r>
-              <a:rPr lang="pt-PT" dirty="0" err="1">
-                <a:latin typeface="Roboto" pitchFamily="2" charset="0"/>
+              <a:rPr lang="pt-PT" sz="2400" dirty="0" err="1">
                 <a:ea typeface="Roboto" pitchFamily="2" charset="0"/>
               </a:rPr>
               <a:t>All</a:t>
             </a:r>
             <a:r>
-              <a:rPr lang="pt-PT" dirty="0">
-                <a:latin typeface="Roboto" pitchFamily="2" charset="0"/>
+              <a:rPr lang="pt-PT" sz="2400" dirty="0">
                 <a:ea typeface="Roboto" pitchFamily="2" charset="0"/>
               </a:rPr>
               <a:t> </a:t>
             </a:r>
             <a:r>
-              <a:rPr lang="pt-PT" dirty="0" err="1">
-                <a:latin typeface="Roboto" pitchFamily="2" charset="0"/>
-                <a:ea typeface="Roboto" pitchFamily="2" charset="0"/>
-              </a:rPr>
-              <a:t>known</a:t>
-            </a:r>
-            <a:r>
-              <a:rPr lang="pt-PT" dirty="0">
-                <a:latin typeface="Roboto" pitchFamily="2" charset="0"/>
-                <a:ea typeface="Roboto" pitchFamily="2" charset="0"/>
-              </a:rPr>
-              <a:t> to </a:t>
-            </a:r>
-            <a:r>
-              <a:rPr lang="pt-PT" dirty="0" err="1">
-                <a:latin typeface="Roboto" pitchFamily="2" charset="0"/>
-                <a:ea typeface="Roboto" pitchFamily="2" charset="0"/>
-              </a:rPr>
-              <a:t>man</a:t>
-            </a:r>
-            <a:r>
-              <a:rPr lang="pt-PT" dirty="0">
-                <a:latin typeface="Roboto" pitchFamily="2" charset="0"/>
+              <a:rPr lang="pt-PT" sz="2400" dirty="0" err="1">
+                <a:ea typeface="Roboto" pitchFamily="2" charset="0"/>
+              </a:rPr>
+              <a:t>algorithms</a:t>
+            </a:r>
+            <a:r>
+              <a:rPr lang="pt-PT" sz="2400" dirty="0">
                 <a:ea typeface="Roboto" pitchFamily="2" charset="0"/>
               </a:rPr>
               <a:t> </a:t>
             </a:r>
             <a:r>
-              <a:rPr lang="pt-PT" dirty="0" err="1">
-                <a:latin typeface="Roboto" pitchFamily="2" charset="0"/>
-                <a:ea typeface="Roboto" pitchFamily="2" charset="0"/>
-              </a:rPr>
-              <a:t>algorithms</a:t>
-            </a:r>
-            <a:r>
-              <a:rPr lang="pt-PT" dirty="0">
-                <a:latin typeface="Roboto" pitchFamily="2" charset="0"/>
+              <a:rPr lang="pt-PT" sz="2400" dirty="0" err="1">
+                <a:ea typeface="Roboto" pitchFamily="2" charset="0"/>
+              </a:rPr>
+              <a:t>lectured</a:t>
+            </a:r>
+            <a:r>
+              <a:rPr lang="pt-PT" sz="2400" dirty="0">
                 <a:ea typeface="Roboto" pitchFamily="2" charset="0"/>
               </a:rPr>
               <a:t>; </a:t>
             </a:r>
             <a:r>
-              <a:rPr lang="pt-PT" dirty="0" err="1">
-                <a:latin typeface="Roboto" pitchFamily="2" charset="0"/>
-                <a:ea typeface="Roboto" pitchFamily="2" charset="0"/>
-              </a:rPr>
-              <a:t>Many</a:t>
-            </a:r>
-            <a:r>
-              <a:rPr lang="pt-PT" dirty="0">
-                <a:latin typeface="Roboto" pitchFamily="2" charset="0"/>
+              <a:rPr lang="pt-PT" sz="2400" dirty="0" err="1">
+                <a:ea typeface="Roboto" pitchFamily="2" charset="0"/>
+              </a:rPr>
+              <a:t>Graphical</a:t>
+            </a:r>
+            <a:r>
+              <a:rPr lang="pt-PT" sz="2400" dirty="0">
+                <a:ea typeface="Roboto" pitchFamily="2" charset="0"/>
+              </a:rPr>
+              <a:t> Interface, </a:t>
+            </a:r>
+            <a:r>
+              <a:rPr lang="pt-PT" sz="2400" dirty="0" err="1">
+                <a:ea typeface="Roboto" pitchFamily="2" charset="0"/>
+              </a:rPr>
+              <a:t>playable</a:t>
+            </a:r>
+            <a:r>
+              <a:rPr lang="pt-PT" sz="2400" dirty="0">
+                <a:ea typeface="Roboto" pitchFamily="2" charset="0"/>
+              </a:rPr>
+              <a:t> game </a:t>
+            </a:r>
+            <a:r>
+              <a:rPr lang="pt-PT" sz="2400" dirty="0" err="1">
+                <a:ea typeface="Roboto" pitchFamily="2" charset="0"/>
+              </a:rPr>
+              <a:t>with</a:t>
+            </a:r>
+            <a:r>
+              <a:rPr lang="pt-PT" sz="2400" dirty="0">
                 <a:ea typeface="Roboto" pitchFamily="2" charset="0"/>
               </a:rPr>
               <a:t> </a:t>
             </a:r>
             <a:r>
-              <a:rPr lang="pt-PT" dirty="0" err="1">
-                <a:latin typeface="Roboto" pitchFamily="2" charset="0"/>
-                <a:ea typeface="Roboto" pitchFamily="2" charset="0"/>
-              </a:rPr>
-              <a:t>levels</a:t>
-            </a:r>
-            <a:r>
-              <a:rPr lang="pt-PT" dirty="0">
-                <a:latin typeface="Roboto" pitchFamily="2" charset="0"/>
-                <a:ea typeface="Roboto" pitchFamily="2" charset="0"/>
-              </a:rPr>
-              <a:t>; </a:t>
-            </a:r>
-            <a:r>
-              <a:rPr lang="pt-PT" dirty="0" err="1">
-                <a:latin typeface="Roboto" pitchFamily="2" charset="0"/>
-                <a:ea typeface="Roboto" pitchFamily="2" charset="0"/>
-              </a:rPr>
-              <a:t>Such</a:t>
-            </a:r>
-            <a:r>
-              <a:rPr lang="pt-PT" dirty="0">
-                <a:latin typeface="Roboto" pitchFamily="2" charset="0"/>
-                <a:ea typeface="Roboto" pitchFamily="2" charset="0"/>
-              </a:rPr>
-              <a:t> </a:t>
-            </a:r>
-            <a:r>
-              <a:rPr lang="pt-PT" dirty="0" err="1">
-                <a:latin typeface="Roboto" pitchFamily="2" charset="0"/>
-                <a:ea typeface="Roboto" pitchFamily="2" charset="0"/>
-              </a:rPr>
-              <a:t>graphical</a:t>
-            </a:r>
-            <a:r>
-              <a:rPr lang="pt-PT" dirty="0">
-                <a:latin typeface="Roboto" pitchFamily="2" charset="0"/>
-                <a:ea typeface="Roboto" pitchFamily="2" charset="0"/>
-              </a:rPr>
-              <a:t> interface</a:t>
-            </a:r>
-          </a:p>
-        </p:txBody>
-      </p:sp>
+              <a:rPr lang="pt-PT" sz="2400" dirty="0" err="1">
+                <a:ea typeface="Roboto" pitchFamily="2" charset="0"/>
+              </a:rPr>
+              <a:t>hints</a:t>
+            </a:r>
+            <a:endParaRPr lang="pt-PT" sz="2400" dirty="0">
+              <a:ea typeface="Roboto" pitchFamily="2" charset="0"/>
+            </a:endParaRPr>
+          </a:p>
+        </p:txBody>
+      </p:sp>
+      <p:sp>
+        <p:nvSpPr>
+          <p:cNvPr id="4" name="Retângulo 3">
+            <a:extLst>
+              <a:ext uri="{FF2B5EF4-FFF2-40B4-BE49-F238E27FC236}">
+                <a16:creationId xmlns:a16="http://schemas.microsoft.com/office/drawing/2014/main" id="{90B6A4EF-9E53-46D5-92DA-6EFB0024E853}"/>
+              </a:ext>
+            </a:extLst>
+          </p:cNvPr>
+          <p:cNvSpPr/>
+          <p:nvPr/>
+        </p:nvSpPr>
+        <p:spPr>
+          <a:xfrm>
+            <a:off x="0" y="-35351"/>
+            <a:ext cx="216816" cy="6928701"/>
+          </a:xfrm>
+          <a:prstGeom prst="rect">
+            <a:avLst/>
+          </a:prstGeom>
+        </p:spPr>
+        <p:style>
+          <a:lnRef idx="2">
+            <a:schemeClr val="accent1">
+              <a:shade val="50000"/>
+            </a:schemeClr>
+          </a:lnRef>
+          <a:fillRef idx="1">
+            <a:schemeClr val="accent1"/>
+          </a:fillRef>
+          <a:effectRef idx="0">
+            <a:schemeClr val="accent1"/>
+          </a:effectRef>
+          <a:fontRef idx="minor">
+            <a:schemeClr val="lt1"/>
+          </a:fontRef>
+        </p:style>
+        <p:txBody>
+          <a:bodyPr rtlCol="0" anchor="ctr"/>
+          <a:lstStyle/>
+          <a:p>
+            <a:pPr algn="ctr"/>
+            <a:endParaRPr lang="en-GB"/>
+          </a:p>
+        </p:txBody>
+      </p:sp>
+      <p:pic>
+        <p:nvPicPr>
+          <p:cNvPr id="5" name="Imagem 4">
+            <a:extLst>
+              <a:ext uri="{FF2B5EF4-FFF2-40B4-BE49-F238E27FC236}">
+                <a16:creationId xmlns:a16="http://schemas.microsoft.com/office/drawing/2014/main" id="{7BA3DCCD-3276-4287-9AC3-EF4C6F38A372}"/>
+              </a:ext>
+            </a:extLst>
+          </p:cNvPr>
+          <p:cNvPicPr>
+            <a:picLocks noChangeAspect="1"/>
+          </p:cNvPicPr>
+          <p:nvPr/>
+        </p:nvPicPr>
+        <p:blipFill>
+          <a:blip r:embed="rId7">
+            <a:extLst>
+              <a:ext uri="{28A0092B-C50C-407E-A947-70E740481C1C}">
+                <a14:useLocalDpi xmlns:a14="http://schemas.microsoft.com/office/drawing/2010/main" val="0"/>
+              </a:ext>
+            </a:extLst>
+          </a:blip>
+          <a:stretch>
+            <a:fillRect/>
+          </a:stretch>
+        </p:blipFill>
+        <p:spPr>
+          <a:xfrm>
+            <a:off x="9856198" y="5937007"/>
+            <a:ext cx="1776086" cy="616193"/>
+          </a:xfrm>
+          <a:prstGeom prst="rect">
+            <a:avLst/>
+          </a:prstGeom>
+        </p:spPr>
+      </p:pic>
     </p:spTree>
     <p:extLst>
       <p:ext uri="{BB962C8B-B14F-4D97-AF65-F5344CB8AC3E}">
@@ -6630,7 +7161,7 @@
 <file path=ppt/theme/theme1.xml><?xml version="1.0" encoding="utf-8"?>
 <a:theme xmlns:a="http://schemas.openxmlformats.org/drawingml/2006/main" name="Tema do Office">
   <a:themeElements>
-    <a:clrScheme name="Office">
+    <a:clrScheme name="Personalizado 2">
       <a:dk1>
         <a:sysClr val="windowText" lastClr="000000"/>
       </a:dk1>
@@ -6644,7 +7175,7 @@
         <a:srgbClr val="E7E6E6"/>
       </a:lt2>
       <a:accent1>
-        <a:srgbClr val="4472C4"/>
+        <a:srgbClr val="8C2D19"/>
       </a:accent1>
       <a:accent2>
         <a:srgbClr val="ED7D31"/>

--- a/Project1/docs/Ball Sort Puzzle.pptx
+++ b/Project1/docs/Ball Sort Puzzle.pptx
@@ -9,7 +9,8 @@
     <p:sldId id="257" r:id="rId3"/>
     <p:sldId id="258" r:id="rId4"/>
     <p:sldId id="259" r:id="rId5"/>
-    <p:sldId id="260" r:id="rId6"/>
+    <p:sldId id="261" r:id="rId6"/>
+    <p:sldId id="260" r:id="rId7"/>
   </p:sldIdLst>
   <p:sldSz cx="12192000" cy="6858000"/>
   <p:notesSz cx="6858000" cy="9144000"/>
@@ -263,7 +264,7 @@
           <a:p>
             <a:fld id="{2B03390F-521F-40ED-9D3B-4287339B36CD}" type="datetimeFigureOut">
               <a:rPr lang="pt-PT" smtClean="0"/>
-              <a:t>13/03/2021</a:t>
+              <a:t>22/03/2021</a:t>
             </a:fld>
             <a:endParaRPr lang="pt-PT"/>
           </a:p>
@@ -461,7 +462,7 @@
           <a:p>
             <a:fld id="{2B03390F-521F-40ED-9D3B-4287339B36CD}" type="datetimeFigureOut">
               <a:rPr lang="pt-PT" smtClean="0"/>
-              <a:t>13/03/2021</a:t>
+              <a:t>22/03/2021</a:t>
             </a:fld>
             <a:endParaRPr lang="pt-PT"/>
           </a:p>
@@ -669,7 +670,7 @@
           <a:p>
             <a:fld id="{2B03390F-521F-40ED-9D3B-4287339B36CD}" type="datetimeFigureOut">
               <a:rPr lang="pt-PT" smtClean="0"/>
-              <a:t>13/03/2021</a:t>
+              <a:t>22/03/2021</a:t>
             </a:fld>
             <a:endParaRPr lang="pt-PT"/>
           </a:p>
@@ -867,7 +868,7 @@
           <a:p>
             <a:fld id="{2B03390F-521F-40ED-9D3B-4287339B36CD}" type="datetimeFigureOut">
               <a:rPr lang="pt-PT" smtClean="0"/>
-              <a:t>13/03/2021</a:t>
+              <a:t>22/03/2021</a:t>
             </a:fld>
             <a:endParaRPr lang="pt-PT"/>
           </a:p>
@@ -1142,7 +1143,7 @@
           <a:p>
             <a:fld id="{2B03390F-521F-40ED-9D3B-4287339B36CD}" type="datetimeFigureOut">
               <a:rPr lang="pt-PT" smtClean="0"/>
-              <a:t>13/03/2021</a:t>
+              <a:t>22/03/2021</a:t>
             </a:fld>
             <a:endParaRPr lang="pt-PT"/>
           </a:p>
@@ -1407,7 +1408,7 @@
           <a:p>
             <a:fld id="{2B03390F-521F-40ED-9D3B-4287339B36CD}" type="datetimeFigureOut">
               <a:rPr lang="pt-PT" smtClean="0"/>
-              <a:t>13/03/2021</a:t>
+              <a:t>22/03/2021</a:t>
             </a:fld>
             <a:endParaRPr lang="pt-PT"/>
           </a:p>
@@ -1824,7 +1825,7 @@
           <a:p>
             <a:fld id="{2B03390F-521F-40ED-9D3B-4287339B36CD}" type="datetimeFigureOut">
               <a:rPr lang="pt-PT" smtClean="0"/>
-              <a:t>13/03/2021</a:t>
+              <a:t>22/03/2021</a:t>
             </a:fld>
             <a:endParaRPr lang="pt-PT"/>
           </a:p>
@@ -1970,7 +1971,7 @@
           <a:p>
             <a:fld id="{2B03390F-521F-40ED-9D3B-4287339B36CD}" type="datetimeFigureOut">
               <a:rPr lang="pt-PT" smtClean="0"/>
-              <a:t>13/03/2021</a:t>
+              <a:t>22/03/2021</a:t>
             </a:fld>
             <a:endParaRPr lang="pt-PT"/>
           </a:p>
@@ -2083,7 +2084,7 @@
           <a:p>
             <a:fld id="{2B03390F-521F-40ED-9D3B-4287339B36CD}" type="datetimeFigureOut">
               <a:rPr lang="pt-PT" smtClean="0"/>
-              <a:t>13/03/2021</a:t>
+              <a:t>22/03/2021</a:t>
             </a:fld>
             <a:endParaRPr lang="pt-PT"/>
           </a:p>
@@ -2394,7 +2395,7 @@
           <a:p>
             <a:fld id="{2B03390F-521F-40ED-9D3B-4287339B36CD}" type="datetimeFigureOut">
               <a:rPr lang="pt-PT" smtClean="0"/>
-              <a:t>13/03/2021</a:t>
+              <a:t>22/03/2021</a:t>
             </a:fld>
             <a:endParaRPr lang="pt-PT"/>
           </a:p>
@@ -2687,7 +2688,7 @@
           <a:p>
             <a:fld id="{2B03390F-521F-40ED-9D3B-4287339B36CD}" type="datetimeFigureOut">
               <a:rPr lang="pt-PT" smtClean="0"/>
-              <a:t>13/03/2021</a:t>
+              <a:t>22/03/2021</a:t>
             </a:fld>
             <a:endParaRPr lang="pt-PT"/>
           </a:p>
@@ -2928,7 +2929,7 @@
           <a:p>
             <a:fld id="{2B03390F-521F-40ED-9D3B-4287339B36CD}" type="datetimeFigureOut">
               <a:rPr lang="pt-PT" smtClean="0"/>
-              <a:t>13/03/2021</a:t>
+              <a:t>22/03/2021</a:t>
             </a:fld>
             <a:endParaRPr lang="pt-PT"/>
           </a:p>
@@ -4035,14 +4036,11 @@
           <a:lstStyle/>
           <a:p>
             <a:r>
-              <a:rPr lang="pt-PT" b="1" dirty="0" err="1">
+              <a:rPr lang="en-GB" b="1" dirty="0">
                 <a:ea typeface="Roboto" pitchFamily="2" charset="0"/>
               </a:rPr>
               <a:t>Specification</a:t>
             </a:r>
-            <a:endParaRPr lang="pt-PT" b="1" dirty="0">
-              <a:ea typeface="Roboto" pitchFamily="2" charset="0"/>
-            </a:endParaRPr>
           </a:p>
         </p:txBody>
       </p:sp>
@@ -4349,7 +4347,7 @@
           </a:lstStyle>
           <a:p>
             <a:r>
-              <a:rPr lang="pt-PT" b="1" dirty="0" err="1">
+              <a:rPr lang="en-GB" b="1" dirty="0">
                 <a:ea typeface="Roboto" pitchFamily="2" charset="0"/>
               </a:rPr>
               <a:t>Related</a:t>
@@ -4358,17 +4356,8 @@
               <a:rPr lang="pt-PT" b="1" dirty="0">
                 <a:ea typeface="Roboto" pitchFamily="2" charset="0"/>
               </a:rPr>
-              <a:t> </a:t>
-            </a:r>
-            <a:r>
-              <a:rPr lang="pt-PT" b="1" dirty="0" err="1">
-                <a:ea typeface="Roboto" pitchFamily="2" charset="0"/>
-              </a:rPr>
-              <a:t>Work</a:t>
-            </a:r>
-            <a:endParaRPr lang="pt-PT" b="1" dirty="0">
-              <a:ea typeface="Roboto" pitchFamily="2" charset="0"/>
-            </a:endParaRPr>
+              <a:t> Work</a:t>
+            </a:r>
           </a:p>
         </p:txBody>
       </p:sp>
@@ -4407,28 +4396,7 @@
                 <a:ea typeface="Roboto" pitchFamily="2" charset="0"/>
                 <a:hlinkClick r:id="rId2"/>
               </a:rPr>
-              <a:t>Link to </a:t>
-            </a:r>
-            <a:r>
-              <a:rPr lang="pt-PT" sz="2400" dirty="0" err="1">
-                <a:ea typeface="Roboto" pitchFamily="2" charset="0"/>
-                <a:hlinkClick r:id="rId2"/>
-              </a:rPr>
-              <a:t>the</a:t>
-            </a:r>
-            <a:r>
-              <a:rPr lang="pt-PT" sz="2400" dirty="0">
-                <a:ea typeface="Roboto" pitchFamily="2" charset="0"/>
-                <a:hlinkClick r:id="rId2"/>
-              </a:rPr>
-              <a:t> Google Play </a:t>
-            </a:r>
-            <a:r>
-              <a:rPr lang="pt-PT" sz="2400" dirty="0" err="1">
-                <a:ea typeface="Roboto" pitchFamily="2" charset="0"/>
-                <a:hlinkClick r:id="rId2"/>
-              </a:rPr>
-              <a:t>page</a:t>
+              <a:t>Link to the Google Play page</a:t>
             </a:r>
             <a:r>
               <a:rPr lang="pt-PT" sz="2400" dirty="0">
@@ -4447,56 +4415,7 @@
                 <a:ea typeface="Roboto" pitchFamily="2" charset="0"/>
                 <a:hlinkClick r:id="rId3"/>
               </a:rPr>
-              <a:t>Link </a:t>
-            </a:r>
-            <a:r>
-              <a:rPr lang="pt-PT" sz="2400" dirty="0" err="1">
-                <a:ea typeface="Roboto" pitchFamily="2" charset="0"/>
-                <a:hlinkClick r:id="rId3"/>
-              </a:rPr>
-              <a:t>of</a:t>
-            </a:r>
-            <a:r>
-              <a:rPr lang="pt-PT" sz="2400" dirty="0">
-                <a:ea typeface="Roboto" pitchFamily="2" charset="0"/>
-                <a:hlinkClick r:id="rId3"/>
-              </a:rPr>
-              <a:t> </a:t>
-            </a:r>
-            <a:r>
-              <a:rPr lang="pt-PT" sz="2400" dirty="0" err="1">
-                <a:ea typeface="Roboto" pitchFamily="2" charset="0"/>
-                <a:hlinkClick r:id="rId3"/>
-              </a:rPr>
-              <a:t>all</a:t>
-            </a:r>
-            <a:r>
-              <a:rPr lang="pt-PT" sz="2400" dirty="0">
-                <a:ea typeface="Roboto" pitchFamily="2" charset="0"/>
-                <a:hlinkClick r:id="rId3"/>
-              </a:rPr>
-              <a:t> </a:t>
-            </a:r>
-            <a:r>
-              <a:rPr lang="pt-PT" sz="2400" dirty="0" err="1">
-                <a:ea typeface="Roboto" pitchFamily="2" charset="0"/>
-                <a:hlinkClick r:id="rId3"/>
-              </a:rPr>
-              <a:t>existing</a:t>
-            </a:r>
-            <a:r>
-              <a:rPr lang="pt-PT" sz="2400" dirty="0">
-                <a:ea typeface="Roboto" pitchFamily="2" charset="0"/>
-                <a:hlinkClick r:id="rId3"/>
-              </a:rPr>
-              <a:t> </a:t>
-            </a:r>
-            <a:r>
-              <a:rPr lang="pt-PT" sz="2400" dirty="0" err="1">
-                <a:ea typeface="Roboto" pitchFamily="2" charset="0"/>
-                <a:hlinkClick r:id="rId3"/>
-              </a:rPr>
-              <a:t>levels</a:t>
+              <a:t>Link of all existing levels</a:t>
             </a:r>
             <a:r>
               <a:rPr lang="pt-PT" sz="2400" dirty="0">
@@ -4518,10 +4437,34 @@
               <a:buNone/>
             </a:pPr>
             <a:r>
+              <a:rPr lang="en-US" sz="2400" dirty="0">
+                <a:ea typeface="Roboto" pitchFamily="2" charset="0"/>
+              </a:rPr>
+              <a:t>We</a:t>
+            </a:r>
+            <a:r>
+              <a:rPr lang="pt-PT" sz="2400" dirty="0">
+                <a:ea typeface="Roboto" pitchFamily="2" charset="0"/>
+              </a:rPr>
+              <a:t> </a:t>
+            </a:r>
+            <a:r>
               <a:rPr lang="pt-PT" sz="2400" dirty="0" err="1">
                 <a:ea typeface="Roboto" pitchFamily="2" charset="0"/>
               </a:rPr>
-              <a:t>We</a:t>
+              <a:t>used</a:t>
+            </a:r>
+            <a:r>
+              <a:rPr lang="pt-PT" sz="2400" dirty="0">
+                <a:ea typeface="Roboto" pitchFamily="2" charset="0"/>
+              </a:rPr>
+              <a:t> the curricular </a:t>
+            </a:r>
+            <a:r>
+              <a:rPr lang="pt-PT" sz="2400" dirty="0" err="1">
+                <a:ea typeface="Roboto" pitchFamily="2" charset="0"/>
+              </a:rPr>
+              <a:t>unit’s</a:t>
             </a:r>
             <a:r>
               <a:rPr lang="pt-PT" sz="2400" dirty="0">
@@ -4533,7 +4476,19 @@
               <a:rPr lang="pt-PT" sz="2400" dirty="0" err="1">
                 <a:ea typeface="Roboto" pitchFamily="2" charset="0"/>
               </a:rPr>
-              <a:t>used</a:t>
+              <a:t>presentations</a:t>
+            </a:r>
+            <a:r>
+              <a:rPr lang="pt-PT" sz="2400" dirty="0">
+                <a:ea typeface="Roboto" pitchFamily="2" charset="0"/>
+              </a:rPr>
+              <a:t> to </a:t>
+            </a:r>
+            <a:r>
+              <a:rPr lang="pt-PT" sz="2400" dirty="0" err="1">
+                <a:ea typeface="Roboto" pitchFamily="2" charset="0"/>
+              </a:rPr>
+              <a:t>guide</a:t>
             </a:r>
             <a:r>
               <a:rPr lang="pt-PT" sz="2400" dirty="0">
@@ -4545,97 +4500,25 @@
               <a:rPr lang="pt-PT" sz="2400" dirty="0" err="1">
                 <a:ea typeface="Roboto" pitchFamily="2" charset="0"/>
               </a:rPr>
-              <a:t>the</a:t>
-            </a:r>
-            <a:r>
-              <a:rPr lang="pt-PT" sz="2400" dirty="0">
-                <a:ea typeface="Roboto" pitchFamily="2" charset="0"/>
-              </a:rPr>
-              <a:t> curricular </a:t>
+              <a:t>our</a:t>
+            </a:r>
+            <a:r>
+              <a:rPr lang="pt-PT" sz="2400" dirty="0">
+                <a:ea typeface="Roboto" pitchFamily="2" charset="0"/>
+              </a:rPr>
+              <a:t> </a:t>
             </a:r>
             <a:r>
               <a:rPr lang="pt-PT" sz="2400" dirty="0" err="1">
                 <a:ea typeface="Roboto" pitchFamily="2" charset="0"/>
               </a:rPr>
-              <a:t>unit’s</a:t>
-            </a:r>
-            <a:r>
-              <a:rPr lang="pt-PT" sz="2400" dirty="0">
-                <a:ea typeface="Roboto" pitchFamily="2" charset="0"/>
-              </a:rPr>
-              <a:t> </a:t>
-            </a:r>
-            <a:r>
-              <a:rPr lang="pt-PT" sz="2400" dirty="0" err="1">
-                <a:ea typeface="Roboto" pitchFamily="2" charset="0"/>
-              </a:rPr>
-              <a:t>presentations</a:t>
-            </a:r>
-            <a:r>
-              <a:rPr lang="pt-PT" sz="2400" dirty="0">
-                <a:ea typeface="Roboto" pitchFamily="2" charset="0"/>
-              </a:rPr>
-              <a:t> to </a:t>
-            </a:r>
-            <a:r>
-              <a:rPr lang="pt-PT" sz="2400" dirty="0" err="1">
-                <a:ea typeface="Roboto" pitchFamily="2" charset="0"/>
-              </a:rPr>
-              <a:t>guide</a:t>
-            </a:r>
-            <a:r>
-              <a:rPr lang="pt-PT" sz="2400" dirty="0">
-                <a:ea typeface="Roboto" pitchFamily="2" charset="0"/>
-              </a:rPr>
-              <a:t> </a:t>
-            </a:r>
-            <a:r>
-              <a:rPr lang="pt-PT" sz="2400" dirty="0" err="1">
-                <a:ea typeface="Roboto" pitchFamily="2" charset="0"/>
-              </a:rPr>
-              <a:t>our</a:t>
-            </a:r>
-            <a:r>
-              <a:rPr lang="pt-PT" sz="2400" dirty="0">
-                <a:ea typeface="Roboto" pitchFamily="2" charset="0"/>
-              </a:rPr>
-              <a:t> </a:t>
-            </a:r>
-            <a:r>
-              <a:rPr lang="pt-PT" sz="2400" dirty="0" err="1">
-                <a:ea typeface="Roboto" pitchFamily="2" charset="0"/>
-              </a:rPr>
               <a:t>implementation</a:t>
             </a:r>
             <a:r>
               <a:rPr lang="pt-PT" sz="2400" dirty="0">
                 <a:ea typeface="Roboto" pitchFamily="2" charset="0"/>
               </a:rPr>
-              <a:t> </a:t>
-            </a:r>
-            <a:r>
-              <a:rPr lang="pt-PT" sz="2400" dirty="0" err="1">
-                <a:ea typeface="Roboto" pitchFamily="2" charset="0"/>
-              </a:rPr>
-              <a:t>of</a:t>
-            </a:r>
-            <a:r>
-              <a:rPr lang="pt-PT" sz="2400" dirty="0">
-                <a:ea typeface="Roboto" pitchFamily="2" charset="0"/>
-              </a:rPr>
-              <a:t> </a:t>
-            </a:r>
-            <a:r>
-              <a:rPr lang="pt-PT" sz="2400" dirty="0" err="1">
-                <a:ea typeface="Roboto" pitchFamily="2" charset="0"/>
-              </a:rPr>
-              <a:t>the</a:t>
-            </a:r>
-            <a:r>
-              <a:rPr lang="pt-PT" sz="2400" dirty="0">
-                <a:ea typeface="Roboto" pitchFamily="2" charset="0"/>
-              </a:rPr>
-              <a:t> </a:t>
+              <a:t> of the </a:t>
             </a:r>
             <a:r>
               <a:rPr lang="pt-PT" sz="2400" dirty="0" err="1">
@@ -5007,7 +4890,7 @@
               <a:rPr lang="pt-PT" sz="2400" b="1" dirty="0" err="1">
                 <a:ea typeface="Roboto" pitchFamily="2" charset="0"/>
               </a:rPr>
-              <a:t>Obejctive</a:t>
+              <a:t>Objective</a:t>
             </a:r>
             <a:r>
               <a:rPr lang="pt-PT" sz="2400" b="1" dirty="0">
@@ -6003,43 +5886,43 @@
               <a:rPr lang="pt-PT" dirty="0">
                 <a:ea typeface="Roboto" pitchFamily="2" charset="0"/>
               </a:rPr>
+              <a:t>, </a:t>
+            </a:r>
+            <a:r>
+              <a:rPr lang="pt-PT" dirty="0" err="1">
+                <a:ea typeface="Roboto" pitchFamily="2" charset="0"/>
+              </a:rPr>
+              <a:t>on</a:t>
+            </a:r>
+            <a:r>
+              <a:rPr lang="pt-PT" dirty="0">
+                <a:ea typeface="Roboto" pitchFamily="2" charset="0"/>
+              </a:rPr>
+              <a:t> top, </a:t>
+            </a:r>
+            <a:r>
+              <a:rPr lang="pt-PT" dirty="0" err="1">
+                <a:ea typeface="Roboto" pitchFamily="2" charset="0"/>
+              </a:rPr>
+              <a:t>just</a:t>
+            </a:r>
+            <a:r>
+              <a:rPr lang="pt-PT" dirty="0">
+                <a:ea typeface="Roboto" pitchFamily="2" charset="0"/>
+              </a:rPr>
               <a:t> </a:t>
             </a:r>
             <a:r>
               <a:rPr lang="pt-PT" dirty="0" err="1">
                 <a:ea typeface="Roboto" pitchFamily="2" charset="0"/>
               </a:rPr>
-              <a:t>just</a:t>
+              <a:t>like</a:t>
             </a:r>
             <a:r>
               <a:rPr lang="pt-PT" dirty="0">
                 <a:ea typeface="Roboto" pitchFamily="2" charset="0"/>
               </a:rPr>
-              <a:t> </a:t>
-            </a:r>
-            <a:r>
-              <a:rPr lang="pt-PT" dirty="0" err="1">
-                <a:ea typeface="Roboto" pitchFamily="2" charset="0"/>
-              </a:rPr>
-              <a:t>like</a:t>
-            </a:r>
-            <a:r>
-              <a:rPr lang="pt-PT" dirty="0">
-                <a:ea typeface="Roboto" pitchFamily="2" charset="0"/>
-              </a:rPr>
-              <a:t> </a:t>
-            </a:r>
-            <a:r>
-              <a:rPr lang="pt-PT" dirty="0" err="1">
-                <a:ea typeface="Roboto" pitchFamily="2" charset="0"/>
-              </a:rPr>
-              <a:t>the</a:t>
-            </a:r>
-            <a:r>
-              <a:rPr lang="pt-PT" dirty="0">
-                <a:ea typeface="Roboto" pitchFamily="2" charset="0"/>
-              </a:rPr>
-              <a:t> </a:t>
+              <a:t> the </a:t>
             </a:r>
             <a:r>
               <a:rPr lang="pt-PT" dirty="0" err="1">
@@ -6150,235 +6033,151 @@
               <a:rPr lang="pt-PT" dirty="0">
                 <a:ea typeface="Roboto" pitchFamily="2" charset="0"/>
               </a:rPr>
+              <a:t> the general case, </a:t>
+            </a:r>
+            <a:r>
+              <a:rPr lang="pt-PT" dirty="0" err="1">
+                <a:ea typeface="Roboto" pitchFamily="2" charset="0"/>
+              </a:rPr>
+              <a:t>it</a:t>
+            </a:r>
+            <a:r>
+              <a:rPr lang="pt-PT" dirty="0">
+                <a:ea typeface="Roboto" pitchFamily="2" charset="0"/>
+              </a:rPr>
               <a:t> </a:t>
             </a:r>
             <a:r>
               <a:rPr lang="pt-PT" dirty="0" err="1">
                 <a:ea typeface="Roboto" pitchFamily="2" charset="0"/>
               </a:rPr>
-              <a:t>the</a:t>
+              <a:t>represents</a:t>
             </a:r>
             <a:r>
               <a:rPr lang="pt-PT" dirty="0">
                 <a:ea typeface="Roboto" pitchFamily="2" charset="0"/>
               </a:rPr>
-              <a:t> general case, </a:t>
+              <a:t> a move; C2, </a:t>
             </a:r>
             <a:r>
               <a:rPr lang="pt-PT" dirty="0" err="1">
                 <a:ea typeface="Roboto" pitchFamily="2" charset="0"/>
               </a:rPr>
-              <a:t>it</a:t>
+              <a:t>evaluation</a:t>
             </a:r>
             <a:r>
               <a:rPr lang="pt-PT" dirty="0">
                 <a:ea typeface="Roboto" pitchFamily="2" charset="0"/>
               </a:rPr>
+              <a:t> of the </a:t>
+            </a:r>
+            <a:r>
+              <a:rPr lang="pt-PT" dirty="0" err="1">
+                <a:ea typeface="Roboto" pitchFamily="2" charset="0"/>
+              </a:rPr>
+              <a:t>number</a:t>
+            </a:r>
+            <a:r>
+              <a:rPr lang="pt-PT" dirty="0">
+                <a:ea typeface="Roboto" pitchFamily="2" charset="0"/>
+              </a:rPr>
+              <a:t> of </a:t>
+            </a:r>
+            <a:r>
+              <a:rPr lang="pt-PT" dirty="0" err="1">
+                <a:ea typeface="Roboto" pitchFamily="2" charset="0"/>
+              </a:rPr>
+              <a:t>wrongly</a:t>
+            </a:r>
+            <a:r>
+              <a:rPr lang="pt-PT" dirty="0">
+                <a:ea typeface="Roboto" pitchFamily="2" charset="0"/>
+              </a:rPr>
               <a:t> </a:t>
             </a:r>
             <a:r>
               <a:rPr lang="pt-PT" dirty="0" err="1">
                 <a:ea typeface="Roboto" pitchFamily="2" charset="0"/>
               </a:rPr>
-              <a:t>represents</a:t>
+              <a:t>placed</a:t>
             </a:r>
             <a:r>
               <a:rPr lang="pt-PT" dirty="0">
                 <a:ea typeface="Roboto" pitchFamily="2" charset="0"/>
               </a:rPr>
-              <a:t> a move; C2, </a:t>
+              <a:t> </a:t>
             </a:r>
             <a:r>
               <a:rPr lang="pt-PT" dirty="0" err="1">
                 <a:ea typeface="Roboto" pitchFamily="2" charset="0"/>
               </a:rPr>
-              <a:t>evaluation</a:t>
+              <a:t>Balls</a:t>
             </a:r>
             <a:r>
               <a:rPr lang="pt-PT" dirty="0">
                 <a:ea typeface="Roboto" pitchFamily="2" charset="0"/>
               </a:rPr>
+              <a:t>, </a:t>
+            </a:r>
+            <a:r>
+              <a:rPr lang="pt-PT" dirty="0" err="1">
+                <a:ea typeface="Roboto" pitchFamily="2" charset="0"/>
+              </a:rPr>
+              <a:t>based</a:t>
+            </a:r>
+            <a:r>
+              <a:rPr lang="pt-PT" dirty="0">
+                <a:ea typeface="Roboto" pitchFamily="2" charset="0"/>
+              </a:rPr>
               <a:t> </a:t>
             </a:r>
             <a:r>
               <a:rPr lang="pt-PT" dirty="0" err="1">
                 <a:ea typeface="Roboto" pitchFamily="2" charset="0"/>
               </a:rPr>
-              <a:t>of</a:t>
+              <a:t>on</a:t>
             </a:r>
             <a:r>
               <a:rPr lang="pt-PT" dirty="0">
                 <a:ea typeface="Roboto" pitchFamily="2" charset="0"/>
               </a:rPr>
+              <a:t> the </a:t>
+            </a:r>
+            <a:r>
+              <a:rPr lang="pt-PT" dirty="0" err="1">
+                <a:ea typeface="Roboto" pitchFamily="2" charset="0"/>
+              </a:rPr>
+              <a:t>Ball</a:t>
+            </a:r>
+            <a:r>
+              <a:rPr lang="pt-PT" dirty="0">
+                <a:ea typeface="Roboto" pitchFamily="2" charset="0"/>
+              </a:rPr>
               <a:t> </a:t>
             </a:r>
             <a:r>
               <a:rPr lang="pt-PT" dirty="0" err="1">
                 <a:ea typeface="Roboto" pitchFamily="2" charset="0"/>
               </a:rPr>
-              <a:t>the</a:t>
+              <a:t>at</a:t>
             </a:r>
             <a:r>
               <a:rPr lang="pt-PT" dirty="0">
                 <a:ea typeface="Roboto" pitchFamily="2" charset="0"/>
               </a:rPr>
-              <a:t> </a:t>
+              <a:t> the </a:t>
             </a:r>
             <a:r>
               <a:rPr lang="pt-PT" dirty="0" err="1">
                 <a:ea typeface="Roboto" pitchFamily="2" charset="0"/>
               </a:rPr>
-              <a:t>number</a:t>
+              <a:t>bottom</a:t>
             </a:r>
             <a:r>
               <a:rPr lang="pt-PT" dirty="0">
                 <a:ea typeface="Roboto" pitchFamily="2" charset="0"/>
               </a:rPr>
-              <a:t> </a:t>
-            </a:r>
-            <a:r>
-              <a:rPr lang="pt-PT" dirty="0" err="1">
-                <a:ea typeface="Roboto" pitchFamily="2" charset="0"/>
-              </a:rPr>
-              <a:t>of</a:t>
-            </a:r>
-            <a:r>
-              <a:rPr lang="pt-PT" dirty="0">
-                <a:ea typeface="Roboto" pitchFamily="2" charset="0"/>
-              </a:rPr>
-              <a:t> </a:t>
-            </a:r>
-            <a:r>
-              <a:rPr lang="pt-PT" dirty="0" err="1">
-                <a:ea typeface="Roboto" pitchFamily="2" charset="0"/>
-              </a:rPr>
-              <a:t>wrongly</a:t>
-            </a:r>
-            <a:r>
-              <a:rPr lang="pt-PT" dirty="0">
-                <a:ea typeface="Roboto" pitchFamily="2" charset="0"/>
-              </a:rPr>
-              <a:t> </a:t>
-            </a:r>
-            <a:r>
-              <a:rPr lang="pt-PT" dirty="0" err="1">
-                <a:ea typeface="Roboto" pitchFamily="2" charset="0"/>
-              </a:rPr>
-              <a:t>placed</a:t>
-            </a:r>
-            <a:r>
-              <a:rPr lang="pt-PT" dirty="0">
-                <a:ea typeface="Roboto" pitchFamily="2" charset="0"/>
-              </a:rPr>
-              <a:t> </a:t>
-            </a:r>
-            <a:r>
-              <a:rPr lang="pt-PT" dirty="0" err="1">
-                <a:ea typeface="Roboto" pitchFamily="2" charset="0"/>
-              </a:rPr>
-              <a:t>Balls</a:t>
-            </a:r>
-            <a:r>
-              <a:rPr lang="pt-PT" dirty="0">
-                <a:ea typeface="Roboto" pitchFamily="2" charset="0"/>
-              </a:rPr>
-              <a:t>, </a:t>
-            </a:r>
-            <a:r>
-              <a:rPr lang="pt-PT" dirty="0" err="1">
-                <a:ea typeface="Roboto" pitchFamily="2" charset="0"/>
-              </a:rPr>
-              <a:t>based</a:t>
-            </a:r>
-            <a:r>
-              <a:rPr lang="pt-PT" dirty="0">
-                <a:ea typeface="Roboto" pitchFamily="2" charset="0"/>
-              </a:rPr>
-              <a:t> </a:t>
-            </a:r>
-            <a:r>
-              <a:rPr lang="pt-PT" dirty="0" err="1">
-                <a:ea typeface="Roboto" pitchFamily="2" charset="0"/>
-              </a:rPr>
-              <a:t>on</a:t>
-            </a:r>
-            <a:r>
-              <a:rPr lang="pt-PT" dirty="0">
-                <a:ea typeface="Roboto" pitchFamily="2" charset="0"/>
-              </a:rPr>
-              <a:t> </a:t>
-            </a:r>
-            <a:r>
-              <a:rPr lang="pt-PT" dirty="0" err="1">
-                <a:ea typeface="Roboto" pitchFamily="2" charset="0"/>
-              </a:rPr>
-              <a:t>the</a:t>
-            </a:r>
-            <a:r>
-              <a:rPr lang="pt-PT" dirty="0">
-                <a:ea typeface="Roboto" pitchFamily="2" charset="0"/>
-              </a:rPr>
-              <a:t> </a:t>
-            </a:r>
-            <a:r>
-              <a:rPr lang="pt-PT" dirty="0" err="1">
-                <a:ea typeface="Roboto" pitchFamily="2" charset="0"/>
-              </a:rPr>
-              <a:t>Ball</a:t>
-            </a:r>
-            <a:r>
-              <a:rPr lang="pt-PT" dirty="0">
-                <a:ea typeface="Roboto" pitchFamily="2" charset="0"/>
-              </a:rPr>
-              <a:t> </a:t>
-            </a:r>
-            <a:r>
-              <a:rPr lang="pt-PT" dirty="0" err="1">
-                <a:ea typeface="Roboto" pitchFamily="2" charset="0"/>
-              </a:rPr>
-              <a:t>at</a:t>
-            </a:r>
-            <a:r>
-              <a:rPr lang="pt-PT" dirty="0">
-                <a:ea typeface="Roboto" pitchFamily="2" charset="0"/>
-              </a:rPr>
-              <a:t> </a:t>
-            </a:r>
-            <a:r>
-              <a:rPr lang="pt-PT" dirty="0" err="1">
-                <a:ea typeface="Roboto" pitchFamily="2" charset="0"/>
-              </a:rPr>
-              <a:t>the</a:t>
-            </a:r>
-            <a:r>
-              <a:rPr lang="pt-PT" dirty="0">
-                <a:ea typeface="Roboto" pitchFamily="2" charset="0"/>
-              </a:rPr>
-              <a:t> </a:t>
-            </a:r>
-            <a:r>
-              <a:rPr lang="pt-PT" dirty="0" err="1">
-                <a:ea typeface="Roboto" pitchFamily="2" charset="0"/>
-              </a:rPr>
-              <a:t>bottom</a:t>
-            </a:r>
-            <a:r>
-              <a:rPr lang="pt-PT" dirty="0">
-                <a:ea typeface="Roboto" pitchFamily="2" charset="0"/>
-              </a:rPr>
-              <a:t> </a:t>
-            </a:r>
-            <a:r>
-              <a:rPr lang="pt-PT" dirty="0" err="1">
-                <a:ea typeface="Roboto" pitchFamily="2" charset="0"/>
-              </a:rPr>
-              <a:t>of</a:t>
-            </a:r>
-            <a:r>
-              <a:rPr lang="pt-PT" dirty="0">
-                <a:ea typeface="Roboto" pitchFamily="2" charset="0"/>
-              </a:rPr>
-              <a:t> a Tube</a:t>
+              <a:t> of a Tube</a:t>
             </a:r>
           </a:p>
         </p:txBody>
@@ -6546,7 +6345,7 @@
               <a:rPr lang="en-US" b="1" dirty="0">
                 <a:ea typeface="Roboto" pitchFamily="2" charset="0"/>
               </a:rPr>
-              <a:t>Implementation work already carried out</a:t>
+              <a:t>Implemented Heuristics</a:t>
             </a:r>
             <a:endParaRPr lang="pt-PT" b="1" dirty="0">
               <a:ea typeface="Roboto" pitchFamily="2" charset="0"/>
@@ -6586,6 +6385,545 @@
               <a:buNone/>
             </a:pPr>
             <a:r>
+              <a:rPr lang="pt-PT" sz="2400" dirty="0" err="1">
+                <a:ea typeface="Roboto" pitchFamily="2" charset="0"/>
+              </a:rPr>
+              <a:t>We</a:t>
+            </a:r>
+            <a:r>
+              <a:rPr lang="pt-PT" sz="2400" dirty="0">
+                <a:ea typeface="Roboto" pitchFamily="2" charset="0"/>
+              </a:rPr>
+              <a:t> </a:t>
+            </a:r>
+            <a:r>
+              <a:rPr lang="pt-PT" sz="2400" dirty="0" err="1">
+                <a:ea typeface="Roboto" pitchFamily="2" charset="0"/>
+              </a:rPr>
+              <a:t>have</a:t>
+            </a:r>
+            <a:r>
+              <a:rPr lang="pt-PT" sz="2400" dirty="0">
+                <a:ea typeface="Roboto" pitchFamily="2" charset="0"/>
+              </a:rPr>
+              <a:t> </a:t>
+            </a:r>
+            <a:r>
+              <a:rPr lang="pt-PT" sz="2400" dirty="0" err="1">
+                <a:ea typeface="Roboto" pitchFamily="2" charset="0"/>
+              </a:rPr>
+              <a:t>implemented</a:t>
+            </a:r>
+            <a:r>
+              <a:rPr lang="pt-PT" sz="2400" dirty="0">
+                <a:ea typeface="Roboto" pitchFamily="2" charset="0"/>
+              </a:rPr>
+              <a:t> BFS, DFS, IDS, </a:t>
+            </a:r>
+            <a:r>
+              <a:rPr lang="pt-PT" sz="2400" dirty="0" err="1">
+                <a:ea typeface="Roboto" pitchFamily="2" charset="0"/>
+              </a:rPr>
+              <a:t>Greedy</a:t>
+            </a:r>
+            <a:r>
+              <a:rPr lang="pt-PT" sz="2400" dirty="0">
+                <a:ea typeface="Roboto" pitchFamily="2" charset="0"/>
+              </a:rPr>
+              <a:t> </a:t>
+            </a:r>
+            <a:r>
+              <a:rPr lang="pt-PT" sz="2400" dirty="0" err="1">
+                <a:ea typeface="Roboto" pitchFamily="2" charset="0"/>
+              </a:rPr>
+              <a:t>Search</a:t>
+            </a:r>
+            <a:r>
+              <a:rPr lang="pt-PT" sz="2400" dirty="0">
+                <a:ea typeface="Roboto" pitchFamily="2" charset="0"/>
+              </a:rPr>
+              <a:t> </a:t>
+            </a:r>
+            <a:r>
+              <a:rPr lang="pt-PT" sz="2400" dirty="0" err="1">
+                <a:ea typeface="Roboto" pitchFamily="2" charset="0"/>
+              </a:rPr>
+              <a:t>and</a:t>
+            </a:r>
+            <a:r>
+              <a:rPr lang="pt-PT" sz="2400" dirty="0">
+                <a:ea typeface="Roboto" pitchFamily="2" charset="0"/>
+              </a:rPr>
+              <a:t> A*.</a:t>
+            </a:r>
+          </a:p>
+          <a:p>
+            <a:pPr marL="0" indent="0">
+              <a:buNone/>
+            </a:pPr>
+            <a:r>
+              <a:rPr lang="pt-PT" sz="2400" dirty="0" err="1">
+                <a:ea typeface="Roboto" pitchFamily="2" charset="0"/>
+              </a:rPr>
+              <a:t>Our</a:t>
+            </a:r>
+            <a:r>
+              <a:rPr lang="pt-PT" sz="2400" dirty="0">
+                <a:ea typeface="Roboto" pitchFamily="2" charset="0"/>
+              </a:rPr>
+              <a:t> </a:t>
+            </a:r>
+            <a:r>
+              <a:rPr lang="pt-PT" sz="2400" dirty="0" err="1">
+                <a:ea typeface="Roboto" pitchFamily="2" charset="0"/>
+              </a:rPr>
+              <a:t>evaluation</a:t>
+            </a:r>
+            <a:r>
+              <a:rPr lang="pt-PT" sz="2400" dirty="0">
+                <a:ea typeface="Roboto" pitchFamily="2" charset="0"/>
+              </a:rPr>
+              <a:t> </a:t>
+            </a:r>
+            <a:r>
+              <a:rPr lang="pt-PT" sz="2400" dirty="0" err="1">
+                <a:ea typeface="Roboto" pitchFamily="2" charset="0"/>
+              </a:rPr>
+              <a:t>function</a:t>
+            </a:r>
+            <a:r>
+              <a:rPr lang="pt-PT" sz="2400" dirty="0">
+                <a:ea typeface="Roboto" pitchFamily="2" charset="0"/>
+              </a:rPr>
+              <a:t>, </a:t>
+            </a:r>
+            <a:r>
+              <a:rPr lang="pt-PT" sz="2400" dirty="0" err="1">
+                <a:ea typeface="Roboto" pitchFamily="2" charset="0"/>
+              </a:rPr>
+              <a:t>used</a:t>
+            </a:r>
+            <a:r>
+              <a:rPr lang="pt-PT" sz="2400" dirty="0">
+                <a:ea typeface="Roboto" pitchFamily="2" charset="0"/>
+              </a:rPr>
+              <a:t> in A*, </a:t>
+            </a:r>
+            <a:r>
+              <a:rPr lang="pt-PT" sz="2400" dirty="0" err="1">
+                <a:ea typeface="Roboto" pitchFamily="2" charset="0"/>
+              </a:rPr>
+              <a:t>calculates</a:t>
+            </a:r>
+            <a:r>
+              <a:rPr lang="pt-PT" sz="2400" dirty="0">
+                <a:ea typeface="Roboto" pitchFamily="2" charset="0"/>
+              </a:rPr>
+              <a:t> the </a:t>
+            </a:r>
+            <a:r>
+              <a:rPr lang="pt-PT" sz="2400" dirty="0" err="1">
+                <a:ea typeface="Roboto" pitchFamily="2" charset="0"/>
+              </a:rPr>
+              <a:t>number</a:t>
+            </a:r>
+            <a:r>
+              <a:rPr lang="pt-PT" sz="2400" dirty="0">
+                <a:ea typeface="Roboto" pitchFamily="2" charset="0"/>
+              </a:rPr>
+              <a:t> of </a:t>
+            </a:r>
+            <a:r>
+              <a:rPr lang="pt-PT" sz="2400" dirty="0" err="1">
+                <a:ea typeface="Roboto" pitchFamily="2" charset="0"/>
+              </a:rPr>
+              <a:t>wrongly</a:t>
+            </a:r>
+            <a:r>
+              <a:rPr lang="pt-PT" sz="2400" dirty="0">
+                <a:ea typeface="Roboto" pitchFamily="2" charset="0"/>
+              </a:rPr>
+              <a:t> </a:t>
+            </a:r>
+            <a:r>
+              <a:rPr lang="pt-PT" sz="2400" dirty="0" err="1">
+                <a:ea typeface="Roboto" pitchFamily="2" charset="0"/>
+              </a:rPr>
+              <a:t>placed</a:t>
+            </a:r>
+            <a:r>
+              <a:rPr lang="pt-PT" sz="2400" dirty="0">
+                <a:ea typeface="Roboto" pitchFamily="2" charset="0"/>
+              </a:rPr>
+              <a:t> </a:t>
+            </a:r>
+            <a:r>
+              <a:rPr lang="pt-PT" sz="2400" dirty="0" err="1">
+                <a:ea typeface="Roboto" pitchFamily="2" charset="0"/>
+              </a:rPr>
+              <a:t>Balls</a:t>
+            </a:r>
+            <a:r>
+              <a:rPr lang="pt-PT" sz="2400" dirty="0">
+                <a:ea typeface="Roboto" pitchFamily="2" charset="0"/>
+              </a:rPr>
+              <a:t> (</a:t>
+            </a:r>
+            <a:r>
+              <a:rPr lang="pt-PT" sz="2400" dirty="0" err="1">
+                <a:ea typeface="Roboto" pitchFamily="2" charset="0"/>
+              </a:rPr>
+              <a:t>Balls</a:t>
+            </a:r>
+            <a:r>
+              <a:rPr lang="pt-PT" sz="2400" dirty="0">
+                <a:ea typeface="Roboto" pitchFamily="2" charset="0"/>
+              </a:rPr>
+              <a:t> </a:t>
+            </a:r>
+            <a:r>
+              <a:rPr lang="pt-PT" sz="2400" dirty="0" err="1">
+                <a:ea typeface="Roboto" pitchFamily="2" charset="0"/>
+              </a:rPr>
+              <a:t>with</a:t>
+            </a:r>
+            <a:r>
+              <a:rPr lang="pt-PT" sz="2400" dirty="0">
+                <a:ea typeface="Roboto" pitchFamily="2" charset="0"/>
+              </a:rPr>
+              <a:t> </a:t>
+            </a:r>
+            <a:r>
+              <a:rPr lang="pt-PT" sz="2400" dirty="0" err="1">
+                <a:ea typeface="Roboto" pitchFamily="2" charset="0"/>
+              </a:rPr>
+              <a:t>diferent</a:t>
+            </a:r>
+            <a:r>
+              <a:rPr lang="pt-PT" sz="2400" dirty="0">
+                <a:ea typeface="Roboto" pitchFamily="2" charset="0"/>
+              </a:rPr>
+              <a:t> color of the </a:t>
+            </a:r>
+            <a:r>
+              <a:rPr lang="pt-PT" sz="2400" dirty="0" err="1">
+                <a:ea typeface="Roboto" pitchFamily="2" charset="0"/>
+              </a:rPr>
+              <a:t>Ball</a:t>
+            </a:r>
+            <a:r>
+              <a:rPr lang="pt-PT" sz="2400" dirty="0">
+                <a:ea typeface="Roboto" pitchFamily="2" charset="0"/>
+              </a:rPr>
+              <a:t> </a:t>
+            </a:r>
+            <a:r>
+              <a:rPr lang="pt-PT" sz="2400" dirty="0" err="1">
+                <a:ea typeface="Roboto" pitchFamily="2" charset="0"/>
+              </a:rPr>
+              <a:t>at</a:t>
+            </a:r>
+            <a:r>
+              <a:rPr lang="pt-PT" sz="2400" dirty="0">
+                <a:ea typeface="Roboto" pitchFamily="2" charset="0"/>
+              </a:rPr>
+              <a:t> the </a:t>
+            </a:r>
+            <a:r>
+              <a:rPr lang="pt-PT" sz="2400" dirty="0" err="1">
+                <a:ea typeface="Roboto" pitchFamily="2" charset="0"/>
+              </a:rPr>
+              <a:t>bottom</a:t>
+            </a:r>
+            <a:r>
+              <a:rPr lang="pt-PT" sz="2400" dirty="0">
+                <a:ea typeface="Roboto" pitchFamily="2" charset="0"/>
+              </a:rPr>
+              <a:t>) in a Tube.</a:t>
+            </a:r>
+          </a:p>
+          <a:p>
+            <a:pPr marL="0" indent="0">
+              <a:buNone/>
+            </a:pPr>
+            <a:r>
+              <a:rPr lang="pt-PT" sz="2400" dirty="0" err="1">
+                <a:ea typeface="Roboto" pitchFamily="2" charset="0"/>
+              </a:rPr>
+              <a:t>Code</a:t>
+            </a:r>
+            <a:r>
+              <a:rPr lang="pt-PT" sz="2400" dirty="0">
+                <a:ea typeface="Roboto" pitchFamily="2" charset="0"/>
+              </a:rPr>
+              <a:t>:</a:t>
+            </a:r>
+          </a:p>
+        </p:txBody>
+      </p:sp>
+      <p:sp>
+        <p:nvSpPr>
+          <p:cNvPr id="4" name="Retângulo 3">
+            <a:extLst>
+              <a:ext uri="{FF2B5EF4-FFF2-40B4-BE49-F238E27FC236}">
+                <a16:creationId xmlns:a16="http://schemas.microsoft.com/office/drawing/2014/main" id="{90B6A4EF-9E53-46D5-92DA-6EFB0024E853}"/>
+              </a:ext>
+            </a:extLst>
+          </p:cNvPr>
+          <p:cNvSpPr/>
+          <p:nvPr/>
+        </p:nvSpPr>
+        <p:spPr>
+          <a:xfrm>
+            <a:off x="0" y="-35351"/>
+            <a:ext cx="216816" cy="6928701"/>
+          </a:xfrm>
+          <a:prstGeom prst="rect">
+            <a:avLst/>
+          </a:prstGeom>
+        </p:spPr>
+        <p:style>
+          <a:lnRef idx="2">
+            <a:schemeClr val="accent1">
+              <a:shade val="50000"/>
+            </a:schemeClr>
+          </a:lnRef>
+          <a:fillRef idx="1">
+            <a:schemeClr val="accent1"/>
+          </a:fillRef>
+          <a:effectRef idx="0">
+            <a:schemeClr val="accent1"/>
+          </a:effectRef>
+          <a:fontRef idx="minor">
+            <a:schemeClr val="lt1"/>
+          </a:fontRef>
+        </p:style>
+        <p:txBody>
+          <a:bodyPr rtlCol="0" anchor="ctr"/>
+          <a:lstStyle/>
+          <a:p>
+            <a:pPr algn="ctr"/>
+            <a:endParaRPr lang="en-GB"/>
+          </a:p>
+        </p:txBody>
+      </p:sp>
+      <p:pic>
+        <p:nvPicPr>
+          <p:cNvPr id="5" name="Imagem 4">
+            <a:extLst>
+              <a:ext uri="{FF2B5EF4-FFF2-40B4-BE49-F238E27FC236}">
+                <a16:creationId xmlns:a16="http://schemas.microsoft.com/office/drawing/2014/main" id="{7BA3DCCD-3276-4287-9AC3-EF4C6F38A372}"/>
+              </a:ext>
+            </a:extLst>
+          </p:cNvPr>
+          <p:cNvPicPr>
+            <a:picLocks noChangeAspect="1"/>
+          </p:cNvPicPr>
+          <p:nvPr/>
+        </p:nvPicPr>
+        <p:blipFill>
+          <a:blip r:embed="rId2">
+            <a:extLst>
+              <a:ext uri="{28A0092B-C50C-407E-A947-70E740481C1C}">
+                <a14:useLocalDpi xmlns:a14="http://schemas.microsoft.com/office/drawing/2010/main" val="0"/>
+              </a:ext>
+            </a:extLst>
+          </a:blip>
+          <a:stretch>
+            <a:fillRect/>
+          </a:stretch>
+        </p:blipFill>
+        <p:spPr>
+          <a:xfrm>
+            <a:off x="9856198" y="5937007"/>
+            <a:ext cx="1776086" cy="616193"/>
+          </a:xfrm>
+          <a:prstGeom prst="rect">
+            <a:avLst/>
+          </a:prstGeom>
+        </p:spPr>
+      </p:pic>
+      <p:pic>
+        <p:nvPicPr>
+          <p:cNvPr id="7" name="Imagem 6">
+            <a:extLst>
+              <a:ext uri="{FF2B5EF4-FFF2-40B4-BE49-F238E27FC236}">
+                <a16:creationId xmlns:a16="http://schemas.microsoft.com/office/drawing/2014/main" id="{3429F436-7257-425F-8409-79971DD1A403}"/>
+              </a:ext>
+            </a:extLst>
+          </p:cNvPr>
+          <p:cNvPicPr>
+            <a:picLocks noChangeAspect="1"/>
+          </p:cNvPicPr>
+          <p:nvPr/>
+        </p:nvPicPr>
+        <p:blipFill>
+          <a:blip r:embed="rId3"/>
+          <a:stretch>
+            <a:fillRect/>
+          </a:stretch>
+        </p:blipFill>
+        <p:spPr>
+          <a:xfrm>
+            <a:off x="559711" y="3255981"/>
+            <a:ext cx="4025395" cy="3459406"/>
+          </a:xfrm>
+          <a:prstGeom prst="rect">
+            <a:avLst/>
+          </a:prstGeom>
+        </p:spPr>
+      </p:pic>
+      <p:pic>
+        <p:nvPicPr>
+          <p:cNvPr id="9" name="Imagem 8">
+            <a:extLst>
+              <a:ext uri="{FF2B5EF4-FFF2-40B4-BE49-F238E27FC236}">
+                <a16:creationId xmlns:a16="http://schemas.microsoft.com/office/drawing/2014/main" id="{7E0DD499-5652-4EB9-B7AE-AD2EFE40228F}"/>
+              </a:ext>
+            </a:extLst>
+          </p:cNvPr>
+          <p:cNvPicPr>
+            <a:picLocks noChangeAspect="1"/>
+          </p:cNvPicPr>
+          <p:nvPr/>
+        </p:nvPicPr>
+        <p:blipFill>
+          <a:blip r:embed="rId4"/>
+          <a:stretch>
+            <a:fillRect/>
+          </a:stretch>
+        </p:blipFill>
+        <p:spPr>
+          <a:xfrm>
+            <a:off x="4882366" y="3255981"/>
+            <a:ext cx="5449060" cy="2476846"/>
+          </a:xfrm>
+          <a:prstGeom prst="rect">
+            <a:avLst/>
+          </a:prstGeom>
+        </p:spPr>
+      </p:pic>
+    </p:spTree>
+    <p:extLst>
+      <p:ext uri="{BB962C8B-B14F-4D97-AF65-F5344CB8AC3E}">
+        <p14:creationId xmlns:p14="http://schemas.microsoft.com/office/powerpoint/2010/main" val="1365681247"/>
+      </p:ext>
+    </p:extLst>
+  </p:cSld>
+  <p:clrMapOvr>
+    <a:masterClrMapping/>
+  </p:clrMapOvr>
+</p:sld>
+</file>
+
+<file path=ppt/slides/slide6.xml><?xml version="1.0" encoding="utf-8"?>
+<p:sld xmlns:a="http://schemas.openxmlformats.org/drawingml/2006/main" xmlns:r="http://schemas.openxmlformats.org/officeDocument/2006/relationships" xmlns:p="http://schemas.openxmlformats.org/presentationml/2006/main">
+  <p:cSld>
+    <p:spTree>
+      <p:nvGrpSpPr>
+        <p:cNvPr id="1" name=""/>
+        <p:cNvGrpSpPr/>
+        <p:nvPr/>
+      </p:nvGrpSpPr>
+      <p:grpSpPr>
+        <a:xfrm>
+          <a:off x="0" y="0"/>
+          <a:ext cx="0" cy="0"/>
+          <a:chOff x="0" y="0"/>
+          <a:chExt cx="0" cy="0"/>
+        </a:xfrm>
+      </p:grpSpPr>
+      <p:sp>
+        <p:nvSpPr>
+          <p:cNvPr id="6" name="Título 1">
+            <a:extLst>
+              <a:ext uri="{FF2B5EF4-FFF2-40B4-BE49-F238E27FC236}">
+                <a16:creationId xmlns:a16="http://schemas.microsoft.com/office/drawing/2014/main" id="{6D71369E-7E9A-476A-8E42-16E130DB6ED2}"/>
+              </a:ext>
+            </a:extLst>
+          </p:cNvPr>
+          <p:cNvSpPr txBox="1">
+            <a:spLocks/>
+          </p:cNvSpPr>
+          <p:nvPr/>
+        </p:nvSpPr>
+        <p:spPr>
+          <a:xfrm>
+            <a:off x="559716" y="304800"/>
+            <a:ext cx="10515600" cy="1325563"/>
+          </a:xfrm>
+          <a:prstGeom prst="rect">
+            <a:avLst/>
+          </a:prstGeom>
+        </p:spPr>
+        <p:txBody>
+          <a:bodyPr vert="horz" lIns="91440" tIns="45720" rIns="91440" bIns="45720" rtlCol="0" anchor="ctr">
+            <a:normAutofit/>
+          </a:bodyPr>
+          <a:lstStyle>
+            <a:lvl1pPr algn="l" defTabSz="914400" rtl="0" eaLnBrk="1" latinLnBrk="0" hangingPunct="1">
+              <a:lnSpc>
+                <a:spcPct val="90000"/>
+              </a:lnSpc>
+              <a:spcBef>
+                <a:spcPct val="0"/>
+              </a:spcBef>
+              <a:buNone/>
+              <a:defRPr sz="4400" kern="1200">
+                <a:solidFill>
+                  <a:schemeClr val="tx1"/>
+                </a:solidFill>
+                <a:latin typeface="+mj-lt"/>
+                <a:ea typeface="+mj-ea"/>
+                <a:cs typeface="+mj-cs"/>
+              </a:defRPr>
+            </a:lvl1pPr>
+          </a:lstStyle>
+          <a:p>
+            <a:r>
+              <a:rPr lang="en-US" b="1" dirty="0">
+                <a:ea typeface="Roboto" pitchFamily="2" charset="0"/>
+              </a:rPr>
+              <a:t>Implementation work already carried out</a:t>
+            </a:r>
+            <a:endParaRPr lang="pt-PT" b="1" dirty="0">
+              <a:ea typeface="Roboto" pitchFamily="2" charset="0"/>
+            </a:endParaRPr>
+          </a:p>
+        </p:txBody>
+      </p:sp>
+      <p:sp>
+        <p:nvSpPr>
+          <p:cNvPr id="3" name="Marcador de Posição de Conteúdo 2">
+            <a:extLst>
+              <a:ext uri="{FF2B5EF4-FFF2-40B4-BE49-F238E27FC236}">
+                <a16:creationId xmlns:a16="http://schemas.microsoft.com/office/drawing/2014/main" id="{12DAE172-CE39-4574-A4E6-C9F5072FDC8D}"/>
+              </a:ext>
+            </a:extLst>
+          </p:cNvPr>
+          <p:cNvSpPr>
+            <a:spLocks noGrp="1"/>
+          </p:cNvSpPr>
+          <p:nvPr>
+            <p:ph idx="1"/>
+          </p:nvPr>
+        </p:nvSpPr>
+        <p:spPr>
+          <a:xfrm flipH="1">
+            <a:off x="559714" y="1630363"/>
+            <a:ext cx="10515599" cy="4779962"/>
+          </a:xfrm>
+        </p:spPr>
+        <p:txBody>
+          <a:bodyPr>
+            <a:normAutofit/>
+          </a:bodyPr>
+          <a:lstStyle/>
+          <a:p>
+            <a:pPr marL="0" indent="0">
+              <a:buNone/>
+            </a:pPr>
+            <a:r>
               <a:rPr lang="pt-PT" sz="2400" b="1" dirty="0" err="1">
                 <a:ea typeface="Roboto" pitchFamily="2" charset="0"/>
               </a:rPr>
@@ -6774,43 +7112,19 @@
               <a:rPr lang="pt-PT" sz="2400" dirty="0">
                 <a:ea typeface="Roboto" pitchFamily="2" charset="0"/>
               </a:rPr>
-              <a:t> </a:t>
+              <a:t> the Tubes </a:t>
             </a:r>
             <a:r>
               <a:rPr lang="pt-PT" sz="2400" dirty="0" err="1">
                 <a:ea typeface="Roboto" pitchFamily="2" charset="0"/>
               </a:rPr>
-              <a:t>the</a:t>
-            </a:r>
-            <a:r>
-              <a:rPr lang="pt-PT" sz="2400" dirty="0">
-                <a:ea typeface="Roboto" pitchFamily="2" charset="0"/>
-              </a:rPr>
-              <a:t> Tubes </a:t>
-            </a:r>
-            <a:r>
-              <a:rPr lang="pt-PT" sz="2400" dirty="0" err="1">
-                <a:ea typeface="Roboto" pitchFamily="2" charset="0"/>
-              </a:rPr>
               <a:t>and</a:t>
             </a:r>
             <a:r>
               <a:rPr lang="pt-PT" sz="2400" dirty="0">
                 <a:ea typeface="Roboto" pitchFamily="2" charset="0"/>
               </a:rPr>
-              <a:t> </a:t>
-            </a:r>
-            <a:r>
-              <a:rPr lang="pt-PT" sz="2400" dirty="0" err="1">
-                <a:ea typeface="Roboto" pitchFamily="2" charset="0"/>
-              </a:rPr>
-              <a:t>the</a:t>
-            </a:r>
-            <a:r>
-              <a:rPr lang="pt-PT" sz="2400" dirty="0">
-                <a:ea typeface="Roboto" pitchFamily="2" charset="0"/>
-              </a:rPr>
-              <a:t> Game</a:t>
+              <a:t> the Game</a:t>
             </a:r>
           </a:p>
           <a:p>
@@ -6866,19 +7180,7 @@
               <a:rPr lang="pt-PT" sz="2400" dirty="0">
                 <a:ea typeface="Roboto" pitchFamily="2" charset="0"/>
               </a:rPr>
-              <a:t>: </a:t>
-            </a:r>
-            <a:r>
-              <a:rPr lang="pt-PT" sz="2400" dirty="0" err="1">
-                <a:ea typeface="Roboto" pitchFamily="2" charset="0"/>
-              </a:rPr>
-              <a:t>The</a:t>
-            </a:r>
-            <a:r>
-              <a:rPr lang="pt-PT" sz="2400" dirty="0">
-                <a:ea typeface="Roboto" pitchFamily="2" charset="0"/>
-              </a:rPr>
-              <a:t> </a:t>
+              <a:t>: The </a:t>
             </a:r>
             <a:r>
               <a:rPr lang="pt-PT" sz="2400" dirty="0" err="1">
@@ -6965,31 +7267,13 @@
               <a:rPr lang="pt-PT" sz="2400" b="1" dirty="0">
                 <a:ea typeface="Roboto" pitchFamily="2" charset="0"/>
               </a:rPr>
-              <a:t> </a:t>
-            </a:r>
-            <a:r>
-              <a:rPr lang="pt-PT" sz="2400" b="1" dirty="0" err="1">
-                <a:ea typeface="Roboto" pitchFamily="2" charset="0"/>
-              </a:rPr>
-              <a:t>Work</a:t>
-            </a:r>
-            <a:r>
-              <a:rPr lang="pt-PT" sz="2400" dirty="0">
-                <a:ea typeface="Roboto" pitchFamily="2" charset="0"/>
-              </a:rPr>
-              <a:t>: </a:t>
-            </a:r>
-            <a:r>
-              <a:rPr lang="pt-PT" sz="2400" dirty="0" err="1">
-                <a:ea typeface="Roboto" pitchFamily="2" charset="0"/>
-              </a:rPr>
-              <a:t>All</a:t>
-            </a:r>
-            <a:r>
-              <a:rPr lang="pt-PT" sz="2400" dirty="0">
-                <a:ea typeface="Roboto" pitchFamily="2" charset="0"/>
-              </a:rPr>
-              <a:t> </a:t>
+              <a:t> Work</a:t>
+            </a:r>
+            <a:r>
+              <a:rPr lang="pt-PT" sz="2400" dirty="0">
+                <a:ea typeface="Roboto" pitchFamily="2" charset="0"/>
+              </a:rPr>
+              <a:t>: All </a:t>
             </a:r>
             <a:r>
               <a:rPr lang="pt-PT" sz="2400" dirty="0" err="1">

--- a/Project1/docs/Ball Sort Puzzle.pptx
+++ b/Project1/docs/Ball Sort Puzzle.pptx
@@ -7,10 +7,15 @@
   <p:sldIdLst>
     <p:sldId id="256" r:id="rId2"/>
     <p:sldId id="257" r:id="rId3"/>
-    <p:sldId id="258" r:id="rId4"/>
-    <p:sldId id="259" r:id="rId5"/>
-    <p:sldId id="261" r:id="rId6"/>
-    <p:sldId id="260" r:id="rId7"/>
+    <p:sldId id="259" r:id="rId4"/>
+    <p:sldId id="261" r:id="rId5"/>
+    <p:sldId id="260" r:id="rId6"/>
+    <p:sldId id="262" r:id="rId7"/>
+    <p:sldId id="263" r:id="rId8"/>
+    <p:sldId id="264" r:id="rId9"/>
+    <p:sldId id="265" r:id="rId10"/>
+    <p:sldId id="266" r:id="rId11"/>
+    <p:sldId id="258" r:id="rId12"/>
   </p:sldIdLst>
   <p:sldSz cx="12192000" cy="6858000"/>
   <p:notesSz cx="6858000" cy="9144000"/>
@@ -264,7 +269,7 @@
           <a:p>
             <a:fld id="{2B03390F-521F-40ED-9D3B-4287339B36CD}" type="datetimeFigureOut">
               <a:rPr lang="pt-PT" smtClean="0"/>
-              <a:t>22/03/2021</a:t>
+              <a:t>31/03/2021</a:t>
             </a:fld>
             <a:endParaRPr lang="pt-PT"/>
           </a:p>
@@ -462,7 +467,7 @@
           <a:p>
             <a:fld id="{2B03390F-521F-40ED-9D3B-4287339B36CD}" type="datetimeFigureOut">
               <a:rPr lang="pt-PT" smtClean="0"/>
-              <a:t>22/03/2021</a:t>
+              <a:t>31/03/2021</a:t>
             </a:fld>
             <a:endParaRPr lang="pt-PT"/>
           </a:p>
@@ -670,7 +675,7 @@
           <a:p>
             <a:fld id="{2B03390F-521F-40ED-9D3B-4287339B36CD}" type="datetimeFigureOut">
               <a:rPr lang="pt-PT" smtClean="0"/>
-              <a:t>22/03/2021</a:t>
+              <a:t>31/03/2021</a:t>
             </a:fld>
             <a:endParaRPr lang="pt-PT"/>
           </a:p>
@@ -868,7 +873,7 @@
           <a:p>
             <a:fld id="{2B03390F-521F-40ED-9D3B-4287339B36CD}" type="datetimeFigureOut">
               <a:rPr lang="pt-PT" smtClean="0"/>
-              <a:t>22/03/2021</a:t>
+              <a:t>31/03/2021</a:t>
             </a:fld>
             <a:endParaRPr lang="pt-PT"/>
           </a:p>
@@ -1143,7 +1148,7 @@
           <a:p>
             <a:fld id="{2B03390F-521F-40ED-9D3B-4287339B36CD}" type="datetimeFigureOut">
               <a:rPr lang="pt-PT" smtClean="0"/>
-              <a:t>22/03/2021</a:t>
+              <a:t>31/03/2021</a:t>
             </a:fld>
             <a:endParaRPr lang="pt-PT"/>
           </a:p>
@@ -1408,7 +1413,7 @@
           <a:p>
             <a:fld id="{2B03390F-521F-40ED-9D3B-4287339B36CD}" type="datetimeFigureOut">
               <a:rPr lang="pt-PT" smtClean="0"/>
-              <a:t>22/03/2021</a:t>
+              <a:t>31/03/2021</a:t>
             </a:fld>
             <a:endParaRPr lang="pt-PT"/>
           </a:p>
@@ -1825,7 +1830,7 @@
           <a:p>
             <a:fld id="{2B03390F-521F-40ED-9D3B-4287339B36CD}" type="datetimeFigureOut">
               <a:rPr lang="pt-PT" smtClean="0"/>
-              <a:t>22/03/2021</a:t>
+              <a:t>31/03/2021</a:t>
             </a:fld>
             <a:endParaRPr lang="pt-PT"/>
           </a:p>
@@ -1971,7 +1976,7 @@
           <a:p>
             <a:fld id="{2B03390F-521F-40ED-9D3B-4287339B36CD}" type="datetimeFigureOut">
               <a:rPr lang="pt-PT" smtClean="0"/>
-              <a:t>22/03/2021</a:t>
+              <a:t>31/03/2021</a:t>
             </a:fld>
             <a:endParaRPr lang="pt-PT"/>
           </a:p>
@@ -2084,7 +2089,7 @@
           <a:p>
             <a:fld id="{2B03390F-521F-40ED-9D3B-4287339B36CD}" type="datetimeFigureOut">
               <a:rPr lang="pt-PT" smtClean="0"/>
-              <a:t>22/03/2021</a:t>
+              <a:t>31/03/2021</a:t>
             </a:fld>
             <a:endParaRPr lang="pt-PT"/>
           </a:p>
@@ -2395,7 +2400,7 @@
           <a:p>
             <a:fld id="{2B03390F-521F-40ED-9D3B-4287339B36CD}" type="datetimeFigureOut">
               <a:rPr lang="pt-PT" smtClean="0"/>
-              <a:t>22/03/2021</a:t>
+              <a:t>31/03/2021</a:t>
             </a:fld>
             <a:endParaRPr lang="pt-PT"/>
           </a:p>
@@ -2688,7 +2693,7 @@
           <a:p>
             <a:fld id="{2B03390F-521F-40ED-9D3B-4287339B36CD}" type="datetimeFigureOut">
               <a:rPr lang="pt-PT" smtClean="0"/>
-              <a:t>22/03/2021</a:t>
+              <a:t>31/03/2021</a:t>
             </a:fld>
             <a:endParaRPr lang="pt-PT"/>
           </a:p>
@@ -2929,7 +2934,7 @@
           <a:p>
             <a:fld id="{2B03390F-521F-40ED-9D3B-4287339B36CD}" type="datetimeFigureOut">
               <a:rPr lang="pt-PT" smtClean="0"/>
-              <a:t>22/03/2021</a:t>
+              <a:t>31/03/2021</a:t>
             </a:fld>
             <a:endParaRPr lang="pt-PT"/>
           </a:p>
@@ -3992,6 +3997,1356 @@
 </p:sld>
 </file>
 
+<file path=ppt/slides/slide10.xml><?xml version="1.0" encoding="utf-8"?>
+<p:sld xmlns:a="http://schemas.openxmlformats.org/drawingml/2006/main" xmlns:r="http://schemas.openxmlformats.org/officeDocument/2006/relationships" xmlns:p="http://schemas.openxmlformats.org/presentationml/2006/main">
+  <p:cSld>
+    <p:spTree>
+      <p:nvGrpSpPr>
+        <p:cNvPr id="1" name=""/>
+        <p:cNvGrpSpPr/>
+        <p:nvPr/>
+      </p:nvGrpSpPr>
+      <p:grpSpPr>
+        <a:xfrm>
+          <a:off x="0" y="0"/>
+          <a:ext cx="0" cy="0"/>
+          <a:chOff x="0" y="0"/>
+          <a:chExt cx="0" cy="0"/>
+        </a:xfrm>
+      </p:grpSpPr>
+      <p:sp>
+        <p:nvSpPr>
+          <p:cNvPr id="3" name="Marcador de Posição de Conteúdo 2">
+            <a:extLst>
+              <a:ext uri="{FF2B5EF4-FFF2-40B4-BE49-F238E27FC236}">
+                <a16:creationId xmlns:a16="http://schemas.microsoft.com/office/drawing/2014/main" id="{5BECBDE7-3448-4F52-A782-7E51700C2552}"/>
+              </a:ext>
+            </a:extLst>
+          </p:cNvPr>
+          <p:cNvSpPr>
+            <a:spLocks noGrp="1"/>
+          </p:cNvSpPr>
+          <p:nvPr>
+            <p:ph idx="1"/>
+          </p:nvPr>
+        </p:nvSpPr>
+        <p:spPr>
+          <a:xfrm>
+            <a:off x="559716" y="1672918"/>
+            <a:ext cx="11072568" cy="4351338"/>
+          </a:xfrm>
+        </p:spPr>
+        <p:txBody>
+          <a:bodyPr>
+            <a:normAutofit/>
+          </a:bodyPr>
+          <a:lstStyle/>
+          <a:p>
+            <a:pPr marL="0" indent="0">
+              <a:buNone/>
+            </a:pPr>
+            <a:r>
+              <a:rPr lang="pt-PT" sz="2200" dirty="0">
+                <a:ea typeface="Roboto" pitchFamily="2" charset="0"/>
+              </a:rPr>
+              <a:t>As </a:t>
+            </a:r>
+            <a:r>
+              <a:rPr lang="pt-PT" sz="2200" dirty="0" err="1">
+                <a:ea typeface="Roboto" pitchFamily="2" charset="0"/>
+              </a:rPr>
+              <a:t>expected</a:t>
+            </a:r>
+            <a:r>
+              <a:rPr lang="pt-PT" sz="2200" dirty="0">
+                <a:ea typeface="Roboto" pitchFamily="2" charset="0"/>
+              </a:rPr>
+              <a:t>, </a:t>
+            </a:r>
+            <a:r>
+              <a:rPr lang="pt-PT" sz="2200" dirty="0" err="1">
+                <a:ea typeface="Roboto" pitchFamily="2" charset="0"/>
+              </a:rPr>
+              <a:t>Greedy</a:t>
+            </a:r>
+            <a:r>
+              <a:rPr lang="pt-PT" sz="2200" dirty="0">
+                <a:ea typeface="Roboto" pitchFamily="2" charset="0"/>
+              </a:rPr>
+              <a:t> </a:t>
+            </a:r>
+            <a:r>
+              <a:rPr lang="pt-PT" sz="2200" dirty="0" err="1">
+                <a:ea typeface="Roboto" pitchFamily="2" charset="0"/>
+              </a:rPr>
+              <a:t>was</a:t>
+            </a:r>
+            <a:r>
+              <a:rPr lang="pt-PT" sz="2200" dirty="0">
+                <a:ea typeface="Roboto" pitchFamily="2" charset="0"/>
+              </a:rPr>
+              <a:t> </a:t>
+            </a:r>
+            <a:r>
+              <a:rPr lang="pt-PT" sz="2200" dirty="0" err="1">
+                <a:ea typeface="Roboto" pitchFamily="2" charset="0"/>
+              </a:rPr>
+              <a:t>the</a:t>
+            </a:r>
+            <a:r>
+              <a:rPr lang="pt-PT" sz="2200" dirty="0">
+                <a:ea typeface="Roboto" pitchFamily="2" charset="0"/>
+              </a:rPr>
+              <a:t> </a:t>
+            </a:r>
+            <a:r>
+              <a:rPr lang="pt-PT" sz="2200" dirty="0" err="1">
+                <a:ea typeface="Roboto" pitchFamily="2" charset="0"/>
+              </a:rPr>
+              <a:t>best</a:t>
+            </a:r>
+            <a:r>
+              <a:rPr lang="pt-PT" sz="2200" dirty="0">
+                <a:ea typeface="Roboto" pitchFamily="2" charset="0"/>
+              </a:rPr>
+              <a:t> </a:t>
+            </a:r>
+            <a:r>
+              <a:rPr lang="pt-PT" sz="2200" dirty="0" err="1">
+                <a:ea typeface="Roboto" pitchFamily="2" charset="0"/>
+              </a:rPr>
+              <a:t>performing</a:t>
+            </a:r>
+            <a:r>
+              <a:rPr lang="pt-PT" sz="2200" dirty="0">
+                <a:ea typeface="Roboto" pitchFamily="2" charset="0"/>
+              </a:rPr>
+              <a:t> in </a:t>
+            </a:r>
+            <a:r>
+              <a:rPr lang="pt-PT" sz="2200" dirty="0" err="1">
+                <a:ea typeface="Roboto" pitchFamily="2" charset="0"/>
+              </a:rPr>
+              <a:t>terms</a:t>
+            </a:r>
+            <a:r>
+              <a:rPr lang="pt-PT" sz="2200" dirty="0">
+                <a:ea typeface="Roboto" pitchFamily="2" charset="0"/>
+              </a:rPr>
+              <a:t> </a:t>
+            </a:r>
+            <a:r>
+              <a:rPr lang="pt-PT" sz="2200" dirty="0" err="1">
+                <a:ea typeface="Roboto" pitchFamily="2" charset="0"/>
+              </a:rPr>
+              <a:t>of</a:t>
+            </a:r>
+            <a:r>
+              <a:rPr lang="pt-PT" sz="2200" dirty="0">
+                <a:ea typeface="Roboto" pitchFamily="2" charset="0"/>
+              </a:rPr>
+              <a:t> time, </a:t>
+            </a:r>
+            <a:r>
+              <a:rPr lang="pt-PT" sz="2200" dirty="0" err="1">
+                <a:ea typeface="Roboto" pitchFamily="2" charset="0"/>
+              </a:rPr>
+              <a:t>but</a:t>
+            </a:r>
+            <a:r>
+              <a:rPr lang="pt-PT" sz="2200" dirty="0">
+                <a:ea typeface="Roboto" pitchFamily="2" charset="0"/>
+              </a:rPr>
+              <a:t> </a:t>
+            </a:r>
+            <a:r>
+              <a:rPr lang="pt-PT" sz="2200" dirty="0" err="1">
+                <a:ea typeface="Roboto" pitchFamily="2" charset="0"/>
+              </a:rPr>
+              <a:t>surprisingly</a:t>
+            </a:r>
+            <a:r>
+              <a:rPr lang="pt-PT" sz="2200" dirty="0">
+                <a:ea typeface="Roboto" pitchFamily="2" charset="0"/>
+              </a:rPr>
+              <a:t> </a:t>
+            </a:r>
+            <a:r>
+              <a:rPr lang="pt-PT" sz="2200" dirty="0" err="1">
+                <a:ea typeface="Roboto" pitchFamily="2" charset="0"/>
+              </a:rPr>
+              <a:t>it</a:t>
+            </a:r>
+            <a:r>
+              <a:rPr lang="pt-PT" sz="2200" dirty="0">
+                <a:ea typeface="Roboto" pitchFamily="2" charset="0"/>
+              </a:rPr>
+              <a:t> </a:t>
+            </a:r>
+            <a:r>
+              <a:rPr lang="pt-PT" sz="2200" dirty="0" err="1">
+                <a:ea typeface="Roboto" pitchFamily="2" charset="0"/>
+              </a:rPr>
+              <a:t>was</a:t>
+            </a:r>
+            <a:r>
+              <a:rPr lang="pt-PT" sz="2200" dirty="0">
+                <a:ea typeface="Roboto" pitchFamily="2" charset="0"/>
+              </a:rPr>
+              <a:t> </a:t>
+            </a:r>
+            <a:r>
+              <a:rPr lang="pt-PT" sz="2200" dirty="0" err="1">
+                <a:ea typeface="Roboto" pitchFamily="2" charset="0"/>
+              </a:rPr>
+              <a:t>also</a:t>
+            </a:r>
+            <a:r>
+              <a:rPr lang="pt-PT" sz="2200" dirty="0">
+                <a:ea typeface="Roboto" pitchFamily="2" charset="0"/>
+              </a:rPr>
+              <a:t> </a:t>
+            </a:r>
+            <a:r>
+              <a:rPr lang="pt-PT" sz="2200" dirty="0" err="1">
+                <a:ea typeface="Roboto" pitchFamily="2" charset="0"/>
+              </a:rPr>
+              <a:t>the</a:t>
+            </a:r>
+            <a:r>
+              <a:rPr lang="pt-PT" sz="2200" dirty="0">
+                <a:ea typeface="Roboto" pitchFamily="2" charset="0"/>
+              </a:rPr>
+              <a:t> </a:t>
+            </a:r>
+            <a:r>
+              <a:rPr lang="pt-PT" sz="2200" dirty="0" err="1">
+                <a:ea typeface="Roboto" pitchFamily="2" charset="0"/>
+              </a:rPr>
+              <a:t>one</a:t>
+            </a:r>
+            <a:r>
+              <a:rPr lang="pt-PT" sz="2200" dirty="0">
+                <a:ea typeface="Roboto" pitchFamily="2" charset="0"/>
+              </a:rPr>
+              <a:t> </a:t>
+            </a:r>
+            <a:r>
+              <a:rPr lang="pt-PT" sz="2200" dirty="0" err="1">
+                <a:ea typeface="Roboto" pitchFamily="2" charset="0"/>
+              </a:rPr>
+              <a:t>that</a:t>
+            </a:r>
+            <a:r>
+              <a:rPr lang="pt-PT" sz="2200" dirty="0">
+                <a:ea typeface="Roboto" pitchFamily="2" charset="0"/>
+              </a:rPr>
+              <a:t> </a:t>
+            </a:r>
+            <a:r>
+              <a:rPr lang="pt-PT" sz="2200" dirty="0" err="1">
+                <a:ea typeface="Roboto" pitchFamily="2" charset="0"/>
+              </a:rPr>
+              <a:t>expanded</a:t>
+            </a:r>
+            <a:r>
+              <a:rPr lang="pt-PT" sz="2200" dirty="0">
+                <a:ea typeface="Roboto" pitchFamily="2" charset="0"/>
+              </a:rPr>
+              <a:t> </a:t>
+            </a:r>
+            <a:r>
+              <a:rPr lang="pt-PT" sz="2200" dirty="0" err="1">
+                <a:ea typeface="Roboto" pitchFamily="2" charset="0"/>
+              </a:rPr>
+              <a:t>the</a:t>
+            </a:r>
+            <a:r>
+              <a:rPr lang="pt-PT" sz="2200" dirty="0">
+                <a:ea typeface="Roboto" pitchFamily="2" charset="0"/>
+              </a:rPr>
+              <a:t> </a:t>
+            </a:r>
+            <a:r>
+              <a:rPr lang="pt-PT" sz="2200" dirty="0" err="1">
+                <a:ea typeface="Roboto" pitchFamily="2" charset="0"/>
+              </a:rPr>
+              <a:t>least</a:t>
+            </a:r>
+            <a:r>
+              <a:rPr lang="pt-PT" sz="2200" dirty="0">
+                <a:ea typeface="Roboto" pitchFamily="2" charset="0"/>
+              </a:rPr>
+              <a:t> nodes, </a:t>
+            </a:r>
+            <a:r>
+              <a:rPr lang="pt-PT" sz="2200" dirty="0" err="1">
+                <a:ea typeface="Roboto" pitchFamily="2" charset="0"/>
+              </a:rPr>
+              <a:t>making</a:t>
+            </a:r>
+            <a:r>
+              <a:rPr lang="pt-PT" sz="2200" dirty="0">
+                <a:ea typeface="Roboto" pitchFamily="2" charset="0"/>
+              </a:rPr>
+              <a:t> </a:t>
+            </a:r>
+            <a:r>
+              <a:rPr lang="pt-PT" sz="2200" dirty="0" err="1">
+                <a:ea typeface="Roboto" pitchFamily="2" charset="0"/>
+              </a:rPr>
+              <a:t>it</a:t>
+            </a:r>
+            <a:r>
+              <a:rPr lang="pt-PT" sz="2200" dirty="0">
+                <a:ea typeface="Roboto" pitchFamily="2" charset="0"/>
+              </a:rPr>
+              <a:t> </a:t>
+            </a:r>
+            <a:r>
+              <a:rPr lang="pt-PT" sz="2200" dirty="0" err="1">
+                <a:ea typeface="Roboto" pitchFamily="2" charset="0"/>
+              </a:rPr>
+              <a:t>the</a:t>
+            </a:r>
+            <a:r>
+              <a:rPr lang="pt-PT" sz="2200" dirty="0">
+                <a:ea typeface="Roboto" pitchFamily="2" charset="0"/>
+              </a:rPr>
+              <a:t> </a:t>
+            </a:r>
+            <a:r>
+              <a:rPr lang="pt-PT" sz="2200" dirty="0" err="1">
+                <a:ea typeface="Roboto" pitchFamily="2" charset="0"/>
+              </a:rPr>
+              <a:t>best</a:t>
+            </a:r>
+            <a:r>
+              <a:rPr lang="pt-PT" sz="2200" dirty="0">
+                <a:ea typeface="Roboto" pitchFamily="2" charset="0"/>
+              </a:rPr>
+              <a:t> </a:t>
+            </a:r>
+            <a:r>
+              <a:rPr lang="pt-PT" sz="2200" dirty="0" err="1">
+                <a:ea typeface="Roboto" pitchFamily="2" charset="0"/>
+              </a:rPr>
+              <a:t>performing</a:t>
+            </a:r>
+            <a:r>
+              <a:rPr lang="pt-PT" sz="2200" dirty="0">
+                <a:ea typeface="Roboto" pitchFamily="2" charset="0"/>
+              </a:rPr>
+              <a:t> </a:t>
+            </a:r>
+            <a:r>
+              <a:rPr lang="pt-PT" sz="2200" dirty="0" err="1">
+                <a:ea typeface="Roboto" pitchFamily="2" charset="0"/>
+              </a:rPr>
+              <a:t>algorithm</a:t>
+            </a:r>
+            <a:r>
+              <a:rPr lang="pt-PT" sz="2200" dirty="0">
+                <a:ea typeface="Roboto" pitchFamily="2" charset="0"/>
+              </a:rPr>
+              <a:t> </a:t>
+            </a:r>
+            <a:r>
+              <a:rPr lang="pt-PT" sz="2200" dirty="0" err="1">
+                <a:ea typeface="Roboto" pitchFamily="2" charset="0"/>
+              </a:rPr>
+              <a:t>overall</a:t>
+            </a:r>
+            <a:r>
+              <a:rPr lang="pt-PT" sz="2200" dirty="0">
+                <a:ea typeface="Roboto" pitchFamily="2" charset="0"/>
+              </a:rPr>
+              <a:t>, for non-</a:t>
+            </a:r>
+            <a:r>
+              <a:rPr lang="pt-PT" sz="2200" dirty="0" err="1">
+                <a:ea typeface="Roboto" pitchFamily="2" charset="0"/>
+              </a:rPr>
+              <a:t>optimal</a:t>
+            </a:r>
+            <a:r>
+              <a:rPr lang="pt-PT" sz="2200" dirty="0">
+                <a:ea typeface="Roboto" pitchFamily="2" charset="0"/>
+              </a:rPr>
+              <a:t> </a:t>
+            </a:r>
+            <a:r>
+              <a:rPr lang="pt-PT" sz="2200" dirty="0" err="1">
+                <a:ea typeface="Roboto" pitchFamily="2" charset="0"/>
+              </a:rPr>
+              <a:t>solutions</a:t>
+            </a:r>
+            <a:r>
+              <a:rPr lang="pt-PT" sz="2200" dirty="0">
+                <a:ea typeface="Roboto" pitchFamily="2" charset="0"/>
+              </a:rPr>
+              <a:t>.</a:t>
+            </a:r>
+          </a:p>
+          <a:p>
+            <a:pPr marL="0" indent="0">
+              <a:buNone/>
+            </a:pPr>
+            <a:r>
+              <a:rPr lang="pt-PT" sz="2200" dirty="0">
+                <a:ea typeface="Roboto" pitchFamily="2" charset="0"/>
+              </a:rPr>
+              <a:t>For </a:t>
+            </a:r>
+            <a:r>
+              <a:rPr lang="pt-PT" sz="2200" dirty="0" err="1">
+                <a:ea typeface="Roboto" pitchFamily="2" charset="0"/>
+              </a:rPr>
+              <a:t>optimal</a:t>
+            </a:r>
+            <a:r>
+              <a:rPr lang="pt-PT" sz="2200" dirty="0">
+                <a:ea typeface="Roboto" pitchFamily="2" charset="0"/>
+              </a:rPr>
+              <a:t> </a:t>
+            </a:r>
+            <a:r>
+              <a:rPr lang="pt-PT" sz="2200" dirty="0" err="1">
+                <a:ea typeface="Roboto" pitchFamily="2" charset="0"/>
+              </a:rPr>
+              <a:t>solutions</a:t>
+            </a:r>
+            <a:r>
+              <a:rPr lang="pt-PT" sz="2200" dirty="0">
+                <a:ea typeface="Roboto" pitchFamily="2" charset="0"/>
+              </a:rPr>
+              <a:t>, as </a:t>
+            </a:r>
+            <a:r>
+              <a:rPr lang="pt-PT" sz="2200" dirty="0" err="1">
+                <a:ea typeface="Roboto" pitchFamily="2" charset="0"/>
+              </a:rPr>
+              <a:t>expected</a:t>
+            </a:r>
+            <a:r>
+              <a:rPr lang="pt-PT" sz="2200" dirty="0">
+                <a:ea typeface="Roboto" pitchFamily="2" charset="0"/>
+              </a:rPr>
+              <a:t>, A* </a:t>
+            </a:r>
+            <a:r>
+              <a:rPr lang="pt-PT" sz="2200" dirty="0" err="1">
+                <a:ea typeface="Roboto" pitchFamily="2" charset="0"/>
+              </a:rPr>
+              <a:t>was</a:t>
+            </a:r>
+            <a:r>
+              <a:rPr lang="pt-PT" sz="2200" dirty="0">
+                <a:ea typeface="Roboto" pitchFamily="2" charset="0"/>
+              </a:rPr>
+              <a:t> </a:t>
+            </a:r>
+            <a:r>
+              <a:rPr lang="pt-PT" sz="2200" dirty="0" err="1">
+                <a:ea typeface="Roboto" pitchFamily="2" charset="0"/>
+              </a:rPr>
+              <a:t>the</a:t>
+            </a:r>
+            <a:r>
+              <a:rPr lang="pt-PT" sz="2200" dirty="0">
+                <a:ea typeface="Roboto" pitchFamily="2" charset="0"/>
+              </a:rPr>
+              <a:t> </a:t>
+            </a:r>
+            <a:r>
+              <a:rPr lang="pt-PT" sz="2200" dirty="0" err="1">
+                <a:ea typeface="Roboto" pitchFamily="2" charset="0"/>
+              </a:rPr>
+              <a:t>best</a:t>
+            </a:r>
+            <a:r>
+              <a:rPr lang="pt-PT" sz="2200" dirty="0">
+                <a:ea typeface="Roboto" pitchFamily="2" charset="0"/>
+              </a:rPr>
+              <a:t> </a:t>
+            </a:r>
+            <a:r>
+              <a:rPr lang="pt-PT" sz="2200" dirty="0" err="1">
+                <a:ea typeface="Roboto" pitchFamily="2" charset="0"/>
+              </a:rPr>
+              <a:t>performing</a:t>
+            </a:r>
+            <a:r>
+              <a:rPr lang="pt-PT" sz="2200" dirty="0">
+                <a:ea typeface="Roboto" pitchFamily="2" charset="0"/>
+              </a:rPr>
+              <a:t> </a:t>
+            </a:r>
+            <a:r>
+              <a:rPr lang="pt-PT" sz="2200" dirty="0" err="1">
+                <a:ea typeface="Roboto" pitchFamily="2" charset="0"/>
+              </a:rPr>
+              <a:t>algorithm</a:t>
+            </a:r>
+            <a:r>
+              <a:rPr lang="pt-PT" sz="2200" dirty="0">
+                <a:ea typeface="Roboto" pitchFamily="2" charset="0"/>
+              </a:rPr>
+              <a:t> </a:t>
+            </a:r>
+            <a:r>
+              <a:rPr lang="pt-PT" sz="2200" dirty="0" err="1">
+                <a:ea typeface="Roboto" pitchFamily="2" charset="0"/>
+              </a:rPr>
+              <a:t>on</a:t>
+            </a:r>
+            <a:r>
+              <a:rPr lang="pt-PT" sz="2200" dirty="0">
+                <a:ea typeface="Roboto" pitchFamily="2" charset="0"/>
+              </a:rPr>
+              <a:t> </a:t>
+            </a:r>
+            <a:r>
+              <a:rPr lang="pt-PT" sz="2200" dirty="0" err="1">
+                <a:ea typeface="Roboto" pitchFamily="2" charset="0"/>
+              </a:rPr>
+              <a:t>both</a:t>
+            </a:r>
+            <a:r>
+              <a:rPr lang="pt-PT" sz="2200" dirty="0">
+                <a:ea typeface="Roboto" pitchFamily="2" charset="0"/>
+              </a:rPr>
+              <a:t> </a:t>
+            </a:r>
+            <a:r>
+              <a:rPr lang="pt-PT" sz="2200" dirty="0" err="1">
+                <a:ea typeface="Roboto" pitchFamily="2" charset="0"/>
+              </a:rPr>
+              <a:t>ends</a:t>
+            </a:r>
+            <a:r>
+              <a:rPr lang="pt-PT" sz="2200" dirty="0">
+                <a:ea typeface="Roboto" pitchFamily="2" charset="0"/>
+              </a:rPr>
+              <a:t>.</a:t>
+            </a:r>
+          </a:p>
+          <a:p>
+            <a:pPr marL="0" indent="0">
+              <a:buNone/>
+            </a:pPr>
+            <a:r>
+              <a:rPr lang="pt-PT" sz="2200" dirty="0" err="1">
+                <a:ea typeface="Roboto" pitchFamily="2" charset="0"/>
+              </a:rPr>
+              <a:t>Between</a:t>
+            </a:r>
+            <a:r>
+              <a:rPr lang="pt-PT" sz="2200" dirty="0">
+                <a:ea typeface="Roboto" pitchFamily="2" charset="0"/>
+              </a:rPr>
+              <a:t> </a:t>
+            </a:r>
+            <a:r>
+              <a:rPr lang="pt-PT" sz="2200" dirty="0" err="1">
+                <a:ea typeface="Roboto" pitchFamily="2" charset="0"/>
+              </a:rPr>
+              <a:t>our</a:t>
+            </a:r>
+            <a:r>
+              <a:rPr lang="pt-PT" sz="2200" dirty="0">
+                <a:ea typeface="Roboto" pitchFamily="2" charset="0"/>
+              </a:rPr>
+              <a:t> </a:t>
+            </a:r>
+            <a:r>
+              <a:rPr lang="pt-PT" sz="2200" dirty="0" err="1">
+                <a:ea typeface="Roboto" pitchFamily="2" charset="0"/>
+              </a:rPr>
+              <a:t>heuristic</a:t>
+            </a:r>
+            <a:r>
+              <a:rPr lang="pt-PT" sz="2200" dirty="0">
+                <a:ea typeface="Roboto" pitchFamily="2" charset="0"/>
+              </a:rPr>
+              <a:t> </a:t>
+            </a:r>
+            <a:r>
+              <a:rPr lang="pt-PT" sz="2200" dirty="0" err="1">
+                <a:ea typeface="Roboto" pitchFamily="2" charset="0"/>
+              </a:rPr>
+              <a:t>functions</a:t>
+            </a:r>
+            <a:r>
+              <a:rPr lang="pt-PT" sz="2200" dirty="0">
+                <a:ea typeface="Roboto" pitchFamily="2" charset="0"/>
+              </a:rPr>
+              <a:t>, _______ </a:t>
+            </a:r>
+            <a:r>
+              <a:rPr lang="pt-PT" sz="2200" dirty="0" err="1">
+                <a:ea typeface="Roboto" pitchFamily="2" charset="0"/>
+              </a:rPr>
+              <a:t>was</a:t>
+            </a:r>
+            <a:r>
+              <a:rPr lang="pt-PT" sz="2200" dirty="0">
+                <a:ea typeface="Roboto" pitchFamily="2" charset="0"/>
+              </a:rPr>
+              <a:t> </a:t>
+            </a:r>
+            <a:r>
+              <a:rPr lang="pt-PT" sz="2200" dirty="0" err="1">
+                <a:ea typeface="Roboto" pitchFamily="2" charset="0"/>
+              </a:rPr>
+              <a:t>the</a:t>
+            </a:r>
+            <a:r>
+              <a:rPr lang="pt-PT" sz="2200" dirty="0">
+                <a:ea typeface="Roboto" pitchFamily="2" charset="0"/>
+              </a:rPr>
+              <a:t> </a:t>
+            </a:r>
+            <a:r>
+              <a:rPr lang="pt-PT" sz="2200" dirty="0" err="1">
+                <a:ea typeface="Roboto" pitchFamily="2" charset="0"/>
+              </a:rPr>
+              <a:t>best</a:t>
+            </a:r>
+            <a:r>
+              <a:rPr lang="pt-PT" sz="2200" dirty="0">
+                <a:ea typeface="Roboto" pitchFamily="2" charset="0"/>
+              </a:rPr>
+              <a:t> </a:t>
+            </a:r>
+            <a:r>
+              <a:rPr lang="pt-PT" sz="2200" dirty="0" err="1">
+                <a:ea typeface="Roboto" pitchFamily="2" charset="0"/>
+              </a:rPr>
+              <a:t>one</a:t>
+            </a:r>
+            <a:r>
+              <a:rPr lang="pt-PT" sz="2200" dirty="0">
+                <a:ea typeface="Roboto" pitchFamily="2" charset="0"/>
+              </a:rPr>
+              <a:t>. </a:t>
+            </a:r>
+            <a:r>
+              <a:rPr lang="pt-PT" sz="2200" dirty="0" err="1">
+                <a:ea typeface="Roboto" pitchFamily="2" charset="0"/>
+              </a:rPr>
+              <a:t>Minimum</a:t>
+            </a:r>
+            <a:r>
+              <a:rPr lang="pt-PT" sz="2200" dirty="0">
+                <a:ea typeface="Roboto" pitchFamily="2" charset="0"/>
+              </a:rPr>
+              <a:t> Moves </a:t>
+            </a:r>
+            <a:r>
+              <a:rPr lang="pt-PT" sz="2200" dirty="0" err="1">
+                <a:ea typeface="Roboto" pitchFamily="2" charset="0"/>
+              </a:rPr>
+              <a:t>is</a:t>
+            </a:r>
+            <a:r>
+              <a:rPr lang="pt-PT" sz="2200" dirty="0">
+                <a:ea typeface="Roboto" pitchFamily="2" charset="0"/>
+              </a:rPr>
+              <a:t> </a:t>
+            </a:r>
+            <a:r>
+              <a:rPr lang="pt-PT" sz="2200" dirty="0" err="1">
+                <a:ea typeface="Roboto" pitchFamily="2" charset="0"/>
+              </a:rPr>
+              <a:t>better</a:t>
+            </a:r>
+            <a:r>
+              <a:rPr lang="pt-PT" sz="2200" dirty="0">
+                <a:ea typeface="Roboto" pitchFamily="2" charset="0"/>
+              </a:rPr>
+              <a:t> </a:t>
+            </a:r>
+            <a:r>
+              <a:rPr lang="pt-PT" sz="2200" dirty="0" err="1">
+                <a:ea typeface="Roboto" pitchFamily="2" charset="0"/>
+              </a:rPr>
+              <a:t>suited</a:t>
+            </a:r>
+            <a:r>
+              <a:rPr lang="pt-PT" sz="2200" dirty="0">
+                <a:ea typeface="Roboto" pitchFamily="2" charset="0"/>
+              </a:rPr>
+              <a:t> for </a:t>
+            </a:r>
+            <a:r>
+              <a:rPr lang="pt-PT" sz="2200" dirty="0" err="1">
+                <a:ea typeface="Roboto" pitchFamily="2" charset="0"/>
+              </a:rPr>
+              <a:t>small</a:t>
+            </a:r>
+            <a:r>
+              <a:rPr lang="pt-PT" sz="2200" dirty="0">
+                <a:ea typeface="Roboto" pitchFamily="2" charset="0"/>
+              </a:rPr>
+              <a:t> </a:t>
+            </a:r>
+            <a:r>
+              <a:rPr lang="pt-PT" sz="2200" dirty="0" err="1">
+                <a:ea typeface="Roboto" pitchFamily="2" charset="0"/>
+              </a:rPr>
+              <a:t>solutions</a:t>
+            </a:r>
+            <a:r>
+              <a:rPr lang="pt-PT" sz="2200" dirty="0">
+                <a:ea typeface="Roboto" pitchFamily="2" charset="0"/>
+              </a:rPr>
+              <a:t>.</a:t>
+            </a:r>
+          </a:p>
+        </p:txBody>
+      </p:sp>
+      <p:sp>
+        <p:nvSpPr>
+          <p:cNvPr id="2" name="Título 1">
+            <a:extLst>
+              <a:ext uri="{FF2B5EF4-FFF2-40B4-BE49-F238E27FC236}">
+                <a16:creationId xmlns:a16="http://schemas.microsoft.com/office/drawing/2014/main" id="{BD058F4D-1277-407E-9AAB-CAA070E58C25}"/>
+              </a:ext>
+            </a:extLst>
+          </p:cNvPr>
+          <p:cNvSpPr>
+            <a:spLocks noGrp="1"/>
+          </p:cNvSpPr>
+          <p:nvPr>
+            <p:ph type="title"/>
+          </p:nvPr>
+        </p:nvSpPr>
+        <p:spPr>
+          <a:xfrm>
+            <a:off x="559716" y="304800"/>
+            <a:ext cx="10515600" cy="1325563"/>
+          </a:xfrm>
+        </p:spPr>
+        <p:txBody>
+          <a:bodyPr/>
+          <a:lstStyle/>
+          <a:p>
+            <a:r>
+              <a:rPr lang="en-GB" b="1" dirty="0">
+                <a:ea typeface="Roboto" pitchFamily="2" charset="0"/>
+              </a:rPr>
+              <a:t>Conclusions</a:t>
+            </a:r>
+          </a:p>
+        </p:txBody>
+      </p:sp>
+      <p:sp>
+        <p:nvSpPr>
+          <p:cNvPr id="4" name="Retângulo 3">
+            <a:extLst>
+              <a:ext uri="{FF2B5EF4-FFF2-40B4-BE49-F238E27FC236}">
+                <a16:creationId xmlns:a16="http://schemas.microsoft.com/office/drawing/2014/main" id="{75F5FA41-82AC-4C18-B967-B9C6655A90BC}"/>
+              </a:ext>
+            </a:extLst>
+          </p:cNvPr>
+          <p:cNvSpPr/>
+          <p:nvPr/>
+        </p:nvSpPr>
+        <p:spPr>
+          <a:xfrm>
+            <a:off x="0" y="-35351"/>
+            <a:ext cx="216816" cy="6928701"/>
+          </a:xfrm>
+          <a:prstGeom prst="rect">
+            <a:avLst/>
+          </a:prstGeom>
+        </p:spPr>
+        <p:style>
+          <a:lnRef idx="2">
+            <a:schemeClr val="accent1">
+              <a:shade val="50000"/>
+            </a:schemeClr>
+          </a:lnRef>
+          <a:fillRef idx="1">
+            <a:schemeClr val="accent1"/>
+          </a:fillRef>
+          <a:effectRef idx="0">
+            <a:schemeClr val="accent1"/>
+          </a:effectRef>
+          <a:fontRef idx="minor">
+            <a:schemeClr val="lt1"/>
+          </a:fontRef>
+        </p:style>
+        <p:txBody>
+          <a:bodyPr rtlCol="0" anchor="ctr"/>
+          <a:lstStyle/>
+          <a:p>
+            <a:pPr algn="ctr"/>
+            <a:endParaRPr lang="en-GB"/>
+          </a:p>
+        </p:txBody>
+      </p:sp>
+      <p:pic>
+        <p:nvPicPr>
+          <p:cNvPr id="6" name="Imagem 5">
+            <a:extLst>
+              <a:ext uri="{FF2B5EF4-FFF2-40B4-BE49-F238E27FC236}">
+                <a16:creationId xmlns:a16="http://schemas.microsoft.com/office/drawing/2014/main" id="{151FA63C-8E24-4590-8F30-CAEC5D675DF5}"/>
+              </a:ext>
+            </a:extLst>
+          </p:cNvPr>
+          <p:cNvPicPr>
+            <a:picLocks noChangeAspect="1"/>
+          </p:cNvPicPr>
+          <p:nvPr/>
+        </p:nvPicPr>
+        <p:blipFill>
+          <a:blip r:embed="rId2">
+            <a:extLst>
+              <a:ext uri="{28A0092B-C50C-407E-A947-70E740481C1C}">
+                <a14:useLocalDpi xmlns:a14="http://schemas.microsoft.com/office/drawing/2010/main" val="0"/>
+              </a:ext>
+            </a:extLst>
+          </a:blip>
+          <a:stretch>
+            <a:fillRect/>
+          </a:stretch>
+        </p:blipFill>
+        <p:spPr>
+          <a:xfrm>
+            <a:off x="9856198" y="5937007"/>
+            <a:ext cx="1776086" cy="616193"/>
+          </a:xfrm>
+          <a:prstGeom prst="rect">
+            <a:avLst/>
+          </a:prstGeom>
+        </p:spPr>
+      </p:pic>
+    </p:spTree>
+    <p:extLst>
+      <p:ext uri="{BB962C8B-B14F-4D97-AF65-F5344CB8AC3E}">
+        <p14:creationId xmlns:p14="http://schemas.microsoft.com/office/powerpoint/2010/main" val="1445310035"/>
+      </p:ext>
+    </p:extLst>
+  </p:cSld>
+  <p:clrMapOvr>
+    <a:masterClrMapping/>
+  </p:clrMapOvr>
+</p:sld>
+</file>
+
+<file path=ppt/slides/slide11.xml><?xml version="1.0" encoding="utf-8"?>
+<p:sld xmlns:a="http://schemas.openxmlformats.org/drawingml/2006/main" xmlns:r="http://schemas.openxmlformats.org/officeDocument/2006/relationships" xmlns:p="http://schemas.openxmlformats.org/presentationml/2006/main">
+  <p:cSld>
+    <p:spTree>
+      <p:nvGrpSpPr>
+        <p:cNvPr id="1" name=""/>
+        <p:cNvGrpSpPr/>
+        <p:nvPr/>
+      </p:nvGrpSpPr>
+      <p:grpSpPr>
+        <a:xfrm>
+          <a:off x="0" y="0"/>
+          <a:ext cx="0" cy="0"/>
+          <a:chOff x="0" y="0"/>
+          <a:chExt cx="0" cy="0"/>
+        </a:xfrm>
+      </p:grpSpPr>
+      <p:sp>
+        <p:nvSpPr>
+          <p:cNvPr id="6" name="Título 1">
+            <a:extLst>
+              <a:ext uri="{FF2B5EF4-FFF2-40B4-BE49-F238E27FC236}">
+                <a16:creationId xmlns:a16="http://schemas.microsoft.com/office/drawing/2014/main" id="{92AF09F9-BF23-453E-83D2-7024226230EC}"/>
+              </a:ext>
+            </a:extLst>
+          </p:cNvPr>
+          <p:cNvSpPr txBox="1">
+            <a:spLocks/>
+          </p:cNvSpPr>
+          <p:nvPr/>
+        </p:nvSpPr>
+        <p:spPr>
+          <a:xfrm>
+            <a:off x="559716" y="304800"/>
+            <a:ext cx="10515600" cy="1325563"/>
+          </a:xfrm>
+          <a:prstGeom prst="rect">
+            <a:avLst/>
+          </a:prstGeom>
+        </p:spPr>
+        <p:txBody>
+          <a:bodyPr vert="horz" lIns="91440" tIns="45720" rIns="91440" bIns="45720" rtlCol="0" anchor="ctr">
+            <a:normAutofit/>
+          </a:bodyPr>
+          <a:lstStyle>
+            <a:lvl1pPr algn="l" defTabSz="914400" rtl="0" eaLnBrk="1" latinLnBrk="0" hangingPunct="1">
+              <a:lnSpc>
+                <a:spcPct val="90000"/>
+              </a:lnSpc>
+              <a:spcBef>
+                <a:spcPct val="0"/>
+              </a:spcBef>
+              <a:buNone/>
+              <a:defRPr sz="4400" kern="1200">
+                <a:solidFill>
+                  <a:schemeClr val="tx1"/>
+                </a:solidFill>
+                <a:latin typeface="+mj-lt"/>
+                <a:ea typeface="+mj-ea"/>
+                <a:cs typeface="+mj-cs"/>
+              </a:defRPr>
+            </a:lvl1pPr>
+          </a:lstStyle>
+          <a:p>
+            <a:r>
+              <a:rPr lang="en-GB" b="1" dirty="0">
+                <a:ea typeface="Roboto" pitchFamily="2" charset="0"/>
+              </a:rPr>
+              <a:t>References and Materials</a:t>
+            </a:r>
+            <a:endParaRPr lang="pt-PT" b="1" dirty="0">
+              <a:ea typeface="Roboto" pitchFamily="2" charset="0"/>
+            </a:endParaRPr>
+          </a:p>
+        </p:txBody>
+      </p:sp>
+      <p:sp>
+        <p:nvSpPr>
+          <p:cNvPr id="3" name="Marcador de Posição de Conteúdo 2">
+            <a:extLst>
+              <a:ext uri="{FF2B5EF4-FFF2-40B4-BE49-F238E27FC236}">
+                <a16:creationId xmlns:a16="http://schemas.microsoft.com/office/drawing/2014/main" id="{066199C8-35AE-4B8E-8063-92DCA89C6781}"/>
+              </a:ext>
+            </a:extLst>
+          </p:cNvPr>
+          <p:cNvSpPr>
+            <a:spLocks noGrp="1"/>
+          </p:cNvSpPr>
+          <p:nvPr>
+            <p:ph idx="1"/>
+          </p:nvPr>
+        </p:nvSpPr>
+        <p:spPr>
+          <a:xfrm>
+            <a:off x="559716" y="1585669"/>
+            <a:ext cx="10515600" cy="4351338"/>
+          </a:xfrm>
+        </p:spPr>
+        <p:txBody>
+          <a:bodyPr/>
+          <a:lstStyle/>
+          <a:p>
+            <a:pPr>
+              <a:buFontTx/>
+              <a:buChar char="-"/>
+            </a:pPr>
+            <a:r>
+              <a:rPr lang="pt-PT" sz="2400" dirty="0">
+                <a:ea typeface="Roboto" pitchFamily="2" charset="0"/>
+                <a:hlinkClick r:id="rId2"/>
+              </a:rPr>
+              <a:t>Link to the Google Play page</a:t>
+            </a:r>
+            <a:r>
+              <a:rPr lang="pt-PT" sz="2400" dirty="0">
+                <a:ea typeface="Roboto" pitchFamily="2" charset="0"/>
+              </a:rPr>
+              <a:t>;</a:t>
+            </a:r>
+          </a:p>
+          <a:p>
+            <a:pPr>
+              <a:buFontTx/>
+              <a:buChar char="-"/>
+            </a:pPr>
+            <a:r>
+              <a:rPr lang="pt-PT" sz="2400" dirty="0">
+                <a:ea typeface="Roboto" pitchFamily="2" charset="0"/>
+                <a:hlinkClick r:id="rId3"/>
+              </a:rPr>
+              <a:t>Link of all existing levels</a:t>
+            </a:r>
+            <a:r>
+              <a:rPr lang="pt-PT" sz="2400" dirty="0">
+                <a:ea typeface="Roboto" pitchFamily="2" charset="0"/>
+              </a:rPr>
+              <a:t>;</a:t>
+            </a:r>
+          </a:p>
+          <a:p>
+            <a:pPr marL="0" indent="0">
+              <a:buNone/>
+            </a:pPr>
+            <a:r>
+              <a:rPr lang="en-US" sz="2400" dirty="0">
+                <a:ea typeface="Roboto" pitchFamily="2" charset="0"/>
+              </a:rPr>
+              <a:t>We</a:t>
+            </a:r>
+            <a:r>
+              <a:rPr lang="pt-PT" sz="2400" dirty="0">
+                <a:ea typeface="Roboto" pitchFamily="2" charset="0"/>
+              </a:rPr>
+              <a:t> </a:t>
+            </a:r>
+            <a:r>
+              <a:rPr lang="pt-PT" sz="2400" dirty="0" err="1">
+                <a:ea typeface="Roboto" pitchFamily="2" charset="0"/>
+              </a:rPr>
+              <a:t>used</a:t>
+            </a:r>
+            <a:r>
+              <a:rPr lang="pt-PT" sz="2400" dirty="0">
+                <a:ea typeface="Roboto" pitchFamily="2" charset="0"/>
+              </a:rPr>
+              <a:t> the curricular </a:t>
+            </a:r>
+            <a:r>
+              <a:rPr lang="pt-PT" sz="2400" dirty="0" err="1">
+                <a:ea typeface="Roboto" pitchFamily="2" charset="0"/>
+              </a:rPr>
+              <a:t>unit’s</a:t>
+            </a:r>
+            <a:r>
+              <a:rPr lang="pt-PT" sz="2400" dirty="0">
+                <a:ea typeface="Roboto" pitchFamily="2" charset="0"/>
+              </a:rPr>
+              <a:t> </a:t>
+            </a:r>
+            <a:r>
+              <a:rPr lang="pt-PT" sz="2400" dirty="0" err="1">
+                <a:ea typeface="Roboto" pitchFamily="2" charset="0"/>
+              </a:rPr>
+              <a:t>presentations</a:t>
+            </a:r>
+            <a:r>
+              <a:rPr lang="pt-PT" sz="2400" dirty="0">
+                <a:ea typeface="Roboto" pitchFamily="2" charset="0"/>
+              </a:rPr>
+              <a:t> to </a:t>
+            </a:r>
+            <a:r>
+              <a:rPr lang="pt-PT" sz="2400" dirty="0" err="1">
+                <a:ea typeface="Roboto" pitchFamily="2" charset="0"/>
+              </a:rPr>
+              <a:t>guide</a:t>
+            </a:r>
+            <a:r>
+              <a:rPr lang="pt-PT" sz="2400" dirty="0">
+                <a:ea typeface="Roboto" pitchFamily="2" charset="0"/>
+              </a:rPr>
+              <a:t> </a:t>
+            </a:r>
+            <a:r>
+              <a:rPr lang="pt-PT" sz="2400" dirty="0" err="1">
+                <a:ea typeface="Roboto" pitchFamily="2" charset="0"/>
+              </a:rPr>
+              <a:t>our</a:t>
+            </a:r>
+            <a:r>
+              <a:rPr lang="pt-PT" sz="2400" dirty="0">
+                <a:ea typeface="Roboto" pitchFamily="2" charset="0"/>
+              </a:rPr>
+              <a:t> </a:t>
+            </a:r>
+            <a:r>
+              <a:rPr lang="pt-PT" sz="2400" dirty="0" err="1">
+                <a:ea typeface="Roboto" pitchFamily="2" charset="0"/>
+              </a:rPr>
+              <a:t>implementation</a:t>
+            </a:r>
+            <a:r>
+              <a:rPr lang="pt-PT" sz="2400" dirty="0">
+                <a:ea typeface="Roboto" pitchFamily="2" charset="0"/>
+              </a:rPr>
+              <a:t> of the </a:t>
+            </a:r>
+            <a:r>
+              <a:rPr lang="pt-PT" sz="2400" dirty="0" err="1">
+                <a:ea typeface="Roboto" pitchFamily="2" charset="0"/>
+              </a:rPr>
+              <a:t>various</a:t>
+            </a:r>
+            <a:r>
+              <a:rPr lang="pt-PT" sz="2400" dirty="0">
+                <a:ea typeface="Roboto" pitchFamily="2" charset="0"/>
+              </a:rPr>
+              <a:t> </a:t>
+            </a:r>
+            <a:r>
+              <a:rPr lang="pt-PT" sz="2400" dirty="0" err="1">
+                <a:ea typeface="Roboto" pitchFamily="2" charset="0"/>
+              </a:rPr>
+              <a:t>algorithms</a:t>
+            </a:r>
+            <a:r>
+              <a:rPr lang="pt-PT" sz="2400" dirty="0">
+                <a:ea typeface="Roboto" pitchFamily="2" charset="0"/>
+              </a:rPr>
+              <a:t>.</a:t>
+            </a:r>
+          </a:p>
+          <a:p>
+            <a:pPr marL="0" indent="0">
+              <a:buNone/>
+            </a:pPr>
+            <a:endParaRPr lang="pt-PT" sz="2400" dirty="0">
+              <a:latin typeface="Roboto" pitchFamily="2" charset="0"/>
+              <a:ea typeface="Roboto" pitchFamily="2" charset="0"/>
+            </a:endParaRPr>
+          </a:p>
+          <a:p>
+            <a:pPr>
+              <a:buFontTx/>
+              <a:buChar char="-"/>
+            </a:pPr>
+            <a:r>
+              <a:rPr lang="pt-PT" sz="2400" dirty="0" err="1">
+                <a:ea typeface="Roboto" pitchFamily="2" charset="0"/>
+                <a:hlinkClick r:id="rId4"/>
+              </a:rPr>
+              <a:t>Python</a:t>
+            </a:r>
+            <a:r>
+              <a:rPr lang="pt-PT" sz="2400" dirty="0">
+                <a:ea typeface="Roboto" pitchFamily="2" charset="0"/>
+              </a:rPr>
+              <a:t>, </a:t>
+            </a:r>
+            <a:r>
+              <a:rPr lang="pt-PT" sz="2400" dirty="0" err="1">
+                <a:ea typeface="Roboto" pitchFamily="2" charset="0"/>
+              </a:rPr>
+              <a:t>with</a:t>
+            </a:r>
+            <a:r>
+              <a:rPr lang="pt-PT" sz="2400" dirty="0">
+                <a:ea typeface="Roboto" pitchFamily="2" charset="0"/>
+              </a:rPr>
+              <a:t> </a:t>
+            </a:r>
+            <a:r>
+              <a:rPr lang="pt-PT" sz="2400" dirty="0" err="1">
+                <a:ea typeface="Roboto" pitchFamily="2" charset="0"/>
+              </a:rPr>
+              <a:t>visualization</a:t>
+            </a:r>
+            <a:r>
+              <a:rPr lang="pt-PT" sz="2400" dirty="0">
+                <a:ea typeface="Roboto" pitchFamily="2" charset="0"/>
+              </a:rPr>
+              <a:t> </a:t>
+            </a:r>
+            <a:r>
+              <a:rPr lang="pt-PT" sz="2400" dirty="0" err="1">
+                <a:ea typeface="Roboto" pitchFamily="2" charset="0"/>
+              </a:rPr>
+              <a:t>using</a:t>
+            </a:r>
+            <a:r>
+              <a:rPr lang="pt-PT" sz="2400" dirty="0">
+                <a:ea typeface="Roboto" pitchFamily="2" charset="0"/>
+              </a:rPr>
+              <a:t> </a:t>
+            </a:r>
+            <a:r>
+              <a:rPr lang="pt-PT" sz="2400" dirty="0" err="1">
+                <a:ea typeface="Roboto" pitchFamily="2" charset="0"/>
+                <a:hlinkClick r:id="rId5"/>
+              </a:rPr>
+              <a:t>pygame</a:t>
+            </a:r>
+            <a:r>
+              <a:rPr lang="pt-PT" sz="2400" dirty="0">
+                <a:ea typeface="Roboto" pitchFamily="2" charset="0"/>
+              </a:rPr>
+              <a:t> package </a:t>
+            </a:r>
+            <a:r>
+              <a:rPr lang="pt-PT" sz="2400" dirty="0" err="1">
+                <a:ea typeface="Roboto" pitchFamily="2" charset="0"/>
+              </a:rPr>
+              <a:t>and</a:t>
+            </a:r>
+            <a:r>
+              <a:rPr lang="pt-PT" sz="2400" dirty="0">
+                <a:ea typeface="Roboto" pitchFamily="2" charset="0"/>
+              </a:rPr>
+              <a:t> </a:t>
+            </a:r>
+            <a:r>
+              <a:rPr lang="pt-PT" sz="2400" dirty="0" err="1">
+                <a:ea typeface="Roboto" pitchFamily="2" charset="0"/>
+                <a:hlinkClick r:id="rId6"/>
+              </a:rPr>
+              <a:t>xltw</a:t>
+            </a:r>
+            <a:r>
+              <a:rPr lang="pt-PT" sz="2400" dirty="0">
+                <a:ea typeface="Roboto" pitchFamily="2" charset="0"/>
+              </a:rPr>
+              <a:t> for </a:t>
+            </a:r>
+            <a:r>
+              <a:rPr lang="pt-PT" sz="2400" dirty="0" err="1">
+                <a:ea typeface="Roboto" pitchFamily="2" charset="0"/>
+              </a:rPr>
+              <a:t>spreadsheet</a:t>
+            </a:r>
+            <a:r>
+              <a:rPr lang="pt-PT" sz="2400" dirty="0">
+                <a:ea typeface="Roboto" pitchFamily="2" charset="0"/>
+              </a:rPr>
+              <a:t> </a:t>
+            </a:r>
+            <a:r>
+              <a:rPr lang="pt-PT" sz="2400" dirty="0" err="1">
+                <a:ea typeface="Roboto" pitchFamily="2" charset="0"/>
+              </a:rPr>
+              <a:t>generation</a:t>
+            </a:r>
+            <a:r>
+              <a:rPr lang="pt-PT" sz="2400" dirty="0">
+                <a:ea typeface="Roboto" pitchFamily="2" charset="0"/>
+              </a:rPr>
+              <a:t>;</a:t>
+            </a:r>
+          </a:p>
+          <a:p>
+            <a:pPr>
+              <a:buFontTx/>
+              <a:buChar char="-"/>
+            </a:pPr>
+            <a:r>
+              <a:rPr lang="pt-PT" sz="2400" dirty="0" err="1">
+                <a:ea typeface="Roboto" pitchFamily="2" charset="0"/>
+                <a:hlinkClick r:id="rId7"/>
+              </a:rPr>
+              <a:t>VSCode</a:t>
+            </a:r>
+            <a:r>
+              <a:rPr lang="pt-PT" sz="2400" dirty="0">
+                <a:ea typeface="Roboto" pitchFamily="2" charset="0"/>
+              </a:rPr>
+              <a:t>/</a:t>
+            </a:r>
+            <a:r>
+              <a:rPr lang="pt-PT" sz="2400" dirty="0" err="1">
+                <a:ea typeface="Roboto" pitchFamily="2" charset="0"/>
+                <a:hlinkClick r:id="rId8"/>
+              </a:rPr>
+              <a:t>IntelliJ</a:t>
+            </a:r>
+            <a:endParaRPr lang="pt-PT" sz="2400" dirty="0">
+              <a:latin typeface="Roboto" pitchFamily="2" charset="0"/>
+              <a:ea typeface="Roboto" pitchFamily="2" charset="0"/>
+            </a:endParaRPr>
+          </a:p>
+          <a:p>
+            <a:pPr marL="0" indent="0">
+              <a:buNone/>
+            </a:pPr>
+            <a:endParaRPr lang="pt-PT" dirty="0"/>
+          </a:p>
+        </p:txBody>
+      </p:sp>
+      <p:sp>
+        <p:nvSpPr>
+          <p:cNvPr id="4" name="Retângulo 3">
+            <a:extLst>
+              <a:ext uri="{FF2B5EF4-FFF2-40B4-BE49-F238E27FC236}">
+                <a16:creationId xmlns:a16="http://schemas.microsoft.com/office/drawing/2014/main" id="{023EB955-CDDE-4F26-B57C-9942ACF77828}"/>
+              </a:ext>
+            </a:extLst>
+          </p:cNvPr>
+          <p:cNvSpPr/>
+          <p:nvPr/>
+        </p:nvSpPr>
+        <p:spPr>
+          <a:xfrm>
+            <a:off x="0" y="-35351"/>
+            <a:ext cx="216816" cy="6928701"/>
+          </a:xfrm>
+          <a:prstGeom prst="rect">
+            <a:avLst/>
+          </a:prstGeom>
+        </p:spPr>
+        <p:style>
+          <a:lnRef idx="2">
+            <a:schemeClr val="accent1">
+              <a:shade val="50000"/>
+            </a:schemeClr>
+          </a:lnRef>
+          <a:fillRef idx="1">
+            <a:schemeClr val="accent1"/>
+          </a:fillRef>
+          <a:effectRef idx="0">
+            <a:schemeClr val="accent1"/>
+          </a:effectRef>
+          <a:fontRef idx="minor">
+            <a:schemeClr val="lt1"/>
+          </a:fontRef>
+        </p:style>
+        <p:txBody>
+          <a:bodyPr rtlCol="0" anchor="ctr"/>
+          <a:lstStyle/>
+          <a:p>
+            <a:pPr algn="ctr"/>
+            <a:endParaRPr lang="en-GB"/>
+          </a:p>
+        </p:txBody>
+      </p:sp>
+      <p:pic>
+        <p:nvPicPr>
+          <p:cNvPr id="5" name="Imagem 4">
+            <a:extLst>
+              <a:ext uri="{FF2B5EF4-FFF2-40B4-BE49-F238E27FC236}">
+                <a16:creationId xmlns:a16="http://schemas.microsoft.com/office/drawing/2014/main" id="{B5D10940-CFB7-4EB0-958C-89E561785617}"/>
+              </a:ext>
+            </a:extLst>
+          </p:cNvPr>
+          <p:cNvPicPr>
+            <a:picLocks noChangeAspect="1"/>
+          </p:cNvPicPr>
+          <p:nvPr/>
+        </p:nvPicPr>
+        <p:blipFill>
+          <a:blip r:embed="rId9">
+            <a:extLst>
+              <a:ext uri="{28A0092B-C50C-407E-A947-70E740481C1C}">
+                <a14:useLocalDpi xmlns:a14="http://schemas.microsoft.com/office/drawing/2010/main" val="0"/>
+              </a:ext>
+            </a:extLst>
+          </a:blip>
+          <a:stretch>
+            <a:fillRect/>
+          </a:stretch>
+        </p:blipFill>
+        <p:spPr>
+          <a:xfrm>
+            <a:off x="9856198" y="5937007"/>
+            <a:ext cx="1776086" cy="616193"/>
+          </a:xfrm>
+          <a:prstGeom prst="rect">
+            <a:avLst/>
+          </a:prstGeom>
+        </p:spPr>
+      </p:pic>
+    </p:spTree>
+    <p:extLst>
+      <p:ext uri="{BB962C8B-B14F-4D97-AF65-F5344CB8AC3E}">
+        <p14:creationId xmlns:p14="http://schemas.microsoft.com/office/powerpoint/2010/main" val="1084195427"/>
+      </p:ext>
+    </p:extLst>
+  </p:cSld>
+  <p:clrMapOvr>
+    <a:masterClrMapping/>
+  </p:clrMapOvr>
+</p:sld>
+</file>
+
 <file path=ppt/slides/slide2.xml><?xml version="1.0" encoding="utf-8"?>
 <p:sld xmlns:a="http://schemas.openxmlformats.org/drawingml/2006/main" xmlns:r="http://schemas.openxmlformats.org/officeDocument/2006/relationships" xmlns:p="http://schemas.openxmlformats.org/presentationml/2006/main">
   <p:cSld>
@@ -4283,381 +5638,6 @@
 </file>
 
 <file path=ppt/slides/slide3.xml><?xml version="1.0" encoding="utf-8"?>
-<p:sld xmlns:a="http://schemas.openxmlformats.org/drawingml/2006/main" xmlns:r="http://schemas.openxmlformats.org/officeDocument/2006/relationships" xmlns:p="http://schemas.openxmlformats.org/presentationml/2006/main">
-  <p:cSld>
-    <p:spTree>
-      <p:nvGrpSpPr>
-        <p:cNvPr id="1" name=""/>
-        <p:cNvGrpSpPr/>
-        <p:nvPr/>
-      </p:nvGrpSpPr>
-      <p:grpSpPr>
-        <a:xfrm>
-          <a:off x="0" y="0"/>
-          <a:ext cx="0" cy="0"/>
-          <a:chOff x="0" y="0"/>
-          <a:chExt cx="0" cy="0"/>
-        </a:xfrm>
-      </p:grpSpPr>
-      <p:sp>
-        <p:nvSpPr>
-          <p:cNvPr id="6" name="Título 1">
-            <a:extLst>
-              <a:ext uri="{FF2B5EF4-FFF2-40B4-BE49-F238E27FC236}">
-                <a16:creationId xmlns:a16="http://schemas.microsoft.com/office/drawing/2014/main" id="{92AF09F9-BF23-453E-83D2-7024226230EC}"/>
-              </a:ext>
-            </a:extLst>
-          </p:cNvPr>
-          <p:cNvSpPr txBox="1">
-            <a:spLocks/>
-          </p:cNvSpPr>
-          <p:nvPr/>
-        </p:nvSpPr>
-        <p:spPr>
-          <a:xfrm>
-            <a:off x="559716" y="304800"/>
-            <a:ext cx="10515600" cy="1325563"/>
-          </a:xfrm>
-          <a:prstGeom prst="rect">
-            <a:avLst/>
-          </a:prstGeom>
-        </p:spPr>
-        <p:txBody>
-          <a:bodyPr vert="horz" lIns="91440" tIns="45720" rIns="91440" bIns="45720" rtlCol="0" anchor="ctr">
-            <a:normAutofit/>
-          </a:bodyPr>
-          <a:lstStyle>
-            <a:lvl1pPr algn="l" defTabSz="914400" rtl="0" eaLnBrk="1" latinLnBrk="0" hangingPunct="1">
-              <a:lnSpc>
-                <a:spcPct val="90000"/>
-              </a:lnSpc>
-              <a:spcBef>
-                <a:spcPct val="0"/>
-              </a:spcBef>
-              <a:buNone/>
-              <a:defRPr sz="4400" kern="1200">
-                <a:solidFill>
-                  <a:schemeClr val="tx1"/>
-                </a:solidFill>
-                <a:latin typeface="+mj-lt"/>
-                <a:ea typeface="+mj-ea"/>
-                <a:cs typeface="+mj-cs"/>
-              </a:defRPr>
-            </a:lvl1pPr>
-          </a:lstStyle>
-          <a:p>
-            <a:r>
-              <a:rPr lang="en-GB" b="1" dirty="0">
-                <a:ea typeface="Roboto" pitchFamily="2" charset="0"/>
-              </a:rPr>
-              <a:t>Related</a:t>
-            </a:r>
-            <a:r>
-              <a:rPr lang="pt-PT" b="1" dirty="0">
-                <a:ea typeface="Roboto" pitchFamily="2" charset="0"/>
-              </a:rPr>
-              <a:t> Work</a:t>
-            </a:r>
-          </a:p>
-        </p:txBody>
-      </p:sp>
-      <p:sp>
-        <p:nvSpPr>
-          <p:cNvPr id="3" name="Marcador de Posição de Conteúdo 2">
-            <a:extLst>
-              <a:ext uri="{FF2B5EF4-FFF2-40B4-BE49-F238E27FC236}">
-                <a16:creationId xmlns:a16="http://schemas.microsoft.com/office/drawing/2014/main" id="{066199C8-35AE-4B8E-8063-92DCA89C6781}"/>
-              </a:ext>
-            </a:extLst>
-          </p:cNvPr>
-          <p:cNvSpPr>
-            <a:spLocks noGrp="1"/>
-          </p:cNvSpPr>
-          <p:nvPr>
-            <p:ph idx="1"/>
-          </p:nvPr>
-        </p:nvSpPr>
-        <p:spPr>
-          <a:xfrm>
-            <a:off x="559716" y="1585669"/>
-            <a:ext cx="10515600" cy="4351338"/>
-          </a:xfrm>
-        </p:spPr>
-        <p:txBody>
-          <a:bodyPr/>
-          <a:lstStyle/>
-          <a:p>
-            <a:pPr>
-              <a:buFontTx/>
-              <a:buChar char="-"/>
-            </a:pPr>
-            <a:r>
-              <a:rPr lang="pt-PT" sz="2400" dirty="0">
-                <a:ea typeface="Roboto" pitchFamily="2" charset="0"/>
-                <a:hlinkClick r:id="rId2"/>
-              </a:rPr>
-              <a:t>Link to the Google Play page</a:t>
-            </a:r>
-            <a:r>
-              <a:rPr lang="pt-PT" sz="2400" dirty="0">
-                <a:ea typeface="Roboto" pitchFamily="2" charset="0"/>
-              </a:rPr>
-              <a:t>;</a:t>
-            </a:r>
-          </a:p>
-          <a:p>
-            <a:pPr>
-              <a:buFontTx/>
-              <a:buChar char="-"/>
-            </a:pPr>
-            <a:r>
-              <a:rPr lang="pt-PT" sz="2400" dirty="0">
-                <a:ea typeface="Roboto" pitchFamily="2" charset="0"/>
-                <a:hlinkClick r:id="rId3"/>
-              </a:rPr>
-              <a:t>Link of all existing levels</a:t>
-            </a:r>
-            <a:r>
-              <a:rPr lang="pt-PT" sz="2400" dirty="0">
-                <a:ea typeface="Roboto" pitchFamily="2" charset="0"/>
-              </a:rPr>
-              <a:t>;</a:t>
-            </a:r>
-          </a:p>
-          <a:p>
-            <a:pPr marL="0" indent="0">
-              <a:buNone/>
-            </a:pPr>
-            <a:endParaRPr lang="pt-PT" sz="2400" dirty="0">
-              <a:ea typeface="Roboto" pitchFamily="2" charset="0"/>
-            </a:endParaRPr>
-          </a:p>
-          <a:p>
-            <a:pPr marL="0" indent="0">
-              <a:buNone/>
-            </a:pPr>
-            <a:r>
-              <a:rPr lang="en-US" sz="2400" dirty="0">
-                <a:ea typeface="Roboto" pitchFamily="2" charset="0"/>
-              </a:rPr>
-              <a:t>We</a:t>
-            </a:r>
-            <a:r>
-              <a:rPr lang="pt-PT" sz="2400" dirty="0">
-                <a:ea typeface="Roboto" pitchFamily="2" charset="0"/>
-              </a:rPr>
-              <a:t> </a:t>
-            </a:r>
-            <a:r>
-              <a:rPr lang="pt-PT" sz="2400" dirty="0" err="1">
-                <a:ea typeface="Roboto" pitchFamily="2" charset="0"/>
-              </a:rPr>
-              <a:t>used</a:t>
-            </a:r>
-            <a:r>
-              <a:rPr lang="pt-PT" sz="2400" dirty="0">
-                <a:ea typeface="Roboto" pitchFamily="2" charset="0"/>
-              </a:rPr>
-              <a:t> the curricular </a:t>
-            </a:r>
-            <a:r>
-              <a:rPr lang="pt-PT" sz="2400" dirty="0" err="1">
-                <a:ea typeface="Roboto" pitchFamily="2" charset="0"/>
-              </a:rPr>
-              <a:t>unit’s</a:t>
-            </a:r>
-            <a:r>
-              <a:rPr lang="pt-PT" sz="2400" dirty="0">
-                <a:ea typeface="Roboto" pitchFamily="2" charset="0"/>
-              </a:rPr>
-              <a:t> </a:t>
-            </a:r>
-            <a:r>
-              <a:rPr lang="pt-PT" sz="2400" dirty="0" err="1">
-                <a:ea typeface="Roboto" pitchFamily="2" charset="0"/>
-              </a:rPr>
-              <a:t>presentations</a:t>
-            </a:r>
-            <a:r>
-              <a:rPr lang="pt-PT" sz="2400" dirty="0">
-                <a:ea typeface="Roboto" pitchFamily="2" charset="0"/>
-              </a:rPr>
-              <a:t> to </a:t>
-            </a:r>
-            <a:r>
-              <a:rPr lang="pt-PT" sz="2400" dirty="0" err="1">
-                <a:ea typeface="Roboto" pitchFamily="2" charset="0"/>
-              </a:rPr>
-              <a:t>guide</a:t>
-            </a:r>
-            <a:r>
-              <a:rPr lang="pt-PT" sz="2400" dirty="0">
-                <a:ea typeface="Roboto" pitchFamily="2" charset="0"/>
-              </a:rPr>
-              <a:t> </a:t>
-            </a:r>
-            <a:r>
-              <a:rPr lang="pt-PT" sz="2400" dirty="0" err="1">
-                <a:ea typeface="Roboto" pitchFamily="2" charset="0"/>
-              </a:rPr>
-              <a:t>our</a:t>
-            </a:r>
-            <a:r>
-              <a:rPr lang="pt-PT" sz="2400" dirty="0">
-                <a:ea typeface="Roboto" pitchFamily="2" charset="0"/>
-              </a:rPr>
-              <a:t> </a:t>
-            </a:r>
-            <a:r>
-              <a:rPr lang="pt-PT" sz="2400" dirty="0" err="1">
-                <a:ea typeface="Roboto" pitchFamily="2" charset="0"/>
-              </a:rPr>
-              <a:t>implementation</a:t>
-            </a:r>
-            <a:r>
-              <a:rPr lang="pt-PT" sz="2400" dirty="0">
-                <a:ea typeface="Roboto" pitchFamily="2" charset="0"/>
-              </a:rPr>
-              <a:t> of the </a:t>
-            </a:r>
-            <a:r>
-              <a:rPr lang="pt-PT" sz="2400" dirty="0" err="1">
-                <a:ea typeface="Roboto" pitchFamily="2" charset="0"/>
-              </a:rPr>
-              <a:t>various</a:t>
-            </a:r>
-            <a:r>
-              <a:rPr lang="pt-PT" sz="2400" dirty="0">
-                <a:ea typeface="Roboto" pitchFamily="2" charset="0"/>
-              </a:rPr>
-              <a:t> </a:t>
-            </a:r>
-            <a:r>
-              <a:rPr lang="pt-PT" sz="2400" dirty="0" err="1">
-                <a:ea typeface="Roboto" pitchFamily="2" charset="0"/>
-              </a:rPr>
-              <a:t>algorithms</a:t>
-            </a:r>
-            <a:r>
-              <a:rPr lang="pt-PT" sz="2400" dirty="0">
-                <a:ea typeface="Roboto" pitchFamily="2" charset="0"/>
-              </a:rPr>
-              <a:t>.</a:t>
-            </a:r>
-          </a:p>
-          <a:p>
-            <a:pPr marL="0" indent="0">
-              <a:buNone/>
-            </a:pPr>
-            <a:endParaRPr lang="pt-PT" dirty="0">
-              <a:latin typeface="Roboto" pitchFamily="2" charset="0"/>
-              <a:ea typeface="Roboto" pitchFamily="2" charset="0"/>
-            </a:endParaRPr>
-          </a:p>
-          <a:p>
-            <a:pPr marL="0" indent="0">
-              <a:buNone/>
-            </a:pPr>
-            <a:endParaRPr lang="pt-PT" dirty="0"/>
-          </a:p>
-        </p:txBody>
-      </p:sp>
-      <p:sp>
-        <p:nvSpPr>
-          <p:cNvPr id="4" name="Retângulo 3">
-            <a:extLst>
-              <a:ext uri="{FF2B5EF4-FFF2-40B4-BE49-F238E27FC236}">
-                <a16:creationId xmlns:a16="http://schemas.microsoft.com/office/drawing/2014/main" id="{023EB955-CDDE-4F26-B57C-9942ACF77828}"/>
-              </a:ext>
-            </a:extLst>
-          </p:cNvPr>
-          <p:cNvSpPr/>
-          <p:nvPr/>
-        </p:nvSpPr>
-        <p:spPr>
-          <a:xfrm>
-            <a:off x="0" y="-35351"/>
-            <a:ext cx="216816" cy="6928701"/>
-          </a:xfrm>
-          <a:prstGeom prst="rect">
-            <a:avLst/>
-          </a:prstGeom>
-        </p:spPr>
-        <p:style>
-          <a:lnRef idx="2">
-            <a:schemeClr val="accent1">
-              <a:shade val="50000"/>
-            </a:schemeClr>
-          </a:lnRef>
-          <a:fillRef idx="1">
-            <a:schemeClr val="accent1"/>
-          </a:fillRef>
-          <a:effectRef idx="0">
-            <a:schemeClr val="accent1"/>
-          </a:effectRef>
-          <a:fontRef idx="minor">
-            <a:schemeClr val="lt1"/>
-          </a:fontRef>
-        </p:style>
-        <p:txBody>
-          <a:bodyPr rtlCol="0" anchor="ctr"/>
-          <a:lstStyle/>
-          <a:p>
-            <a:pPr algn="ctr"/>
-            <a:endParaRPr lang="en-GB"/>
-          </a:p>
-        </p:txBody>
-      </p:sp>
-      <p:pic>
-        <p:nvPicPr>
-          <p:cNvPr id="5" name="Imagem 4">
-            <a:extLst>
-              <a:ext uri="{FF2B5EF4-FFF2-40B4-BE49-F238E27FC236}">
-                <a16:creationId xmlns:a16="http://schemas.microsoft.com/office/drawing/2014/main" id="{B5D10940-CFB7-4EB0-958C-89E561785617}"/>
-              </a:ext>
-            </a:extLst>
-          </p:cNvPr>
-          <p:cNvPicPr>
-            <a:picLocks noChangeAspect="1"/>
-          </p:cNvPicPr>
-          <p:nvPr/>
-        </p:nvPicPr>
-        <p:blipFill>
-          <a:blip r:embed="rId4">
-            <a:extLst>
-              <a:ext uri="{28A0092B-C50C-407E-A947-70E740481C1C}">
-                <a14:useLocalDpi xmlns:a14="http://schemas.microsoft.com/office/drawing/2010/main" val="0"/>
-              </a:ext>
-            </a:extLst>
-          </a:blip>
-          <a:stretch>
-            <a:fillRect/>
-          </a:stretch>
-        </p:blipFill>
-        <p:spPr>
-          <a:xfrm>
-            <a:off x="9856198" y="5937007"/>
-            <a:ext cx="1776086" cy="616193"/>
-          </a:xfrm>
-          <a:prstGeom prst="rect">
-            <a:avLst/>
-          </a:prstGeom>
-        </p:spPr>
-      </p:pic>
-    </p:spTree>
-    <p:extLst>
-      <p:ext uri="{BB962C8B-B14F-4D97-AF65-F5344CB8AC3E}">
-        <p14:creationId xmlns:p14="http://schemas.microsoft.com/office/powerpoint/2010/main" val="1084195427"/>
-      </p:ext>
-    </p:extLst>
-  </p:cSld>
-  <p:clrMapOvr>
-    <a:masterClrMapping/>
-  </p:clrMapOvr>
-</p:sld>
-</file>
-
-<file path=ppt/slides/slide4.xml><?xml version="1.0" encoding="utf-8"?>
 <p:sld xmlns:a="http://schemas.openxmlformats.org/drawingml/2006/main" xmlns:r="http://schemas.openxmlformats.org/officeDocument/2006/relationships" xmlns:p="http://schemas.openxmlformats.org/presentationml/2006/main">
   <p:cSld>
     <p:spTree>
@@ -6277,7 +7257,7 @@
 </p:sld>
 </file>
 
-<file path=ppt/slides/slide5.xml><?xml version="1.0" encoding="utf-8"?>
+<file path=ppt/slides/slide4.xml><?xml version="1.0" encoding="utf-8"?>
 <p:sld xmlns:a="http://schemas.openxmlformats.org/drawingml/2006/main" xmlns:r="http://schemas.openxmlformats.org/officeDocument/2006/relationships" xmlns:p="http://schemas.openxmlformats.org/presentationml/2006/main">
   <p:cSld>
     <p:spTree>
@@ -6816,7 +7796,7 @@
 </p:sld>
 </file>
 
-<file path=ppt/slides/slide6.xml><?xml version="1.0" encoding="utf-8"?>
+<file path=ppt/slides/slide5.xml><?xml version="1.0" encoding="utf-8"?>
 <p:sld xmlns:a="http://schemas.openxmlformats.org/drawingml/2006/main" xmlns:r="http://schemas.openxmlformats.org/officeDocument/2006/relationships" xmlns:p="http://schemas.openxmlformats.org/presentationml/2006/main">
   <p:cSld>
     <p:spTree>
@@ -7433,6 +8413,5054 @@
     <p:extLst>
       <p:ext uri="{BB962C8B-B14F-4D97-AF65-F5344CB8AC3E}">
         <p14:creationId xmlns:p14="http://schemas.microsoft.com/office/powerpoint/2010/main" val="4173296900"/>
+      </p:ext>
+    </p:extLst>
+  </p:cSld>
+  <p:clrMapOvr>
+    <a:masterClrMapping/>
+  </p:clrMapOvr>
+</p:sld>
+</file>
+
+<file path=ppt/slides/slide6.xml><?xml version="1.0" encoding="utf-8"?>
+<p:sld xmlns:a="http://schemas.openxmlformats.org/drawingml/2006/main" xmlns:r="http://schemas.openxmlformats.org/officeDocument/2006/relationships" xmlns:p="http://schemas.openxmlformats.org/presentationml/2006/main">
+  <p:cSld>
+    <p:spTree>
+      <p:nvGrpSpPr>
+        <p:cNvPr id="1" name=""/>
+        <p:cNvGrpSpPr/>
+        <p:nvPr/>
+      </p:nvGrpSpPr>
+      <p:grpSpPr>
+        <a:xfrm>
+          <a:off x="0" y="0"/>
+          <a:ext cx="0" cy="0"/>
+          <a:chOff x="0" y="0"/>
+          <a:chExt cx="0" cy="0"/>
+        </a:xfrm>
+      </p:grpSpPr>
+      <p:sp>
+        <p:nvSpPr>
+          <p:cNvPr id="3" name="Marcador de Posição de Conteúdo 2">
+            <a:extLst>
+              <a:ext uri="{FF2B5EF4-FFF2-40B4-BE49-F238E27FC236}">
+                <a16:creationId xmlns:a16="http://schemas.microsoft.com/office/drawing/2014/main" id="{5BECBDE7-3448-4F52-A782-7E51700C2552}"/>
+              </a:ext>
+            </a:extLst>
+          </p:cNvPr>
+          <p:cNvSpPr>
+            <a:spLocks noGrp="1"/>
+          </p:cNvSpPr>
+          <p:nvPr>
+            <p:ph idx="1"/>
+          </p:nvPr>
+        </p:nvSpPr>
+        <p:spPr>
+          <a:xfrm>
+            <a:off x="559716" y="1796255"/>
+            <a:ext cx="11072568" cy="4351338"/>
+          </a:xfrm>
+        </p:spPr>
+        <p:txBody>
+          <a:bodyPr>
+            <a:normAutofit/>
+          </a:bodyPr>
+          <a:lstStyle/>
+          <a:p>
+            <a:pPr marL="0" indent="0">
+              <a:buNone/>
+            </a:pPr>
+            <a:r>
+              <a:rPr lang="pt-PT" sz="2400" dirty="0">
+                <a:ea typeface="Roboto" pitchFamily="2" charset="0"/>
+              </a:rPr>
+              <a:t>As </a:t>
+            </a:r>
+            <a:r>
+              <a:rPr lang="pt-PT" sz="2400" dirty="0" err="1">
+                <a:ea typeface="Roboto" pitchFamily="2" charset="0"/>
+              </a:rPr>
+              <a:t>described</a:t>
+            </a:r>
+            <a:r>
+              <a:rPr lang="pt-PT" sz="2400" dirty="0">
+                <a:ea typeface="Roboto" pitchFamily="2" charset="0"/>
+              </a:rPr>
+              <a:t> </a:t>
+            </a:r>
+            <a:r>
+              <a:rPr lang="pt-PT" sz="2400" dirty="0" err="1">
+                <a:ea typeface="Roboto" pitchFamily="2" charset="0"/>
+              </a:rPr>
+              <a:t>before</a:t>
+            </a:r>
+            <a:r>
+              <a:rPr lang="pt-PT" sz="2400" dirty="0">
+                <a:ea typeface="Roboto" pitchFamily="2" charset="0"/>
+              </a:rPr>
+              <a:t>, </a:t>
+            </a:r>
+            <a:r>
+              <a:rPr lang="pt-PT" sz="2400" dirty="0" err="1">
+                <a:ea typeface="Roboto" pitchFamily="2" charset="0"/>
+              </a:rPr>
+              <a:t>our</a:t>
+            </a:r>
+            <a:r>
+              <a:rPr lang="pt-PT" sz="2400" dirty="0">
+                <a:ea typeface="Roboto" pitchFamily="2" charset="0"/>
+              </a:rPr>
+              <a:t> </a:t>
+            </a:r>
+            <a:r>
+              <a:rPr lang="pt-PT" sz="2400" dirty="0" err="1">
+                <a:ea typeface="Roboto" pitchFamily="2" charset="0"/>
+              </a:rPr>
+              <a:t>first</a:t>
+            </a:r>
+            <a:r>
+              <a:rPr lang="pt-PT" sz="2400" dirty="0">
+                <a:ea typeface="Roboto" pitchFamily="2" charset="0"/>
+              </a:rPr>
+              <a:t> </a:t>
+            </a:r>
+            <a:r>
+              <a:rPr lang="pt-PT" sz="2400" dirty="0" err="1">
+                <a:ea typeface="Roboto" pitchFamily="2" charset="0"/>
+              </a:rPr>
+              <a:t>heuristic</a:t>
+            </a:r>
+            <a:r>
+              <a:rPr lang="pt-PT" sz="2400" dirty="0">
+                <a:ea typeface="Roboto" pitchFamily="2" charset="0"/>
+              </a:rPr>
+              <a:t> </a:t>
+            </a:r>
+            <a:r>
+              <a:rPr lang="pt-PT" sz="2400" dirty="0" err="1">
+                <a:ea typeface="Roboto" pitchFamily="2" charset="0"/>
+              </a:rPr>
+              <a:t>counted</a:t>
+            </a:r>
+            <a:r>
+              <a:rPr lang="pt-PT" sz="2400" dirty="0">
+                <a:ea typeface="Roboto" pitchFamily="2" charset="0"/>
+              </a:rPr>
+              <a:t> </a:t>
+            </a:r>
+            <a:r>
+              <a:rPr lang="pt-PT" sz="2400" dirty="0" err="1">
+                <a:ea typeface="Roboto" pitchFamily="2" charset="0"/>
+              </a:rPr>
+              <a:t>the</a:t>
+            </a:r>
+            <a:r>
+              <a:rPr lang="pt-PT" sz="2400" dirty="0">
+                <a:ea typeface="Roboto" pitchFamily="2" charset="0"/>
+              </a:rPr>
+              <a:t> </a:t>
+            </a:r>
+            <a:r>
+              <a:rPr lang="pt-PT" sz="2400" dirty="0" err="1">
+                <a:ea typeface="Roboto" pitchFamily="2" charset="0"/>
+              </a:rPr>
+              <a:t>number</a:t>
+            </a:r>
+            <a:r>
+              <a:rPr lang="pt-PT" sz="2400" dirty="0">
+                <a:ea typeface="Roboto" pitchFamily="2" charset="0"/>
+              </a:rPr>
+              <a:t> </a:t>
+            </a:r>
+            <a:r>
+              <a:rPr lang="pt-PT" sz="2400" dirty="0" err="1">
+                <a:ea typeface="Roboto" pitchFamily="2" charset="0"/>
+              </a:rPr>
+              <a:t>of</a:t>
+            </a:r>
+            <a:r>
+              <a:rPr lang="pt-PT" sz="2400" dirty="0">
+                <a:ea typeface="Roboto" pitchFamily="2" charset="0"/>
+              </a:rPr>
+              <a:t> </a:t>
+            </a:r>
+            <a:r>
+              <a:rPr lang="pt-PT" sz="2400" dirty="0" err="1">
+                <a:ea typeface="Roboto" pitchFamily="2" charset="0"/>
+              </a:rPr>
+              <a:t>wrongly</a:t>
+            </a:r>
+            <a:r>
+              <a:rPr lang="pt-PT" sz="2400" dirty="0">
+                <a:ea typeface="Roboto" pitchFamily="2" charset="0"/>
+              </a:rPr>
+              <a:t> </a:t>
+            </a:r>
+            <a:r>
+              <a:rPr lang="pt-PT" sz="2400" dirty="0" err="1">
+                <a:ea typeface="Roboto" pitchFamily="2" charset="0"/>
+              </a:rPr>
+              <a:t>placed</a:t>
+            </a:r>
+            <a:r>
+              <a:rPr lang="pt-PT" sz="2400" dirty="0">
+                <a:ea typeface="Roboto" pitchFamily="2" charset="0"/>
+              </a:rPr>
+              <a:t> </a:t>
+            </a:r>
+            <a:r>
+              <a:rPr lang="pt-PT" sz="2400" dirty="0" err="1">
+                <a:ea typeface="Roboto" pitchFamily="2" charset="0"/>
+              </a:rPr>
+              <a:t>balls</a:t>
+            </a:r>
+            <a:r>
+              <a:rPr lang="pt-PT" sz="2400" dirty="0">
+                <a:ea typeface="Roboto" pitchFamily="2" charset="0"/>
+              </a:rPr>
+              <a:t> in a tube. For </a:t>
+            </a:r>
+            <a:r>
+              <a:rPr lang="pt-PT" sz="2400" dirty="0" err="1">
+                <a:ea typeface="Roboto" pitchFamily="2" charset="0"/>
+              </a:rPr>
+              <a:t>this</a:t>
+            </a:r>
+            <a:r>
+              <a:rPr lang="pt-PT" sz="2400" dirty="0">
+                <a:ea typeface="Roboto" pitchFamily="2" charset="0"/>
+              </a:rPr>
+              <a:t> </a:t>
+            </a:r>
+            <a:r>
+              <a:rPr lang="pt-PT" sz="2400" dirty="0" err="1">
+                <a:ea typeface="Roboto" pitchFamily="2" charset="0"/>
+              </a:rPr>
+              <a:t>second</a:t>
+            </a:r>
+            <a:r>
+              <a:rPr lang="pt-PT" sz="2400" dirty="0">
+                <a:ea typeface="Roboto" pitchFamily="2" charset="0"/>
+              </a:rPr>
+              <a:t> </a:t>
+            </a:r>
+            <a:r>
+              <a:rPr lang="pt-PT" sz="2400" dirty="0" err="1">
+                <a:ea typeface="Roboto" pitchFamily="2" charset="0"/>
+              </a:rPr>
+              <a:t>part</a:t>
+            </a:r>
+            <a:r>
+              <a:rPr lang="pt-PT" sz="2400" dirty="0">
+                <a:ea typeface="Roboto" pitchFamily="2" charset="0"/>
+              </a:rPr>
+              <a:t> </a:t>
+            </a:r>
+            <a:r>
+              <a:rPr lang="pt-PT" sz="2400" dirty="0" err="1">
+                <a:ea typeface="Roboto" pitchFamily="2" charset="0"/>
+              </a:rPr>
+              <a:t>of</a:t>
+            </a:r>
+            <a:r>
+              <a:rPr lang="pt-PT" sz="2400" dirty="0">
+                <a:ea typeface="Roboto" pitchFamily="2" charset="0"/>
+              </a:rPr>
+              <a:t> </a:t>
+            </a:r>
+            <a:r>
+              <a:rPr lang="pt-PT" sz="2400" dirty="0" err="1">
+                <a:ea typeface="Roboto" pitchFamily="2" charset="0"/>
+              </a:rPr>
+              <a:t>the</a:t>
+            </a:r>
+            <a:r>
+              <a:rPr lang="pt-PT" sz="2400" dirty="0">
+                <a:ea typeface="Roboto" pitchFamily="2" charset="0"/>
+              </a:rPr>
+              <a:t> </a:t>
+            </a:r>
+            <a:r>
+              <a:rPr lang="pt-PT" sz="2400" dirty="0" err="1">
+                <a:ea typeface="Roboto" pitchFamily="2" charset="0"/>
+              </a:rPr>
+              <a:t>project</a:t>
+            </a:r>
+            <a:r>
+              <a:rPr lang="pt-PT" sz="2400" dirty="0">
+                <a:ea typeface="Roboto" pitchFamily="2" charset="0"/>
+              </a:rPr>
+              <a:t>, </a:t>
+            </a:r>
+            <a:r>
+              <a:rPr lang="pt-PT" sz="2400" dirty="0" err="1">
+                <a:ea typeface="Roboto" pitchFamily="2" charset="0"/>
+              </a:rPr>
+              <a:t>we</a:t>
+            </a:r>
+            <a:r>
+              <a:rPr lang="pt-PT" sz="2400" dirty="0">
+                <a:ea typeface="Roboto" pitchFamily="2" charset="0"/>
+              </a:rPr>
+              <a:t> </a:t>
+            </a:r>
+            <a:r>
+              <a:rPr lang="pt-PT" sz="2400" dirty="0" err="1">
+                <a:ea typeface="Roboto" pitchFamily="2" charset="0"/>
+              </a:rPr>
+              <a:t>developed</a:t>
+            </a:r>
+            <a:r>
+              <a:rPr lang="pt-PT" sz="2400" dirty="0">
+                <a:ea typeface="Roboto" pitchFamily="2" charset="0"/>
+              </a:rPr>
+              <a:t> </a:t>
+            </a:r>
+            <a:r>
+              <a:rPr lang="pt-PT" sz="2400" dirty="0" err="1">
+                <a:ea typeface="Roboto" pitchFamily="2" charset="0"/>
+              </a:rPr>
+              <a:t>two</a:t>
+            </a:r>
+            <a:r>
+              <a:rPr lang="pt-PT" sz="2400" dirty="0">
+                <a:ea typeface="Roboto" pitchFamily="2" charset="0"/>
+              </a:rPr>
+              <a:t> </a:t>
+            </a:r>
+            <a:r>
+              <a:rPr lang="pt-PT" sz="2400" dirty="0" err="1">
+                <a:ea typeface="Roboto" pitchFamily="2" charset="0"/>
+              </a:rPr>
+              <a:t>new</a:t>
+            </a:r>
+            <a:r>
+              <a:rPr lang="pt-PT" sz="2400" dirty="0">
+                <a:ea typeface="Roboto" pitchFamily="2" charset="0"/>
+              </a:rPr>
+              <a:t> </a:t>
+            </a:r>
+            <a:r>
+              <a:rPr lang="pt-PT" sz="2400" dirty="0" err="1">
+                <a:ea typeface="Roboto" pitchFamily="2" charset="0"/>
+              </a:rPr>
+              <a:t>heuristics</a:t>
+            </a:r>
+            <a:r>
+              <a:rPr lang="pt-PT" sz="2400" dirty="0">
+                <a:ea typeface="Roboto" pitchFamily="2" charset="0"/>
+              </a:rPr>
+              <a:t>: </a:t>
+            </a:r>
+            <a:r>
+              <a:rPr lang="pt-PT" sz="2400" dirty="0" err="1">
+                <a:ea typeface="Roboto" pitchFamily="2" charset="0"/>
+              </a:rPr>
+              <a:t>minimum</a:t>
+            </a:r>
+            <a:r>
+              <a:rPr lang="pt-PT" sz="2400" dirty="0">
+                <a:ea typeface="Roboto" pitchFamily="2" charset="0"/>
+              </a:rPr>
+              <a:t> </a:t>
+            </a:r>
+            <a:r>
+              <a:rPr lang="pt-PT" sz="2400" dirty="0" err="1">
+                <a:ea typeface="Roboto" pitchFamily="2" charset="0"/>
+              </a:rPr>
+              <a:t>number</a:t>
+            </a:r>
+            <a:r>
+              <a:rPr lang="pt-PT" sz="2400" dirty="0">
+                <a:ea typeface="Roboto" pitchFamily="2" charset="0"/>
+              </a:rPr>
+              <a:t> </a:t>
+            </a:r>
+            <a:r>
+              <a:rPr lang="pt-PT" sz="2400" dirty="0" err="1">
+                <a:ea typeface="Roboto" pitchFamily="2" charset="0"/>
+              </a:rPr>
+              <a:t>of</a:t>
+            </a:r>
+            <a:r>
+              <a:rPr lang="pt-PT" sz="2400" dirty="0">
+                <a:ea typeface="Roboto" pitchFamily="2" charset="0"/>
+              </a:rPr>
+              <a:t> moves to </a:t>
+            </a:r>
+            <a:r>
+              <a:rPr lang="pt-PT" sz="2400" dirty="0" err="1">
+                <a:ea typeface="Roboto" pitchFamily="2" charset="0"/>
+              </a:rPr>
+              <a:t>fill</a:t>
+            </a:r>
+            <a:r>
+              <a:rPr lang="pt-PT" sz="2400" dirty="0">
+                <a:ea typeface="Roboto" pitchFamily="2" charset="0"/>
+              </a:rPr>
+              <a:t> a tube, </a:t>
+            </a:r>
+            <a:r>
+              <a:rPr lang="pt-PT" sz="2400" dirty="0" err="1">
+                <a:ea typeface="Roboto" pitchFamily="2" charset="0"/>
+              </a:rPr>
+              <a:t>assuming</a:t>
+            </a:r>
+            <a:r>
+              <a:rPr lang="pt-PT" sz="2400" dirty="0">
+                <a:ea typeface="Roboto" pitchFamily="2" charset="0"/>
+              </a:rPr>
+              <a:t> </a:t>
+            </a:r>
+            <a:r>
+              <a:rPr lang="pt-PT" sz="2400" dirty="0" err="1">
+                <a:ea typeface="Roboto" pitchFamily="2" charset="0"/>
+              </a:rPr>
+              <a:t>we</a:t>
+            </a:r>
+            <a:r>
+              <a:rPr lang="pt-PT" sz="2400" dirty="0">
+                <a:ea typeface="Roboto" pitchFamily="2" charset="0"/>
+              </a:rPr>
+              <a:t> can move </a:t>
+            </a:r>
+            <a:r>
+              <a:rPr lang="pt-PT" sz="2400" dirty="0" err="1">
+                <a:ea typeface="Roboto" pitchFamily="2" charset="0"/>
+              </a:rPr>
+              <a:t>any</a:t>
+            </a:r>
+            <a:r>
+              <a:rPr lang="pt-PT" sz="2400" dirty="0">
+                <a:ea typeface="Roboto" pitchFamily="2" charset="0"/>
+              </a:rPr>
+              <a:t> </a:t>
+            </a:r>
+            <a:r>
+              <a:rPr lang="pt-PT" sz="2400" dirty="0" err="1">
+                <a:ea typeface="Roboto" pitchFamily="2" charset="0"/>
+              </a:rPr>
+              <a:t>ball</a:t>
+            </a:r>
+            <a:r>
+              <a:rPr lang="pt-PT" sz="2400" dirty="0">
+                <a:ea typeface="Roboto" pitchFamily="2" charset="0"/>
+              </a:rPr>
+              <a:t> in a tube; </a:t>
+            </a:r>
+            <a:r>
+              <a:rPr lang="pt-PT" sz="2400" dirty="0" err="1">
+                <a:ea typeface="Roboto" pitchFamily="2" charset="0"/>
+              </a:rPr>
+              <a:t>number</a:t>
+            </a:r>
+            <a:r>
+              <a:rPr lang="pt-PT" sz="2400" dirty="0">
+                <a:ea typeface="Roboto" pitchFamily="2" charset="0"/>
+              </a:rPr>
+              <a:t> </a:t>
+            </a:r>
+            <a:r>
+              <a:rPr lang="pt-PT" sz="2400" dirty="0" err="1">
+                <a:ea typeface="Roboto" pitchFamily="2" charset="0"/>
+              </a:rPr>
+              <a:t>of</a:t>
+            </a:r>
+            <a:r>
+              <a:rPr lang="pt-PT" sz="2400" dirty="0">
+                <a:ea typeface="Roboto" pitchFamily="2" charset="0"/>
+              </a:rPr>
+              <a:t> </a:t>
+            </a:r>
+            <a:r>
+              <a:rPr lang="pt-PT" sz="2400" dirty="0" err="1">
+                <a:ea typeface="Roboto" pitchFamily="2" charset="0"/>
+              </a:rPr>
+              <a:t>consecutive</a:t>
+            </a:r>
+            <a:r>
+              <a:rPr lang="pt-PT" sz="2400" dirty="0">
+                <a:ea typeface="Roboto" pitchFamily="2" charset="0"/>
+              </a:rPr>
+              <a:t> </a:t>
+            </a:r>
+            <a:r>
+              <a:rPr lang="pt-PT" sz="2400" dirty="0" err="1">
+                <a:ea typeface="Roboto" pitchFamily="2" charset="0"/>
+              </a:rPr>
+              <a:t>balls</a:t>
+            </a:r>
+            <a:r>
+              <a:rPr lang="pt-PT" sz="2400" dirty="0">
+                <a:ea typeface="Roboto" pitchFamily="2" charset="0"/>
+              </a:rPr>
+              <a:t> </a:t>
+            </a:r>
+            <a:r>
+              <a:rPr lang="pt-PT" sz="2400" dirty="0" err="1">
+                <a:ea typeface="Roboto" pitchFamily="2" charset="0"/>
+              </a:rPr>
+              <a:t>with</a:t>
+            </a:r>
+            <a:r>
+              <a:rPr lang="pt-PT" sz="2400" dirty="0">
+                <a:ea typeface="Roboto" pitchFamily="2" charset="0"/>
+              </a:rPr>
+              <a:t> </a:t>
+            </a:r>
+            <a:r>
+              <a:rPr lang="pt-PT" sz="2400" dirty="0" err="1">
+                <a:ea typeface="Roboto" pitchFamily="2" charset="0"/>
+              </a:rPr>
+              <a:t>the</a:t>
+            </a:r>
+            <a:r>
+              <a:rPr lang="pt-PT" sz="2400" dirty="0">
+                <a:ea typeface="Roboto" pitchFamily="2" charset="0"/>
+              </a:rPr>
+              <a:t> </a:t>
+            </a:r>
+            <a:r>
+              <a:rPr lang="pt-PT" sz="2400" dirty="0" err="1">
+                <a:ea typeface="Roboto" pitchFamily="2" charset="0"/>
+              </a:rPr>
+              <a:t>same</a:t>
+            </a:r>
+            <a:r>
+              <a:rPr lang="pt-PT" sz="2400" dirty="0">
+                <a:ea typeface="Roboto" pitchFamily="2" charset="0"/>
+              </a:rPr>
+              <a:t> </a:t>
+            </a:r>
+            <a:r>
+              <a:rPr lang="pt-PT" sz="2400" dirty="0" err="1">
+                <a:ea typeface="Roboto" pitchFamily="2" charset="0"/>
+              </a:rPr>
+              <a:t>colour</a:t>
+            </a:r>
+            <a:r>
+              <a:rPr lang="pt-PT" sz="2400" dirty="0">
+                <a:ea typeface="Roboto" pitchFamily="2" charset="0"/>
+              </a:rPr>
+              <a:t>. Ex:</a:t>
+            </a:r>
+          </a:p>
+        </p:txBody>
+      </p:sp>
+      <p:sp>
+        <p:nvSpPr>
+          <p:cNvPr id="2" name="Título 1">
+            <a:extLst>
+              <a:ext uri="{FF2B5EF4-FFF2-40B4-BE49-F238E27FC236}">
+                <a16:creationId xmlns:a16="http://schemas.microsoft.com/office/drawing/2014/main" id="{BD058F4D-1277-407E-9AAB-CAA070E58C25}"/>
+              </a:ext>
+            </a:extLst>
+          </p:cNvPr>
+          <p:cNvSpPr>
+            <a:spLocks noGrp="1"/>
+          </p:cNvSpPr>
+          <p:nvPr>
+            <p:ph type="title"/>
+          </p:nvPr>
+        </p:nvSpPr>
+        <p:spPr>
+          <a:xfrm>
+            <a:off x="559716" y="304800"/>
+            <a:ext cx="10515600" cy="1325563"/>
+          </a:xfrm>
+        </p:spPr>
+        <p:txBody>
+          <a:bodyPr/>
+          <a:lstStyle/>
+          <a:p>
+            <a:r>
+              <a:rPr lang="en-GB" b="1" dirty="0">
+                <a:ea typeface="Roboto" pitchFamily="2" charset="0"/>
+              </a:rPr>
+              <a:t>Approach</a:t>
+            </a:r>
+          </a:p>
+        </p:txBody>
+      </p:sp>
+      <p:sp>
+        <p:nvSpPr>
+          <p:cNvPr id="4" name="Retângulo 3">
+            <a:extLst>
+              <a:ext uri="{FF2B5EF4-FFF2-40B4-BE49-F238E27FC236}">
+                <a16:creationId xmlns:a16="http://schemas.microsoft.com/office/drawing/2014/main" id="{75F5FA41-82AC-4C18-B967-B9C6655A90BC}"/>
+              </a:ext>
+            </a:extLst>
+          </p:cNvPr>
+          <p:cNvSpPr/>
+          <p:nvPr/>
+        </p:nvSpPr>
+        <p:spPr>
+          <a:xfrm>
+            <a:off x="0" y="-35351"/>
+            <a:ext cx="216816" cy="6928701"/>
+          </a:xfrm>
+          <a:prstGeom prst="rect">
+            <a:avLst/>
+          </a:prstGeom>
+        </p:spPr>
+        <p:style>
+          <a:lnRef idx="2">
+            <a:schemeClr val="accent1">
+              <a:shade val="50000"/>
+            </a:schemeClr>
+          </a:lnRef>
+          <a:fillRef idx="1">
+            <a:schemeClr val="accent1"/>
+          </a:fillRef>
+          <a:effectRef idx="0">
+            <a:schemeClr val="accent1"/>
+          </a:effectRef>
+          <a:fontRef idx="minor">
+            <a:schemeClr val="lt1"/>
+          </a:fontRef>
+        </p:style>
+        <p:txBody>
+          <a:bodyPr rtlCol="0" anchor="ctr"/>
+          <a:lstStyle/>
+          <a:p>
+            <a:pPr algn="ctr"/>
+            <a:endParaRPr lang="en-GB"/>
+          </a:p>
+        </p:txBody>
+      </p:sp>
+      <p:pic>
+        <p:nvPicPr>
+          <p:cNvPr id="6" name="Imagem 5">
+            <a:extLst>
+              <a:ext uri="{FF2B5EF4-FFF2-40B4-BE49-F238E27FC236}">
+                <a16:creationId xmlns:a16="http://schemas.microsoft.com/office/drawing/2014/main" id="{151FA63C-8E24-4590-8F30-CAEC5D675DF5}"/>
+              </a:ext>
+            </a:extLst>
+          </p:cNvPr>
+          <p:cNvPicPr>
+            <a:picLocks noChangeAspect="1"/>
+          </p:cNvPicPr>
+          <p:nvPr/>
+        </p:nvPicPr>
+        <p:blipFill>
+          <a:blip r:embed="rId2">
+            <a:extLst>
+              <a:ext uri="{28A0092B-C50C-407E-A947-70E740481C1C}">
+                <a14:useLocalDpi xmlns:a14="http://schemas.microsoft.com/office/drawing/2010/main" val="0"/>
+              </a:ext>
+            </a:extLst>
+          </a:blip>
+          <a:stretch>
+            <a:fillRect/>
+          </a:stretch>
+        </p:blipFill>
+        <p:spPr>
+          <a:xfrm>
+            <a:off x="9856198" y="5937007"/>
+            <a:ext cx="1776086" cy="616193"/>
+          </a:xfrm>
+          <a:prstGeom prst="rect">
+            <a:avLst/>
+          </a:prstGeom>
+        </p:spPr>
+      </p:pic>
+      <p:pic>
+        <p:nvPicPr>
+          <p:cNvPr id="7" name="Imagem 6">
+            <a:extLst>
+              <a:ext uri="{FF2B5EF4-FFF2-40B4-BE49-F238E27FC236}">
+                <a16:creationId xmlns:a16="http://schemas.microsoft.com/office/drawing/2014/main" id="{5C4810FF-F1DE-421A-9160-E3AA87CE8F6A}"/>
+              </a:ext>
+            </a:extLst>
+          </p:cNvPr>
+          <p:cNvPicPr>
+            <a:picLocks noChangeAspect="1"/>
+          </p:cNvPicPr>
+          <p:nvPr/>
+        </p:nvPicPr>
+        <p:blipFill>
+          <a:blip r:embed="rId3">
+            <a:extLst>
+              <a:ext uri="{28A0092B-C50C-407E-A947-70E740481C1C}">
+                <a14:useLocalDpi xmlns:a14="http://schemas.microsoft.com/office/drawing/2010/main" val="0"/>
+              </a:ext>
+            </a:extLst>
+          </a:blip>
+          <a:stretch>
+            <a:fillRect/>
+          </a:stretch>
+        </p:blipFill>
+        <p:spPr>
+          <a:xfrm>
+            <a:off x="7650816" y="3141005"/>
+            <a:ext cx="2138987" cy="3104098"/>
+          </a:xfrm>
+          <a:prstGeom prst="rect">
+            <a:avLst/>
+          </a:prstGeom>
+        </p:spPr>
+      </p:pic>
+      <p:sp>
+        <p:nvSpPr>
+          <p:cNvPr id="8" name="Marcador de Posição de Conteúdo 2">
+            <a:extLst>
+              <a:ext uri="{FF2B5EF4-FFF2-40B4-BE49-F238E27FC236}">
+                <a16:creationId xmlns:a16="http://schemas.microsoft.com/office/drawing/2014/main" id="{A6C68386-E250-4E80-A0E4-96BB21EA891F}"/>
+              </a:ext>
+            </a:extLst>
+          </p:cNvPr>
+          <p:cNvSpPr txBox="1">
+            <a:spLocks/>
+          </p:cNvSpPr>
+          <p:nvPr/>
+        </p:nvSpPr>
+        <p:spPr>
+          <a:xfrm>
+            <a:off x="559715" y="3855310"/>
+            <a:ext cx="7024706" cy="1774406"/>
+          </a:xfrm>
+          <a:prstGeom prst="rect">
+            <a:avLst/>
+          </a:prstGeom>
+        </p:spPr>
+        <p:txBody>
+          <a:bodyPr vert="horz" lIns="91440" tIns="45720" rIns="91440" bIns="45720" rtlCol="0">
+            <a:normAutofit/>
+          </a:bodyPr>
+          <a:lstStyle>
+            <a:lvl1pPr marL="228600" indent="-228600" algn="l" defTabSz="914400" rtl="0" eaLnBrk="1" latinLnBrk="0" hangingPunct="1">
+              <a:lnSpc>
+                <a:spcPct val="90000"/>
+              </a:lnSpc>
+              <a:spcBef>
+                <a:spcPts val="1000"/>
+              </a:spcBef>
+              <a:buFont typeface="Arial" panose="020B0604020202020204" pitchFamily="34" charset="0"/>
+              <a:buChar char="•"/>
+              <a:defRPr sz="2800" kern="1200">
+                <a:solidFill>
+                  <a:schemeClr val="tx1"/>
+                </a:solidFill>
+                <a:latin typeface="+mn-lt"/>
+                <a:ea typeface="+mn-ea"/>
+                <a:cs typeface="+mn-cs"/>
+              </a:defRPr>
+            </a:lvl1pPr>
+            <a:lvl2pPr marL="685800" indent="-228600" algn="l" defTabSz="914400" rtl="0" eaLnBrk="1" latinLnBrk="0" hangingPunct="1">
+              <a:lnSpc>
+                <a:spcPct val="90000"/>
+              </a:lnSpc>
+              <a:spcBef>
+                <a:spcPts val="500"/>
+              </a:spcBef>
+              <a:buFont typeface="Arial" panose="020B0604020202020204" pitchFamily="34" charset="0"/>
+              <a:buChar char="•"/>
+              <a:defRPr sz="2400" kern="1200">
+                <a:solidFill>
+                  <a:schemeClr val="tx1"/>
+                </a:solidFill>
+                <a:latin typeface="+mn-lt"/>
+                <a:ea typeface="+mn-ea"/>
+                <a:cs typeface="+mn-cs"/>
+              </a:defRPr>
+            </a:lvl2pPr>
+            <a:lvl3pPr marL="1143000" indent="-228600" algn="l" defTabSz="914400" rtl="0" eaLnBrk="1" latinLnBrk="0" hangingPunct="1">
+              <a:lnSpc>
+                <a:spcPct val="90000"/>
+              </a:lnSpc>
+              <a:spcBef>
+                <a:spcPts val="500"/>
+              </a:spcBef>
+              <a:buFont typeface="Arial" panose="020B0604020202020204" pitchFamily="34" charset="0"/>
+              <a:buChar char="•"/>
+              <a:defRPr sz="2000" kern="1200">
+                <a:solidFill>
+                  <a:schemeClr val="tx1"/>
+                </a:solidFill>
+                <a:latin typeface="+mn-lt"/>
+                <a:ea typeface="+mn-ea"/>
+                <a:cs typeface="+mn-cs"/>
+              </a:defRPr>
+            </a:lvl3pPr>
+            <a:lvl4pPr marL="1600200" indent="-228600" algn="l" defTabSz="914400" rtl="0" eaLnBrk="1" latinLnBrk="0" hangingPunct="1">
+              <a:lnSpc>
+                <a:spcPct val="90000"/>
+              </a:lnSpc>
+              <a:spcBef>
+                <a:spcPts val="500"/>
+              </a:spcBef>
+              <a:buFont typeface="Arial" panose="020B0604020202020204" pitchFamily="34" charset="0"/>
+              <a:buChar char="•"/>
+              <a:defRPr sz="1800" kern="1200">
+                <a:solidFill>
+                  <a:schemeClr val="tx1"/>
+                </a:solidFill>
+                <a:latin typeface="+mn-lt"/>
+                <a:ea typeface="+mn-ea"/>
+                <a:cs typeface="+mn-cs"/>
+              </a:defRPr>
+            </a:lvl4pPr>
+            <a:lvl5pPr marL="2057400" indent="-228600" algn="l" defTabSz="914400" rtl="0" eaLnBrk="1" latinLnBrk="0" hangingPunct="1">
+              <a:lnSpc>
+                <a:spcPct val="90000"/>
+              </a:lnSpc>
+              <a:spcBef>
+                <a:spcPts val="500"/>
+              </a:spcBef>
+              <a:buFont typeface="Arial" panose="020B0604020202020204" pitchFamily="34" charset="0"/>
+              <a:buChar char="•"/>
+              <a:defRPr sz="1800" kern="1200">
+                <a:solidFill>
+                  <a:schemeClr val="tx1"/>
+                </a:solidFill>
+                <a:latin typeface="+mn-lt"/>
+                <a:ea typeface="+mn-ea"/>
+                <a:cs typeface="+mn-cs"/>
+              </a:defRPr>
+            </a:lvl5pPr>
+            <a:lvl6pPr marL="2514600" indent="-228600" algn="l" defTabSz="914400" rtl="0" eaLnBrk="1" latinLnBrk="0" hangingPunct="1">
+              <a:lnSpc>
+                <a:spcPct val="90000"/>
+              </a:lnSpc>
+              <a:spcBef>
+                <a:spcPts val="500"/>
+              </a:spcBef>
+              <a:buFont typeface="Arial" panose="020B0604020202020204" pitchFamily="34" charset="0"/>
+              <a:buChar char="•"/>
+              <a:defRPr sz="1800" kern="1200">
+                <a:solidFill>
+                  <a:schemeClr val="tx1"/>
+                </a:solidFill>
+                <a:latin typeface="+mn-lt"/>
+                <a:ea typeface="+mn-ea"/>
+                <a:cs typeface="+mn-cs"/>
+              </a:defRPr>
+            </a:lvl6pPr>
+            <a:lvl7pPr marL="2971800" indent="-228600" algn="l" defTabSz="914400" rtl="0" eaLnBrk="1" latinLnBrk="0" hangingPunct="1">
+              <a:lnSpc>
+                <a:spcPct val="90000"/>
+              </a:lnSpc>
+              <a:spcBef>
+                <a:spcPts val="500"/>
+              </a:spcBef>
+              <a:buFont typeface="Arial" panose="020B0604020202020204" pitchFamily="34" charset="0"/>
+              <a:buChar char="•"/>
+              <a:defRPr sz="1800" kern="1200">
+                <a:solidFill>
+                  <a:schemeClr val="tx1"/>
+                </a:solidFill>
+                <a:latin typeface="+mn-lt"/>
+                <a:ea typeface="+mn-ea"/>
+                <a:cs typeface="+mn-cs"/>
+              </a:defRPr>
+            </a:lvl7pPr>
+            <a:lvl8pPr marL="3429000" indent="-228600" algn="l" defTabSz="914400" rtl="0" eaLnBrk="1" latinLnBrk="0" hangingPunct="1">
+              <a:lnSpc>
+                <a:spcPct val="90000"/>
+              </a:lnSpc>
+              <a:spcBef>
+                <a:spcPts val="500"/>
+              </a:spcBef>
+              <a:buFont typeface="Arial" panose="020B0604020202020204" pitchFamily="34" charset="0"/>
+              <a:buChar char="•"/>
+              <a:defRPr sz="1800" kern="1200">
+                <a:solidFill>
+                  <a:schemeClr val="tx1"/>
+                </a:solidFill>
+                <a:latin typeface="+mn-lt"/>
+                <a:ea typeface="+mn-ea"/>
+                <a:cs typeface="+mn-cs"/>
+              </a:defRPr>
+            </a:lvl8pPr>
+            <a:lvl9pPr marL="3886200" indent="-228600" algn="l" defTabSz="914400" rtl="0" eaLnBrk="1" latinLnBrk="0" hangingPunct="1">
+              <a:lnSpc>
+                <a:spcPct val="90000"/>
+              </a:lnSpc>
+              <a:spcBef>
+                <a:spcPts val="500"/>
+              </a:spcBef>
+              <a:buFont typeface="Arial" panose="020B0604020202020204" pitchFamily="34" charset="0"/>
+              <a:buChar char="•"/>
+              <a:defRPr sz="1800" kern="1200">
+                <a:solidFill>
+                  <a:schemeClr val="tx1"/>
+                </a:solidFill>
+                <a:latin typeface="+mn-lt"/>
+                <a:ea typeface="+mn-ea"/>
+                <a:cs typeface="+mn-cs"/>
+              </a:defRPr>
+            </a:lvl9pPr>
+          </a:lstStyle>
+          <a:p>
+            <a:pPr marL="0" indent="0">
+              <a:buFont typeface="Arial" panose="020B0604020202020204" pitchFamily="34" charset="0"/>
+              <a:buNone/>
+            </a:pPr>
+            <a:r>
+              <a:rPr lang="pt-PT" sz="2400" dirty="0">
+                <a:ea typeface="Roboto" pitchFamily="2" charset="0"/>
+              </a:rPr>
+              <a:t>1</a:t>
+            </a:r>
+            <a:r>
+              <a:rPr lang="pt-PT" sz="2400" baseline="30000" dirty="0">
+                <a:ea typeface="Roboto" pitchFamily="2" charset="0"/>
+              </a:rPr>
+              <a:t>st </a:t>
+            </a:r>
+            <a:r>
+              <a:rPr lang="pt-PT" sz="2400" dirty="0" err="1">
+                <a:ea typeface="Roboto" pitchFamily="2" charset="0"/>
+              </a:rPr>
+              <a:t>heuristic</a:t>
+            </a:r>
+            <a:r>
+              <a:rPr lang="pt-PT" sz="2400" dirty="0">
+                <a:ea typeface="Roboto" pitchFamily="2" charset="0"/>
+              </a:rPr>
+              <a:t>: 2+2+1+3+2+3+2 = 15</a:t>
+            </a:r>
+          </a:p>
+          <a:p>
+            <a:pPr marL="0" indent="0">
+              <a:buNone/>
+            </a:pPr>
+            <a:r>
+              <a:rPr lang="pt-PT" sz="2400" dirty="0">
+                <a:ea typeface="Roboto" pitchFamily="2" charset="0"/>
+              </a:rPr>
+              <a:t>2</a:t>
+            </a:r>
+            <a:r>
+              <a:rPr lang="pt-PT" sz="2400" baseline="30000" dirty="0">
+                <a:ea typeface="Roboto" pitchFamily="2" charset="0"/>
+              </a:rPr>
+              <a:t>nd </a:t>
+            </a:r>
+            <a:r>
+              <a:rPr lang="pt-PT" sz="2400" dirty="0" err="1">
+                <a:ea typeface="Roboto" pitchFamily="2" charset="0"/>
+              </a:rPr>
+              <a:t>heuristic</a:t>
+            </a:r>
+            <a:r>
+              <a:rPr lang="pt-PT" sz="2400" dirty="0">
+                <a:ea typeface="Roboto" pitchFamily="2" charset="0"/>
+              </a:rPr>
+              <a:t>: (4-3)+(4-2)+(4-2)+(4-2)+(4-1)+(4-1) = 13  </a:t>
+            </a:r>
+          </a:p>
+          <a:p>
+            <a:pPr marL="0" indent="0">
+              <a:buNone/>
+            </a:pPr>
+            <a:r>
+              <a:rPr lang="pt-PT" sz="2400" dirty="0">
+                <a:ea typeface="Roboto" pitchFamily="2" charset="0"/>
+              </a:rPr>
+              <a:t>3</a:t>
+            </a:r>
+            <a:r>
+              <a:rPr lang="pt-PT" sz="2400" baseline="30000" dirty="0">
+                <a:ea typeface="Roboto" pitchFamily="2" charset="0"/>
+              </a:rPr>
+              <a:t>rd </a:t>
+            </a:r>
+            <a:r>
+              <a:rPr lang="pt-PT" sz="2400" dirty="0" err="1">
+                <a:ea typeface="Roboto" pitchFamily="2" charset="0"/>
+              </a:rPr>
+              <a:t>heuristic</a:t>
+            </a:r>
+            <a:r>
+              <a:rPr lang="pt-PT" sz="2400" dirty="0">
+                <a:ea typeface="Roboto" pitchFamily="2" charset="0"/>
+              </a:rPr>
+              <a:t>: 5+5+5+5+5+5+5+15+10 = 60</a:t>
+            </a:r>
+          </a:p>
+        </p:txBody>
+      </p:sp>
+    </p:spTree>
+    <p:extLst>
+      <p:ext uri="{BB962C8B-B14F-4D97-AF65-F5344CB8AC3E}">
+        <p14:creationId xmlns:p14="http://schemas.microsoft.com/office/powerpoint/2010/main" val="2169779106"/>
+      </p:ext>
+    </p:extLst>
+  </p:cSld>
+  <p:clrMapOvr>
+    <a:masterClrMapping/>
+  </p:clrMapOvr>
+</p:sld>
+</file>
+
+<file path=ppt/slides/slide7.xml><?xml version="1.0" encoding="utf-8"?>
+<p:sld xmlns:a="http://schemas.openxmlformats.org/drawingml/2006/main" xmlns:r="http://schemas.openxmlformats.org/officeDocument/2006/relationships" xmlns:p="http://schemas.openxmlformats.org/presentationml/2006/main">
+  <p:cSld>
+    <p:spTree>
+      <p:nvGrpSpPr>
+        <p:cNvPr id="1" name=""/>
+        <p:cNvGrpSpPr/>
+        <p:nvPr/>
+      </p:nvGrpSpPr>
+      <p:grpSpPr>
+        <a:xfrm>
+          <a:off x="0" y="0"/>
+          <a:ext cx="0" cy="0"/>
+          <a:chOff x="0" y="0"/>
+          <a:chExt cx="0" cy="0"/>
+        </a:xfrm>
+      </p:grpSpPr>
+      <p:sp>
+        <p:nvSpPr>
+          <p:cNvPr id="3" name="Marcador de Posição de Conteúdo 2">
+            <a:extLst>
+              <a:ext uri="{FF2B5EF4-FFF2-40B4-BE49-F238E27FC236}">
+                <a16:creationId xmlns:a16="http://schemas.microsoft.com/office/drawing/2014/main" id="{5BECBDE7-3448-4F52-A782-7E51700C2552}"/>
+              </a:ext>
+            </a:extLst>
+          </p:cNvPr>
+          <p:cNvSpPr>
+            <a:spLocks noGrp="1"/>
+          </p:cNvSpPr>
+          <p:nvPr>
+            <p:ph idx="1"/>
+          </p:nvPr>
+        </p:nvSpPr>
+        <p:spPr>
+          <a:xfrm>
+            <a:off x="559716" y="1796255"/>
+            <a:ext cx="11072568" cy="4351338"/>
+          </a:xfrm>
+        </p:spPr>
+        <p:txBody>
+          <a:bodyPr>
+            <a:normAutofit/>
+          </a:bodyPr>
+          <a:lstStyle/>
+          <a:p>
+            <a:pPr marL="0" indent="0">
+              <a:buNone/>
+            </a:pPr>
+            <a:r>
+              <a:rPr lang="pt-PT" sz="2200" dirty="0" err="1">
+                <a:ea typeface="Roboto" pitchFamily="2" charset="0"/>
+              </a:rPr>
+              <a:t>We</a:t>
+            </a:r>
+            <a:r>
+              <a:rPr lang="pt-PT" sz="2200" dirty="0">
+                <a:ea typeface="Roboto" pitchFamily="2" charset="0"/>
+              </a:rPr>
+              <a:t> </a:t>
+            </a:r>
+            <a:r>
+              <a:rPr lang="pt-PT" sz="2200" dirty="0" err="1">
+                <a:ea typeface="Roboto" pitchFamily="2" charset="0"/>
+              </a:rPr>
+              <a:t>have</a:t>
+            </a:r>
+            <a:r>
+              <a:rPr lang="pt-PT" sz="2200" dirty="0">
+                <a:ea typeface="Roboto" pitchFamily="2" charset="0"/>
+              </a:rPr>
+              <a:t> </a:t>
+            </a:r>
+            <a:r>
+              <a:rPr lang="pt-PT" sz="2200" dirty="0" err="1">
+                <a:ea typeface="Roboto" pitchFamily="2" charset="0"/>
+              </a:rPr>
+              <a:t>implemented</a:t>
+            </a:r>
+            <a:r>
+              <a:rPr lang="pt-PT" sz="2200" dirty="0">
+                <a:ea typeface="Roboto" pitchFamily="2" charset="0"/>
+              </a:rPr>
+              <a:t> </a:t>
+            </a:r>
+            <a:r>
+              <a:rPr lang="pt-PT" sz="2200" dirty="0" err="1">
+                <a:ea typeface="Roboto" pitchFamily="2" charset="0"/>
+              </a:rPr>
+              <a:t>all</a:t>
+            </a:r>
+            <a:r>
+              <a:rPr lang="pt-PT" sz="2200" dirty="0">
+                <a:ea typeface="Roboto" pitchFamily="2" charset="0"/>
+              </a:rPr>
+              <a:t> </a:t>
+            </a:r>
+            <a:r>
+              <a:rPr lang="pt-PT" sz="2200" dirty="0" err="1">
+                <a:ea typeface="Roboto" pitchFamily="2" charset="0"/>
+              </a:rPr>
+              <a:t>lectured</a:t>
+            </a:r>
+            <a:r>
+              <a:rPr lang="pt-PT" sz="2200" dirty="0">
+                <a:ea typeface="Roboto" pitchFamily="2" charset="0"/>
+              </a:rPr>
+              <a:t> </a:t>
+            </a:r>
+            <a:r>
+              <a:rPr lang="pt-PT" sz="2200" dirty="0" err="1">
+                <a:ea typeface="Roboto" pitchFamily="2" charset="0"/>
+              </a:rPr>
+              <a:t>algorithms</a:t>
+            </a:r>
+            <a:r>
+              <a:rPr lang="pt-PT" sz="2200" dirty="0">
+                <a:ea typeface="Roboto" pitchFamily="2" charset="0"/>
+              </a:rPr>
+              <a:t>: BFS, DFS, IDS, </a:t>
+            </a:r>
+            <a:r>
+              <a:rPr lang="pt-PT" sz="2200" dirty="0" err="1">
+                <a:ea typeface="Roboto" pitchFamily="2" charset="0"/>
+              </a:rPr>
+              <a:t>Greedy</a:t>
+            </a:r>
+            <a:r>
+              <a:rPr lang="pt-PT" sz="2200" dirty="0">
+                <a:ea typeface="Roboto" pitchFamily="2" charset="0"/>
+              </a:rPr>
+              <a:t> </a:t>
+            </a:r>
+            <a:r>
+              <a:rPr lang="pt-PT" sz="2200" dirty="0" err="1">
+                <a:ea typeface="Roboto" pitchFamily="2" charset="0"/>
+              </a:rPr>
+              <a:t>and</a:t>
+            </a:r>
+            <a:r>
+              <a:rPr lang="pt-PT" sz="2200" dirty="0">
+                <a:ea typeface="Roboto" pitchFamily="2" charset="0"/>
+              </a:rPr>
+              <a:t> A*. For hardware </a:t>
+            </a:r>
+            <a:r>
+              <a:rPr lang="pt-PT" sz="2200" dirty="0" err="1">
+                <a:ea typeface="Roboto" pitchFamily="2" charset="0"/>
+              </a:rPr>
+              <a:t>reasons</a:t>
+            </a:r>
+            <a:r>
+              <a:rPr lang="pt-PT" sz="2200" dirty="0">
+                <a:ea typeface="Roboto" pitchFamily="2" charset="0"/>
+              </a:rPr>
+              <a:t>, </a:t>
+            </a:r>
+            <a:r>
+              <a:rPr lang="pt-PT" sz="2200" dirty="0" err="1">
+                <a:ea typeface="Roboto" pitchFamily="2" charset="0"/>
+              </a:rPr>
+              <a:t>we</a:t>
+            </a:r>
+            <a:r>
+              <a:rPr lang="pt-PT" sz="2200" dirty="0">
+                <a:ea typeface="Roboto" pitchFamily="2" charset="0"/>
+              </a:rPr>
+              <a:t> </a:t>
+            </a:r>
+            <a:r>
+              <a:rPr lang="pt-PT" sz="2200" dirty="0" err="1">
+                <a:ea typeface="Roboto" pitchFamily="2" charset="0"/>
+              </a:rPr>
+              <a:t>implemented</a:t>
+            </a:r>
+            <a:r>
+              <a:rPr lang="pt-PT" sz="2200" dirty="0">
+                <a:ea typeface="Roboto" pitchFamily="2" charset="0"/>
+              </a:rPr>
+              <a:t> a </a:t>
+            </a:r>
+            <a:r>
+              <a:rPr lang="pt-PT" sz="2200" dirty="0" err="1">
+                <a:ea typeface="Roboto" pitchFamily="2" charset="0"/>
+              </a:rPr>
+              <a:t>maximum</a:t>
+            </a:r>
+            <a:r>
+              <a:rPr lang="pt-PT" sz="2200" dirty="0">
+                <a:ea typeface="Roboto" pitchFamily="2" charset="0"/>
+              </a:rPr>
+              <a:t> </a:t>
+            </a:r>
+            <a:r>
+              <a:rPr lang="pt-PT" sz="2200" dirty="0" err="1">
+                <a:ea typeface="Roboto" pitchFamily="2" charset="0"/>
+              </a:rPr>
+              <a:t>depth</a:t>
+            </a:r>
+            <a:r>
+              <a:rPr lang="pt-PT" sz="2200" dirty="0">
+                <a:ea typeface="Roboto" pitchFamily="2" charset="0"/>
+              </a:rPr>
+              <a:t>, </a:t>
+            </a:r>
+            <a:r>
+              <a:rPr lang="pt-PT" sz="2200" dirty="0" err="1">
+                <a:ea typeface="Roboto" pitchFamily="2" charset="0"/>
+              </a:rPr>
+              <a:t>making</a:t>
+            </a:r>
+            <a:r>
+              <a:rPr lang="pt-PT" sz="2200" dirty="0">
+                <a:ea typeface="Roboto" pitchFamily="2" charset="0"/>
+              </a:rPr>
+              <a:t> DFS a DFS-</a:t>
+            </a:r>
+            <a:r>
+              <a:rPr lang="pt-PT" sz="2200" dirty="0" err="1">
+                <a:ea typeface="Roboto" pitchFamily="2" charset="0"/>
+              </a:rPr>
+              <a:t>Limited</a:t>
+            </a:r>
+            <a:r>
+              <a:rPr lang="pt-PT" sz="2200" dirty="0">
+                <a:ea typeface="Roboto" pitchFamily="2" charset="0"/>
+              </a:rPr>
+              <a:t>.</a:t>
+            </a:r>
+          </a:p>
+          <a:p>
+            <a:pPr marL="0" indent="0">
+              <a:buNone/>
+            </a:pPr>
+            <a:r>
+              <a:rPr lang="pt-PT" sz="2200" dirty="0" err="1">
+                <a:ea typeface="Roboto" pitchFamily="2" charset="0"/>
+              </a:rPr>
+              <a:t>We</a:t>
+            </a:r>
+            <a:r>
+              <a:rPr lang="pt-PT" sz="2200" dirty="0">
+                <a:ea typeface="Roboto" pitchFamily="2" charset="0"/>
+              </a:rPr>
+              <a:t> </a:t>
+            </a:r>
+            <a:r>
+              <a:rPr lang="pt-PT" sz="2200" dirty="0" err="1">
+                <a:ea typeface="Roboto" pitchFamily="2" charset="0"/>
+              </a:rPr>
+              <a:t>developed</a:t>
+            </a:r>
+            <a:r>
+              <a:rPr lang="pt-PT" sz="2200" dirty="0">
+                <a:ea typeface="Roboto" pitchFamily="2" charset="0"/>
+              </a:rPr>
+              <a:t> a </a:t>
+            </a:r>
+            <a:r>
+              <a:rPr lang="pt-PT" sz="2200" dirty="0" err="1">
+                <a:ea typeface="Roboto" pitchFamily="2" charset="0"/>
+              </a:rPr>
+              <a:t>generic</a:t>
+            </a:r>
+            <a:r>
+              <a:rPr lang="pt-PT" sz="2200" dirty="0">
+                <a:ea typeface="Roboto" pitchFamily="2" charset="0"/>
+              </a:rPr>
+              <a:t> “solver” </a:t>
+            </a:r>
+            <a:r>
+              <a:rPr lang="pt-PT" sz="2200" dirty="0" err="1">
+                <a:ea typeface="Roboto" pitchFamily="2" charset="0"/>
+              </a:rPr>
+              <a:t>function</a:t>
+            </a:r>
+            <a:r>
+              <a:rPr lang="pt-PT" sz="2200" dirty="0">
+                <a:ea typeface="Roboto" pitchFamily="2" charset="0"/>
+              </a:rPr>
+              <a:t>, </a:t>
+            </a:r>
+            <a:r>
+              <a:rPr lang="pt-PT" sz="2200" dirty="0" err="1">
+                <a:ea typeface="Roboto" pitchFamily="2" charset="0"/>
+              </a:rPr>
+              <a:t>that</a:t>
+            </a:r>
+            <a:r>
+              <a:rPr lang="pt-PT" sz="2200" dirty="0">
+                <a:ea typeface="Roboto" pitchFamily="2" charset="0"/>
+              </a:rPr>
+              <a:t> </a:t>
+            </a:r>
+            <a:r>
+              <a:rPr lang="pt-PT" sz="2200" dirty="0" err="1">
+                <a:ea typeface="Roboto" pitchFamily="2" charset="0"/>
+              </a:rPr>
+              <a:t>changes</a:t>
+            </a:r>
+            <a:r>
+              <a:rPr lang="pt-PT" sz="2200" dirty="0">
+                <a:ea typeface="Roboto" pitchFamily="2" charset="0"/>
+              </a:rPr>
+              <a:t> </a:t>
+            </a:r>
+            <a:r>
+              <a:rPr lang="pt-PT" sz="2200" dirty="0" err="1">
+                <a:ea typeface="Roboto" pitchFamily="2" charset="0"/>
+              </a:rPr>
+              <a:t>the</a:t>
+            </a:r>
+            <a:r>
+              <a:rPr lang="pt-PT" sz="2200" dirty="0">
+                <a:ea typeface="Roboto" pitchFamily="2" charset="0"/>
+              </a:rPr>
+              <a:t> </a:t>
+            </a:r>
+            <a:r>
+              <a:rPr lang="pt-PT" sz="2200" dirty="0" err="1">
+                <a:ea typeface="Roboto" pitchFamily="2" charset="0"/>
+              </a:rPr>
+              <a:t>way</a:t>
+            </a:r>
+            <a:r>
+              <a:rPr lang="pt-PT" sz="2200" dirty="0">
+                <a:ea typeface="Roboto" pitchFamily="2" charset="0"/>
+              </a:rPr>
+              <a:t> </a:t>
+            </a:r>
+            <a:r>
+              <a:rPr lang="pt-PT" sz="2200" dirty="0" err="1">
+                <a:ea typeface="Roboto" pitchFamily="2" charset="0"/>
+              </a:rPr>
+              <a:t>the</a:t>
+            </a:r>
+            <a:r>
+              <a:rPr lang="pt-PT" sz="2200" dirty="0">
+                <a:ea typeface="Roboto" pitchFamily="2" charset="0"/>
+              </a:rPr>
+              <a:t> nodes are </a:t>
+            </a:r>
+            <a:r>
+              <a:rPr lang="pt-PT" sz="2200" dirty="0" err="1">
+                <a:ea typeface="Roboto" pitchFamily="2" charset="0"/>
+              </a:rPr>
+              <a:t>expanded</a:t>
+            </a:r>
+            <a:r>
+              <a:rPr lang="pt-PT" sz="2200" dirty="0">
+                <a:ea typeface="Roboto" pitchFamily="2" charset="0"/>
+              </a:rPr>
+              <a:t> </a:t>
+            </a:r>
+            <a:r>
+              <a:rPr lang="pt-PT" sz="2200" dirty="0" err="1">
+                <a:ea typeface="Roboto" pitchFamily="2" charset="0"/>
+              </a:rPr>
+              <a:t>depending</a:t>
+            </a:r>
+            <a:r>
+              <a:rPr lang="pt-PT" sz="2200" dirty="0">
+                <a:ea typeface="Roboto" pitchFamily="2" charset="0"/>
+              </a:rPr>
+              <a:t> </a:t>
+            </a:r>
+            <a:r>
+              <a:rPr lang="pt-PT" sz="2200" dirty="0" err="1">
+                <a:ea typeface="Roboto" pitchFamily="2" charset="0"/>
+              </a:rPr>
+              <a:t>on</a:t>
+            </a:r>
+            <a:r>
+              <a:rPr lang="pt-PT" sz="2200" dirty="0">
+                <a:ea typeface="Roboto" pitchFamily="2" charset="0"/>
+              </a:rPr>
+              <a:t> </a:t>
+            </a:r>
+            <a:r>
+              <a:rPr lang="pt-PT" sz="2200" dirty="0" err="1">
+                <a:ea typeface="Roboto" pitchFamily="2" charset="0"/>
+              </a:rPr>
+              <a:t>the</a:t>
+            </a:r>
+            <a:r>
+              <a:rPr lang="pt-PT" sz="2200" dirty="0">
+                <a:ea typeface="Roboto" pitchFamily="2" charset="0"/>
+              </a:rPr>
+              <a:t> </a:t>
+            </a:r>
+            <a:r>
+              <a:rPr lang="pt-PT" sz="2200" dirty="0" err="1">
+                <a:ea typeface="Roboto" pitchFamily="2" charset="0"/>
+              </a:rPr>
+              <a:t>algorithm</a:t>
+            </a:r>
+            <a:r>
+              <a:rPr lang="pt-PT" sz="2200" dirty="0">
+                <a:ea typeface="Roboto" pitchFamily="2" charset="0"/>
+              </a:rPr>
+              <a:t>. For IDS, </a:t>
+            </a:r>
+            <a:r>
+              <a:rPr lang="pt-PT" sz="2200" dirty="0" err="1">
+                <a:ea typeface="Roboto" pitchFamily="2" charset="0"/>
+              </a:rPr>
+              <a:t>it</a:t>
+            </a:r>
+            <a:r>
+              <a:rPr lang="pt-PT" sz="2200" dirty="0">
+                <a:ea typeface="Roboto" pitchFamily="2" charset="0"/>
+              </a:rPr>
+              <a:t> </a:t>
+            </a:r>
+            <a:r>
+              <a:rPr lang="pt-PT" sz="2200" dirty="0" err="1">
+                <a:ea typeface="Roboto" pitchFamily="2" charset="0"/>
+              </a:rPr>
+              <a:t>was</a:t>
+            </a:r>
+            <a:r>
+              <a:rPr lang="pt-PT" sz="2200" dirty="0">
+                <a:ea typeface="Roboto" pitchFamily="2" charset="0"/>
+              </a:rPr>
+              <a:t> </a:t>
+            </a:r>
+            <a:r>
+              <a:rPr lang="pt-PT" sz="2200" dirty="0" err="1">
+                <a:ea typeface="Roboto" pitchFamily="2" charset="0"/>
+              </a:rPr>
+              <a:t>necessary</a:t>
+            </a:r>
+            <a:r>
+              <a:rPr lang="pt-PT" sz="2200" dirty="0">
+                <a:ea typeface="Roboto" pitchFamily="2" charset="0"/>
+              </a:rPr>
+              <a:t> to </a:t>
+            </a:r>
+            <a:r>
+              <a:rPr lang="pt-PT" sz="2200" dirty="0" err="1">
+                <a:ea typeface="Roboto" pitchFamily="2" charset="0"/>
+              </a:rPr>
+              <a:t>make</a:t>
+            </a:r>
+            <a:r>
+              <a:rPr lang="pt-PT" sz="2200" dirty="0">
+                <a:ea typeface="Roboto" pitchFamily="2" charset="0"/>
+              </a:rPr>
+              <a:t> a </a:t>
+            </a:r>
+            <a:r>
+              <a:rPr lang="pt-PT" sz="2200" dirty="0" err="1">
+                <a:ea typeface="Roboto" pitchFamily="2" charset="0"/>
+              </a:rPr>
+              <a:t>seperate</a:t>
+            </a:r>
+            <a:r>
+              <a:rPr lang="pt-PT" sz="2200" dirty="0">
+                <a:ea typeface="Roboto" pitchFamily="2" charset="0"/>
+              </a:rPr>
+              <a:t> </a:t>
+            </a:r>
+            <a:r>
+              <a:rPr lang="pt-PT" sz="2200" dirty="0" err="1">
+                <a:ea typeface="Roboto" pitchFamily="2" charset="0"/>
+              </a:rPr>
+              <a:t>function</a:t>
+            </a:r>
+            <a:r>
+              <a:rPr lang="pt-PT" sz="2200" dirty="0">
+                <a:ea typeface="Roboto" pitchFamily="2" charset="0"/>
+              </a:rPr>
+              <a:t>, </a:t>
+            </a:r>
+            <a:r>
+              <a:rPr lang="pt-PT" sz="2200" dirty="0" err="1">
+                <a:ea typeface="Roboto" pitchFamily="2" charset="0"/>
+              </a:rPr>
+              <a:t>since</a:t>
+            </a:r>
+            <a:r>
+              <a:rPr lang="pt-PT" sz="2200" dirty="0">
+                <a:ea typeface="Roboto" pitchFamily="2" charset="0"/>
+              </a:rPr>
+              <a:t> </a:t>
+            </a:r>
+            <a:r>
+              <a:rPr lang="pt-PT" sz="2200" dirty="0" err="1">
+                <a:ea typeface="Roboto" pitchFamily="2" charset="0"/>
+              </a:rPr>
+              <a:t>it</a:t>
+            </a:r>
+            <a:r>
+              <a:rPr lang="pt-PT" sz="2200" dirty="0">
+                <a:ea typeface="Roboto" pitchFamily="2" charset="0"/>
+              </a:rPr>
+              <a:t> uses DFS. (</a:t>
+            </a:r>
+            <a:r>
+              <a:rPr lang="pt-PT" sz="2200" dirty="0" err="1">
+                <a:ea typeface="Roboto" pitchFamily="2" charset="0"/>
+              </a:rPr>
+              <a:t>See</a:t>
+            </a:r>
+            <a:r>
+              <a:rPr lang="pt-PT" sz="2200" dirty="0">
+                <a:ea typeface="Roboto" pitchFamily="2" charset="0"/>
+              </a:rPr>
+              <a:t> </a:t>
+            </a:r>
+            <a:r>
+              <a:rPr lang="pt-PT" sz="2200" dirty="0" err="1">
+                <a:ea typeface="Roboto" pitchFamily="2" charset="0"/>
+              </a:rPr>
+              <a:t>below</a:t>
+            </a:r>
+            <a:r>
+              <a:rPr lang="pt-PT" sz="2200" dirty="0">
+                <a:ea typeface="Roboto" pitchFamily="2" charset="0"/>
+              </a:rPr>
+              <a:t>)</a:t>
+            </a:r>
+          </a:p>
+        </p:txBody>
+      </p:sp>
+      <p:sp>
+        <p:nvSpPr>
+          <p:cNvPr id="2" name="Título 1">
+            <a:extLst>
+              <a:ext uri="{FF2B5EF4-FFF2-40B4-BE49-F238E27FC236}">
+                <a16:creationId xmlns:a16="http://schemas.microsoft.com/office/drawing/2014/main" id="{BD058F4D-1277-407E-9AAB-CAA070E58C25}"/>
+              </a:ext>
+            </a:extLst>
+          </p:cNvPr>
+          <p:cNvSpPr>
+            <a:spLocks noGrp="1"/>
+          </p:cNvSpPr>
+          <p:nvPr>
+            <p:ph type="title"/>
+          </p:nvPr>
+        </p:nvSpPr>
+        <p:spPr>
+          <a:xfrm>
+            <a:off x="559716" y="304800"/>
+            <a:ext cx="10515600" cy="1325563"/>
+          </a:xfrm>
+        </p:spPr>
+        <p:txBody>
+          <a:bodyPr/>
+          <a:lstStyle/>
+          <a:p>
+            <a:r>
+              <a:rPr lang="en-GB" b="1" dirty="0">
+                <a:ea typeface="Roboto" pitchFamily="2" charset="0"/>
+              </a:rPr>
+              <a:t>Algorithms</a:t>
+            </a:r>
+          </a:p>
+        </p:txBody>
+      </p:sp>
+      <p:sp>
+        <p:nvSpPr>
+          <p:cNvPr id="4" name="Retângulo 3">
+            <a:extLst>
+              <a:ext uri="{FF2B5EF4-FFF2-40B4-BE49-F238E27FC236}">
+                <a16:creationId xmlns:a16="http://schemas.microsoft.com/office/drawing/2014/main" id="{75F5FA41-82AC-4C18-B967-B9C6655A90BC}"/>
+              </a:ext>
+            </a:extLst>
+          </p:cNvPr>
+          <p:cNvSpPr/>
+          <p:nvPr/>
+        </p:nvSpPr>
+        <p:spPr>
+          <a:xfrm>
+            <a:off x="0" y="-35351"/>
+            <a:ext cx="216816" cy="6928701"/>
+          </a:xfrm>
+          <a:prstGeom prst="rect">
+            <a:avLst/>
+          </a:prstGeom>
+        </p:spPr>
+        <p:style>
+          <a:lnRef idx="2">
+            <a:schemeClr val="accent1">
+              <a:shade val="50000"/>
+            </a:schemeClr>
+          </a:lnRef>
+          <a:fillRef idx="1">
+            <a:schemeClr val="accent1"/>
+          </a:fillRef>
+          <a:effectRef idx="0">
+            <a:schemeClr val="accent1"/>
+          </a:effectRef>
+          <a:fontRef idx="minor">
+            <a:schemeClr val="lt1"/>
+          </a:fontRef>
+        </p:style>
+        <p:txBody>
+          <a:bodyPr rtlCol="0" anchor="ctr"/>
+          <a:lstStyle/>
+          <a:p>
+            <a:pPr algn="ctr"/>
+            <a:endParaRPr lang="en-GB"/>
+          </a:p>
+        </p:txBody>
+      </p:sp>
+      <p:pic>
+        <p:nvPicPr>
+          <p:cNvPr id="6" name="Imagem 5">
+            <a:extLst>
+              <a:ext uri="{FF2B5EF4-FFF2-40B4-BE49-F238E27FC236}">
+                <a16:creationId xmlns:a16="http://schemas.microsoft.com/office/drawing/2014/main" id="{151FA63C-8E24-4590-8F30-CAEC5D675DF5}"/>
+              </a:ext>
+            </a:extLst>
+          </p:cNvPr>
+          <p:cNvPicPr>
+            <a:picLocks noChangeAspect="1"/>
+          </p:cNvPicPr>
+          <p:nvPr/>
+        </p:nvPicPr>
+        <p:blipFill>
+          <a:blip r:embed="rId2">
+            <a:extLst>
+              <a:ext uri="{28A0092B-C50C-407E-A947-70E740481C1C}">
+                <a14:useLocalDpi xmlns:a14="http://schemas.microsoft.com/office/drawing/2010/main" val="0"/>
+              </a:ext>
+            </a:extLst>
+          </a:blip>
+          <a:stretch>
+            <a:fillRect/>
+          </a:stretch>
+        </p:blipFill>
+        <p:spPr>
+          <a:xfrm>
+            <a:off x="9856198" y="5937007"/>
+            <a:ext cx="1776086" cy="616193"/>
+          </a:xfrm>
+          <a:prstGeom prst="rect">
+            <a:avLst/>
+          </a:prstGeom>
+        </p:spPr>
+      </p:pic>
+      <p:pic>
+        <p:nvPicPr>
+          <p:cNvPr id="9" name="Imagem 8">
+            <a:extLst>
+              <a:ext uri="{FF2B5EF4-FFF2-40B4-BE49-F238E27FC236}">
+                <a16:creationId xmlns:a16="http://schemas.microsoft.com/office/drawing/2014/main" id="{89E7BC88-8605-4E6E-B6AF-BA47E6383CF0}"/>
+              </a:ext>
+            </a:extLst>
+          </p:cNvPr>
+          <p:cNvPicPr>
+            <a:picLocks noChangeAspect="1"/>
+          </p:cNvPicPr>
+          <p:nvPr/>
+        </p:nvPicPr>
+        <p:blipFill>
+          <a:blip r:embed="rId3"/>
+          <a:stretch>
+            <a:fillRect/>
+          </a:stretch>
+        </p:blipFill>
+        <p:spPr>
+          <a:xfrm>
+            <a:off x="6837027" y="3702968"/>
+            <a:ext cx="2942027" cy="2844501"/>
+          </a:xfrm>
+          <a:prstGeom prst="rect">
+            <a:avLst/>
+          </a:prstGeom>
+        </p:spPr>
+      </p:pic>
+      <p:pic>
+        <p:nvPicPr>
+          <p:cNvPr id="11" name="Imagem 10">
+            <a:extLst>
+              <a:ext uri="{FF2B5EF4-FFF2-40B4-BE49-F238E27FC236}">
+                <a16:creationId xmlns:a16="http://schemas.microsoft.com/office/drawing/2014/main" id="{4FAA9968-638F-455F-861E-539DF556C192}"/>
+              </a:ext>
+            </a:extLst>
+          </p:cNvPr>
+          <p:cNvPicPr>
+            <a:picLocks noChangeAspect="1"/>
+          </p:cNvPicPr>
+          <p:nvPr/>
+        </p:nvPicPr>
+        <p:blipFill>
+          <a:blip r:embed="rId4"/>
+          <a:stretch>
+            <a:fillRect/>
+          </a:stretch>
+        </p:blipFill>
+        <p:spPr>
+          <a:xfrm>
+            <a:off x="695024" y="3511417"/>
+            <a:ext cx="2370556" cy="3227603"/>
+          </a:xfrm>
+          <a:prstGeom prst="rect">
+            <a:avLst/>
+          </a:prstGeom>
+        </p:spPr>
+      </p:pic>
+      <p:pic>
+        <p:nvPicPr>
+          <p:cNvPr id="13" name="Imagem 12">
+            <a:extLst>
+              <a:ext uri="{FF2B5EF4-FFF2-40B4-BE49-F238E27FC236}">
+                <a16:creationId xmlns:a16="http://schemas.microsoft.com/office/drawing/2014/main" id="{0EBA5A3B-069C-4864-83FA-0A62C1DE7474}"/>
+              </a:ext>
+            </a:extLst>
+          </p:cNvPr>
+          <p:cNvPicPr>
+            <a:picLocks noChangeAspect="1"/>
+          </p:cNvPicPr>
+          <p:nvPr/>
+        </p:nvPicPr>
+        <p:blipFill>
+          <a:blip r:embed="rId5"/>
+          <a:stretch>
+            <a:fillRect/>
+          </a:stretch>
+        </p:blipFill>
+        <p:spPr>
+          <a:xfrm>
+            <a:off x="3200888" y="4423966"/>
+            <a:ext cx="3393907" cy="1402505"/>
+          </a:xfrm>
+          <a:prstGeom prst="rect">
+            <a:avLst/>
+          </a:prstGeom>
+        </p:spPr>
+      </p:pic>
+    </p:spTree>
+    <p:extLst>
+      <p:ext uri="{BB962C8B-B14F-4D97-AF65-F5344CB8AC3E}">
+        <p14:creationId xmlns:p14="http://schemas.microsoft.com/office/powerpoint/2010/main" val="2695318183"/>
+      </p:ext>
+    </p:extLst>
+  </p:cSld>
+  <p:clrMapOvr>
+    <a:masterClrMapping/>
+  </p:clrMapOvr>
+</p:sld>
+</file>
+
+<file path=ppt/slides/slide8.xml><?xml version="1.0" encoding="utf-8"?>
+<p:sld xmlns:a="http://schemas.openxmlformats.org/drawingml/2006/main" xmlns:r="http://schemas.openxmlformats.org/officeDocument/2006/relationships" xmlns:p="http://schemas.openxmlformats.org/presentationml/2006/main">
+  <p:cSld>
+    <p:spTree>
+      <p:nvGrpSpPr>
+        <p:cNvPr id="1" name=""/>
+        <p:cNvGrpSpPr/>
+        <p:nvPr/>
+      </p:nvGrpSpPr>
+      <p:grpSpPr>
+        <a:xfrm>
+          <a:off x="0" y="0"/>
+          <a:ext cx="0" cy="0"/>
+          <a:chOff x="0" y="0"/>
+          <a:chExt cx="0" cy="0"/>
+        </a:xfrm>
+      </p:grpSpPr>
+      <p:sp>
+        <p:nvSpPr>
+          <p:cNvPr id="3" name="Marcador de Posição de Conteúdo 2">
+            <a:extLst>
+              <a:ext uri="{FF2B5EF4-FFF2-40B4-BE49-F238E27FC236}">
+                <a16:creationId xmlns:a16="http://schemas.microsoft.com/office/drawing/2014/main" id="{5BECBDE7-3448-4F52-A782-7E51700C2552}"/>
+              </a:ext>
+            </a:extLst>
+          </p:cNvPr>
+          <p:cNvSpPr>
+            <a:spLocks noGrp="1"/>
+          </p:cNvSpPr>
+          <p:nvPr>
+            <p:ph idx="1"/>
+          </p:nvPr>
+        </p:nvSpPr>
+        <p:spPr>
+          <a:xfrm>
+            <a:off x="559716" y="1796255"/>
+            <a:ext cx="11072568" cy="4351338"/>
+          </a:xfrm>
+        </p:spPr>
+        <p:txBody>
+          <a:bodyPr>
+            <a:normAutofit/>
+          </a:bodyPr>
+          <a:lstStyle/>
+          <a:p>
+            <a:pPr marL="0" indent="0">
+              <a:buNone/>
+            </a:pPr>
+            <a:r>
+              <a:rPr lang="pt-PT" sz="2200" dirty="0" err="1">
+                <a:ea typeface="Roboto" pitchFamily="2" charset="0"/>
+              </a:rPr>
+              <a:t>Initially</a:t>
+            </a:r>
+            <a:r>
+              <a:rPr lang="pt-PT" sz="2200" dirty="0">
+                <a:ea typeface="Roboto" pitchFamily="2" charset="0"/>
+              </a:rPr>
+              <a:t>, </a:t>
+            </a:r>
+            <a:r>
+              <a:rPr lang="pt-PT" sz="2200" dirty="0" err="1">
+                <a:ea typeface="Roboto" pitchFamily="2" charset="0"/>
+              </a:rPr>
+              <a:t>we</a:t>
+            </a:r>
+            <a:r>
+              <a:rPr lang="pt-PT" sz="2200" dirty="0">
+                <a:ea typeface="Roboto" pitchFamily="2" charset="0"/>
+              </a:rPr>
+              <a:t> </a:t>
+            </a:r>
+            <a:r>
+              <a:rPr lang="pt-PT" sz="2200" dirty="0" err="1">
+                <a:ea typeface="Roboto" pitchFamily="2" charset="0"/>
+              </a:rPr>
+              <a:t>expected</a:t>
+            </a:r>
+            <a:r>
+              <a:rPr lang="pt-PT" sz="2200" dirty="0">
+                <a:ea typeface="Roboto" pitchFamily="2" charset="0"/>
+              </a:rPr>
+              <a:t> </a:t>
+            </a:r>
+            <a:r>
+              <a:rPr lang="pt-PT" sz="2200" dirty="0" err="1">
+                <a:ea typeface="Roboto" pitchFamily="2" charset="0"/>
+              </a:rPr>
+              <a:t>that</a:t>
+            </a:r>
+            <a:r>
+              <a:rPr lang="pt-PT" sz="2200" dirty="0">
+                <a:ea typeface="Roboto" pitchFamily="2" charset="0"/>
+              </a:rPr>
+              <a:t>  </a:t>
+            </a:r>
+            <a:r>
+              <a:rPr lang="pt-PT" sz="2200" dirty="0" err="1">
+                <a:ea typeface="Roboto" pitchFamily="2" charset="0"/>
+              </a:rPr>
+              <a:t>Greedy</a:t>
+            </a:r>
+            <a:r>
+              <a:rPr lang="pt-PT" sz="2200" dirty="0">
+                <a:ea typeface="Roboto" pitchFamily="2" charset="0"/>
+              </a:rPr>
+              <a:t> </a:t>
+            </a:r>
+            <a:r>
+              <a:rPr lang="pt-PT" sz="2200" dirty="0" err="1">
+                <a:ea typeface="Roboto" pitchFamily="2" charset="0"/>
+              </a:rPr>
+              <a:t>algorithm</a:t>
+            </a:r>
+            <a:r>
+              <a:rPr lang="pt-PT" sz="2200" dirty="0">
+                <a:ea typeface="Roboto" pitchFamily="2" charset="0"/>
+              </a:rPr>
+              <a:t> </a:t>
+            </a:r>
+            <a:r>
+              <a:rPr lang="pt-PT" sz="2200" dirty="0" err="1">
+                <a:ea typeface="Roboto" pitchFamily="2" charset="0"/>
+              </a:rPr>
+              <a:t>was</a:t>
+            </a:r>
+            <a:r>
+              <a:rPr lang="pt-PT" sz="2200" dirty="0">
+                <a:ea typeface="Roboto" pitchFamily="2" charset="0"/>
+              </a:rPr>
+              <a:t> </a:t>
+            </a:r>
+            <a:r>
+              <a:rPr lang="pt-PT" sz="2200" dirty="0" err="1">
+                <a:ea typeface="Roboto" pitchFamily="2" charset="0"/>
+              </a:rPr>
+              <a:t>going</a:t>
+            </a:r>
+            <a:r>
+              <a:rPr lang="pt-PT" sz="2200" dirty="0">
+                <a:ea typeface="Roboto" pitchFamily="2" charset="0"/>
+              </a:rPr>
+              <a:t> to </a:t>
+            </a:r>
+            <a:r>
+              <a:rPr lang="pt-PT" sz="2200" dirty="0" err="1">
+                <a:ea typeface="Roboto" pitchFamily="2" charset="0"/>
+              </a:rPr>
+              <a:t>have</a:t>
+            </a:r>
+            <a:r>
+              <a:rPr lang="pt-PT" sz="2200" dirty="0">
+                <a:ea typeface="Roboto" pitchFamily="2" charset="0"/>
+              </a:rPr>
+              <a:t> </a:t>
+            </a:r>
+            <a:r>
+              <a:rPr lang="pt-PT" sz="2200" dirty="0" err="1">
+                <a:ea typeface="Roboto" pitchFamily="2" charset="0"/>
+              </a:rPr>
+              <a:t>the</a:t>
+            </a:r>
+            <a:r>
+              <a:rPr lang="pt-PT" sz="2200" dirty="0">
+                <a:ea typeface="Roboto" pitchFamily="2" charset="0"/>
+              </a:rPr>
+              <a:t> </a:t>
+            </a:r>
+            <a:r>
+              <a:rPr lang="pt-PT" sz="2200" dirty="0" err="1">
+                <a:ea typeface="Roboto" pitchFamily="2" charset="0"/>
+              </a:rPr>
+              <a:t>best</a:t>
+            </a:r>
+            <a:r>
+              <a:rPr lang="pt-PT" sz="2200" dirty="0">
+                <a:ea typeface="Roboto" pitchFamily="2" charset="0"/>
+              </a:rPr>
+              <a:t> performance, time </a:t>
+            </a:r>
+            <a:r>
+              <a:rPr lang="pt-PT" sz="2200" dirty="0" err="1">
+                <a:ea typeface="Roboto" pitchFamily="2" charset="0"/>
+              </a:rPr>
+              <a:t>wise</a:t>
+            </a:r>
+            <a:r>
+              <a:rPr lang="pt-PT" sz="2200" dirty="0">
+                <a:ea typeface="Roboto" pitchFamily="2" charset="0"/>
+              </a:rPr>
+              <a:t>, </a:t>
+            </a:r>
+            <a:r>
+              <a:rPr lang="pt-PT" sz="2200" dirty="0" err="1">
+                <a:ea typeface="Roboto" pitchFamily="2" charset="0"/>
+              </a:rPr>
+              <a:t>since</a:t>
+            </a:r>
+            <a:r>
+              <a:rPr lang="pt-PT" sz="2200" dirty="0">
+                <a:ea typeface="Roboto" pitchFamily="2" charset="0"/>
+              </a:rPr>
+              <a:t> </a:t>
+            </a:r>
+            <a:r>
+              <a:rPr lang="pt-PT" sz="2200" dirty="0" err="1">
+                <a:ea typeface="Roboto" pitchFamily="2" charset="0"/>
+              </a:rPr>
+              <a:t>it</a:t>
+            </a:r>
+            <a:r>
+              <a:rPr lang="pt-PT" sz="2200" dirty="0">
+                <a:ea typeface="Roboto" pitchFamily="2" charset="0"/>
+              </a:rPr>
+              <a:t> tries to </a:t>
+            </a:r>
+            <a:r>
+              <a:rPr lang="pt-PT" sz="2200" dirty="0" err="1">
+                <a:ea typeface="Roboto" pitchFamily="2" charset="0"/>
+              </a:rPr>
+              <a:t>find</a:t>
+            </a:r>
+            <a:r>
+              <a:rPr lang="pt-PT" sz="2200" dirty="0">
+                <a:ea typeface="Roboto" pitchFamily="2" charset="0"/>
+              </a:rPr>
+              <a:t> a </a:t>
+            </a:r>
+            <a:r>
+              <a:rPr lang="pt-PT" sz="2200" dirty="0" err="1">
+                <a:ea typeface="Roboto" pitchFamily="2" charset="0"/>
+              </a:rPr>
+              <a:t>solution</a:t>
+            </a:r>
+            <a:r>
+              <a:rPr lang="pt-PT" sz="2200" dirty="0">
+                <a:ea typeface="Roboto" pitchFamily="2" charset="0"/>
+              </a:rPr>
+              <a:t>, </a:t>
+            </a:r>
+            <a:r>
+              <a:rPr lang="pt-PT" sz="2200" dirty="0" err="1">
+                <a:ea typeface="Roboto" pitchFamily="2" charset="0"/>
+              </a:rPr>
+              <a:t>based</a:t>
+            </a:r>
+            <a:r>
+              <a:rPr lang="pt-PT" sz="2200" dirty="0">
+                <a:ea typeface="Roboto" pitchFamily="2" charset="0"/>
+              </a:rPr>
+              <a:t> </a:t>
+            </a:r>
+            <a:r>
+              <a:rPr lang="pt-PT" sz="2200" dirty="0" err="1">
+                <a:ea typeface="Roboto" pitchFamily="2" charset="0"/>
+              </a:rPr>
+              <a:t>on</a:t>
+            </a:r>
+            <a:r>
+              <a:rPr lang="pt-PT" sz="2200" dirty="0">
+                <a:ea typeface="Roboto" pitchFamily="2" charset="0"/>
+              </a:rPr>
+              <a:t> a </a:t>
+            </a:r>
+            <a:r>
+              <a:rPr lang="pt-PT" sz="2200" dirty="0" err="1">
+                <a:ea typeface="Roboto" pitchFamily="2" charset="0"/>
+              </a:rPr>
+              <a:t>heuristic</a:t>
+            </a:r>
+            <a:r>
+              <a:rPr lang="pt-PT" sz="2200" dirty="0">
+                <a:ea typeface="Roboto" pitchFamily="2" charset="0"/>
+              </a:rPr>
+              <a:t>, </a:t>
+            </a:r>
+            <a:r>
+              <a:rPr lang="pt-PT" sz="2200" dirty="0" err="1">
+                <a:ea typeface="Roboto" pitchFamily="2" charset="0"/>
+              </a:rPr>
+              <a:t>and</a:t>
+            </a:r>
+            <a:r>
+              <a:rPr lang="pt-PT" sz="2200" dirty="0">
+                <a:ea typeface="Roboto" pitchFamily="2" charset="0"/>
+              </a:rPr>
+              <a:t> does </a:t>
+            </a:r>
+            <a:r>
+              <a:rPr lang="pt-PT" sz="2200" dirty="0" err="1">
+                <a:ea typeface="Roboto" pitchFamily="2" charset="0"/>
+              </a:rPr>
+              <a:t>not</a:t>
+            </a:r>
+            <a:r>
+              <a:rPr lang="pt-PT" sz="2200" dirty="0">
+                <a:ea typeface="Roboto" pitchFamily="2" charset="0"/>
+              </a:rPr>
+              <a:t> </a:t>
+            </a:r>
+            <a:r>
+              <a:rPr lang="pt-PT" sz="2200" dirty="0" err="1">
+                <a:ea typeface="Roboto" pitchFamily="2" charset="0"/>
+              </a:rPr>
+              <a:t>care</a:t>
+            </a:r>
+            <a:r>
+              <a:rPr lang="pt-PT" sz="2200" dirty="0">
+                <a:ea typeface="Roboto" pitchFamily="2" charset="0"/>
+              </a:rPr>
+              <a:t> for </a:t>
+            </a:r>
+            <a:r>
+              <a:rPr lang="pt-PT" sz="2200" dirty="0" err="1">
+                <a:ea typeface="Roboto" pitchFamily="2" charset="0"/>
+              </a:rPr>
+              <a:t>optimality</a:t>
+            </a:r>
+            <a:r>
+              <a:rPr lang="pt-PT" sz="2200" dirty="0">
+                <a:ea typeface="Roboto" pitchFamily="2" charset="0"/>
+              </a:rPr>
+              <a:t>.</a:t>
+            </a:r>
+          </a:p>
+          <a:p>
+            <a:pPr marL="0" indent="0">
+              <a:buNone/>
+            </a:pPr>
+            <a:r>
+              <a:rPr lang="pt-PT" sz="2200" dirty="0" err="1">
+                <a:ea typeface="Roboto" pitchFamily="2" charset="0"/>
+              </a:rPr>
+              <a:t>Space</a:t>
+            </a:r>
+            <a:r>
+              <a:rPr lang="pt-PT" sz="2200" dirty="0">
+                <a:ea typeface="Roboto" pitchFamily="2" charset="0"/>
+              </a:rPr>
+              <a:t> </a:t>
+            </a:r>
+            <a:r>
+              <a:rPr lang="pt-PT" sz="2200" dirty="0" err="1">
+                <a:ea typeface="Roboto" pitchFamily="2" charset="0"/>
+              </a:rPr>
+              <a:t>wise</a:t>
+            </a:r>
+            <a:r>
+              <a:rPr lang="pt-PT" sz="2200" dirty="0">
+                <a:ea typeface="Roboto" pitchFamily="2" charset="0"/>
+              </a:rPr>
+              <a:t>, </a:t>
+            </a:r>
+            <a:r>
+              <a:rPr lang="pt-PT" sz="2200" dirty="0" err="1">
+                <a:ea typeface="Roboto" pitchFamily="2" charset="0"/>
+              </a:rPr>
+              <a:t>we</a:t>
+            </a:r>
+            <a:r>
+              <a:rPr lang="pt-PT" sz="2200" dirty="0">
+                <a:ea typeface="Roboto" pitchFamily="2" charset="0"/>
+              </a:rPr>
+              <a:t> </a:t>
+            </a:r>
+            <a:r>
+              <a:rPr lang="pt-PT" sz="2200" dirty="0" err="1">
+                <a:ea typeface="Roboto" pitchFamily="2" charset="0"/>
+              </a:rPr>
+              <a:t>expected</a:t>
+            </a:r>
+            <a:r>
+              <a:rPr lang="pt-PT" sz="2200" dirty="0">
+                <a:ea typeface="Roboto" pitchFamily="2" charset="0"/>
+              </a:rPr>
+              <a:t> </a:t>
+            </a:r>
+            <a:r>
+              <a:rPr lang="pt-PT" sz="2200" dirty="0" err="1">
+                <a:ea typeface="Roboto" pitchFamily="2" charset="0"/>
+              </a:rPr>
+              <a:t>that</a:t>
+            </a:r>
+            <a:r>
+              <a:rPr lang="pt-PT" sz="2200" dirty="0">
+                <a:ea typeface="Roboto" pitchFamily="2" charset="0"/>
+              </a:rPr>
+              <a:t> DFS-</a:t>
+            </a:r>
+            <a:r>
+              <a:rPr lang="pt-PT" sz="2200" dirty="0" err="1">
+                <a:ea typeface="Roboto" pitchFamily="2" charset="0"/>
+              </a:rPr>
+              <a:t>Limited</a:t>
+            </a:r>
+            <a:r>
+              <a:rPr lang="pt-PT" sz="2200" dirty="0">
+                <a:ea typeface="Roboto" pitchFamily="2" charset="0"/>
+              </a:rPr>
+              <a:t> </a:t>
+            </a:r>
+            <a:r>
+              <a:rPr lang="pt-PT" sz="2200" dirty="0" err="1">
+                <a:ea typeface="Roboto" pitchFamily="2" charset="0"/>
+              </a:rPr>
+              <a:t>would</a:t>
+            </a:r>
+            <a:r>
+              <a:rPr lang="pt-PT" sz="2200" dirty="0">
+                <a:ea typeface="Roboto" pitchFamily="2" charset="0"/>
+              </a:rPr>
+              <a:t> </a:t>
+            </a:r>
+            <a:r>
+              <a:rPr lang="pt-PT" sz="2200" dirty="0" err="1">
+                <a:ea typeface="Roboto" pitchFamily="2" charset="0"/>
+              </a:rPr>
+              <a:t>be</a:t>
+            </a:r>
+            <a:r>
+              <a:rPr lang="pt-PT" sz="2200" dirty="0">
+                <a:ea typeface="Roboto" pitchFamily="2" charset="0"/>
+              </a:rPr>
+              <a:t> </a:t>
+            </a:r>
+            <a:r>
+              <a:rPr lang="pt-PT" sz="2200" dirty="0" err="1">
+                <a:ea typeface="Roboto" pitchFamily="2" charset="0"/>
+              </a:rPr>
+              <a:t>the</a:t>
+            </a:r>
+            <a:r>
+              <a:rPr lang="pt-PT" sz="2200" dirty="0">
+                <a:ea typeface="Roboto" pitchFamily="2" charset="0"/>
+              </a:rPr>
+              <a:t> </a:t>
+            </a:r>
+            <a:r>
+              <a:rPr lang="pt-PT" sz="2200" dirty="0" err="1">
+                <a:ea typeface="Roboto" pitchFamily="2" charset="0"/>
+              </a:rPr>
+              <a:t>best</a:t>
+            </a:r>
+            <a:r>
+              <a:rPr lang="pt-PT" sz="2200" dirty="0">
+                <a:ea typeface="Roboto" pitchFamily="2" charset="0"/>
+              </a:rPr>
+              <a:t>, </a:t>
+            </a:r>
+            <a:r>
+              <a:rPr lang="pt-PT" sz="2200" dirty="0" err="1">
+                <a:ea typeface="Roboto" pitchFamily="2" charset="0"/>
+              </a:rPr>
+              <a:t>based</a:t>
+            </a:r>
+            <a:r>
+              <a:rPr lang="pt-PT" sz="2200" dirty="0">
+                <a:ea typeface="Roboto" pitchFamily="2" charset="0"/>
+              </a:rPr>
+              <a:t> </a:t>
+            </a:r>
+            <a:r>
+              <a:rPr lang="pt-PT" sz="2200" dirty="0" err="1">
+                <a:ea typeface="Roboto" pitchFamily="2" charset="0"/>
+              </a:rPr>
+              <a:t>on</a:t>
+            </a:r>
+            <a:r>
+              <a:rPr lang="pt-PT" sz="2200" dirty="0">
+                <a:ea typeface="Roboto" pitchFamily="2" charset="0"/>
+              </a:rPr>
+              <a:t> </a:t>
+            </a:r>
+            <a:r>
+              <a:rPr lang="pt-PT" sz="2200" dirty="0" err="1">
+                <a:ea typeface="Roboto" pitchFamily="2" charset="0"/>
+              </a:rPr>
+              <a:t>the</a:t>
+            </a:r>
+            <a:r>
+              <a:rPr lang="pt-PT" sz="2200" dirty="0">
+                <a:ea typeface="Roboto" pitchFamily="2" charset="0"/>
+              </a:rPr>
+              <a:t> </a:t>
+            </a:r>
+            <a:r>
+              <a:rPr lang="pt-PT" sz="2200" dirty="0" err="1">
+                <a:ea typeface="Roboto" pitchFamily="2" charset="0"/>
+              </a:rPr>
+              <a:t>table</a:t>
+            </a:r>
+            <a:r>
+              <a:rPr lang="pt-PT" sz="2200" dirty="0">
+                <a:ea typeface="Roboto" pitchFamily="2" charset="0"/>
+              </a:rPr>
+              <a:t> </a:t>
+            </a:r>
+            <a:r>
+              <a:rPr lang="pt-PT" sz="2200" dirty="0" err="1">
+                <a:ea typeface="Roboto" pitchFamily="2" charset="0"/>
+              </a:rPr>
+              <a:t>below</a:t>
+            </a:r>
+            <a:r>
+              <a:rPr lang="pt-PT" sz="2200" dirty="0">
+                <a:ea typeface="Roboto" pitchFamily="2" charset="0"/>
+              </a:rPr>
+              <a:t>.</a:t>
+            </a:r>
+          </a:p>
+        </p:txBody>
+      </p:sp>
+      <p:sp>
+        <p:nvSpPr>
+          <p:cNvPr id="2" name="Título 1">
+            <a:extLst>
+              <a:ext uri="{FF2B5EF4-FFF2-40B4-BE49-F238E27FC236}">
+                <a16:creationId xmlns:a16="http://schemas.microsoft.com/office/drawing/2014/main" id="{BD058F4D-1277-407E-9AAB-CAA070E58C25}"/>
+              </a:ext>
+            </a:extLst>
+          </p:cNvPr>
+          <p:cNvSpPr>
+            <a:spLocks noGrp="1"/>
+          </p:cNvSpPr>
+          <p:nvPr>
+            <p:ph type="title"/>
+          </p:nvPr>
+        </p:nvSpPr>
+        <p:spPr>
+          <a:xfrm>
+            <a:off x="559716" y="304800"/>
+            <a:ext cx="10515600" cy="1325563"/>
+          </a:xfrm>
+        </p:spPr>
+        <p:txBody>
+          <a:bodyPr/>
+          <a:lstStyle/>
+          <a:p>
+            <a:r>
+              <a:rPr lang="en-GB" b="1" dirty="0">
+                <a:ea typeface="Roboto" pitchFamily="2" charset="0"/>
+              </a:rPr>
+              <a:t>Experimental Results</a:t>
+            </a:r>
+          </a:p>
+        </p:txBody>
+      </p:sp>
+      <p:sp>
+        <p:nvSpPr>
+          <p:cNvPr id="4" name="Retângulo 3">
+            <a:extLst>
+              <a:ext uri="{FF2B5EF4-FFF2-40B4-BE49-F238E27FC236}">
+                <a16:creationId xmlns:a16="http://schemas.microsoft.com/office/drawing/2014/main" id="{75F5FA41-82AC-4C18-B967-B9C6655A90BC}"/>
+              </a:ext>
+            </a:extLst>
+          </p:cNvPr>
+          <p:cNvSpPr/>
+          <p:nvPr/>
+        </p:nvSpPr>
+        <p:spPr>
+          <a:xfrm>
+            <a:off x="0" y="-35351"/>
+            <a:ext cx="216816" cy="6928701"/>
+          </a:xfrm>
+          <a:prstGeom prst="rect">
+            <a:avLst/>
+          </a:prstGeom>
+        </p:spPr>
+        <p:style>
+          <a:lnRef idx="2">
+            <a:schemeClr val="accent1">
+              <a:shade val="50000"/>
+            </a:schemeClr>
+          </a:lnRef>
+          <a:fillRef idx="1">
+            <a:schemeClr val="accent1"/>
+          </a:fillRef>
+          <a:effectRef idx="0">
+            <a:schemeClr val="accent1"/>
+          </a:effectRef>
+          <a:fontRef idx="minor">
+            <a:schemeClr val="lt1"/>
+          </a:fontRef>
+        </p:style>
+        <p:txBody>
+          <a:bodyPr rtlCol="0" anchor="ctr"/>
+          <a:lstStyle/>
+          <a:p>
+            <a:pPr algn="ctr"/>
+            <a:endParaRPr lang="en-GB"/>
+          </a:p>
+        </p:txBody>
+      </p:sp>
+      <p:pic>
+        <p:nvPicPr>
+          <p:cNvPr id="6" name="Imagem 5">
+            <a:extLst>
+              <a:ext uri="{FF2B5EF4-FFF2-40B4-BE49-F238E27FC236}">
+                <a16:creationId xmlns:a16="http://schemas.microsoft.com/office/drawing/2014/main" id="{151FA63C-8E24-4590-8F30-CAEC5D675DF5}"/>
+              </a:ext>
+            </a:extLst>
+          </p:cNvPr>
+          <p:cNvPicPr>
+            <a:picLocks noChangeAspect="1"/>
+          </p:cNvPicPr>
+          <p:nvPr/>
+        </p:nvPicPr>
+        <p:blipFill>
+          <a:blip r:embed="rId2">
+            <a:extLst>
+              <a:ext uri="{28A0092B-C50C-407E-A947-70E740481C1C}">
+                <a14:useLocalDpi xmlns:a14="http://schemas.microsoft.com/office/drawing/2010/main" val="0"/>
+              </a:ext>
+            </a:extLst>
+          </a:blip>
+          <a:stretch>
+            <a:fillRect/>
+          </a:stretch>
+        </p:blipFill>
+        <p:spPr>
+          <a:xfrm>
+            <a:off x="9856198" y="5937007"/>
+            <a:ext cx="1776086" cy="616193"/>
+          </a:xfrm>
+          <a:prstGeom prst="rect">
+            <a:avLst/>
+          </a:prstGeom>
+        </p:spPr>
+      </p:pic>
+      <p:graphicFrame>
+        <p:nvGraphicFramePr>
+          <p:cNvPr id="5" name="Tabela 6">
+            <a:extLst>
+              <a:ext uri="{FF2B5EF4-FFF2-40B4-BE49-F238E27FC236}">
+                <a16:creationId xmlns:a16="http://schemas.microsoft.com/office/drawing/2014/main" id="{570B6911-2844-4238-93A3-8CE8A601296F}"/>
+              </a:ext>
+            </a:extLst>
+          </p:cNvPr>
+          <p:cNvGraphicFramePr>
+            <a:graphicFrameLocks noGrp="1"/>
+          </p:cNvGraphicFramePr>
+          <p:nvPr>
+            <p:extLst>
+              <p:ext uri="{D42A27DB-BD31-4B8C-83A1-F6EECF244321}">
+                <p14:modId xmlns:p14="http://schemas.microsoft.com/office/powerpoint/2010/main" val="532921354"/>
+              </p:ext>
+            </p:extLst>
+          </p:nvPr>
+        </p:nvGraphicFramePr>
+        <p:xfrm>
+          <a:off x="2032000" y="3306360"/>
+          <a:ext cx="8128000" cy="2225040"/>
+        </p:xfrm>
+        <a:graphic>
+          <a:graphicData uri="http://schemas.openxmlformats.org/drawingml/2006/table">
+            <a:tbl>
+              <a:tblPr firstRow="1" bandRow="1">
+                <a:tableStyleId>{5C22544A-7EE6-4342-B048-85BDC9FD1C3A}</a:tableStyleId>
+              </a:tblPr>
+              <a:tblGrid>
+                <a:gridCol w="2032000">
+                  <a:extLst>
+                    <a:ext uri="{9D8B030D-6E8A-4147-A177-3AD203B41FA5}">
+                      <a16:colId xmlns:a16="http://schemas.microsoft.com/office/drawing/2014/main" val="3250793089"/>
+                    </a:ext>
+                  </a:extLst>
+                </a:gridCol>
+                <a:gridCol w="2032000">
+                  <a:extLst>
+                    <a:ext uri="{9D8B030D-6E8A-4147-A177-3AD203B41FA5}">
+                      <a16:colId xmlns:a16="http://schemas.microsoft.com/office/drawing/2014/main" val="393952940"/>
+                    </a:ext>
+                  </a:extLst>
+                </a:gridCol>
+                <a:gridCol w="2032000">
+                  <a:extLst>
+                    <a:ext uri="{9D8B030D-6E8A-4147-A177-3AD203B41FA5}">
+                      <a16:colId xmlns:a16="http://schemas.microsoft.com/office/drawing/2014/main" val="3369552290"/>
+                    </a:ext>
+                  </a:extLst>
+                </a:gridCol>
+                <a:gridCol w="2032000">
+                  <a:extLst>
+                    <a:ext uri="{9D8B030D-6E8A-4147-A177-3AD203B41FA5}">
+                      <a16:colId xmlns:a16="http://schemas.microsoft.com/office/drawing/2014/main" val="4097516430"/>
+                    </a:ext>
+                  </a:extLst>
+                </a:gridCol>
+              </a:tblGrid>
+              <a:tr h="370840">
+                <a:tc>
+                  <a:txBody>
+                    <a:bodyPr/>
+                    <a:lstStyle/>
+                    <a:p>
+                      <a:pPr algn="ctr"/>
+                      <a:r>
+                        <a:rPr lang="en-GB" dirty="0"/>
+                        <a:t>Name</a:t>
+                      </a:r>
+                    </a:p>
+                  </a:txBody>
+                  <a:tcPr/>
+                </a:tc>
+                <a:tc>
+                  <a:txBody>
+                    <a:bodyPr/>
+                    <a:lstStyle/>
+                    <a:p>
+                      <a:pPr algn="ctr"/>
+                      <a:r>
+                        <a:rPr lang="en-GB" dirty="0"/>
+                        <a:t>Time</a:t>
+                      </a:r>
+                    </a:p>
+                  </a:txBody>
+                  <a:tcPr/>
+                </a:tc>
+                <a:tc>
+                  <a:txBody>
+                    <a:bodyPr/>
+                    <a:lstStyle/>
+                    <a:p>
+                      <a:pPr algn="ctr"/>
+                      <a:r>
+                        <a:rPr lang="en-GB" dirty="0"/>
+                        <a:t>Space</a:t>
+                      </a:r>
+                    </a:p>
+                  </a:txBody>
+                  <a:tcPr/>
+                </a:tc>
+                <a:tc>
+                  <a:txBody>
+                    <a:bodyPr/>
+                    <a:lstStyle/>
+                    <a:p>
+                      <a:pPr algn="ctr"/>
+                      <a:r>
+                        <a:rPr lang="en-GB" dirty="0"/>
+                        <a:t>Optimal</a:t>
+                      </a:r>
+                    </a:p>
+                  </a:txBody>
+                  <a:tcPr/>
+                </a:tc>
+                <a:extLst>
+                  <a:ext uri="{0D108BD9-81ED-4DB2-BD59-A6C34878D82A}">
+                    <a16:rowId xmlns:a16="http://schemas.microsoft.com/office/drawing/2014/main" val="676921940"/>
+                  </a:ext>
+                </a:extLst>
+              </a:tr>
+              <a:tr h="370840">
+                <a:tc>
+                  <a:txBody>
+                    <a:bodyPr/>
+                    <a:lstStyle/>
+                    <a:p>
+                      <a:pPr algn="ctr"/>
+                      <a:r>
+                        <a:rPr lang="en-GB" dirty="0"/>
+                        <a:t>BFS</a:t>
+                      </a:r>
+                    </a:p>
+                  </a:txBody>
+                  <a:tcPr/>
+                </a:tc>
+                <a:tc>
+                  <a:txBody>
+                    <a:bodyPr/>
+                    <a:lstStyle/>
+                    <a:p>
+                      <a:pPr algn="ctr"/>
+                      <a:r>
+                        <a:rPr lang="en-GB" dirty="0"/>
+                        <a:t>O(b</a:t>
+                      </a:r>
+                      <a:r>
+                        <a:rPr lang="en-GB" baseline="30000" dirty="0"/>
+                        <a:t>d+1</a:t>
+                      </a:r>
+                      <a:r>
+                        <a:rPr lang="en-GB" dirty="0"/>
+                        <a:t>)</a:t>
+                      </a:r>
+                    </a:p>
+                  </a:txBody>
+                  <a:tcPr/>
+                </a:tc>
+                <a:tc>
+                  <a:txBody>
+                    <a:bodyPr/>
+                    <a:lstStyle/>
+                    <a:p>
+                      <a:pPr marL="0" marR="0" lvl="0" indent="0" algn="ctr" defTabSz="914400" rtl="0" eaLnBrk="1" fontAlgn="auto" latinLnBrk="0" hangingPunct="1">
+                        <a:lnSpc>
+                          <a:spcPct val="100000"/>
+                        </a:lnSpc>
+                        <a:spcBef>
+                          <a:spcPts val="0"/>
+                        </a:spcBef>
+                        <a:spcAft>
+                          <a:spcPts val="0"/>
+                        </a:spcAft>
+                        <a:buClrTx/>
+                        <a:buSzTx/>
+                        <a:buFontTx/>
+                        <a:buNone/>
+                        <a:tabLst/>
+                        <a:defRPr/>
+                      </a:pPr>
+                      <a:r>
+                        <a:rPr lang="en-GB" dirty="0"/>
+                        <a:t>O(b</a:t>
+                      </a:r>
+                      <a:r>
+                        <a:rPr lang="en-GB" baseline="30000" dirty="0"/>
+                        <a:t>d+1</a:t>
+                      </a:r>
+                      <a:r>
+                        <a:rPr lang="en-GB" dirty="0"/>
+                        <a:t>)</a:t>
+                      </a:r>
+                    </a:p>
+                  </a:txBody>
+                  <a:tcPr/>
+                </a:tc>
+                <a:tc>
+                  <a:txBody>
+                    <a:bodyPr/>
+                    <a:lstStyle/>
+                    <a:p>
+                      <a:pPr algn="ctr"/>
+                      <a:r>
+                        <a:rPr lang="en-GB" dirty="0"/>
+                        <a:t>YES</a:t>
+                      </a:r>
+                    </a:p>
+                  </a:txBody>
+                  <a:tcPr/>
+                </a:tc>
+                <a:extLst>
+                  <a:ext uri="{0D108BD9-81ED-4DB2-BD59-A6C34878D82A}">
+                    <a16:rowId xmlns:a16="http://schemas.microsoft.com/office/drawing/2014/main" val="2853864507"/>
+                  </a:ext>
+                </a:extLst>
+              </a:tr>
+              <a:tr h="370840">
+                <a:tc>
+                  <a:txBody>
+                    <a:bodyPr/>
+                    <a:lstStyle/>
+                    <a:p>
+                      <a:pPr algn="ctr"/>
+                      <a:r>
+                        <a:rPr lang="en-GB" dirty="0"/>
+                        <a:t>DFS-Limited</a:t>
+                      </a:r>
+                    </a:p>
+                  </a:txBody>
+                  <a:tcPr/>
+                </a:tc>
+                <a:tc>
+                  <a:txBody>
+                    <a:bodyPr/>
+                    <a:lstStyle/>
+                    <a:p>
+                      <a:pPr marL="0" marR="0" lvl="0" indent="0" algn="ctr" defTabSz="914400" rtl="0" eaLnBrk="1" fontAlgn="auto" latinLnBrk="0" hangingPunct="1">
+                        <a:lnSpc>
+                          <a:spcPct val="100000"/>
+                        </a:lnSpc>
+                        <a:spcBef>
+                          <a:spcPts val="0"/>
+                        </a:spcBef>
+                        <a:spcAft>
+                          <a:spcPts val="0"/>
+                        </a:spcAft>
+                        <a:buClrTx/>
+                        <a:buSzTx/>
+                        <a:buFontTx/>
+                        <a:buNone/>
+                        <a:tabLst/>
+                        <a:defRPr/>
+                      </a:pPr>
+                      <a:r>
+                        <a:rPr lang="en-GB" dirty="0"/>
+                        <a:t>O(b</a:t>
+                      </a:r>
+                      <a:r>
+                        <a:rPr lang="en-GB" baseline="30000" dirty="0"/>
+                        <a:t>l</a:t>
+                      </a:r>
+                      <a:r>
+                        <a:rPr lang="en-GB" dirty="0"/>
+                        <a:t>)</a:t>
+                      </a:r>
+                    </a:p>
+                  </a:txBody>
+                  <a:tcPr/>
+                </a:tc>
+                <a:tc>
+                  <a:txBody>
+                    <a:bodyPr/>
+                    <a:lstStyle/>
+                    <a:p>
+                      <a:pPr marL="0" marR="0" lvl="0" indent="0" algn="ctr" defTabSz="914400" rtl="0" eaLnBrk="1" fontAlgn="auto" latinLnBrk="0" hangingPunct="1">
+                        <a:lnSpc>
+                          <a:spcPct val="100000"/>
+                        </a:lnSpc>
+                        <a:spcBef>
+                          <a:spcPts val="0"/>
+                        </a:spcBef>
+                        <a:spcAft>
+                          <a:spcPts val="0"/>
+                        </a:spcAft>
+                        <a:buClrTx/>
+                        <a:buSzTx/>
+                        <a:buFontTx/>
+                        <a:buNone/>
+                        <a:tabLst/>
+                        <a:defRPr/>
+                      </a:pPr>
+                      <a:r>
+                        <a:rPr lang="en-GB" dirty="0"/>
+                        <a:t>O(bl)</a:t>
+                      </a:r>
+                    </a:p>
+                  </a:txBody>
+                  <a:tcPr/>
+                </a:tc>
+                <a:tc>
+                  <a:txBody>
+                    <a:bodyPr/>
+                    <a:lstStyle/>
+                    <a:p>
+                      <a:pPr algn="ctr"/>
+                      <a:r>
+                        <a:rPr lang="en-GB" dirty="0"/>
+                        <a:t>NO</a:t>
+                      </a:r>
+                    </a:p>
+                  </a:txBody>
+                  <a:tcPr/>
+                </a:tc>
+                <a:extLst>
+                  <a:ext uri="{0D108BD9-81ED-4DB2-BD59-A6C34878D82A}">
+                    <a16:rowId xmlns:a16="http://schemas.microsoft.com/office/drawing/2014/main" val="2564194083"/>
+                  </a:ext>
+                </a:extLst>
+              </a:tr>
+              <a:tr h="370840">
+                <a:tc>
+                  <a:txBody>
+                    <a:bodyPr/>
+                    <a:lstStyle/>
+                    <a:p>
+                      <a:pPr algn="ctr"/>
+                      <a:r>
+                        <a:rPr lang="en-GB" dirty="0"/>
+                        <a:t>IDS</a:t>
+                      </a:r>
+                    </a:p>
+                  </a:txBody>
+                  <a:tcPr/>
+                </a:tc>
+                <a:tc>
+                  <a:txBody>
+                    <a:bodyPr/>
+                    <a:lstStyle/>
+                    <a:p>
+                      <a:pPr marL="0" marR="0" lvl="0" indent="0" algn="ctr" defTabSz="914400" rtl="0" eaLnBrk="1" fontAlgn="auto" latinLnBrk="0" hangingPunct="1">
+                        <a:lnSpc>
+                          <a:spcPct val="100000"/>
+                        </a:lnSpc>
+                        <a:spcBef>
+                          <a:spcPts val="0"/>
+                        </a:spcBef>
+                        <a:spcAft>
+                          <a:spcPts val="0"/>
+                        </a:spcAft>
+                        <a:buClrTx/>
+                        <a:buSzTx/>
+                        <a:buFontTx/>
+                        <a:buNone/>
+                        <a:tabLst/>
+                        <a:defRPr/>
+                      </a:pPr>
+                      <a:r>
+                        <a:rPr lang="en-GB" dirty="0"/>
+                        <a:t>O(b</a:t>
+                      </a:r>
+                      <a:r>
+                        <a:rPr lang="en-GB" baseline="30000" dirty="0"/>
+                        <a:t>d</a:t>
+                      </a:r>
+                      <a:r>
+                        <a:rPr lang="en-GB" dirty="0"/>
+                        <a:t>)</a:t>
+                      </a:r>
+                    </a:p>
+                  </a:txBody>
+                  <a:tcPr/>
+                </a:tc>
+                <a:tc>
+                  <a:txBody>
+                    <a:bodyPr/>
+                    <a:lstStyle/>
+                    <a:p>
+                      <a:pPr marL="0" marR="0" lvl="0" indent="0" algn="ctr" defTabSz="914400" rtl="0" eaLnBrk="1" fontAlgn="auto" latinLnBrk="0" hangingPunct="1">
+                        <a:lnSpc>
+                          <a:spcPct val="100000"/>
+                        </a:lnSpc>
+                        <a:spcBef>
+                          <a:spcPts val="0"/>
+                        </a:spcBef>
+                        <a:spcAft>
+                          <a:spcPts val="0"/>
+                        </a:spcAft>
+                        <a:buClrTx/>
+                        <a:buSzTx/>
+                        <a:buFontTx/>
+                        <a:buNone/>
+                        <a:tabLst/>
+                        <a:defRPr/>
+                      </a:pPr>
+                      <a:r>
+                        <a:rPr lang="en-GB" dirty="0"/>
+                        <a:t>O(bd)</a:t>
+                      </a:r>
+                    </a:p>
+                  </a:txBody>
+                  <a:tcPr/>
+                </a:tc>
+                <a:tc>
+                  <a:txBody>
+                    <a:bodyPr/>
+                    <a:lstStyle/>
+                    <a:p>
+                      <a:pPr algn="ctr"/>
+                      <a:r>
+                        <a:rPr lang="en-GB" dirty="0"/>
+                        <a:t>YES</a:t>
+                      </a:r>
+                    </a:p>
+                  </a:txBody>
+                  <a:tcPr/>
+                </a:tc>
+                <a:extLst>
+                  <a:ext uri="{0D108BD9-81ED-4DB2-BD59-A6C34878D82A}">
+                    <a16:rowId xmlns:a16="http://schemas.microsoft.com/office/drawing/2014/main" val="1425577631"/>
+                  </a:ext>
+                </a:extLst>
+              </a:tr>
+              <a:tr h="370840">
+                <a:tc>
+                  <a:txBody>
+                    <a:bodyPr/>
+                    <a:lstStyle/>
+                    <a:p>
+                      <a:pPr algn="ctr"/>
+                      <a:r>
+                        <a:rPr lang="en-GB" dirty="0"/>
+                        <a:t>Greedy</a:t>
+                      </a:r>
+                    </a:p>
+                  </a:txBody>
+                  <a:tcPr/>
+                </a:tc>
+                <a:tc>
+                  <a:txBody>
+                    <a:bodyPr/>
+                    <a:lstStyle/>
+                    <a:p>
+                      <a:pPr marL="0" marR="0" lvl="0" indent="0" algn="ctr" defTabSz="914400" rtl="0" eaLnBrk="1" fontAlgn="auto" latinLnBrk="0" hangingPunct="1">
+                        <a:lnSpc>
+                          <a:spcPct val="100000"/>
+                        </a:lnSpc>
+                        <a:spcBef>
+                          <a:spcPts val="0"/>
+                        </a:spcBef>
+                        <a:spcAft>
+                          <a:spcPts val="0"/>
+                        </a:spcAft>
+                        <a:buClrTx/>
+                        <a:buSzTx/>
+                        <a:buFontTx/>
+                        <a:buNone/>
+                        <a:tabLst/>
+                        <a:defRPr/>
+                      </a:pPr>
+                      <a:r>
+                        <a:rPr lang="en-GB" dirty="0"/>
+                        <a:t>O(b</a:t>
+                      </a:r>
+                      <a:r>
+                        <a:rPr lang="en-GB" baseline="30000" dirty="0"/>
+                        <a:t>m</a:t>
+                      </a:r>
+                      <a:r>
+                        <a:rPr lang="en-GB" dirty="0"/>
+                        <a:t>)</a:t>
+                      </a:r>
+                    </a:p>
+                  </a:txBody>
+                  <a:tcPr/>
+                </a:tc>
+                <a:tc>
+                  <a:txBody>
+                    <a:bodyPr/>
+                    <a:lstStyle/>
+                    <a:p>
+                      <a:pPr marL="0" marR="0" lvl="0" indent="0" algn="ctr" defTabSz="914400" rtl="0" eaLnBrk="1" fontAlgn="auto" latinLnBrk="0" hangingPunct="1">
+                        <a:lnSpc>
+                          <a:spcPct val="100000"/>
+                        </a:lnSpc>
+                        <a:spcBef>
+                          <a:spcPts val="0"/>
+                        </a:spcBef>
+                        <a:spcAft>
+                          <a:spcPts val="0"/>
+                        </a:spcAft>
+                        <a:buClrTx/>
+                        <a:buSzTx/>
+                        <a:buFontTx/>
+                        <a:buNone/>
+                        <a:tabLst/>
+                        <a:defRPr/>
+                      </a:pPr>
+                      <a:r>
+                        <a:rPr lang="en-GB" dirty="0"/>
+                        <a:t>O(b</a:t>
+                      </a:r>
+                      <a:r>
+                        <a:rPr lang="en-GB" baseline="30000" dirty="0"/>
+                        <a:t>m</a:t>
+                      </a:r>
+                      <a:r>
+                        <a:rPr lang="en-GB" dirty="0"/>
+                        <a:t>)</a:t>
+                      </a:r>
+                    </a:p>
+                  </a:txBody>
+                  <a:tcPr/>
+                </a:tc>
+                <a:tc>
+                  <a:txBody>
+                    <a:bodyPr/>
+                    <a:lstStyle/>
+                    <a:p>
+                      <a:pPr algn="ctr"/>
+                      <a:r>
+                        <a:rPr lang="en-GB" dirty="0"/>
+                        <a:t>NO</a:t>
+                      </a:r>
+                    </a:p>
+                  </a:txBody>
+                  <a:tcPr/>
+                </a:tc>
+                <a:extLst>
+                  <a:ext uri="{0D108BD9-81ED-4DB2-BD59-A6C34878D82A}">
+                    <a16:rowId xmlns:a16="http://schemas.microsoft.com/office/drawing/2014/main" val="2397372185"/>
+                  </a:ext>
+                </a:extLst>
+              </a:tr>
+              <a:tr h="370840">
+                <a:tc>
+                  <a:txBody>
+                    <a:bodyPr/>
+                    <a:lstStyle/>
+                    <a:p>
+                      <a:pPr algn="ctr"/>
+                      <a:r>
+                        <a:rPr lang="en-GB" dirty="0"/>
+                        <a:t>A*</a:t>
+                      </a:r>
+                    </a:p>
+                  </a:txBody>
+                  <a:tcPr/>
+                </a:tc>
+                <a:tc>
+                  <a:txBody>
+                    <a:bodyPr/>
+                    <a:lstStyle/>
+                    <a:p>
+                      <a:pPr marL="0" marR="0" lvl="0" indent="0" algn="ctr" defTabSz="914400" rtl="0" eaLnBrk="1" fontAlgn="auto" latinLnBrk="0" hangingPunct="1">
+                        <a:lnSpc>
+                          <a:spcPct val="100000"/>
+                        </a:lnSpc>
+                        <a:spcBef>
+                          <a:spcPts val="0"/>
+                        </a:spcBef>
+                        <a:spcAft>
+                          <a:spcPts val="0"/>
+                        </a:spcAft>
+                        <a:buClrTx/>
+                        <a:buSzTx/>
+                        <a:buFontTx/>
+                        <a:buNone/>
+                        <a:tabLst/>
+                        <a:defRPr/>
+                      </a:pPr>
+                      <a:r>
+                        <a:rPr lang="en-GB" dirty="0"/>
+                        <a:t>O(b</a:t>
+                      </a:r>
+                      <a:r>
+                        <a:rPr lang="en-GB" baseline="30000" dirty="0"/>
+                        <a:t>m</a:t>
+                      </a:r>
+                      <a:r>
+                        <a:rPr lang="en-GB" dirty="0"/>
+                        <a:t>)</a:t>
+                      </a:r>
+                    </a:p>
+                  </a:txBody>
+                  <a:tcPr/>
+                </a:tc>
+                <a:tc>
+                  <a:txBody>
+                    <a:bodyPr/>
+                    <a:lstStyle/>
+                    <a:p>
+                      <a:pPr marL="0" marR="0" lvl="0" indent="0" algn="ctr" defTabSz="914400" rtl="0" eaLnBrk="1" fontAlgn="auto" latinLnBrk="0" hangingPunct="1">
+                        <a:lnSpc>
+                          <a:spcPct val="100000"/>
+                        </a:lnSpc>
+                        <a:spcBef>
+                          <a:spcPts val="0"/>
+                        </a:spcBef>
+                        <a:spcAft>
+                          <a:spcPts val="0"/>
+                        </a:spcAft>
+                        <a:buClrTx/>
+                        <a:buSzTx/>
+                        <a:buFontTx/>
+                        <a:buNone/>
+                        <a:tabLst/>
+                        <a:defRPr/>
+                      </a:pPr>
+                      <a:r>
+                        <a:rPr lang="en-GB" dirty="0"/>
+                        <a:t>O(b</a:t>
+                      </a:r>
+                      <a:r>
+                        <a:rPr lang="en-GB" baseline="30000" dirty="0"/>
+                        <a:t>m</a:t>
+                      </a:r>
+                      <a:r>
+                        <a:rPr lang="en-GB" dirty="0"/>
+                        <a:t>)</a:t>
+                      </a:r>
+                    </a:p>
+                  </a:txBody>
+                  <a:tcPr/>
+                </a:tc>
+                <a:tc>
+                  <a:txBody>
+                    <a:bodyPr/>
+                    <a:lstStyle/>
+                    <a:p>
+                      <a:pPr algn="ctr"/>
+                      <a:r>
+                        <a:rPr lang="en-GB" dirty="0"/>
+                        <a:t>YES</a:t>
+                      </a:r>
+                    </a:p>
+                  </a:txBody>
+                  <a:tcPr/>
+                </a:tc>
+                <a:extLst>
+                  <a:ext uri="{0D108BD9-81ED-4DB2-BD59-A6C34878D82A}">
+                    <a16:rowId xmlns:a16="http://schemas.microsoft.com/office/drawing/2014/main" val="4241892017"/>
+                  </a:ext>
+                </a:extLst>
+              </a:tr>
+            </a:tbl>
+          </a:graphicData>
+        </a:graphic>
+      </p:graphicFrame>
+    </p:spTree>
+    <p:extLst>
+      <p:ext uri="{BB962C8B-B14F-4D97-AF65-F5344CB8AC3E}">
+        <p14:creationId xmlns:p14="http://schemas.microsoft.com/office/powerpoint/2010/main" val="3666769031"/>
+      </p:ext>
+    </p:extLst>
+  </p:cSld>
+  <p:clrMapOvr>
+    <a:masterClrMapping/>
+  </p:clrMapOvr>
+</p:sld>
+</file>
+
+<file path=ppt/slides/slide9.xml><?xml version="1.0" encoding="utf-8"?>
+<p:sld xmlns:a="http://schemas.openxmlformats.org/drawingml/2006/main" xmlns:r="http://schemas.openxmlformats.org/officeDocument/2006/relationships" xmlns:p="http://schemas.openxmlformats.org/presentationml/2006/main">
+  <p:cSld>
+    <p:spTree>
+      <p:nvGrpSpPr>
+        <p:cNvPr id="1" name=""/>
+        <p:cNvGrpSpPr/>
+        <p:nvPr/>
+      </p:nvGrpSpPr>
+      <p:grpSpPr>
+        <a:xfrm>
+          <a:off x="0" y="0"/>
+          <a:ext cx="0" cy="0"/>
+          <a:chOff x="0" y="0"/>
+          <a:chExt cx="0" cy="0"/>
+        </a:xfrm>
+      </p:grpSpPr>
+      <p:sp>
+        <p:nvSpPr>
+          <p:cNvPr id="3" name="Marcador de Posição de Conteúdo 2">
+            <a:extLst>
+              <a:ext uri="{FF2B5EF4-FFF2-40B4-BE49-F238E27FC236}">
+                <a16:creationId xmlns:a16="http://schemas.microsoft.com/office/drawing/2014/main" id="{5BECBDE7-3448-4F52-A782-7E51700C2552}"/>
+              </a:ext>
+            </a:extLst>
+          </p:cNvPr>
+          <p:cNvSpPr>
+            <a:spLocks noGrp="1"/>
+          </p:cNvSpPr>
+          <p:nvPr>
+            <p:ph idx="1"/>
+          </p:nvPr>
+        </p:nvSpPr>
+        <p:spPr>
+          <a:xfrm>
+            <a:off x="559716" y="1465514"/>
+            <a:ext cx="11072568" cy="4351338"/>
+          </a:xfrm>
+        </p:spPr>
+        <p:txBody>
+          <a:bodyPr>
+            <a:normAutofit/>
+          </a:bodyPr>
+          <a:lstStyle/>
+          <a:p>
+            <a:pPr marL="0" indent="0">
+              <a:buNone/>
+            </a:pPr>
+            <a:r>
+              <a:rPr lang="pt-PT" sz="2200" dirty="0">
+                <a:ea typeface="Roboto" pitchFamily="2" charset="0"/>
+              </a:rPr>
+              <a:t>To </a:t>
+            </a:r>
+            <a:r>
+              <a:rPr lang="pt-PT" sz="2200" dirty="0" err="1">
+                <a:ea typeface="Roboto" pitchFamily="2" charset="0"/>
+              </a:rPr>
+              <a:t>analyze</a:t>
+            </a:r>
+            <a:r>
+              <a:rPr lang="pt-PT" sz="2200" dirty="0">
+                <a:ea typeface="Roboto" pitchFamily="2" charset="0"/>
+              </a:rPr>
+              <a:t> </a:t>
+            </a:r>
+            <a:r>
+              <a:rPr lang="pt-PT" sz="2200" dirty="0" err="1">
+                <a:ea typeface="Roboto" pitchFamily="2" charset="0"/>
+              </a:rPr>
+              <a:t>and</a:t>
+            </a:r>
+            <a:r>
+              <a:rPr lang="pt-PT" sz="2200" dirty="0">
+                <a:ea typeface="Roboto" pitchFamily="2" charset="0"/>
+              </a:rPr>
+              <a:t> compare </a:t>
+            </a:r>
+            <a:r>
+              <a:rPr lang="pt-PT" sz="2200" dirty="0" err="1">
+                <a:ea typeface="Roboto" pitchFamily="2" charset="0"/>
+              </a:rPr>
+              <a:t>the</a:t>
+            </a:r>
+            <a:r>
+              <a:rPr lang="pt-PT" sz="2200" dirty="0">
+                <a:ea typeface="Roboto" pitchFamily="2" charset="0"/>
+              </a:rPr>
+              <a:t> diferente </a:t>
+            </a:r>
+            <a:r>
+              <a:rPr lang="pt-PT" sz="2200" dirty="0" err="1">
+                <a:ea typeface="Roboto" pitchFamily="2" charset="0"/>
+              </a:rPr>
+              <a:t>algorithms</a:t>
+            </a:r>
+            <a:r>
+              <a:rPr lang="pt-PT" sz="2200" dirty="0">
+                <a:ea typeface="Roboto" pitchFamily="2" charset="0"/>
+              </a:rPr>
+              <a:t>, </a:t>
+            </a:r>
+            <a:r>
+              <a:rPr lang="pt-PT" sz="2200" dirty="0" err="1">
+                <a:ea typeface="Roboto" pitchFamily="2" charset="0"/>
+              </a:rPr>
+              <a:t>we</a:t>
+            </a:r>
+            <a:r>
+              <a:rPr lang="pt-PT" sz="2200" dirty="0">
+                <a:ea typeface="Roboto" pitchFamily="2" charset="0"/>
+              </a:rPr>
+              <a:t> </a:t>
+            </a:r>
+            <a:r>
+              <a:rPr lang="pt-PT" sz="2200" dirty="0" err="1">
+                <a:ea typeface="Roboto" pitchFamily="2" charset="0"/>
+              </a:rPr>
+              <a:t>used</a:t>
+            </a:r>
+            <a:r>
+              <a:rPr lang="pt-PT" sz="2200" dirty="0">
+                <a:ea typeface="Roboto" pitchFamily="2" charset="0"/>
+              </a:rPr>
+              <a:t> 25 </a:t>
+            </a:r>
+            <a:r>
+              <a:rPr lang="pt-PT" sz="2200" dirty="0" err="1">
+                <a:ea typeface="Roboto" pitchFamily="2" charset="0"/>
+              </a:rPr>
+              <a:t>pre-existing</a:t>
+            </a:r>
+            <a:r>
+              <a:rPr lang="pt-PT" sz="2200" dirty="0">
+                <a:ea typeface="Roboto" pitchFamily="2" charset="0"/>
+              </a:rPr>
+              <a:t> </a:t>
+            </a:r>
+            <a:r>
+              <a:rPr lang="pt-PT" sz="2200" dirty="0" err="1">
+                <a:ea typeface="Roboto" pitchFamily="2" charset="0"/>
+              </a:rPr>
+              <a:t>levels</a:t>
+            </a:r>
+            <a:r>
+              <a:rPr lang="pt-PT" sz="2200" dirty="0">
+                <a:ea typeface="Roboto" pitchFamily="2" charset="0"/>
+              </a:rPr>
+              <a:t>. </a:t>
+            </a:r>
+            <a:r>
+              <a:rPr lang="pt-PT" sz="2200" dirty="0" err="1">
+                <a:ea typeface="Roboto" pitchFamily="2" charset="0"/>
+              </a:rPr>
+              <a:t>Below</a:t>
+            </a:r>
+            <a:r>
+              <a:rPr lang="pt-PT" sz="2200" dirty="0">
+                <a:ea typeface="Roboto" pitchFamily="2" charset="0"/>
+              </a:rPr>
+              <a:t> are </a:t>
+            </a:r>
+            <a:r>
+              <a:rPr lang="pt-PT" sz="2200" dirty="0" err="1">
+                <a:ea typeface="Roboto" pitchFamily="2" charset="0"/>
+              </a:rPr>
+              <a:t>the</a:t>
+            </a:r>
+            <a:r>
+              <a:rPr lang="pt-PT" sz="2200" dirty="0">
+                <a:ea typeface="Roboto" pitchFamily="2" charset="0"/>
+              </a:rPr>
+              <a:t> </a:t>
+            </a:r>
+            <a:r>
+              <a:rPr lang="pt-PT" sz="2200" dirty="0" err="1">
+                <a:ea typeface="Roboto" pitchFamily="2" charset="0"/>
+              </a:rPr>
+              <a:t>results</a:t>
+            </a:r>
+            <a:r>
+              <a:rPr lang="pt-PT" sz="2200" dirty="0">
+                <a:ea typeface="Roboto" pitchFamily="2" charset="0"/>
+              </a:rPr>
+              <a:t> </a:t>
+            </a:r>
+            <a:r>
+              <a:rPr lang="pt-PT" sz="2200" dirty="0" err="1">
+                <a:ea typeface="Roboto" pitchFamily="2" charset="0"/>
+              </a:rPr>
+              <a:t>of</a:t>
+            </a:r>
+            <a:r>
+              <a:rPr lang="pt-PT" sz="2200" dirty="0">
+                <a:ea typeface="Roboto" pitchFamily="2" charset="0"/>
+              </a:rPr>
+              <a:t> </a:t>
+            </a:r>
+            <a:r>
+              <a:rPr lang="pt-PT" sz="2200" dirty="0" err="1">
+                <a:ea typeface="Roboto" pitchFamily="2" charset="0"/>
+              </a:rPr>
+              <a:t>such</a:t>
+            </a:r>
+            <a:r>
+              <a:rPr lang="pt-PT" sz="2200" dirty="0">
+                <a:ea typeface="Roboto" pitchFamily="2" charset="0"/>
+              </a:rPr>
+              <a:t> </a:t>
+            </a:r>
+            <a:r>
+              <a:rPr lang="pt-PT" sz="2200" dirty="0" err="1">
+                <a:ea typeface="Roboto" pitchFamily="2" charset="0"/>
+              </a:rPr>
+              <a:t>tests</a:t>
+            </a:r>
+            <a:r>
+              <a:rPr lang="pt-PT" sz="2200" dirty="0">
+                <a:ea typeface="Roboto" pitchFamily="2" charset="0"/>
+              </a:rPr>
+              <a:t>.</a:t>
+            </a:r>
+          </a:p>
+        </p:txBody>
+      </p:sp>
+      <p:sp>
+        <p:nvSpPr>
+          <p:cNvPr id="2" name="Título 1">
+            <a:extLst>
+              <a:ext uri="{FF2B5EF4-FFF2-40B4-BE49-F238E27FC236}">
+                <a16:creationId xmlns:a16="http://schemas.microsoft.com/office/drawing/2014/main" id="{BD058F4D-1277-407E-9AAB-CAA070E58C25}"/>
+              </a:ext>
+            </a:extLst>
+          </p:cNvPr>
+          <p:cNvSpPr>
+            <a:spLocks noGrp="1"/>
+          </p:cNvSpPr>
+          <p:nvPr>
+            <p:ph type="title"/>
+          </p:nvPr>
+        </p:nvSpPr>
+        <p:spPr>
+          <a:xfrm>
+            <a:off x="559716" y="304800"/>
+            <a:ext cx="10515600" cy="1325563"/>
+          </a:xfrm>
+        </p:spPr>
+        <p:txBody>
+          <a:bodyPr/>
+          <a:lstStyle/>
+          <a:p>
+            <a:r>
+              <a:rPr lang="en-GB" b="1" dirty="0">
+                <a:ea typeface="Roboto" pitchFamily="2" charset="0"/>
+              </a:rPr>
+              <a:t>Experimental Results</a:t>
+            </a:r>
+          </a:p>
+        </p:txBody>
+      </p:sp>
+      <p:sp>
+        <p:nvSpPr>
+          <p:cNvPr id="4" name="Retângulo 3">
+            <a:extLst>
+              <a:ext uri="{FF2B5EF4-FFF2-40B4-BE49-F238E27FC236}">
+                <a16:creationId xmlns:a16="http://schemas.microsoft.com/office/drawing/2014/main" id="{75F5FA41-82AC-4C18-B967-B9C6655A90BC}"/>
+              </a:ext>
+            </a:extLst>
+          </p:cNvPr>
+          <p:cNvSpPr/>
+          <p:nvPr/>
+        </p:nvSpPr>
+        <p:spPr>
+          <a:xfrm>
+            <a:off x="0" y="-35351"/>
+            <a:ext cx="216816" cy="6928701"/>
+          </a:xfrm>
+          <a:prstGeom prst="rect">
+            <a:avLst/>
+          </a:prstGeom>
+        </p:spPr>
+        <p:style>
+          <a:lnRef idx="2">
+            <a:schemeClr val="accent1">
+              <a:shade val="50000"/>
+            </a:schemeClr>
+          </a:lnRef>
+          <a:fillRef idx="1">
+            <a:schemeClr val="accent1"/>
+          </a:fillRef>
+          <a:effectRef idx="0">
+            <a:schemeClr val="accent1"/>
+          </a:effectRef>
+          <a:fontRef idx="minor">
+            <a:schemeClr val="lt1"/>
+          </a:fontRef>
+        </p:style>
+        <p:txBody>
+          <a:bodyPr rtlCol="0" anchor="ctr"/>
+          <a:lstStyle/>
+          <a:p>
+            <a:pPr algn="ctr"/>
+            <a:endParaRPr lang="en-GB"/>
+          </a:p>
+        </p:txBody>
+      </p:sp>
+      <p:pic>
+        <p:nvPicPr>
+          <p:cNvPr id="6" name="Imagem 5">
+            <a:extLst>
+              <a:ext uri="{FF2B5EF4-FFF2-40B4-BE49-F238E27FC236}">
+                <a16:creationId xmlns:a16="http://schemas.microsoft.com/office/drawing/2014/main" id="{151FA63C-8E24-4590-8F30-CAEC5D675DF5}"/>
+              </a:ext>
+            </a:extLst>
+          </p:cNvPr>
+          <p:cNvPicPr>
+            <a:picLocks noChangeAspect="1"/>
+          </p:cNvPicPr>
+          <p:nvPr/>
+        </p:nvPicPr>
+        <p:blipFill>
+          <a:blip r:embed="rId2">
+            <a:extLst>
+              <a:ext uri="{28A0092B-C50C-407E-A947-70E740481C1C}">
+                <a14:useLocalDpi xmlns:a14="http://schemas.microsoft.com/office/drawing/2010/main" val="0"/>
+              </a:ext>
+            </a:extLst>
+          </a:blip>
+          <a:stretch>
+            <a:fillRect/>
+          </a:stretch>
+        </p:blipFill>
+        <p:spPr>
+          <a:xfrm>
+            <a:off x="9856198" y="5937007"/>
+            <a:ext cx="1776086" cy="616193"/>
+          </a:xfrm>
+          <a:prstGeom prst="rect">
+            <a:avLst/>
+          </a:prstGeom>
+        </p:spPr>
+      </p:pic>
+      <p:graphicFrame>
+        <p:nvGraphicFramePr>
+          <p:cNvPr id="5" name="Tabela 6">
+            <a:extLst>
+              <a:ext uri="{FF2B5EF4-FFF2-40B4-BE49-F238E27FC236}">
+                <a16:creationId xmlns:a16="http://schemas.microsoft.com/office/drawing/2014/main" id="{570B6911-2844-4238-93A3-8CE8A601296F}"/>
+              </a:ext>
+            </a:extLst>
+          </p:cNvPr>
+          <p:cNvGraphicFramePr>
+            <a:graphicFrameLocks noGrp="1"/>
+          </p:cNvGraphicFramePr>
+          <p:nvPr>
+            <p:extLst>
+              <p:ext uri="{D42A27DB-BD31-4B8C-83A1-F6EECF244321}">
+                <p14:modId xmlns:p14="http://schemas.microsoft.com/office/powerpoint/2010/main" val="3261489796"/>
+              </p:ext>
+            </p:extLst>
+          </p:nvPr>
+        </p:nvGraphicFramePr>
+        <p:xfrm>
+          <a:off x="793924" y="2219330"/>
+          <a:ext cx="10604152" cy="3657600"/>
+        </p:xfrm>
+        <a:graphic>
+          <a:graphicData uri="http://schemas.openxmlformats.org/drawingml/2006/table">
+            <a:tbl>
+              <a:tblPr firstRow="1" bandRow="1">
+                <a:tableStyleId>{5C22544A-7EE6-4342-B048-85BDC9FD1C3A}</a:tableStyleId>
+              </a:tblPr>
+              <a:tblGrid>
+                <a:gridCol w="2651038">
+                  <a:extLst>
+                    <a:ext uri="{9D8B030D-6E8A-4147-A177-3AD203B41FA5}">
+                      <a16:colId xmlns:a16="http://schemas.microsoft.com/office/drawing/2014/main" val="3250793089"/>
+                    </a:ext>
+                  </a:extLst>
+                </a:gridCol>
+                <a:gridCol w="2651038">
+                  <a:extLst>
+                    <a:ext uri="{9D8B030D-6E8A-4147-A177-3AD203B41FA5}">
+                      <a16:colId xmlns:a16="http://schemas.microsoft.com/office/drawing/2014/main" val="393952940"/>
+                    </a:ext>
+                  </a:extLst>
+                </a:gridCol>
+                <a:gridCol w="2651038">
+                  <a:extLst>
+                    <a:ext uri="{9D8B030D-6E8A-4147-A177-3AD203B41FA5}">
+                      <a16:colId xmlns:a16="http://schemas.microsoft.com/office/drawing/2014/main" val="3369552290"/>
+                    </a:ext>
+                  </a:extLst>
+                </a:gridCol>
+                <a:gridCol w="2651038">
+                  <a:extLst>
+                    <a:ext uri="{9D8B030D-6E8A-4147-A177-3AD203B41FA5}">
+                      <a16:colId xmlns:a16="http://schemas.microsoft.com/office/drawing/2014/main" val="4097516430"/>
+                    </a:ext>
+                  </a:extLst>
+                </a:gridCol>
+              </a:tblGrid>
+              <a:tr h="285363">
+                <a:tc>
+                  <a:txBody>
+                    <a:bodyPr/>
+                    <a:lstStyle/>
+                    <a:p>
+                      <a:r>
+                        <a:rPr lang="en-GB" dirty="0"/>
+                        <a:t>Name</a:t>
+                      </a:r>
+                    </a:p>
+                  </a:txBody>
+                  <a:tcPr/>
+                </a:tc>
+                <a:tc>
+                  <a:txBody>
+                    <a:bodyPr/>
+                    <a:lstStyle/>
+                    <a:p>
+                      <a:r>
+                        <a:rPr lang="en-GB" dirty="0"/>
+                        <a:t>Completed Levels</a:t>
+                      </a:r>
+                    </a:p>
+                  </a:txBody>
+                  <a:tcPr/>
+                </a:tc>
+                <a:tc>
+                  <a:txBody>
+                    <a:bodyPr/>
+                    <a:lstStyle/>
+                    <a:p>
+                      <a:r>
+                        <a:rPr lang="en-GB" dirty="0"/>
+                        <a:t>Expanded Nodes - </a:t>
+                      </a:r>
+                      <a:r>
+                        <a:rPr lang="en-GB" dirty="0" err="1"/>
+                        <a:t>Avg</a:t>
+                      </a:r>
+                      <a:endParaRPr lang="en-GB" dirty="0"/>
+                    </a:p>
+                  </a:txBody>
+                  <a:tcPr/>
+                </a:tc>
+                <a:tc>
+                  <a:txBody>
+                    <a:bodyPr/>
+                    <a:lstStyle/>
+                    <a:p>
+                      <a:r>
+                        <a:rPr lang="en-GB" dirty="0"/>
+                        <a:t>Time Execution (s) - </a:t>
+                      </a:r>
+                      <a:r>
+                        <a:rPr lang="en-GB" dirty="0" err="1"/>
+                        <a:t>Avg</a:t>
+                      </a:r>
+                      <a:endParaRPr lang="en-GB" dirty="0"/>
+                    </a:p>
+                  </a:txBody>
+                  <a:tcPr/>
+                </a:tc>
+                <a:extLst>
+                  <a:ext uri="{0D108BD9-81ED-4DB2-BD59-A6C34878D82A}">
+                    <a16:rowId xmlns:a16="http://schemas.microsoft.com/office/drawing/2014/main" val="676921940"/>
+                  </a:ext>
+                </a:extLst>
+              </a:tr>
+              <a:tr h="285363">
+                <a:tc>
+                  <a:txBody>
+                    <a:bodyPr/>
+                    <a:lstStyle/>
+                    <a:p>
+                      <a:r>
+                        <a:rPr lang="en-GB" dirty="0"/>
+                        <a:t>BFS</a:t>
+                      </a:r>
+                    </a:p>
+                  </a:txBody>
+                  <a:tcPr/>
+                </a:tc>
+                <a:tc>
+                  <a:txBody>
+                    <a:bodyPr/>
+                    <a:lstStyle/>
+                    <a:p>
+                      <a:r>
+                        <a:rPr lang="en-GB" dirty="0"/>
+                        <a:t>6</a:t>
+                      </a:r>
+                    </a:p>
+                  </a:txBody>
+                  <a:tcPr/>
+                </a:tc>
+                <a:tc>
+                  <a:txBody>
+                    <a:bodyPr/>
+                    <a:lstStyle/>
+                    <a:p>
+                      <a:pPr marL="0" marR="0" lvl="0" indent="0" algn="l" defTabSz="914400" rtl="0" eaLnBrk="1" fontAlgn="auto" latinLnBrk="0" hangingPunct="1">
+                        <a:lnSpc>
+                          <a:spcPct val="100000"/>
+                        </a:lnSpc>
+                        <a:spcBef>
+                          <a:spcPts val="0"/>
+                        </a:spcBef>
+                        <a:spcAft>
+                          <a:spcPts val="0"/>
+                        </a:spcAft>
+                        <a:buClrTx/>
+                        <a:buSzTx/>
+                        <a:buFontTx/>
+                        <a:buNone/>
+                        <a:tabLst/>
+                        <a:defRPr/>
+                      </a:pPr>
+                      <a:r>
+                        <a:rPr lang="en-GB" dirty="0"/>
+                        <a:t>246</a:t>
+                      </a:r>
+                    </a:p>
+                  </a:txBody>
+                  <a:tcPr/>
+                </a:tc>
+                <a:tc>
+                  <a:txBody>
+                    <a:bodyPr/>
+                    <a:lstStyle/>
+                    <a:p>
+                      <a:r>
+                        <a:rPr lang="en-GB" dirty="0"/>
+                        <a:t>0.14152</a:t>
+                      </a:r>
+                    </a:p>
+                  </a:txBody>
+                  <a:tcPr/>
+                </a:tc>
+                <a:extLst>
+                  <a:ext uri="{0D108BD9-81ED-4DB2-BD59-A6C34878D82A}">
+                    <a16:rowId xmlns:a16="http://schemas.microsoft.com/office/drawing/2014/main" val="2853864507"/>
+                  </a:ext>
+                </a:extLst>
+              </a:tr>
+              <a:tr h="285363">
+                <a:tc>
+                  <a:txBody>
+                    <a:bodyPr/>
+                    <a:lstStyle/>
+                    <a:p>
+                      <a:r>
+                        <a:rPr lang="en-GB" dirty="0"/>
+                        <a:t>DFS-Limited</a:t>
+                      </a:r>
+                    </a:p>
+                  </a:txBody>
+                  <a:tcPr/>
+                </a:tc>
+                <a:tc>
+                  <a:txBody>
+                    <a:bodyPr/>
+                    <a:lstStyle/>
+                    <a:p>
+                      <a:pPr marL="0" marR="0" lvl="0" indent="0" algn="l" defTabSz="914400" rtl="0" eaLnBrk="1" fontAlgn="auto" latinLnBrk="0" hangingPunct="1">
+                        <a:lnSpc>
+                          <a:spcPct val="100000"/>
+                        </a:lnSpc>
+                        <a:spcBef>
+                          <a:spcPts val="0"/>
+                        </a:spcBef>
+                        <a:spcAft>
+                          <a:spcPts val="0"/>
+                        </a:spcAft>
+                        <a:buClrTx/>
+                        <a:buSzTx/>
+                        <a:buFontTx/>
+                        <a:buNone/>
+                        <a:tabLst/>
+                        <a:defRPr/>
+                      </a:pPr>
+                      <a:r>
+                        <a:rPr lang="en-GB" dirty="0"/>
+                        <a:t>25</a:t>
+                      </a:r>
+                    </a:p>
+                  </a:txBody>
+                  <a:tcPr/>
+                </a:tc>
+                <a:tc>
+                  <a:txBody>
+                    <a:bodyPr/>
+                    <a:lstStyle/>
+                    <a:p>
+                      <a:pPr marL="0" marR="0" lvl="0" indent="0" algn="l" defTabSz="914400" rtl="0" eaLnBrk="1" fontAlgn="auto" latinLnBrk="0" hangingPunct="1">
+                        <a:lnSpc>
+                          <a:spcPct val="100000"/>
+                        </a:lnSpc>
+                        <a:spcBef>
+                          <a:spcPts val="0"/>
+                        </a:spcBef>
+                        <a:spcAft>
+                          <a:spcPts val="0"/>
+                        </a:spcAft>
+                        <a:buClrTx/>
+                        <a:buSzTx/>
+                        <a:buFontTx/>
+                        <a:buNone/>
+                        <a:tabLst/>
+                        <a:defRPr/>
+                      </a:pPr>
+                      <a:r>
+                        <a:rPr lang="en-GB" dirty="0"/>
+                        <a:t>54</a:t>
+                      </a:r>
+                    </a:p>
+                  </a:txBody>
+                  <a:tcPr/>
+                </a:tc>
+                <a:tc>
+                  <a:txBody>
+                    <a:bodyPr/>
+                    <a:lstStyle/>
+                    <a:p>
+                      <a:r>
+                        <a:rPr lang="en-GB" dirty="0"/>
+                        <a:t>0.02335</a:t>
+                      </a:r>
+                    </a:p>
+                  </a:txBody>
+                  <a:tcPr/>
+                </a:tc>
+                <a:extLst>
+                  <a:ext uri="{0D108BD9-81ED-4DB2-BD59-A6C34878D82A}">
+                    <a16:rowId xmlns:a16="http://schemas.microsoft.com/office/drawing/2014/main" val="2564194083"/>
+                  </a:ext>
+                </a:extLst>
+              </a:tr>
+              <a:tr h="285363">
+                <a:tc>
+                  <a:txBody>
+                    <a:bodyPr/>
+                    <a:lstStyle/>
+                    <a:p>
+                      <a:r>
+                        <a:rPr lang="en-GB" dirty="0"/>
+                        <a:t>IDS</a:t>
+                      </a:r>
+                    </a:p>
+                  </a:txBody>
+                  <a:tcPr/>
+                </a:tc>
+                <a:tc>
+                  <a:txBody>
+                    <a:bodyPr/>
+                    <a:lstStyle/>
+                    <a:p>
+                      <a:pPr marL="0" marR="0" lvl="0" indent="0" algn="l" defTabSz="914400" rtl="0" eaLnBrk="1" fontAlgn="auto" latinLnBrk="0" hangingPunct="1">
+                        <a:lnSpc>
+                          <a:spcPct val="100000"/>
+                        </a:lnSpc>
+                        <a:spcBef>
+                          <a:spcPts val="0"/>
+                        </a:spcBef>
+                        <a:spcAft>
+                          <a:spcPts val="0"/>
+                        </a:spcAft>
+                        <a:buClrTx/>
+                        <a:buSzTx/>
+                        <a:buFontTx/>
+                        <a:buNone/>
+                        <a:tabLst/>
+                        <a:defRPr/>
+                      </a:pPr>
+                      <a:r>
+                        <a:rPr lang="en-GB" dirty="0"/>
+                        <a:t>4</a:t>
+                      </a:r>
+                    </a:p>
+                  </a:txBody>
+                  <a:tcPr/>
+                </a:tc>
+                <a:tc>
+                  <a:txBody>
+                    <a:bodyPr/>
+                    <a:lstStyle/>
+                    <a:p>
+                      <a:pPr marL="0" marR="0" lvl="0" indent="0" algn="l" defTabSz="914400" rtl="0" eaLnBrk="1" fontAlgn="auto" latinLnBrk="0" hangingPunct="1">
+                        <a:lnSpc>
+                          <a:spcPct val="100000"/>
+                        </a:lnSpc>
+                        <a:spcBef>
+                          <a:spcPts val="0"/>
+                        </a:spcBef>
+                        <a:spcAft>
+                          <a:spcPts val="0"/>
+                        </a:spcAft>
+                        <a:buClrTx/>
+                        <a:buSzTx/>
+                        <a:buFontTx/>
+                        <a:buNone/>
+                        <a:tabLst/>
+                        <a:defRPr/>
+                      </a:pPr>
+                      <a:r>
+                        <a:rPr lang="en-GB" dirty="0"/>
+                        <a:t>1162</a:t>
+                      </a:r>
+                    </a:p>
+                  </a:txBody>
+                  <a:tcPr/>
+                </a:tc>
+                <a:tc>
+                  <a:txBody>
+                    <a:bodyPr/>
+                    <a:lstStyle/>
+                    <a:p>
+                      <a:r>
+                        <a:rPr lang="en-GB" dirty="0"/>
+                        <a:t>2.77309</a:t>
+                      </a:r>
+                    </a:p>
+                  </a:txBody>
+                  <a:tcPr/>
+                </a:tc>
+                <a:extLst>
+                  <a:ext uri="{0D108BD9-81ED-4DB2-BD59-A6C34878D82A}">
+                    <a16:rowId xmlns:a16="http://schemas.microsoft.com/office/drawing/2014/main" val="1425577631"/>
+                  </a:ext>
+                </a:extLst>
+              </a:tr>
+              <a:tr h="285363">
+                <a:tc>
+                  <a:txBody>
+                    <a:bodyPr/>
+                    <a:lstStyle/>
+                    <a:p>
+                      <a:r>
+                        <a:rPr lang="en-GB" dirty="0"/>
+                        <a:t>Greedy (Wrong Colours)</a:t>
+                      </a:r>
+                    </a:p>
+                  </a:txBody>
+                  <a:tcPr/>
+                </a:tc>
+                <a:tc>
+                  <a:txBody>
+                    <a:bodyPr/>
+                    <a:lstStyle/>
+                    <a:p>
+                      <a:pPr marL="0" marR="0" lvl="0" indent="0" algn="l" defTabSz="914400" rtl="0" eaLnBrk="1" fontAlgn="auto" latinLnBrk="0" hangingPunct="1">
+                        <a:lnSpc>
+                          <a:spcPct val="100000"/>
+                        </a:lnSpc>
+                        <a:spcBef>
+                          <a:spcPts val="0"/>
+                        </a:spcBef>
+                        <a:spcAft>
+                          <a:spcPts val="0"/>
+                        </a:spcAft>
+                        <a:buClrTx/>
+                        <a:buSzTx/>
+                        <a:buFontTx/>
+                        <a:buNone/>
+                        <a:tabLst/>
+                        <a:defRPr/>
+                      </a:pPr>
+                      <a:r>
+                        <a:rPr lang="en-GB" dirty="0"/>
+                        <a:t>25</a:t>
+                      </a:r>
+                    </a:p>
+                  </a:txBody>
+                  <a:tcPr/>
+                </a:tc>
+                <a:tc>
+                  <a:txBody>
+                    <a:bodyPr/>
+                    <a:lstStyle/>
+                    <a:p>
+                      <a:pPr marL="0" marR="0" lvl="0" indent="0" algn="l" defTabSz="914400" rtl="0" eaLnBrk="1" fontAlgn="auto" latinLnBrk="0" hangingPunct="1">
+                        <a:lnSpc>
+                          <a:spcPct val="100000"/>
+                        </a:lnSpc>
+                        <a:spcBef>
+                          <a:spcPts val="0"/>
+                        </a:spcBef>
+                        <a:spcAft>
+                          <a:spcPts val="0"/>
+                        </a:spcAft>
+                        <a:buClrTx/>
+                        <a:buSzTx/>
+                        <a:buFontTx/>
+                        <a:buNone/>
+                        <a:tabLst/>
+                        <a:defRPr/>
+                      </a:pPr>
+                      <a:r>
+                        <a:rPr lang="en-GB" dirty="0"/>
+                        <a:t>34</a:t>
+                      </a:r>
+                    </a:p>
+                  </a:txBody>
+                  <a:tcPr/>
+                </a:tc>
+                <a:tc>
+                  <a:txBody>
+                    <a:bodyPr/>
+                    <a:lstStyle/>
+                    <a:p>
+                      <a:r>
+                        <a:rPr lang="en-GB" dirty="0"/>
+                        <a:t>0.01437</a:t>
+                      </a:r>
+                    </a:p>
+                  </a:txBody>
+                  <a:tcPr/>
+                </a:tc>
+                <a:extLst>
+                  <a:ext uri="{0D108BD9-81ED-4DB2-BD59-A6C34878D82A}">
+                    <a16:rowId xmlns:a16="http://schemas.microsoft.com/office/drawing/2014/main" val="2397372185"/>
+                  </a:ext>
+                </a:extLst>
+              </a:tr>
+              <a:tr h="285363">
+                <a:tc>
+                  <a:txBody>
+                    <a:bodyPr/>
+                    <a:lstStyle/>
+                    <a:p>
+                      <a:pPr marL="0" marR="0" lvl="0" indent="0" algn="l" defTabSz="914400" rtl="0" eaLnBrk="1" fontAlgn="auto" latinLnBrk="0" hangingPunct="1">
+                        <a:lnSpc>
+                          <a:spcPct val="100000"/>
+                        </a:lnSpc>
+                        <a:spcBef>
+                          <a:spcPts val="0"/>
+                        </a:spcBef>
+                        <a:spcAft>
+                          <a:spcPts val="0"/>
+                        </a:spcAft>
+                        <a:buClrTx/>
+                        <a:buSzTx/>
+                        <a:buFontTx/>
+                        <a:buNone/>
+                        <a:tabLst/>
+                        <a:defRPr/>
+                      </a:pPr>
+                      <a:r>
+                        <a:rPr lang="en-GB" dirty="0"/>
+                        <a:t>Greedy (Minimum Moves)</a:t>
+                      </a:r>
+                    </a:p>
+                  </a:txBody>
+                  <a:tcPr/>
+                </a:tc>
+                <a:tc>
+                  <a:txBody>
+                    <a:bodyPr/>
+                    <a:lstStyle/>
+                    <a:p>
+                      <a:pPr marL="0" marR="0" lvl="0" indent="0" algn="l" defTabSz="914400" rtl="0" eaLnBrk="1" fontAlgn="auto" latinLnBrk="0" hangingPunct="1">
+                        <a:lnSpc>
+                          <a:spcPct val="100000"/>
+                        </a:lnSpc>
+                        <a:spcBef>
+                          <a:spcPts val="0"/>
+                        </a:spcBef>
+                        <a:spcAft>
+                          <a:spcPts val="0"/>
+                        </a:spcAft>
+                        <a:buClrTx/>
+                        <a:buSzTx/>
+                        <a:buFontTx/>
+                        <a:buNone/>
+                        <a:tabLst/>
+                        <a:defRPr/>
+                      </a:pPr>
+                      <a:r>
+                        <a:rPr lang="en-GB" dirty="0"/>
+                        <a:t>23</a:t>
+                      </a:r>
+                    </a:p>
+                  </a:txBody>
+                  <a:tcPr/>
+                </a:tc>
+                <a:tc>
+                  <a:txBody>
+                    <a:bodyPr/>
+                    <a:lstStyle/>
+                    <a:p>
+                      <a:pPr marL="0" marR="0" lvl="0" indent="0" algn="l" defTabSz="914400" rtl="0" eaLnBrk="1" fontAlgn="auto" latinLnBrk="0" hangingPunct="1">
+                        <a:lnSpc>
+                          <a:spcPct val="100000"/>
+                        </a:lnSpc>
+                        <a:spcBef>
+                          <a:spcPts val="0"/>
+                        </a:spcBef>
+                        <a:spcAft>
+                          <a:spcPts val="0"/>
+                        </a:spcAft>
+                        <a:buClrTx/>
+                        <a:buSzTx/>
+                        <a:buFontTx/>
+                        <a:buNone/>
+                        <a:tabLst/>
+                        <a:defRPr/>
+                      </a:pPr>
+                      <a:r>
+                        <a:rPr lang="en-GB" dirty="0"/>
+                        <a:t>84</a:t>
+                      </a:r>
+                    </a:p>
+                  </a:txBody>
+                  <a:tcPr/>
+                </a:tc>
+                <a:tc>
+                  <a:txBody>
+                    <a:bodyPr/>
+                    <a:lstStyle/>
+                    <a:p>
+                      <a:r>
+                        <a:rPr lang="en-GB" dirty="0"/>
+                        <a:t>0.04154</a:t>
+                      </a:r>
+                    </a:p>
+                  </a:txBody>
+                  <a:tcPr/>
+                </a:tc>
+                <a:extLst>
+                  <a:ext uri="{0D108BD9-81ED-4DB2-BD59-A6C34878D82A}">
+                    <a16:rowId xmlns:a16="http://schemas.microsoft.com/office/drawing/2014/main" val="1681696623"/>
+                  </a:ext>
+                </a:extLst>
+              </a:tr>
+              <a:tr h="285363">
+                <a:tc>
+                  <a:txBody>
+                    <a:bodyPr/>
+                    <a:lstStyle/>
+                    <a:p>
+                      <a:pPr marL="0" marR="0" lvl="0" indent="0" algn="l" defTabSz="914400" rtl="0" eaLnBrk="1" fontAlgn="auto" latinLnBrk="0" hangingPunct="1">
+                        <a:lnSpc>
+                          <a:spcPct val="100000"/>
+                        </a:lnSpc>
+                        <a:spcBef>
+                          <a:spcPts val="0"/>
+                        </a:spcBef>
+                        <a:spcAft>
+                          <a:spcPts val="0"/>
+                        </a:spcAft>
+                        <a:buClrTx/>
+                        <a:buSzTx/>
+                        <a:buFontTx/>
+                        <a:buNone/>
+                        <a:tabLst/>
+                        <a:defRPr/>
+                      </a:pPr>
+                      <a:r>
+                        <a:rPr lang="en-GB" dirty="0"/>
+                        <a:t>Greedy (Consecutive)</a:t>
+                      </a:r>
+                    </a:p>
+                  </a:txBody>
+                  <a:tcPr/>
+                </a:tc>
+                <a:tc>
+                  <a:txBody>
+                    <a:bodyPr/>
+                    <a:lstStyle/>
+                    <a:p>
+                      <a:pPr marL="0" marR="0" lvl="0" indent="0" algn="l" defTabSz="914400" rtl="0" eaLnBrk="1" fontAlgn="auto" latinLnBrk="0" hangingPunct="1">
+                        <a:lnSpc>
+                          <a:spcPct val="100000"/>
+                        </a:lnSpc>
+                        <a:spcBef>
+                          <a:spcPts val="0"/>
+                        </a:spcBef>
+                        <a:spcAft>
+                          <a:spcPts val="0"/>
+                        </a:spcAft>
+                        <a:buClrTx/>
+                        <a:buSzTx/>
+                        <a:buFontTx/>
+                        <a:buNone/>
+                        <a:tabLst/>
+                        <a:defRPr/>
+                      </a:pPr>
+                      <a:endParaRPr lang="en-GB" dirty="0"/>
+                    </a:p>
+                  </a:txBody>
+                  <a:tcPr/>
+                </a:tc>
+                <a:tc>
+                  <a:txBody>
+                    <a:bodyPr/>
+                    <a:lstStyle/>
+                    <a:p>
+                      <a:pPr marL="0" marR="0" lvl="0" indent="0" algn="l" defTabSz="914400" rtl="0" eaLnBrk="1" fontAlgn="auto" latinLnBrk="0" hangingPunct="1">
+                        <a:lnSpc>
+                          <a:spcPct val="100000"/>
+                        </a:lnSpc>
+                        <a:spcBef>
+                          <a:spcPts val="0"/>
+                        </a:spcBef>
+                        <a:spcAft>
+                          <a:spcPts val="0"/>
+                        </a:spcAft>
+                        <a:buClrTx/>
+                        <a:buSzTx/>
+                        <a:buFontTx/>
+                        <a:buNone/>
+                        <a:tabLst/>
+                        <a:defRPr/>
+                      </a:pPr>
+                      <a:endParaRPr lang="en-GB" dirty="0"/>
+                    </a:p>
+                  </a:txBody>
+                  <a:tcPr/>
+                </a:tc>
+                <a:tc>
+                  <a:txBody>
+                    <a:bodyPr/>
+                    <a:lstStyle/>
+                    <a:p>
+                      <a:endParaRPr lang="en-GB" dirty="0"/>
+                    </a:p>
+                  </a:txBody>
+                  <a:tcPr/>
+                </a:tc>
+                <a:extLst>
+                  <a:ext uri="{0D108BD9-81ED-4DB2-BD59-A6C34878D82A}">
+                    <a16:rowId xmlns:a16="http://schemas.microsoft.com/office/drawing/2014/main" val="1169354942"/>
+                  </a:ext>
+                </a:extLst>
+              </a:tr>
+              <a:tr h="285363">
+                <a:tc>
+                  <a:txBody>
+                    <a:bodyPr/>
+                    <a:lstStyle/>
+                    <a:p>
+                      <a:r>
+                        <a:rPr lang="en-GB" dirty="0"/>
+                        <a:t>A* (Wrong Colours)</a:t>
+                      </a:r>
+                    </a:p>
+                  </a:txBody>
+                  <a:tcPr/>
+                </a:tc>
+                <a:tc>
+                  <a:txBody>
+                    <a:bodyPr/>
+                    <a:lstStyle/>
+                    <a:p>
+                      <a:pPr marL="0" marR="0" lvl="0" indent="0" algn="l" defTabSz="914400" rtl="0" eaLnBrk="1" fontAlgn="auto" latinLnBrk="0" hangingPunct="1">
+                        <a:lnSpc>
+                          <a:spcPct val="100000"/>
+                        </a:lnSpc>
+                        <a:spcBef>
+                          <a:spcPts val="0"/>
+                        </a:spcBef>
+                        <a:spcAft>
+                          <a:spcPts val="0"/>
+                        </a:spcAft>
+                        <a:buClrTx/>
+                        <a:buSzTx/>
+                        <a:buFontTx/>
+                        <a:buNone/>
+                        <a:tabLst/>
+                        <a:defRPr/>
+                      </a:pPr>
+                      <a:r>
+                        <a:rPr lang="en-GB" dirty="0"/>
+                        <a:t>25</a:t>
+                      </a:r>
+                    </a:p>
+                  </a:txBody>
+                  <a:tcPr/>
+                </a:tc>
+                <a:tc>
+                  <a:txBody>
+                    <a:bodyPr/>
+                    <a:lstStyle/>
+                    <a:p>
+                      <a:pPr marL="0" marR="0" lvl="0" indent="0" algn="l" defTabSz="914400" rtl="0" eaLnBrk="1" fontAlgn="auto" latinLnBrk="0" hangingPunct="1">
+                        <a:lnSpc>
+                          <a:spcPct val="100000"/>
+                        </a:lnSpc>
+                        <a:spcBef>
+                          <a:spcPts val="0"/>
+                        </a:spcBef>
+                        <a:spcAft>
+                          <a:spcPts val="0"/>
+                        </a:spcAft>
+                        <a:buClrTx/>
+                        <a:buSzTx/>
+                        <a:buFontTx/>
+                        <a:buNone/>
+                        <a:tabLst/>
+                        <a:defRPr/>
+                      </a:pPr>
+                      <a:r>
+                        <a:rPr lang="en-GB" dirty="0"/>
+                        <a:t>852</a:t>
+                      </a:r>
+                    </a:p>
+                  </a:txBody>
+                  <a:tcPr/>
+                </a:tc>
+                <a:tc>
+                  <a:txBody>
+                    <a:bodyPr/>
+                    <a:lstStyle/>
+                    <a:p>
+                      <a:r>
+                        <a:rPr lang="en-GB" dirty="0"/>
+                        <a:t>1.62916</a:t>
+                      </a:r>
+                    </a:p>
+                  </a:txBody>
+                  <a:tcPr/>
+                </a:tc>
+                <a:extLst>
+                  <a:ext uri="{0D108BD9-81ED-4DB2-BD59-A6C34878D82A}">
+                    <a16:rowId xmlns:a16="http://schemas.microsoft.com/office/drawing/2014/main" val="4241892017"/>
+                  </a:ext>
+                </a:extLst>
+              </a:tr>
+              <a:tr h="285363">
+                <a:tc>
+                  <a:txBody>
+                    <a:bodyPr/>
+                    <a:lstStyle/>
+                    <a:p>
+                      <a:pPr marL="0" marR="0" lvl="0" indent="0" algn="l" defTabSz="914400" rtl="0" eaLnBrk="1" fontAlgn="auto" latinLnBrk="0" hangingPunct="1">
+                        <a:lnSpc>
+                          <a:spcPct val="100000"/>
+                        </a:lnSpc>
+                        <a:spcBef>
+                          <a:spcPts val="0"/>
+                        </a:spcBef>
+                        <a:spcAft>
+                          <a:spcPts val="0"/>
+                        </a:spcAft>
+                        <a:buClrTx/>
+                        <a:buSzTx/>
+                        <a:buFontTx/>
+                        <a:buNone/>
+                        <a:tabLst/>
+                        <a:defRPr/>
+                      </a:pPr>
+                      <a:r>
+                        <a:rPr lang="en-GB" dirty="0"/>
+                        <a:t>A* (Minimum Moves)</a:t>
+                      </a:r>
+                    </a:p>
+                  </a:txBody>
+                  <a:tcPr/>
+                </a:tc>
+                <a:tc>
+                  <a:txBody>
+                    <a:bodyPr/>
+                    <a:lstStyle/>
+                    <a:p>
+                      <a:pPr marL="0" marR="0" lvl="0" indent="0" algn="l" defTabSz="914400" rtl="0" eaLnBrk="1" fontAlgn="auto" latinLnBrk="0" hangingPunct="1">
+                        <a:lnSpc>
+                          <a:spcPct val="100000"/>
+                        </a:lnSpc>
+                        <a:spcBef>
+                          <a:spcPts val="0"/>
+                        </a:spcBef>
+                        <a:spcAft>
+                          <a:spcPts val="0"/>
+                        </a:spcAft>
+                        <a:buClrTx/>
+                        <a:buSzTx/>
+                        <a:buFontTx/>
+                        <a:buNone/>
+                        <a:tabLst/>
+                        <a:defRPr/>
+                      </a:pPr>
+                      <a:r>
+                        <a:rPr lang="en-GB" dirty="0"/>
+                        <a:t>25</a:t>
+                      </a:r>
+                    </a:p>
+                  </a:txBody>
+                  <a:tcPr/>
+                </a:tc>
+                <a:tc>
+                  <a:txBody>
+                    <a:bodyPr/>
+                    <a:lstStyle/>
+                    <a:p>
+                      <a:pPr marL="0" marR="0" lvl="0" indent="0" algn="l" defTabSz="914400" rtl="0" eaLnBrk="1" fontAlgn="auto" latinLnBrk="0" hangingPunct="1">
+                        <a:lnSpc>
+                          <a:spcPct val="100000"/>
+                        </a:lnSpc>
+                        <a:spcBef>
+                          <a:spcPts val="0"/>
+                        </a:spcBef>
+                        <a:spcAft>
+                          <a:spcPts val="0"/>
+                        </a:spcAft>
+                        <a:buClrTx/>
+                        <a:buSzTx/>
+                        <a:buFontTx/>
+                        <a:buNone/>
+                        <a:tabLst/>
+                        <a:defRPr/>
+                      </a:pPr>
+                      <a:r>
+                        <a:rPr lang="en-GB" dirty="0"/>
+                        <a:t>1013</a:t>
+                      </a:r>
+                    </a:p>
+                  </a:txBody>
+                  <a:tcPr/>
+                </a:tc>
+                <a:tc>
+                  <a:txBody>
+                    <a:bodyPr/>
+                    <a:lstStyle/>
+                    <a:p>
+                      <a:r>
+                        <a:rPr lang="en-GB" dirty="0"/>
+                        <a:t>2.18084</a:t>
+                      </a:r>
+                    </a:p>
+                  </a:txBody>
+                  <a:tcPr/>
+                </a:tc>
+                <a:extLst>
+                  <a:ext uri="{0D108BD9-81ED-4DB2-BD59-A6C34878D82A}">
+                    <a16:rowId xmlns:a16="http://schemas.microsoft.com/office/drawing/2014/main" val="2760656370"/>
+                  </a:ext>
+                </a:extLst>
+              </a:tr>
+              <a:tr h="285363">
+                <a:tc>
+                  <a:txBody>
+                    <a:bodyPr/>
+                    <a:lstStyle/>
+                    <a:p>
+                      <a:pPr marL="0" marR="0" lvl="0" indent="0" algn="l" defTabSz="914400" rtl="0" eaLnBrk="1" fontAlgn="auto" latinLnBrk="0" hangingPunct="1">
+                        <a:lnSpc>
+                          <a:spcPct val="100000"/>
+                        </a:lnSpc>
+                        <a:spcBef>
+                          <a:spcPts val="0"/>
+                        </a:spcBef>
+                        <a:spcAft>
+                          <a:spcPts val="0"/>
+                        </a:spcAft>
+                        <a:buClrTx/>
+                        <a:buSzTx/>
+                        <a:buFontTx/>
+                        <a:buNone/>
+                        <a:tabLst/>
+                        <a:defRPr/>
+                      </a:pPr>
+                      <a:r>
+                        <a:rPr lang="en-GB" dirty="0"/>
+                        <a:t>A* (Consecutive)</a:t>
+                      </a:r>
+                    </a:p>
+                  </a:txBody>
+                  <a:tcPr/>
+                </a:tc>
+                <a:tc>
+                  <a:txBody>
+                    <a:bodyPr/>
+                    <a:lstStyle/>
+                    <a:p>
+                      <a:pPr marL="0" marR="0" lvl="0" indent="0" algn="l" defTabSz="914400" rtl="0" eaLnBrk="1" fontAlgn="auto" latinLnBrk="0" hangingPunct="1">
+                        <a:lnSpc>
+                          <a:spcPct val="100000"/>
+                        </a:lnSpc>
+                        <a:spcBef>
+                          <a:spcPts val="0"/>
+                        </a:spcBef>
+                        <a:spcAft>
+                          <a:spcPts val="0"/>
+                        </a:spcAft>
+                        <a:buClrTx/>
+                        <a:buSzTx/>
+                        <a:buFontTx/>
+                        <a:buNone/>
+                        <a:tabLst/>
+                        <a:defRPr/>
+                      </a:pPr>
+                      <a:endParaRPr lang="en-GB" dirty="0"/>
+                    </a:p>
+                  </a:txBody>
+                  <a:tcPr/>
+                </a:tc>
+                <a:tc>
+                  <a:txBody>
+                    <a:bodyPr/>
+                    <a:lstStyle/>
+                    <a:p>
+                      <a:pPr marL="0" marR="0" lvl="0" indent="0" algn="l" defTabSz="914400" rtl="0" eaLnBrk="1" fontAlgn="auto" latinLnBrk="0" hangingPunct="1">
+                        <a:lnSpc>
+                          <a:spcPct val="100000"/>
+                        </a:lnSpc>
+                        <a:spcBef>
+                          <a:spcPts val="0"/>
+                        </a:spcBef>
+                        <a:spcAft>
+                          <a:spcPts val="0"/>
+                        </a:spcAft>
+                        <a:buClrTx/>
+                        <a:buSzTx/>
+                        <a:buFontTx/>
+                        <a:buNone/>
+                        <a:tabLst/>
+                        <a:defRPr/>
+                      </a:pPr>
+                      <a:endParaRPr lang="en-GB" dirty="0"/>
+                    </a:p>
+                  </a:txBody>
+                  <a:tcPr/>
+                </a:tc>
+                <a:tc>
+                  <a:txBody>
+                    <a:bodyPr/>
+                    <a:lstStyle/>
+                    <a:p>
+                      <a:endParaRPr lang="en-GB" dirty="0"/>
+                    </a:p>
+                  </a:txBody>
+                  <a:tcPr/>
+                </a:tc>
+                <a:extLst>
+                  <a:ext uri="{0D108BD9-81ED-4DB2-BD59-A6C34878D82A}">
+                    <a16:rowId xmlns:a16="http://schemas.microsoft.com/office/drawing/2014/main" val="1840000005"/>
+                  </a:ext>
+                </a:extLst>
+              </a:tr>
+            </a:tbl>
+          </a:graphicData>
+        </a:graphic>
+      </p:graphicFrame>
+      <p:sp>
+        <p:nvSpPr>
+          <p:cNvPr id="7" name="Marcador de Posição de Conteúdo 2">
+            <a:extLst>
+              <a:ext uri="{FF2B5EF4-FFF2-40B4-BE49-F238E27FC236}">
+                <a16:creationId xmlns:a16="http://schemas.microsoft.com/office/drawing/2014/main" id="{62223C5A-A7D0-4D65-BA6F-31CD11DBE21B}"/>
+              </a:ext>
+            </a:extLst>
+          </p:cNvPr>
+          <p:cNvSpPr txBox="1">
+            <a:spLocks/>
+          </p:cNvSpPr>
+          <p:nvPr/>
+        </p:nvSpPr>
+        <p:spPr>
+          <a:xfrm>
+            <a:off x="682933" y="5937007"/>
+            <a:ext cx="9073910" cy="802772"/>
+          </a:xfrm>
+          <a:prstGeom prst="rect">
+            <a:avLst/>
+          </a:prstGeom>
+        </p:spPr>
+        <p:txBody>
+          <a:bodyPr vert="horz" lIns="91440" tIns="45720" rIns="91440" bIns="45720" rtlCol="0">
+            <a:normAutofit lnSpcReduction="10000"/>
+          </a:bodyPr>
+          <a:lstStyle>
+            <a:lvl1pPr marL="228600" indent="-228600" algn="l" defTabSz="914400" rtl="0" eaLnBrk="1" latinLnBrk="0" hangingPunct="1">
+              <a:lnSpc>
+                <a:spcPct val="90000"/>
+              </a:lnSpc>
+              <a:spcBef>
+                <a:spcPts val="1000"/>
+              </a:spcBef>
+              <a:buFont typeface="Arial" panose="020B0604020202020204" pitchFamily="34" charset="0"/>
+              <a:buChar char="•"/>
+              <a:defRPr sz="2800" kern="1200">
+                <a:solidFill>
+                  <a:schemeClr val="tx1"/>
+                </a:solidFill>
+                <a:latin typeface="+mn-lt"/>
+                <a:ea typeface="+mn-ea"/>
+                <a:cs typeface="+mn-cs"/>
+              </a:defRPr>
+            </a:lvl1pPr>
+            <a:lvl2pPr marL="685800" indent="-228600" algn="l" defTabSz="914400" rtl="0" eaLnBrk="1" latinLnBrk="0" hangingPunct="1">
+              <a:lnSpc>
+                <a:spcPct val="90000"/>
+              </a:lnSpc>
+              <a:spcBef>
+                <a:spcPts val="500"/>
+              </a:spcBef>
+              <a:buFont typeface="Arial" panose="020B0604020202020204" pitchFamily="34" charset="0"/>
+              <a:buChar char="•"/>
+              <a:defRPr sz="2400" kern="1200">
+                <a:solidFill>
+                  <a:schemeClr val="tx1"/>
+                </a:solidFill>
+                <a:latin typeface="+mn-lt"/>
+                <a:ea typeface="+mn-ea"/>
+                <a:cs typeface="+mn-cs"/>
+              </a:defRPr>
+            </a:lvl2pPr>
+            <a:lvl3pPr marL="1143000" indent="-228600" algn="l" defTabSz="914400" rtl="0" eaLnBrk="1" latinLnBrk="0" hangingPunct="1">
+              <a:lnSpc>
+                <a:spcPct val="90000"/>
+              </a:lnSpc>
+              <a:spcBef>
+                <a:spcPts val="500"/>
+              </a:spcBef>
+              <a:buFont typeface="Arial" panose="020B0604020202020204" pitchFamily="34" charset="0"/>
+              <a:buChar char="•"/>
+              <a:defRPr sz="2000" kern="1200">
+                <a:solidFill>
+                  <a:schemeClr val="tx1"/>
+                </a:solidFill>
+                <a:latin typeface="+mn-lt"/>
+                <a:ea typeface="+mn-ea"/>
+                <a:cs typeface="+mn-cs"/>
+              </a:defRPr>
+            </a:lvl3pPr>
+            <a:lvl4pPr marL="1600200" indent="-228600" algn="l" defTabSz="914400" rtl="0" eaLnBrk="1" latinLnBrk="0" hangingPunct="1">
+              <a:lnSpc>
+                <a:spcPct val="90000"/>
+              </a:lnSpc>
+              <a:spcBef>
+                <a:spcPts val="500"/>
+              </a:spcBef>
+              <a:buFont typeface="Arial" panose="020B0604020202020204" pitchFamily="34" charset="0"/>
+              <a:buChar char="•"/>
+              <a:defRPr sz="1800" kern="1200">
+                <a:solidFill>
+                  <a:schemeClr val="tx1"/>
+                </a:solidFill>
+                <a:latin typeface="+mn-lt"/>
+                <a:ea typeface="+mn-ea"/>
+                <a:cs typeface="+mn-cs"/>
+              </a:defRPr>
+            </a:lvl4pPr>
+            <a:lvl5pPr marL="2057400" indent="-228600" algn="l" defTabSz="914400" rtl="0" eaLnBrk="1" latinLnBrk="0" hangingPunct="1">
+              <a:lnSpc>
+                <a:spcPct val="90000"/>
+              </a:lnSpc>
+              <a:spcBef>
+                <a:spcPts val="500"/>
+              </a:spcBef>
+              <a:buFont typeface="Arial" panose="020B0604020202020204" pitchFamily="34" charset="0"/>
+              <a:buChar char="•"/>
+              <a:defRPr sz="1800" kern="1200">
+                <a:solidFill>
+                  <a:schemeClr val="tx1"/>
+                </a:solidFill>
+                <a:latin typeface="+mn-lt"/>
+                <a:ea typeface="+mn-ea"/>
+                <a:cs typeface="+mn-cs"/>
+              </a:defRPr>
+            </a:lvl5pPr>
+            <a:lvl6pPr marL="2514600" indent="-228600" algn="l" defTabSz="914400" rtl="0" eaLnBrk="1" latinLnBrk="0" hangingPunct="1">
+              <a:lnSpc>
+                <a:spcPct val="90000"/>
+              </a:lnSpc>
+              <a:spcBef>
+                <a:spcPts val="500"/>
+              </a:spcBef>
+              <a:buFont typeface="Arial" panose="020B0604020202020204" pitchFamily="34" charset="0"/>
+              <a:buChar char="•"/>
+              <a:defRPr sz="1800" kern="1200">
+                <a:solidFill>
+                  <a:schemeClr val="tx1"/>
+                </a:solidFill>
+                <a:latin typeface="+mn-lt"/>
+                <a:ea typeface="+mn-ea"/>
+                <a:cs typeface="+mn-cs"/>
+              </a:defRPr>
+            </a:lvl6pPr>
+            <a:lvl7pPr marL="2971800" indent="-228600" algn="l" defTabSz="914400" rtl="0" eaLnBrk="1" latinLnBrk="0" hangingPunct="1">
+              <a:lnSpc>
+                <a:spcPct val="90000"/>
+              </a:lnSpc>
+              <a:spcBef>
+                <a:spcPts val="500"/>
+              </a:spcBef>
+              <a:buFont typeface="Arial" panose="020B0604020202020204" pitchFamily="34" charset="0"/>
+              <a:buChar char="•"/>
+              <a:defRPr sz="1800" kern="1200">
+                <a:solidFill>
+                  <a:schemeClr val="tx1"/>
+                </a:solidFill>
+                <a:latin typeface="+mn-lt"/>
+                <a:ea typeface="+mn-ea"/>
+                <a:cs typeface="+mn-cs"/>
+              </a:defRPr>
+            </a:lvl7pPr>
+            <a:lvl8pPr marL="3429000" indent="-228600" algn="l" defTabSz="914400" rtl="0" eaLnBrk="1" latinLnBrk="0" hangingPunct="1">
+              <a:lnSpc>
+                <a:spcPct val="90000"/>
+              </a:lnSpc>
+              <a:spcBef>
+                <a:spcPts val="500"/>
+              </a:spcBef>
+              <a:buFont typeface="Arial" panose="020B0604020202020204" pitchFamily="34" charset="0"/>
+              <a:buChar char="•"/>
+              <a:defRPr sz="1800" kern="1200">
+                <a:solidFill>
+                  <a:schemeClr val="tx1"/>
+                </a:solidFill>
+                <a:latin typeface="+mn-lt"/>
+                <a:ea typeface="+mn-ea"/>
+                <a:cs typeface="+mn-cs"/>
+              </a:defRPr>
+            </a:lvl8pPr>
+            <a:lvl9pPr marL="3886200" indent="-228600" algn="l" defTabSz="914400" rtl="0" eaLnBrk="1" latinLnBrk="0" hangingPunct="1">
+              <a:lnSpc>
+                <a:spcPct val="90000"/>
+              </a:lnSpc>
+              <a:spcBef>
+                <a:spcPts val="500"/>
+              </a:spcBef>
+              <a:buFont typeface="Arial" panose="020B0604020202020204" pitchFamily="34" charset="0"/>
+              <a:buChar char="•"/>
+              <a:defRPr sz="1800" kern="1200">
+                <a:solidFill>
+                  <a:schemeClr val="tx1"/>
+                </a:solidFill>
+                <a:latin typeface="+mn-lt"/>
+                <a:ea typeface="+mn-ea"/>
+                <a:cs typeface="+mn-cs"/>
+              </a:defRPr>
+            </a:lvl9pPr>
+          </a:lstStyle>
+          <a:p>
+            <a:pPr marL="0" indent="0">
+              <a:buFont typeface="Arial" panose="020B0604020202020204" pitchFamily="34" charset="0"/>
+              <a:buNone/>
+            </a:pPr>
+            <a:r>
+              <a:rPr lang="pt-PT" sz="1200" dirty="0">
+                <a:ea typeface="Roboto" pitchFamily="2" charset="0"/>
+              </a:rPr>
+              <a:t>Notes:</a:t>
+            </a:r>
+          </a:p>
+          <a:p>
+            <a:pPr marL="0" indent="0">
+              <a:buFont typeface="Arial" panose="020B0604020202020204" pitchFamily="34" charset="0"/>
+              <a:buNone/>
+            </a:pPr>
+            <a:r>
+              <a:rPr lang="pt-PT" sz="1200" dirty="0">
+                <a:ea typeface="Roboto" pitchFamily="2" charset="0"/>
+              </a:rPr>
+              <a:t> - </a:t>
+            </a:r>
+            <a:r>
+              <a:rPr lang="pt-PT" sz="1200" dirty="0" err="1">
+                <a:ea typeface="Roboto" pitchFamily="2" charset="0"/>
+              </a:rPr>
+              <a:t>The</a:t>
+            </a:r>
+            <a:r>
+              <a:rPr lang="pt-PT" sz="1200" dirty="0">
+                <a:ea typeface="Roboto" pitchFamily="2" charset="0"/>
+              </a:rPr>
+              <a:t> </a:t>
+            </a:r>
+            <a:r>
+              <a:rPr lang="pt-PT" sz="1200" dirty="0" err="1">
+                <a:ea typeface="Roboto" pitchFamily="2" charset="0"/>
+              </a:rPr>
+              <a:t>algorithms</a:t>
+            </a:r>
+            <a:r>
+              <a:rPr lang="pt-PT" sz="1200" dirty="0">
+                <a:ea typeface="Roboto" pitchFamily="2" charset="0"/>
+              </a:rPr>
+              <a:t> </a:t>
+            </a:r>
+            <a:r>
+              <a:rPr lang="pt-PT" sz="1200" dirty="0" err="1">
+                <a:ea typeface="Roboto" pitchFamily="2" charset="0"/>
+              </a:rPr>
+              <a:t>with</a:t>
+            </a:r>
+            <a:r>
+              <a:rPr lang="pt-PT" sz="1200" dirty="0">
+                <a:ea typeface="Roboto" pitchFamily="2" charset="0"/>
+              </a:rPr>
+              <a:t> </a:t>
+            </a:r>
+            <a:r>
+              <a:rPr lang="pt-PT" sz="1200" dirty="0" err="1">
+                <a:ea typeface="Roboto" pitchFamily="2" charset="0"/>
+              </a:rPr>
+              <a:t>less</a:t>
+            </a:r>
+            <a:r>
+              <a:rPr lang="pt-PT" sz="1200" dirty="0">
+                <a:ea typeface="Roboto" pitchFamily="2" charset="0"/>
+              </a:rPr>
+              <a:t> </a:t>
+            </a:r>
+            <a:r>
+              <a:rPr lang="pt-PT" sz="1200" dirty="0" err="1">
+                <a:ea typeface="Roboto" pitchFamily="2" charset="0"/>
+              </a:rPr>
+              <a:t>completed</a:t>
+            </a:r>
+            <a:r>
+              <a:rPr lang="pt-PT" sz="1200" dirty="0">
+                <a:ea typeface="Roboto" pitchFamily="2" charset="0"/>
+              </a:rPr>
+              <a:t> </a:t>
+            </a:r>
+            <a:r>
+              <a:rPr lang="pt-PT" sz="1200" dirty="0" err="1">
+                <a:ea typeface="Roboto" pitchFamily="2" charset="0"/>
+              </a:rPr>
+              <a:t>levels</a:t>
+            </a:r>
+            <a:r>
+              <a:rPr lang="pt-PT" sz="1200" dirty="0">
+                <a:ea typeface="Roboto" pitchFamily="2" charset="0"/>
+              </a:rPr>
+              <a:t> </a:t>
+            </a:r>
+            <a:r>
+              <a:rPr lang="pt-PT" sz="1200" dirty="0" err="1">
+                <a:ea typeface="Roboto" pitchFamily="2" charset="0"/>
+              </a:rPr>
+              <a:t>did</a:t>
+            </a:r>
+            <a:r>
+              <a:rPr lang="pt-PT" sz="1200" dirty="0">
+                <a:ea typeface="Roboto" pitchFamily="2" charset="0"/>
+              </a:rPr>
+              <a:t> </a:t>
+            </a:r>
+            <a:r>
+              <a:rPr lang="pt-PT" sz="1200" dirty="0" err="1">
+                <a:ea typeface="Roboto" pitchFamily="2" charset="0"/>
+              </a:rPr>
+              <a:t>not</a:t>
+            </a:r>
+            <a:r>
+              <a:rPr lang="pt-PT" sz="1200" dirty="0">
+                <a:ea typeface="Roboto" pitchFamily="2" charset="0"/>
+              </a:rPr>
+              <a:t> </a:t>
+            </a:r>
+            <a:r>
+              <a:rPr lang="pt-PT" sz="1200" dirty="0" err="1">
+                <a:ea typeface="Roboto" pitchFamily="2" charset="0"/>
+              </a:rPr>
+              <a:t>find</a:t>
+            </a:r>
+            <a:r>
+              <a:rPr lang="pt-PT" sz="1200" dirty="0">
+                <a:ea typeface="Roboto" pitchFamily="2" charset="0"/>
+              </a:rPr>
+              <a:t> a </a:t>
+            </a:r>
+            <a:r>
+              <a:rPr lang="pt-PT" sz="1200" dirty="0" err="1">
+                <a:ea typeface="Roboto" pitchFamily="2" charset="0"/>
+              </a:rPr>
+              <a:t>solution</a:t>
+            </a:r>
+            <a:r>
+              <a:rPr lang="pt-PT" sz="1200" dirty="0">
+                <a:ea typeface="Roboto" pitchFamily="2" charset="0"/>
+              </a:rPr>
+              <a:t> </a:t>
+            </a:r>
+            <a:r>
+              <a:rPr lang="pt-PT" sz="1200" dirty="0" err="1">
+                <a:ea typeface="Roboto" pitchFamily="2" charset="0"/>
+              </a:rPr>
+              <a:t>with</a:t>
+            </a:r>
+            <a:r>
+              <a:rPr lang="pt-PT" sz="1200" dirty="0">
+                <a:ea typeface="Roboto" pitchFamily="2" charset="0"/>
+              </a:rPr>
+              <a:t> </a:t>
+            </a:r>
+            <a:r>
+              <a:rPr lang="pt-PT" sz="1200" dirty="0" err="1">
+                <a:ea typeface="Roboto" pitchFamily="2" charset="0"/>
+              </a:rPr>
+              <a:t>the</a:t>
+            </a:r>
+            <a:r>
+              <a:rPr lang="pt-PT" sz="1200" dirty="0">
+                <a:ea typeface="Roboto" pitchFamily="2" charset="0"/>
+              </a:rPr>
+              <a:t> </a:t>
+            </a:r>
+            <a:r>
+              <a:rPr lang="pt-PT" sz="1200" dirty="0" err="1">
+                <a:ea typeface="Roboto" pitchFamily="2" charset="0"/>
+              </a:rPr>
+              <a:t>given</a:t>
+            </a:r>
+            <a:r>
+              <a:rPr lang="pt-PT" sz="1200" dirty="0">
+                <a:ea typeface="Roboto" pitchFamily="2" charset="0"/>
+              </a:rPr>
+              <a:t> </a:t>
+            </a:r>
+            <a:r>
+              <a:rPr lang="pt-PT" sz="1200" dirty="0" err="1">
+                <a:ea typeface="Roboto" pitchFamily="2" charset="0"/>
+              </a:rPr>
+              <a:t>max</a:t>
+            </a:r>
+            <a:r>
+              <a:rPr lang="pt-PT" sz="1200" dirty="0">
+                <a:ea typeface="Roboto" pitchFamily="2" charset="0"/>
+              </a:rPr>
+              <a:t> </a:t>
+            </a:r>
+            <a:r>
+              <a:rPr lang="pt-PT" sz="1200" dirty="0" err="1">
+                <a:ea typeface="Roboto" pitchFamily="2" charset="0"/>
+              </a:rPr>
+              <a:t>depth</a:t>
+            </a:r>
+            <a:r>
+              <a:rPr lang="pt-PT" sz="1200" dirty="0">
+                <a:ea typeface="Roboto" pitchFamily="2" charset="0"/>
+              </a:rPr>
+              <a:t> </a:t>
+            </a:r>
+            <a:r>
+              <a:rPr lang="pt-PT" sz="1200" dirty="0" err="1">
+                <a:ea typeface="Roboto" pitchFamily="2" charset="0"/>
+              </a:rPr>
+              <a:t>or</a:t>
+            </a:r>
+            <a:r>
+              <a:rPr lang="pt-PT" sz="1200" dirty="0">
+                <a:ea typeface="Roboto" pitchFamily="2" charset="0"/>
+              </a:rPr>
+              <a:t> </a:t>
+            </a:r>
+            <a:r>
+              <a:rPr lang="pt-PT" sz="1200" dirty="0" err="1">
+                <a:ea typeface="Roboto" pitchFamily="2" charset="0"/>
+              </a:rPr>
+              <a:t>took</a:t>
+            </a:r>
+            <a:r>
+              <a:rPr lang="pt-PT" sz="1200" dirty="0">
+                <a:ea typeface="Roboto" pitchFamily="2" charset="0"/>
+              </a:rPr>
+              <a:t> to </a:t>
+            </a:r>
+            <a:r>
+              <a:rPr lang="pt-PT" sz="1200" dirty="0" err="1">
+                <a:ea typeface="Roboto" pitchFamily="2" charset="0"/>
+              </a:rPr>
+              <a:t>much</a:t>
+            </a:r>
+            <a:r>
+              <a:rPr lang="pt-PT" sz="1200" dirty="0">
+                <a:ea typeface="Roboto" pitchFamily="2" charset="0"/>
+              </a:rPr>
+              <a:t> time</a:t>
+            </a:r>
+          </a:p>
+          <a:p>
+            <a:pPr marL="0" indent="0">
+              <a:buFont typeface="Arial" panose="020B0604020202020204" pitchFamily="34" charset="0"/>
+              <a:buNone/>
+            </a:pPr>
+            <a:r>
+              <a:rPr lang="pt-PT" sz="1200" dirty="0">
+                <a:ea typeface="Roboto" pitchFamily="2" charset="0"/>
+              </a:rPr>
+              <a:t>- </a:t>
+            </a:r>
+            <a:r>
+              <a:rPr lang="pt-PT" sz="1200" dirty="0" err="1">
+                <a:ea typeface="Roboto" pitchFamily="2" charset="0"/>
+              </a:rPr>
+              <a:t>While</a:t>
+            </a:r>
+            <a:r>
+              <a:rPr lang="pt-PT" sz="1200" dirty="0">
+                <a:ea typeface="Roboto" pitchFamily="2" charset="0"/>
+              </a:rPr>
+              <a:t> </a:t>
+            </a:r>
+            <a:r>
+              <a:rPr lang="pt-PT" sz="1200" dirty="0" err="1">
+                <a:ea typeface="Roboto" pitchFamily="2" charset="0"/>
+              </a:rPr>
+              <a:t>the</a:t>
+            </a:r>
+            <a:r>
+              <a:rPr lang="pt-PT" sz="1200" dirty="0">
+                <a:ea typeface="Roboto" pitchFamily="2" charset="0"/>
+              </a:rPr>
+              <a:t> 25 </a:t>
+            </a:r>
+            <a:r>
+              <a:rPr lang="pt-PT" sz="1200" dirty="0" err="1">
+                <a:ea typeface="Roboto" pitchFamily="2" charset="0"/>
+              </a:rPr>
+              <a:t>levels</a:t>
+            </a:r>
+            <a:r>
+              <a:rPr lang="pt-PT" sz="1200" dirty="0">
+                <a:ea typeface="Roboto" pitchFamily="2" charset="0"/>
+              </a:rPr>
+              <a:t> </a:t>
+            </a:r>
+            <a:r>
+              <a:rPr lang="pt-PT" sz="1200" dirty="0" err="1">
+                <a:ea typeface="Roboto" pitchFamily="2" charset="0"/>
+              </a:rPr>
+              <a:t>have</a:t>
+            </a:r>
+            <a:r>
+              <a:rPr lang="pt-PT" sz="1200" dirty="0">
+                <a:ea typeface="Roboto" pitchFamily="2" charset="0"/>
+              </a:rPr>
+              <a:t> diferente </a:t>
+            </a:r>
+            <a:r>
+              <a:rPr lang="pt-PT" sz="1200" dirty="0" err="1">
+                <a:ea typeface="Roboto" pitchFamily="2" charset="0"/>
+              </a:rPr>
+              <a:t>sizes</a:t>
+            </a:r>
+            <a:r>
+              <a:rPr lang="pt-PT" sz="1200" dirty="0">
+                <a:ea typeface="Roboto" pitchFamily="2" charset="0"/>
+              </a:rPr>
+              <a:t>, </a:t>
+            </a:r>
+            <a:r>
+              <a:rPr lang="pt-PT" sz="1200" dirty="0" err="1">
+                <a:ea typeface="Roboto" pitchFamily="2" charset="0"/>
+              </a:rPr>
+              <a:t>size</a:t>
+            </a:r>
+            <a:r>
+              <a:rPr lang="pt-PT" sz="1200" dirty="0">
+                <a:ea typeface="Roboto" pitchFamily="2" charset="0"/>
+              </a:rPr>
+              <a:t> </a:t>
+            </a:r>
+            <a:r>
+              <a:rPr lang="pt-PT" sz="1200" dirty="0" err="1">
+                <a:ea typeface="Roboto" pitchFamily="2" charset="0"/>
+              </a:rPr>
+              <a:t>has</a:t>
+            </a:r>
+            <a:r>
+              <a:rPr lang="pt-PT" sz="1200" dirty="0">
+                <a:ea typeface="Roboto" pitchFamily="2" charset="0"/>
+              </a:rPr>
+              <a:t> no </a:t>
+            </a:r>
+            <a:r>
+              <a:rPr lang="pt-PT" sz="1200" dirty="0" err="1">
+                <a:ea typeface="Roboto" pitchFamily="2" charset="0"/>
+              </a:rPr>
+              <a:t>correlation</a:t>
+            </a:r>
+            <a:r>
+              <a:rPr lang="pt-PT" sz="1200" dirty="0">
+                <a:ea typeface="Roboto" pitchFamily="2" charset="0"/>
+              </a:rPr>
+              <a:t> </a:t>
+            </a:r>
+            <a:r>
+              <a:rPr lang="pt-PT" sz="1200" dirty="0" err="1">
+                <a:ea typeface="Roboto" pitchFamily="2" charset="0"/>
+              </a:rPr>
+              <a:t>with</a:t>
+            </a:r>
+            <a:r>
+              <a:rPr lang="pt-PT" sz="1200" dirty="0">
+                <a:ea typeface="Roboto" pitchFamily="2" charset="0"/>
+              </a:rPr>
+              <a:t> </a:t>
+            </a:r>
+            <a:r>
+              <a:rPr lang="pt-PT" sz="1200" dirty="0" err="1">
+                <a:ea typeface="Roboto" pitchFamily="2" charset="0"/>
+              </a:rPr>
+              <a:t>solution</a:t>
+            </a:r>
+            <a:r>
+              <a:rPr lang="pt-PT" sz="1200" dirty="0">
+                <a:ea typeface="Roboto" pitchFamily="2" charset="0"/>
+              </a:rPr>
+              <a:t> </a:t>
+            </a:r>
+            <a:r>
+              <a:rPr lang="pt-PT" sz="1200" dirty="0" err="1">
+                <a:ea typeface="Roboto" pitchFamily="2" charset="0"/>
+              </a:rPr>
+              <a:t>size</a:t>
+            </a:r>
+            <a:r>
+              <a:rPr lang="pt-PT" sz="1200" dirty="0">
+                <a:ea typeface="Roboto" pitchFamily="2" charset="0"/>
+              </a:rPr>
+              <a:t> </a:t>
+            </a:r>
+            <a:r>
+              <a:rPr lang="pt-PT" sz="1200" dirty="0" err="1">
+                <a:ea typeface="Roboto" pitchFamily="2" charset="0"/>
+              </a:rPr>
+              <a:t>or</a:t>
+            </a:r>
+            <a:r>
+              <a:rPr lang="pt-PT" sz="1200" dirty="0">
+                <a:ea typeface="Roboto" pitchFamily="2" charset="0"/>
+              </a:rPr>
+              <a:t> </a:t>
+            </a:r>
+            <a:r>
+              <a:rPr lang="pt-PT" sz="1200" dirty="0" err="1">
+                <a:ea typeface="Roboto" pitchFamily="2" charset="0"/>
+              </a:rPr>
+              <a:t>dificulty</a:t>
+            </a:r>
+            <a:r>
+              <a:rPr lang="pt-PT" sz="1200" dirty="0">
+                <a:ea typeface="Roboto" pitchFamily="2" charset="0"/>
+              </a:rPr>
+              <a:t> </a:t>
+            </a:r>
+            <a:r>
+              <a:rPr lang="pt-PT" sz="1200" dirty="0" err="1">
+                <a:ea typeface="Roboto" pitchFamily="2" charset="0"/>
+              </a:rPr>
+              <a:t>and</a:t>
+            </a:r>
+            <a:r>
+              <a:rPr lang="pt-PT" sz="1200" dirty="0">
+                <a:ea typeface="Roboto" pitchFamily="2" charset="0"/>
+              </a:rPr>
+              <a:t> </a:t>
+            </a:r>
+            <a:r>
+              <a:rPr lang="pt-PT" sz="1200" dirty="0" err="1">
+                <a:ea typeface="Roboto" pitchFamily="2" charset="0"/>
+              </a:rPr>
+              <a:t>therefore</a:t>
+            </a:r>
+            <a:r>
+              <a:rPr lang="pt-PT" sz="1200" dirty="0">
+                <a:ea typeface="Roboto" pitchFamily="2" charset="0"/>
+              </a:rPr>
+              <a:t>, </a:t>
+            </a:r>
+            <a:r>
+              <a:rPr lang="pt-PT" sz="1200" dirty="0" err="1">
+                <a:ea typeface="Roboto" pitchFamily="2" charset="0"/>
+              </a:rPr>
+              <a:t>was</a:t>
+            </a:r>
+            <a:r>
+              <a:rPr lang="pt-PT" sz="1200" dirty="0">
+                <a:ea typeface="Roboto" pitchFamily="2" charset="0"/>
+              </a:rPr>
+              <a:t> </a:t>
+            </a:r>
+            <a:r>
+              <a:rPr lang="pt-PT" sz="1200" dirty="0" err="1">
+                <a:ea typeface="Roboto" pitchFamily="2" charset="0"/>
+              </a:rPr>
+              <a:t>not</a:t>
+            </a:r>
+            <a:r>
+              <a:rPr lang="pt-PT" sz="1200" dirty="0">
+                <a:ea typeface="Roboto" pitchFamily="2" charset="0"/>
+              </a:rPr>
+              <a:t> </a:t>
+            </a:r>
+            <a:r>
+              <a:rPr lang="pt-PT" sz="1200" dirty="0" err="1">
+                <a:ea typeface="Roboto" pitchFamily="2" charset="0"/>
+              </a:rPr>
+              <a:t>taken</a:t>
+            </a:r>
+            <a:r>
+              <a:rPr lang="pt-PT" sz="1200" dirty="0">
+                <a:ea typeface="Roboto" pitchFamily="2" charset="0"/>
+              </a:rPr>
+              <a:t> </a:t>
+            </a:r>
+            <a:r>
+              <a:rPr lang="pt-PT" sz="1200" dirty="0" err="1">
+                <a:ea typeface="Roboto" pitchFamily="2" charset="0"/>
+              </a:rPr>
+              <a:t>into</a:t>
+            </a:r>
+            <a:r>
+              <a:rPr lang="pt-PT" sz="1200" dirty="0">
+                <a:ea typeface="Roboto" pitchFamily="2" charset="0"/>
+              </a:rPr>
+              <a:t> </a:t>
+            </a:r>
+            <a:r>
+              <a:rPr lang="pt-PT" sz="1200" dirty="0" err="1">
+                <a:ea typeface="Roboto" pitchFamily="2" charset="0"/>
+              </a:rPr>
+              <a:t>consideration</a:t>
+            </a:r>
+            <a:endParaRPr lang="pt-PT" sz="1200" dirty="0">
+              <a:ea typeface="Roboto" pitchFamily="2" charset="0"/>
+            </a:endParaRPr>
+          </a:p>
+        </p:txBody>
+      </p:sp>
+    </p:spTree>
+    <p:extLst>
+      <p:ext uri="{BB962C8B-B14F-4D97-AF65-F5344CB8AC3E}">
+        <p14:creationId xmlns:p14="http://schemas.microsoft.com/office/powerpoint/2010/main" val="4035757910"/>
       </p:ext>
     </p:extLst>
   </p:cSld>

--- a/Project1/docs/Ball Sort Puzzle.pptx
+++ b/Project1/docs/Ball Sort Puzzle.pptx
@@ -269,7 +269,7 @@
           <a:p>
             <a:fld id="{2B03390F-521F-40ED-9D3B-4287339B36CD}" type="datetimeFigureOut">
               <a:rPr lang="pt-PT" smtClean="0"/>
-              <a:t>31/03/2021</a:t>
+              <a:t>01/04/2021</a:t>
             </a:fld>
             <a:endParaRPr lang="pt-PT"/>
           </a:p>
@@ -467,7 +467,7 @@
           <a:p>
             <a:fld id="{2B03390F-521F-40ED-9D3B-4287339B36CD}" type="datetimeFigureOut">
               <a:rPr lang="pt-PT" smtClean="0"/>
-              <a:t>31/03/2021</a:t>
+              <a:t>01/04/2021</a:t>
             </a:fld>
             <a:endParaRPr lang="pt-PT"/>
           </a:p>
@@ -675,7 +675,7 @@
           <a:p>
             <a:fld id="{2B03390F-521F-40ED-9D3B-4287339B36CD}" type="datetimeFigureOut">
               <a:rPr lang="pt-PT" smtClean="0"/>
-              <a:t>31/03/2021</a:t>
+              <a:t>01/04/2021</a:t>
             </a:fld>
             <a:endParaRPr lang="pt-PT"/>
           </a:p>
@@ -873,7 +873,7 @@
           <a:p>
             <a:fld id="{2B03390F-521F-40ED-9D3B-4287339B36CD}" type="datetimeFigureOut">
               <a:rPr lang="pt-PT" smtClean="0"/>
-              <a:t>31/03/2021</a:t>
+              <a:t>01/04/2021</a:t>
             </a:fld>
             <a:endParaRPr lang="pt-PT"/>
           </a:p>
@@ -1148,7 +1148,7 @@
           <a:p>
             <a:fld id="{2B03390F-521F-40ED-9D3B-4287339B36CD}" type="datetimeFigureOut">
               <a:rPr lang="pt-PT" smtClean="0"/>
-              <a:t>31/03/2021</a:t>
+              <a:t>01/04/2021</a:t>
             </a:fld>
             <a:endParaRPr lang="pt-PT"/>
           </a:p>
@@ -1413,7 +1413,7 @@
           <a:p>
             <a:fld id="{2B03390F-521F-40ED-9D3B-4287339B36CD}" type="datetimeFigureOut">
               <a:rPr lang="pt-PT" smtClean="0"/>
-              <a:t>31/03/2021</a:t>
+              <a:t>01/04/2021</a:t>
             </a:fld>
             <a:endParaRPr lang="pt-PT"/>
           </a:p>
@@ -1830,7 +1830,7 @@
           <a:p>
             <a:fld id="{2B03390F-521F-40ED-9D3B-4287339B36CD}" type="datetimeFigureOut">
               <a:rPr lang="pt-PT" smtClean="0"/>
-              <a:t>31/03/2021</a:t>
+              <a:t>01/04/2021</a:t>
             </a:fld>
             <a:endParaRPr lang="pt-PT"/>
           </a:p>
@@ -1976,7 +1976,7 @@
           <a:p>
             <a:fld id="{2B03390F-521F-40ED-9D3B-4287339B36CD}" type="datetimeFigureOut">
               <a:rPr lang="pt-PT" smtClean="0"/>
-              <a:t>31/03/2021</a:t>
+              <a:t>01/04/2021</a:t>
             </a:fld>
             <a:endParaRPr lang="pt-PT"/>
           </a:p>
@@ -2089,7 +2089,7 @@
           <a:p>
             <a:fld id="{2B03390F-521F-40ED-9D3B-4287339B36CD}" type="datetimeFigureOut">
               <a:rPr lang="pt-PT" smtClean="0"/>
-              <a:t>31/03/2021</a:t>
+              <a:t>01/04/2021</a:t>
             </a:fld>
             <a:endParaRPr lang="pt-PT"/>
           </a:p>
@@ -2400,7 +2400,7 @@
           <a:p>
             <a:fld id="{2B03390F-521F-40ED-9D3B-4287339B36CD}" type="datetimeFigureOut">
               <a:rPr lang="pt-PT" smtClean="0"/>
-              <a:t>31/03/2021</a:t>
+              <a:t>01/04/2021</a:t>
             </a:fld>
             <a:endParaRPr lang="pt-PT"/>
           </a:p>
@@ -2693,7 +2693,7 @@
           <a:p>
             <a:fld id="{2B03390F-521F-40ED-9D3B-4287339B36CD}" type="datetimeFigureOut">
               <a:rPr lang="pt-PT" smtClean="0"/>
-              <a:t>31/03/2021</a:t>
+              <a:t>01/04/2021</a:t>
             </a:fld>
             <a:endParaRPr lang="pt-PT"/>
           </a:p>
@@ -2934,7 +2934,7 @@
           <a:p>
             <a:fld id="{2B03390F-521F-40ED-9D3B-4287339B36CD}" type="datetimeFigureOut">
               <a:rPr lang="pt-PT" smtClean="0"/>
-              <a:t>31/03/2021</a:t>
+              <a:t>01/04/2021</a:t>
             </a:fld>
             <a:endParaRPr lang="pt-PT"/>
           </a:p>
@@ -4581,7 +4581,31 @@
               <a:rPr lang="pt-PT" sz="2200" dirty="0">
                 <a:ea typeface="Roboto" pitchFamily="2" charset="0"/>
               </a:rPr>
-              <a:t>, _______ </a:t>
+              <a:t>, </a:t>
+            </a:r>
+            <a:r>
+              <a:rPr lang="pt-PT" sz="2200" dirty="0" err="1">
+                <a:ea typeface="Roboto" pitchFamily="2" charset="0"/>
+              </a:rPr>
+              <a:t>Wrong</a:t>
+            </a:r>
+            <a:r>
+              <a:rPr lang="pt-PT" sz="2200" dirty="0">
+                <a:ea typeface="Roboto" pitchFamily="2" charset="0"/>
+              </a:rPr>
+              <a:t> </a:t>
+            </a:r>
+            <a:r>
+              <a:rPr lang="pt-PT" sz="2200" dirty="0" err="1">
+                <a:ea typeface="Roboto" pitchFamily="2" charset="0"/>
+              </a:rPr>
+              <a:t>Colour</a:t>
+            </a:r>
+            <a:r>
+              <a:rPr lang="pt-PT" sz="2200" dirty="0">
+                <a:ea typeface="Roboto" pitchFamily="2" charset="0"/>
+              </a:rPr>
+              <a:t> </a:t>
             </a:r>
             <a:r>
               <a:rPr lang="pt-PT" sz="2200" dirty="0" err="1">
@@ -4703,6 +4727,428 @@
               </a:rPr>
               <a:t>.</a:t>
             </a:r>
+          </a:p>
+          <a:p>
+            <a:pPr marL="0" indent="0">
+              <a:buNone/>
+            </a:pPr>
+            <a:r>
+              <a:rPr lang="pt-PT" sz="2200" dirty="0" err="1">
+                <a:ea typeface="Roboto" pitchFamily="2" charset="0"/>
+              </a:rPr>
+              <a:t>Unfortunately</a:t>
+            </a:r>
+            <a:r>
+              <a:rPr lang="pt-PT" sz="2200" dirty="0">
+                <a:ea typeface="Roboto" pitchFamily="2" charset="0"/>
+              </a:rPr>
+              <a:t>, </a:t>
+            </a:r>
+            <a:r>
+              <a:rPr lang="pt-PT" sz="2200" dirty="0" err="1">
+                <a:ea typeface="Roboto" pitchFamily="2" charset="0"/>
+              </a:rPr>
+              <a:t>after</a:t>
+            </a:r>
+            <a:r>
+              <a:rPr lang="pt-PT" sz="2200" dirty="0">
+                <a:ea typeface="Roboto" pitchFamily="2" charset="0"/>
+              </a:rPr>
+              <a:t> </a:t>
+            </a:r>
+            <a:r>
+              <a:rPr lang="pt-PT" sz="2200" dirty="0" err="1">
+                <a:ea typeface="Roboto" pitchFamily="2" charset="0"/>
+              </a:rPr>
+              <a:t>analyzing</a:t>
+            </a:r>
+            <a:r>
+              <a:rPr lang="pt-PT" sz="2200" dirty="0">
+                <a:ea typeface="Roboto" pitchFamily="2" charset="0"/>
+              </a:rPr>
+              <a:t> </a:t>
+            </a:r>
+            <a:r>
+              <a:rPr lang="pt-PT" sz="2200" dirty="0" err="1">
+                <a:ea typeface="Roboto" pitchFamily="2" charset="0"/>
+              </a:rPr>
+              <a:t>the</a:t>
+            </a:r>
+            <a:r>
+              <a:rPr lang="pt-PT" sz="2200" dirty="0">
+                <a:ea typeface="Roboto" pitchFamily="2" charset="0"/>
+              </a:rPr>
+              <a:t> </a:t>
+            </a:r>
+            <a:r>
+              <a:rPr lang="pt-PT" sz="2200" dirty="0" err="1">
+                <a:ea typeface="Roboto" pitchFamily="2" charset="0"/>
+              </a:rPr>
+              <a:t>results</a:t>
+            </a:r>
+            <a:r>
+              <a:rPr lang="pt-PT" sz="2200" dirty="0">
+                <a:ea typeface="Roboto" pitchFamily="2" charset="0"/>
+              </a:rPr>
+              <a:t> for </a:t>
+            </a:r>
+            <a:r>
+              <a:rPr lang="pt-PT" sz="2200" dirty="0" err="1">
+                <a:ea typeface="Roboto" pitchFamily="2" charset="0"/>
+              </a:rPr>
+              <a:t>our</a:t>
+            </a:r>
+            <a:r>
+              <a:rPr lang="pt-PT" sz="2200" dirty="0">
+                <a:ea typeface="Roboto" pitchFamily="2" charset="0"/>
+              </a:rPr>
+              <a:t> </a:t>
+            </a:r>
+            <a:r>
+              <a:rPr lang="pt-PT" sz="2200" dirty="0" err="1">
+                <a:ea typeface="Roboto" pitchFamily="2" charset="0"/>
+              </a:rPr>
+              <a:t>third</a:t>
+            </a:r>
+            <a:r>
+              <a:rPr lang="pt-PT" sz="2200" dirty="0">
+                <a:ea typeface="Roboto" pitchFamily="2" charset="0"/>
+              </a:rPr>
+              <a:t> </a:t>
+            </a:r>
+            <a:r>
+              <a:rPr lang="pt-PT" sz="2200" dirty="0" err="1">
+                <a:ea typeface="Roboto" pitchFamily="2" charset="0"/>
+              </a:rPr>
+              <a:t>heuristic</a:t>
+            </a:r>
+            <a:r>
+              <a:rPr lang="pt-PT" sz="2200" dirty="0">
+                <a:ea typeface="Roboto" pitchFamily="2" charset="0"/>
+              </a:rPr>
+              <a:t> </a:t>
+            </a:r>
+            <a:r>
+              <a:rPr lang="pt-PT" sz="2200" dirty="0" err="1">
+                <a:ea typeface="Roboto" pitchFamily="2" charset="0"/>
+              </a:rPr>
+              <a:t>function</a:t>
+            </a:r>
+            <a:r>
+              <a:rPr lang="pt-PT" sz="2200" dirty="0">
+                <a:ea typeface="Roboto" pitchFamily="2" charset="0"/>
+              </a:rPr>
+              <a:t>, </a:t>
+            </a:r>
+            <a:r>
+              <a:rPr lang="pt-PT" sz="2200" dirty="0" err="1">
+                <a:ea typeface="Roboto" pitchFamily="2" charset="0"/>
+              </a:rPr>
+              <a:t>we</a:t>
+            </a:r>
+            <a:r>
+              <a:rPr lang="pt-PT" sz="2200" dirty="0">
+                <a:ea typeface="Roboto" pitchFamily="2" charset="0"/>
+              </a:rPr>
+              <a:t> </a:t>
+            </a:r>
+            <a:r>
+              <a:rPr lang="pt-PT" sz="2200" dirty="0" err="1">
+                <a:ea typeface="Roboto" pitchFamily="2" charset="0"/>
+              </a:rPr>
+              <a:t>found</a:t>
+            </a:r>
+            <a:r>
+              <a:rPr lang="pt-PT" sz="2200" dirty="0">
+                <a:ea typeface="Roboto" pitchFamily="2" charset="0"/>
+              </a:rPr>
+              <a:t> out </a:t>
+            </a:r>
+            <a:r>
+              <a:rPr lang="pt-PT" sz="2200" dirty="0" err="1">
+                <a:ea typeface="Roboto" pitchFamily="2" charset="0"/>
+              </a:rPr>
+              <a:t>it</a:t>
+            </a:r>
+            <a:r>
+              <a:rPr lang="pt-PT" sz="2200" dirty="0">
+                <a:ea typeface="Roboto" pitchFamily="2" charset="0"/>
+              </a:rPr>
+              <a:t> </a:t>
+            </a:r>
+            <a:r>
+              <a:rPr lang="pt-PT" sz="2200" dirty="0" err="1">
+                <a:ea typeface="Roboto" pitchFamily="2" charset="0"/>
+              </a:rPr>
+              <a:t>was</a:t>
+            </a:r>
+            <a:r>
+              <a:rPr lang="pt-PT" sz="2200" dirty="0">
+                <a:ea typeface="Roboto" pitchFamily="2" charset="0"/>
+              </a:rPr>
+              <a:t> </a:t>
+            </a:r>
+            <a:r>
+              <a:rPr lang="pt-PT" sz="2200" dirty="0" err="1">
+                <a:ea typeface="Roboto" pitchFamily="2" charset="0"/>
+              </a:rPr>
+              <a:t>not</a:t>
+            </a:r>
+            <a:r>
+              <a:rPr lang="pt-PT" sz="2200" dirty="0">
+                <a:ea typeface="Roboto" pitchFamily="2" charset="0"/>
+              </a:rPr>
+              <a:t> </a:t>
+            </a:r>
+            <a:r>
+              <a:rPr lang="pt-PT" sz="2200" dirty="0" err="1">
+                <a:ea typeface="Roboto" pitchFamily="2" charset="0"/>
+              </a:rPr>
+              <a:t>admissible</a:t>
+            </a:r>
+            <a:r>
+              <a:rPr lang="pt-PT" sz="2200" dirty="0">
+                <a:ea typeface="Roboto" pitchFamily="2" charset="0"/>
+              </a:rPr>
+              <a:t>, </a:t>
+            </a:r>
+            <a:r>
+              <a:rPr lang="pt-PT" sz="2200" dirty="0" err="1">
+                <a:ea typeface="Roboto" pitchFamily="2" charset="0"/>
+              </a:rPr>
+              <a:t>since</a:t>
+            </a:r>
+            <a:r>
+              <a:rPr lang="pt-PT" sz="2200" dirty="0">
+                <a:ea typeface="Roboto" pitchFamily="2" charset="0"/>
+              </a:rPr>
+              <a:t> </a:t>
+            </a:r>
+            <a:r>
+              <a:rPr lang="pt-PT" sz="2200" dirty="0" err="1">
+                <a:ea typeface="Roboto" pitchFamily="2" charset="0"/>
+              </a:rPr>
+              <a:t>it</a:t>
+            </a:r>
+            <a:r>
+              <a:rPr lang="pt-PT" sz="2200" dirty="0">
+                <a:ea typeface="Roboto" pitchFamily="2" charset="0"/>
+              </a:rPr>
+              <a:t> </a:t>
+            </a:r>
+            <a:r>
+              <a:rPr lang="pt-PT" sz="2200" dirty="0" err="1">
+                <a:ea typeface="Roboto" pitchFamily="2" charset="0"/>
+              </a:rPr>
+              <a:t>was</a:t>
+            </a:r>
+            <a:r>
+              <a:rPr lang="pt-PT" sz="2200" dirty="0">
+                <a:ea typeface="Roboto" pitchFamily="2" charset="0"/>
+              </a:rPr>
+              <a:t> </a:t>
+            </a:r>
+            <a:r>
+              <a:rPr lang="pt-PT" sz="2200" dirty="0" err="1">
+                <a:ea typeface="Roboto" pitchFamily="2" charset="0"/>
+              </a:rPr>
+              <a:t>overestimating</a:t>
+            </a:r>
+            <a:r>
+              <a:rPr lang="pt-PT" sz="2200" dirty="0">
+                <a:ea typeface="Roboto" pitchFamily="2" charset="0"/>
+              </a:rPr>
+              <a:t> </a:t>
+            </a:r>
+            <a:r>
+              <a:rPr lang="pt-PT" sz="2200" dirty="0" err="1">
+                <a:ea typeface="Roboto" pitchFamily="2" charset="0"/>
+              </a:rPr>
+              <a:t>the</a:t>
+            </a:r>
+            <a:r>
+              <a:rPr lang="pt-PT" sz="2200" dirty="0">
+                <a:ea typeface="Roboto" pitchFamily="2" charset="0"/>
+              </a:rPr>
+              <a:t> </a:t>
+            </a:r>
+            <a:r>
+              <a:rPr lang="pt-PT" sz="2200" dirty="0" err="1">
+                <a:ea typeface="Roboto" pitchFamily="2" charset="0"/>
+              </a:rPr>
+              <a:t>cost</a:t>
+            </a:r>
+            <a:r>
+              <a:rPr lang="pt-PT" sz="2200" dirty="0">
+                <a:ea typeface="Roboto" pitchFamily="2" charset="0"/>
+              </a:rPr>
+              <a:t>. As </a:t>
+            </a:r>
+            <a:r>
+              <a:rPr lang="pt-PT" sz="2200" dirty="0" err="1">
+                <a:ea typeface="Roboto" pitchFamily="2" charset="0"/>
+              </a:rPr>
+              <a:t>such</a:t>
+            </a:r>
+            <a:r>
+              <a:rPr lang="pt-PT" sz="2200" dirty="0">
+                <a:ea typeface="Roboto" pitchFamily="2" charset="0"/>
+              </a:rPr>
+              <a:t>, </a:t>
+            </a:r>
+            <a:r>
+              <a:rPr lang="pt-PT" sz="2200" dirty="0" err="1">
+                <a:ea typeface="Roboto" pitchFamily="2" charset="0"/>
+              </a:rPr>
+              <a:t>its</a:t>
+            </a:r>
+            <a:r>
+              <a:rPr lang="pt-PT" sz="2200" dirty="0">
+                <a:ea typeface="Roboto" pitchFamily="2" charset="0"/>
+              </a:rPr>
+              <a:t> </a:t>
+            </a:r>
+            <a:r>
+              <a:rPr lang="pt-PT" sz="2200" dirty="0" err="1">
+                <a:ea typeface="Roboto" pitchFamily="2" charset="0"/>
+              </a:rPr>
+              <a:t>results</a:t>
+            </a:r>
+            <a:r>
+              <a:rPr lang="pt-PT" sz="2200" dirty="0">
+                <a:ea typeface="Roboto" pitchFamily="2" charset="0"/>
+              </a:rPr>
+              <a:t> </a:t>
+            </a:r>
+            <a:r>
+              <a:rPr lang="pt-PT" sz="2200" dirty="0" err="1">
+                <a:ea typeface="Roboto" pitchFamily="2" charset="0"/>
+              </a:rPr>
+              <a:t>were</a:t>
+            </a:r>
+            <a:r>
+              <a:rPr lang="pt-PT" sz="2200" dirty="0">
+                <a:ea typeface="Roboto" pitchFamily="2" charset="0"/>
+              </a:rPr>
+              <a:t> </a:t>
+            </a:r>
+            <a:r>
+              <a:rPr lang="pt-PT" sz="2200" dirty="0" err="1">
+                <a:ea typeface="Roboto" pitchFamily="2" charset="0"/>
+              </a:rPr>
+              <a:t>not</a:t>
+            </a:r>
+            <a:r>
+              <a:rPr lang="pt-PT" sz="2200" dirty="0">
+                <a:ea typeface="Roboto" pitchFamily="2" charset="0"/>
+              </a:rPr>
+              <a:t> </a:t>
+            </a:r>
+            <a:r>
+              <a:rPr lang="pt-PT" sz="2200" dirty="0" err="1">
+                <a:ea typeface="Roboto" pitchFamily="2" charset="0"/>
+              </a:rPr>
+              <a:t>included</a:t>
+            </a:r>
+            <a:r>
+              <a:rPr lang="pt-PT" sz="2200" dirty="0">
+                <a:ea typeface="Roboto" pitchFamily="2" charset="0"/>
+              </a:rPr>
+              <a:t>, </a:t>
+            </a:r>
+            <a:r>
+              <a:rPr lang="pt-PT" sz="2200" dirty="0" err="1">
+                <a:ea typeface="Roboto" pitchFamily="2" charset="0"/>
+              </a:rPr>
+              <a:t>but</a:t>
+            </a:r>
+            <a:r>
+              <a:rPr lang="pt-PT" sz="2200" dirty="0">
+                <a:ea typeface="Roboto" pitchFamily="2" charset="0"/>
+              </a:rPr>
+              <a:t> </a:t>
+            </a:r>
+            <a:r>
+              <a:rPr lang="pt-PT" sz="2200" dirty="0" err="1">
+                <a:ea typeface="Roboto" pitchFamily="2" charset="0"/>
+              </a:rPr>
+              <a:t>the</a:t>
+            </a:r>
+            <a:r>
+              <a:rPr lang="pt-PT" sz="2200" dirty="0">
+                <a:ea typeface="Roboto" pitchFamily="2" charset="0"/>
+              </a:rPr>
+              <a:t> </a:t>
+            </a:r>
+            <a:r>
+              <a:rPr lang="pt-PT" sz="2200" dirty="0" err="1">
+                <a:ea typeface="Roboto" pitchFamily="2" charset="0"/>
+              </a:rPr>
+              <a:t>code</a:t>
+            </a:r>
+            <a:r>
+              <a:rPr lang="pt-PT" sz="2200" dirty="0">
+                <a:ea typeface="Roboto" pitchFamily="2" charset="0"/>
+              </a:rPr>
+              <a:t> can </a:t>
+            </a:r>
+            <a:r>
+              <a:rPr lang="pt-PT" sz="2200" dirty="0" err="1">
+                <a:ea typeface="Roboto" pitchFamily="2" charset="0"/>
+              </a:rPr>
+              <a:t>still</a:t>
+            </a:r>
+            <a:r>
+              <a:rPr lang="pt-PT" sz="2200" dirty="0">
+                <a:ea typeface="Roboto" pitchFamily="2" charset="0"/>
+              </a:rPr>
+              <a:t> </a:t>
+            </a:r>
+            <a:r>
+              <a:rPr lang="pt-PT" sz="2200" dirty="0" err="1">
+                <a:ea typeface="Roboto" pitchFamily="2" charset="0"/>
+              </a:rPr>
+              <a:t>be</a:t>
+            </a:r>
+            <a:r>
+              <a:rPr lang="pt-PT" sz="2200" dirty="0">
+                <a:ea typeface="Roboto" pitchFamily="2" charset="0"/>
+              </a:rPr>
+              <a:t> </a:t>
+            </a:r>
+            <a:r>
+              <a:rPr lang="pt-PT" sz="2200" dirty="0" err="1">
+                <a:ea typeface="Roboto" pitchFamily="2" charset="0"/>
+              </a:rPr>
+              <a:t>found</a:t>
+            </a:r>
+            <a:r>
+              <a:rPr lang="pt-PT" sz="2200" dirty="0">
+                <a:ea typeface="Roboto" pitchFamily="2" charset="0"/>
+              </a:rPr>
+              <a:t> in </a:t>
+            </a:r>
+            <a:r>
+              <a:rPr lang="pt-PT" sz="2200" dirty="0" err="1">
+                <a:ea typeface="Roboto" pitchFamily="2" charset="0"/>
+              </a:rPr>
+              <a:t>the</a:t>
+            </a:r>
+            <a:r>
+              <a:rPr lang="pt-PT" sz="2200" dirty="0">
+                <a:ea typeface="Roboto" pitchFamily="2" charset="0"/>
+              </a:rPr>
+              <a:t> </a:t>
+            </a:r>
+            <a:r>
+              <a:rPr lang="pt-PT" sz="2200">
+                <a:ea typeface="Roboto" pitchFamily="2" charset="0"/>
+              </a:rPr>
+              <a:t>graph.py file.</a:t>
+            </a:r>
+            <a:endParaRPr lang="pt-PT" sz="2200" dirty="0">
+              <a:ea typeface="Roboto" pitchFamily="2" charset="0"/>
+            </a:endParaRPr>
           </a:p>
         </p:txBody>
       </p:sp>
@@ -11787,14 +12233,14 @@
           <p:nvPr>
             <p:extLst>
               <p:ext uri="{D42A27DB-BD31-4B8C-83A1-F6EECF244321}">
-                <p14:modId xmlns:p14="http://schemas.microsoft.com/office/powerpoint/2010/main" val="3261489796"/>
+                <p14:modId xmlns:p14="http://schemas.microsoft.com/office/powerpoint/2010/main" val="1123842455"/>
               </p:ext>
             </p:extLst>
           </p:nvPr>
         </p:nvGraphicFramePr>
         <p:xfrm>
           <a:off x="793924" y="2219330"/>
-          <a:ext cx="10604152" cy="3657600"/>
+          <a:ext cx="10604152" cy="2926080"/>
         </p:xfrm>
         <a:graphic>
           <a:graphicData uri="http://schemas.openxmlformats.org/drawingml/2006/table">
@@ -12372,107 +12818,6 @@
                     <a:bodyPr/>
                     <a:lstStyle/>
                     <a:p>
-                      <a:pPr marL="0" marR="0" lvl="0" indent="0" algn="l" defTabSz="914400" rtl="0" eaLnBrk="1" fontAlgn="auto" latinLnBrk="0" hangingPunct="1">
-                        <a:lnSpc>
-                          <a:spcPct val="100000"/>
-                        </a:lnSpc>
-                        <a:spcBef>
-                          <a:spcPts val="0"/>
-                        </a:spcBef>
-                        <a:spcAft>
-                          <a:spcPts val="0"/>
-                        </a:spcAft>
-                        <a:buClrTx/>
-                        <a:buSzTx/>
-                        <a:buFontTx/>
-                        <a:buNone/>
-                        <a:tabLst/>
-                        <a:defRPr/>
-                      </a:pPr>
-                      <a:r>
-                        <a:rPr lang="en-GB" dirty="0"/>
-                        <a:t>Greedy (Consecutive)</a:t>
-                      </a:r>
-                    </a:p>
-                  </a:txBody>
-                  <a:tcPr/>
-                </a:tc>
-                <a:tc>
-                  <a:txBody>
-                    <a:bodyPr/>
-                    <a:lstStyle/>
-                    <a:p>
-                      <a:pPr marL="0" marR="0" lvl="0" indent="0" algn="l" defTabSz="914400" rtl="0" eaLnBrk="1" fontAlgn="auto" latinLnBrk="0" hangingPunct="1">
-                        <a:lnSpc>
-                          <a:spcPct val="100000"/>
-                        </a:lnSpc>
-                        <a:spcBef>
-                          <a:spcPts val="0"/>
-                        </a:spcBef>
-                        <a:spcAft>
-                          <a:spcPts val="0"/>
-                        </a:spcAft>
-                        <a:buClrTx/>
-                        <a:buSzTx/>
-                        <a:buFontTx/>
-                        <a:buNone/>
-                        <a:tabLst/>
-                        <a:defRPr/>
-                      </a:pPr>
-                      <a:endParaRPr lang="en-GB" dirty="0"/>
-                    </a:p>
-                  </a:txBody>
-                  <a:tcPr/>
-                </a:tc>
-                <a:tc>
-                  <a:txBody>
-                    <a:bodyPr/>
-                    <a:lstStyle/>
-                    <a:p>
-                      <a:pPr marL="0" marR="0" lvl="0" indent="0" algn="l" defTabSz="914400" rtl="0" eaLnBrk="1" fontAlgn="auto" latinLnBrk="0" hangingPunct="1">
-                        <a:lnSpc>
-                          <a:spcPct val="100000"/>
-                        </a:lnSpc>
-                        <a:spcBef>
-                          <a:spcPts val="0"/>
-                        </a:spcBef>
-                        <a:spcAft>
-                          <a:spcPts val="0"/>
-                        </a:spcAft>
-                        <a:buClrTx/>
-                        <a:buSzTx/>
-                        <a:buFontTx/>
-                        <a:buNone/>
-                        <a:tabLst/>
-                        <a:defRPr/>
-                      </a:pPr>
-                      <a:endParaRPr lang="en-GB" dirty="0"/>
-                    </a:p>
-                  </a:txBody>
-                  <a:tcPr/>
-                </a:tc>
-                <a:tc>
-                  <a:txBody>
-                    <a:bodyPr/>
-                    <a:lstStyle/>
-                    <a:p>
-                      <a:endParaRPr lang="en-GB" dirty="0"/>
-                    </a:p>
-                  </a:txBody>
-                  <a:tcPr/>
-                </a:tc>
-                <a:extLst>
-                  <a:ext uri="{0D108BD9-81ED-4DB2-BD59-A6C34878D82A}">
-                    <a16:rowId xmlns:a16="http://schemas.microsoft.com/office/drawing/2014/main" val="1169354942"/>
-                  </a:ext>
-                </a:extLst>
-              </a:tr>
-              <a:tr h="285363">
-                <a:tc>
-                  <a:txBody>
-                    <a:bodyPr/>
-                    <a:lstStyle/>
-                    <a:p>
                       <a:r>
                         <a:rPr lang="en-GB" dirty="0"/>
                         <a:t>A* (Wrong Colours)</a:t>
@@ -12670,107 +13015,6 @@
                   </a:ext>
                 </a:extLst>
               </a:tr>
-              <a:tr h="285363">
-                <a:tc>
-                  <a:txBody>
-                    <a:bodyPr/>
-                    <a:lstStyle/>
-                    <a:p>
-                      <a:pPr marL="0" marR="0" lvl="0" indent="0" algn="l" defTabSz="914400" rtl="0" eaLnBrk="1" fontAlgn="auto" latinLnBrk="0" hangingPunct="1">
-                        <a:lnSpc>
-                          <a:spcPct val="100000"/>
-                        </a:lnSpc>
-                        <a:spcBef>
-                          <a:spcPts val="0"/>
-                        </a:spcBef>
-                        <a:spcAft>
-                          <a:spcPts val="0"/>
-                        </a:spcAft>
-                        <a:buClrTx/>
-                        <a:buSzTx/>
-                        <a:buFontTx/>
-                        <a:buNone/>
-                        <a:tabLst/>
-                        <a:defRPr/>
-                      </a:pPr>
-                      <a:r>
-                        <a:rPr lang="en-GB" dirty="0"/>
-                        <a:t>A* (Consecutive)</a:t>
-                      </a:r>
-                    </a:p>
-                  </a:txBody>
-                  <a:tcPr/>
-                </a:tc>
-                <a:tc>
-                  <a:txBody>
-                    <a:bodyPr/>
-                    <a:lstStyle/>
-                    <a:p>
-                      <a:pPr marL="0" marR="0" lvl="0" indent="0" algn="l" defTabSz="914400" rtl="0" eaLnBrk="1" fontAlgn="auto" latinLnBrk="0" hangingPunct="1">
-                        <a:lnSpc>
-                          <a:spcPct val="100000"/>
-                        </a:lnSpc>
-                        <a:spcBef>
-                          <a:spcPts val="0"/>
-                        </a:spcBef>
-                        <a:spcAft>
-                          <a:spcPts val="0"/>
-                        </a:spcAft>
-                        <a:buClrTx/>
-                        <a:buSzTx/>
-                        <a:buFontTx/>
-                        <a:buNone/>
-                        <a:tabLst/>
-                        <a:defRPr/>
-                      </a:pPr>
-                      <a:endParaRPr lang="en-GB" dirty="0"/>
-                    </a:p>
-                  </a:txBody>
-                  <a:tcPr/>
-                </a:tc>
-                <a:tc>
-                  <a:txBody>
-                    <a:bodyPr/>
-                    <a:lstStyle/>
-                    <a:p>
-                      <a:pPr marL="0" marR="0" lvl="0" indent="0" algn="l" defTabSz="914400" rtl="0" eaLnBrk="1" fontAlgn="auto" latinLnBrk="0" hangingPunct="1">
-                        <a:lnSpc>
-                          <a:spcPct val="100000"/>
-                        </a:lnSpc>
-                        <a:spcBef>
-                          <a:spcPts val="0"/>
-                        </a:spcBef>
-                        <a:spcAft>
-                          <a:spcPts val="0"/>
-                        </a:spcAft>
-                        <a:buClrTx/>
-                        <a:buSzTx/>
-                        <a:buFontTx/>
-                        <a:buNone/>
-                        <a:tabLst/>
-                        <a:defRPr/>
-                      </a:pPr>
-                      <a:endParaRPr lang="en-GB" dirty="0"/>
-                    </a:p>
-                  </a:txBody>
-                  <a:tcPr/>
-                </a:tc>
-                <a:tc>
-                  <a:txBody>
-                    <a:bodyPr/>
-                    <a:lstStyle/>
-                    <a:p>
-                      <a:endParaRPr lang="en-GB" dirty="0"/>
-                    </a:p>
-                  </a:txBody>
-                  <a:tcPr/>
-                </a:tc>
-                <a:extLst>
-                  <a:ext uri="{0D108BD9-81ED-4DB2-BD59-A6C34878D82A}">
-                    <a16:rowId xmlns:a16="http://schemas.microsoft.com/office/drawing/2014/main" val="1840000005"/>
-                  </a:ext>
-                </a:extLst>
-              </a:tr>
             </a:tbl>
           </a:graphicData>
         </a:graphic>
@@ -12791,7 +13035,7 @@
         </p:nvSpPr>
         <p:spPr>
           <a:xfrm>
-            <a:off x="682933" y="5937007"/>
+            <a:off x="610838" y="5603047"/>
             <a:ext cx="9073910" cy="802772"/>
           </a:xfrm>
           <a:prstGeom prst="rect">

--- a/Project1/docs/Ball Sort Puzzle.pptx
+++ b/Project1/docs/Ball Sort Puzzle.pptx
@@ -269,7 +269,7 @@
           <a:p>
             <a:fld id="{2B03390F-521F-40ED-9D3B-4287339B36CD}" type="datetimeFigureOut">
               <a:rPr lang="pt-PT" smtClean="0"/>
-              <a:t>01/04/2021</a:t>
+              <a:t>03/04/2021</a:t>
             </a:fld>
             <a:endParaRPr lang="pt-PT"/>
           </a:p>
@@ -467,7 +467,7 @@
           <a:p>
             <a:fld id="{2B03390F-521F-40ED-9D3B-4287339B36CD}" type="datetimeFigureOut">
               <a:rPr lang="pt-PT" smtClean="0"/>
-              <a:t>01/04/2021</a:t>
+              <a:t>03/04/2021</a:t>
             </a:fld>
             <a:endParaRPr lang="pt-PT"/>
           </a:p>
@@ -675,7 +675,7 @@
           <a:p>
             <a:fld id="{2B03390F-521F-40ED-9D3B-4287339B36CD}" type="datetimeFigureOut">
               <a:rPr lang="pt-PT" smtClean="0"/>
-              <a:t>01/04/2021</a:t>
+              <a:t>03/04/2021</a:t>
             </a:fld>
             <a:endParaRPr lang="pt-PT"/>
           </a:p>
@@ -873,7 +873,7 @@
           <a:p>
             <a:fld id="{2B03390F-521F-40ED-9D3B-4287339B36CD}" type="datetimeFigureOut">
               <a:rPr lang="pt-PT" smtClean="0"/>
-              <a:t>01/04/2021</a:t>
+              <a:t>03/04/2021</a:t>
             </a:fld>
             <a:endParaRPr lang="pt-PT"/>
           </a:p>
@@ -1148,7 +1148,7 @@
           <a:p>
             <a:fld id="{2B03390F-521F-40ED-9D3B-4287339B36CD}" type="datetimeFigureOut">
               <a:rPr lang="pt-PT" smtClean="0"/>
-              <a:t>01/04/2021</a:t>
+              <a:t>03/04/2021</a:t>
             </a:fld>
             <a:endParaRPr lang="pt-PT"/>
           </a:p>
@@ -1413,7 +1413,7 @@
           <a:p>
             <a:fld id="{2B03390F-521F-40ED-9D3B-4287339B36CD}" type="datetimeFigureOut">
               <a:rPr lang="pt-PT" smtClean="0"/>
-              <a:t>01/04/2021</a:t>
+              <a:t>03/04/2021</a:t>
             </a:fld>
             <a:endParaRPr lang="pt-PT"/>
           </a:p>
@@ -1830,7 +1830,7 @@
           <a:p>
             <a:fld id="{2B03390F-521F-40ED-9D3B-4287339B36CD}" type="datetimeFigureOut">
               <a:rPr lang="pt-PT" smtClean="0"/>
-              <a:t>01/04/2021</a:t>
+              <a:t>03/04/2021</a:t>
             </a:fld>
             <a:endParaRPr lang="pt-PT"/>
           </a:p>
@@ -1976,7 +1976,7 @@
           <a:p>
             <a:fld id="{2B03390F-521F-40ED-9D3B-4287339B36CD}" type="datetimeFigureOut">
               <a:rPr lang="pt-PT" smtClean="0"/>
-              <a:t>01/04/2021</a:t>
+              <a:t>03/04/2021</a:t>
             </a:fld>
             <a:endParaRPr lang="pt-PT"/>
           </a:p>
@@ -2089,7 +2089,7 @@
           <a:p>
             <a:fld id="{2B03390F-521F-40ED-9D3B-4287339B36CD}" type="datetimeFigureOut">
               <a:rPr lang="pt-PT" smtClean="0"/>
-              <a:t>01/04/2021</a:t>
+              <a:t>03/04/2021</a:t>
             </a:fld>
             <a:endParaRPr lang="pt-PT"/>
           </a:p>
@@ -2400,7 +2400,7 @@
           <a:p>
             <a:fld id="{2B03390F-521F-40ED-9D3B-4287339B36CD}" type="datetimeFigureOut">
               <a:rPr lang="pt-PT" smtClean="0"/>
-              <a:t>01/04/2021</a:t>
+              <a:t>03/04/2021</a:t>
             </a:fld>
             <a:endParaRPr lang="pt-PT"/>
           </a:p>
@@ -2693,7 +2693,7 @@
           <a:p>
             <a:fld id="{2B03390F-521F-40ED-9D3B-4287339B36CD}" type="datetimeFigureOut">
               <a:rPr lang="pt-PT" smtClean="0"/>
-              <a:t>01/04/2021</a:t>
+              <a:t>03/04/2021</a:t>
             </a:fld>
             <a:endParaRPr lang="pt-PT"/>
           </a:p>
@@ -2934,7 +2934,7 @@
           <a:p>
             <a:fld id="{2B03390F-521F-40ED-9D3B-4287339B36CD}" type="datetimeFigureOut">
               <a:rPr lang="pt-PT" smtClean="0"/>
-              <a:t>01/04/2021</a:t>
+              <a:t>03/04/2021</a:t>
             </a:fld>
             <a:endParaRPr lang="pt-PT"/>
           </a:p>
@@ -4593,19 +4593,7 @@
               <a:rPr lang="pt-PT" sz="2200" dirty="0">
                 <a:ea typeface="Roboto" pitchFamily="2" charset="0"/>
               </a:rPr>
-              <a:t> </a:t>
-            </a:r>
-            <a:r>
-              <a:rPr lang="pt-PT" sz="2200" dirty="0" err="1">
-                <a:ea typeface="Roboto" pitchFamily="2" charset="0"/>
-              </a:rPr>
-              <a:t>Colour</a:t>
-            </a:r>
-            <a:r>
-              <a:rPr lang="pt-PT" sz="2200" dirty="0">
-                <a:ea typeface="Roboto" pitchFamily="2" charset="0"/>
-              </a:rPr>
-              <a:t> </a:t>
+              <a:t> Color </a:t>
             </a:r>
             <a:r>
               <a:rPr lang="pt-PT" sz="2200" dirty="0" err="1">
@@ -4720,6 +4708,78 @@
                 <a:ea typeface="Roboto" pitchFamily="2" charset="0"/>
               </a:rPr>
               <a:t>solutions</a:t>
+            </a:r>
+            <a:r>
+              <a:rPr lang="pt-PT" sz="2200" dirty="0">
+                <a:ea typeface="Roboto" pitchFamily="2" charset="0"/>
+              </a:rPr>
+              <a:t> </a:t>
+            </a:r>
+            <a:r>
+              <a:rPr lang="pt-PT" sz="2200" dirty="0" err="1">
+                <a:ea typeface="Roboto" pitchFamily="2" charset="0"/>
+              </a:rPr>
+              <a:t>or</a:t>
+            </a:r>
+            <a:r>
+              <a:rPr lang="pt-PT" sz="2200" dirty="0">
+                <a:ea typeface="Roboto" pitchFamily="2" charset="0"/>
+              </a:rPr>
+              <a:t> </a:t>
+            </a:r>
+            <a:r>
+              <a:rPr lang="pt-PT" sz="2200" dirty="0" err="1">
+                <a:ea typeface="Roboto" pitchFamily="2" charset="0"/>
+              </a:rPr>
+              <a:t>when</a:t>
+            </a:r>
+            <a:r>
+              <a:rPr lang="pt-PT" sz="2200" dirty="0">
+                <a:ea typeface="Roboto" pitchFamily="2" charset="0"/>
+              </a:rPr>
+              <a:t> </a:t>
+            </a:r>
+            <a:r>
+              <a:rPr lang="pt-PT" sz="2200" dirty="0" err="1">
+                <a:ea typeface="Roboto" pitchFamily="2" charset="0"/>
+              </a:rPr>
+              <a:t>the</a:t>
+            </a:r>
+            <a:r>
+              <a:rPr lang="pt-PT" sz="2200" dirty="0">
+                <a:ea typeface="Roboto" pitchFamily="2" charset="0"/>
+              </a:rPr>
+              <a:t> puzzle </a:t>
+            </a:r>
+            <a:r>
+              <a:rPr lang="pt-PT" sz="2200" dirty="0" err="1">
+                <a:ea typeface="Roboto" pitchFamily="2" charset="0"/>
+              </a:rPr>
+              <a:t>is</a:t>
+            </a:r>
+            <a:r>
+              <a:rPr lang="pt-PT" sz="2200" dirty="0">
+                <a:ea typeface="Roboto" pitchFamily="2" charset="0"/>
+              </a:rPr>
+              <a:t> </a:t>
+            </a:r>
+            <a:r>
+              <a:rPr lang="pt-PT" sz="2200" dirty="0" err="1">
+                <a:ea typeface="Roboto" pitchFamily="2" charset="0"/>
+              </a:rPr>
+              <a:t>almost</a:t>
+            </a:r>
+            <a:r>
+              <a:rPr lang="pt-PT" sz="2200" dirty="0">
+                <a:ea typeface="Roboto" pitchFamily="2" charset="0"/>
+              </a:rPr>
+              <a:t> </a:t>
+            </a:r>
+            <a:r>
+              <a:rPr lang="pt-PT" sz="2200" dirty="0" err="1">
+                <a:ea typeface="Roboto" pitchFamily="2" charset="0"/>
+              </a:rPr>
+              <a:t>finished</a:t>
             </a:r>
             <a:r>
               <a:rPr lang="pt-PT" sz="2200" dirty="0">
@@ -5138,17 +5198,8 @@
               <a:rPr lang="pt-PT" sz="2200" dirty="0">
                 <a:ea typeface="Roboto" pitchFamily="2" charset="0"/>
               </a:rPr>
-              <a:t> </a:t>
-            </a:r>
-            <a:r>
-              <a:rPr lang="pt-PT" sz="2200">
-                <a:ea typeface="Roboto" pitchFamily="2" charset="0"/>
-              </a:rPr>
-              <a:t>graph.py file.</a:t>
-            </a:r>
-            <a:endParaRPr lang="pt-PT" sz="2200" dirty="0">
-              <a:ea typeface="Roboto" pitchFamily="2" charset="0"/>
-            </a:endParaRPr>
+              <a:t> graph.py file.</a:t>
+            </a:r>
           </a:p>
         </p:txBody>
       </p:sp>
@@ -6715,7 +6766,55 @@
               <a:rPr lang="pt-PT" sz="2400" dirty="0">
                 <a:ea typeface="Roboto" pitchFamily="2" charset="0"/>
               </a:rPr>
-              <a:t>: [1..∞]</a:t>
+              <a:t>: [1..n] (n = </a:t>
+            </a:r>
+            <a:r>
+              <a:rPr lang="pt-PT" sz="2400" dirty="0" err="1">
+                <a:ea typeface="Roboto" pitchFamily="2" charset="0"/>
+              </a:rPr>
+              <a:t>the</a:t>
+            </a:r>
+            <a:r>
+              <a:rPr lang="pt-PT" sz="2400" dirty="0">
+                <a:ea typeface="Roboto" pitchFamily="2" charset="0"/>
+              </a:rPr>
+              <a:t> </a:t>
+            </a:r>
+            <a:r>
+              <a:rPr lang="pt-PT" sz="2400" dirty="0" err="1">
+                <a:ea typeface="Roboto" pitchFamily="2" charset="0"/>
+              </a:rPr>
+              <a:t>number</a:t>
+            </a:r>
+            <a:r>
+              <a:rPr lang="pt-PT" sz="2400" dirty="0">
+                <a:ea typeface="Roboto" pitchFamily="2" charset="0"/>
+              </a:rPr>
+              <a:t> </a:t>
+            </a:r>
+            <a:r>
+              <a:rPr lang="pt-PT" sz="2400" dirty="0" err="1">
+                <a:ea typeface="Roboto" pitchFamily="2" charset="0"/>
+              </a:rPr>
+              <a:t>of</a:t>
+            </a:r>
+            <a:r>
+              <a:rPr lang="pt-PT" sz="2400" dirty="0">
+                <a:ea typeface="Roboto" pitchFamily="2" charset="0"/>
+              </a:rPr>
+              <a:t> </a:t>
+            </a:r>
+            <a:r>
+              <a:rPr lang="pt-PT" sz="2400" dirty="0" err="1">
+                <a:ea typeface="Roboto" pitchFamily="2" charset="0"/>
+              </a:rPr>
+              <a:t>colors</a:t>
+            </a:r>
+            <a:r>
+              <a:rPr lang="pt-PT" sz="2400" dirty="0">
+                <a:ea typeface="Roboto" pitchFamily="2" charset="0"/>
+              </a:rPr>
+              <a:t>)</a:t>
             </a:r>
           </a:p>
           <a:p>
@@ -7797,7 +7896,7 @@
         </p:nvSpPr>
         <p:spPr>
           <a:xfrm flipH="1">
-            <a:off x="559714" y="1630363"/>
+            <a:off x="559714" y="1621974"/>
             <a:ext cx="10515599" cy="4779962"/>
           </a:xfrm>
         </p:spPr>
@@ -8023,7 +8122,7 @@
               <a:rPr lang="pt-PT" sz="2400" dirty="0" err="1">
                 <a:ea typeface="Roboto" pitchFamily="2" charset="0"/>
               </a:rPr>
-              <a:t>diferent</a:t>
+              <a:t>different</a:t>
             </a:r>
             <a:r>
               <a:rPr lang="pt-PT" sz="2400" dirty="0">
@@ -8903,13 +9002,13 @@
         </p:nvSpPr>
         <p:spPr>
           <a:xfrm>
-            <a:off x="559716" y="1796255"/>
-            <a:ext cx="11072568" cy="4351338"/>
+            <a:off x="559716" y="1630363"/>
+            <a:ext cx="11072568" cy="1968514"/>
           </a:xfrm>
         </p:spPr>
         <p:txBody>
           <a:bodyPr>
-            <a:normAutofit/>
+            <a:normAutofit fontScale="85000" lnSpcReduction="10000"/>
           </a:bodyPr>
           <a:lstStyle/>
           <a:p>
@@ -9064,7 +9163,19 @@
               <a:rPr lang="pt-PT" sz="2400" dirty="0">
                 <a:ea typeface="Roboto" pitchFamily="2" charset="0"/>
               </a:rPr>
-              <a:t> in a tube. For </a:t>
+              <a:t> in a tube, </a:t>
+            </a:r>
+            <a:r>
+              <a:rPr lang="en-US" sz="2400" dirty="0">
+                <a:ea typeface="Roboto" pitchFamily="2" charset="0"/>
+              </a:rPr>
+              <a:t>assuming that it will be needed at least one move per ball to put them in the correct place</a:t>
+            </a:r>
+            <a:r>
+              <a:rPr lang="pt-PT" sz="2400" dirty="0">
+                <a:ea typeface="Roboto" pitchFamily="2" charset="0"/>
+              </a:rPr>
+              <a:t>. For </a:t>
             </a:r>
             <a:r>
               <a:rPr lang="pt-PT" sz="2400" dirty="0" err="1">
@@ -9196,13 +9307,13 @@
               <a:rPr lang="pt-PT" sz="2400" dirty="0">
                 <a:ea typeface="Roboto" pitchFamily="2" charset="0"/>
               </a:rPr>
-              <a:t>: </a:t>
+              <a:t>. </a:t>
             </a:r>
             <a:r>
               <a:rPr lang="pt-PT" sz="2400" dirty="0" err="1">
                 <a:ea typeface="Roboto" pitchFamily="2" charset="0"/>
               </a:rPr>
-              <a:t>minimum</a:t>
+              <a:t>The</a:t>
             </a:r>
             <a:r>
               <a:rPr lang="pt-PT" sz="2400" dirty="0">
@@ -9214,7 +9325,7 @@
               <a:rPr lang="pt-PT" sz="2400" dirty="0" err="1">
                 <a:ea typeface="Roboto" pitchFamily="2" charset="0"/>
               </a:rPr>
-              <a:t>number</a:t>
+              <a:t>first</a:t>
             </a:r>
             <a:r>
               <a:rPr lang="pt-PT" sz="2400" dirty="0">
@@ -9226,169 +9337,54 @@
               <a:rPr lang="pt-PT" sz="2400" dirty="0" err="1">
                 <a:ea typeface="Roboto" pitchFamily="2" charset="0"/>
               </a:rPr>
-              <a:t>of</a:t>
+              <a:t>one</a:t>
             </a:r>
             <a:r>
               <a:rPr lang="pt-PT" sz="2400" dirty="0">
                 <a:ea typeface="Roboto" pitchFamily="2" charset="0"/>
               </a:rPr>
-              <a:t> moves to </a:t>
+              <a:t> </a:t>
             </a:r>
             <a:r>
               <a:rPr lang="pt-PT" sz="2400" dirty="0" err="1">
                 <a:ea typeface="Roboto" pitchFamily="2" charset="0"/>
               </a:rPr>
-              <a:t>fill</a:t>
+              <a:t>calculates</a:t>
             </a:r>
             <a:r>
               <a:rPr lang="pt-PT" sz="2400" dirty="0">
                 <a:ea typeface="Roboto" pitchFamily="2" charset="0"/>
               </a:rPr>
-              <a:t> a tube, </a:t>
-            </a:r>
-            <a:r>
-              <a:rPr lang="pt-PT" sz="2400" dirty="0" err="1">
-                <a:ea typeface="Roboto" pitchFamily="2" charset="0"/>
-              </a:rPr>
-              <a:t>assuming</a:t>
+              <a:t> </a:t>
+            </a:r>
+            <a:r>
+              <a:rPr lang="en-US" sz="2400" dirty="0">
+                <a:ea typeface="Roboto" pitchFamily="2" charset="0"/>
+              </a:rPr>
+              <a:t>the maximum number of consecutive balls of the same color for each color and estimates the cost by calculating how many are needed to have the 4 balls of the same color in the same tube</a:t>
             </a:r>
             <a:r>
               <a:rPr lang="pt-PT" sz="2400" dirty="0">
                 <a:ea typeface="Roboto" pitchFamily="2" charset="0"/>
               </a:rPr>
-              <a:t> </a:t>
-            </a:r>
-            <a:r>
-              <a:rPr lang="pt-PT" sz="2400" dirty="0" err="1">
-                <a:ea typeface="Roboto" pitchFamily="2" charset="0"/>
-              </a:rPr>
-              <a:t>we</a:t>
-            </a:r>
+              <a:t>. </a:t>
+            </a:r>
+            <a:r>
+              <a:rPr lang="en-US" sz="2400" dirty="0">
+                <a:ea typeface="Roboto" pitchFamily="2" charset="0"/>
+              </a:rPr>
+              <a:t>This heuristic calculates a score based on the number of consecutive balls of the same color and the number of empty tubes. </a:t>
+            </a:r>
+          </a:p>
+          <a:p>
+            <a:pPr marL="0" indent="0">
+              <a:buNone/>
+            </a:pPr>
             <a:r>
               <a:rPr lang="pt-PT" sz="2400" dirty="0">
                 <a:ea typeface="Roboto" pitchFamily="2" charset="0"/>
               </a:rPr>
-              <a:t> can move </a:t>
-            </a:r>
-            <a:r>
-              <a:rPr lang="pt-PT" sz="2400" dirty="0" err="1">
-                <a:ea typeface="Roboto" pitchFamily="2" charset="0"/>
-              </a:rPr>
-              <a:t>any</a:t>
-            </a:r>
-            <a:r>
-              <a:rPr lang="pt-PT" sz="2400" dirty="0">
-                <a:ea typeface="Roboto" pitchFamily="2" charset="0"/>
-              </a:rPr>
-              <a:t> </a:t>
-            </a:r>
-            <a:r>
-              <a:rPr lang="pt-PT" sz="2400" dirty="0" err="1">
-                <a:ea typeface="Roboto" pitchFamily="2" charset="0"/>
-              </a:rPr>
-              <a:t>ball</a:t>
-            </a:r>
-            <a:r>
-              <a:rPr lang="pt-PT" sz="2400" dirty="0">
-                <a:ea typeface="Roboto" pitchFamily="2" charset="0"/>
-              </a:rPr>
-              <a:t> in a tube; </a:t>
-            </a:r>
-            <a:r>
-              <a:rPr lang="pt-PT" sz="2400" dirty="0" err="1">
-                <a:ea typeface="Roboto" pitchFamily="2" charset="0"/>
-              </a:rPr>
-              <a:t>number</a:t>
-            </a:r>
-            <a:r>
-              <a:rPr lang="pt-PT" sz="2400" dirty="0">
-                <a:ea typeface="Roboto" pitchFamily="2" charset="0"/>
-              </a:rPr>
-              <a:t> </a:t>
-            </a:r>
-            <a:r>
-              <a:rPr lang="pt-PT" sz="2400" dirty="0" err="1">
-                <a:ea typeface="Roboto" pitchFamily="2" charset="0"/>
-              </a:rPr>
-              <a:t>of</a:t>
-            </a:r>
-            <a:r>
-              <a:rPr lang="pt-PT" sz="2400" dirty="0">
-                <a:ea typeface="Roboto" pitchFamily="2" charset="0"/>
-              </a:rPr>
-              <a:t> </a:t>
-            </a:r>
-            <a:r>
-              <a:rPr lang="pt-PT" sz="2400" dirty="0" err="1">
-                <a:ea typeface="Roboto" pitchFamily="2" charset="0"/>
-              </a:rPr>
-              <a:t>consecutive</a:t>
-            </a:r>
-            <a:r>
-              <a:rPr lang="pt-PT" sz="2400" dirty="0">
-                <a:ea typeface="Roboto" pitchFamily="2" charset="0"/>
-              </a:rPr>
-              <a:t> </a:t>
-            </a:r>
-            <a:r>
-              <a:rPr lang="pt-PT" sz="2400" dirty="0" err="1">
-                <a:ea typeface="Roboto" pitchFamily="2" charset="0"/>
-              </a:rPr>
-              <a:t>balls</a:t>
-            </a:r>
-            <a:r>
-              <a:rPr lang="pt-PT" sz="2400" dirty="0">
-                <a:ea typeface="Roboto" pitchFamily="2" charset="0"/>
-              </a:rPr>
-              <a:t> </a:t>
-            </a:r>
-            <a:r>
-              <a:rPr lang="pt-PT" sz="2400" dirty="0" err="1">
-                <a:ea typeface="Roboto" pitchFamily="2" charset="0"/>
-              </a:rPr>
-              <a:t>with</a:t>
-            </a:r>
-            <a:r>
-              <a:rPr lang="pt-PT" sz="2400" dirty="0">
-                <a:ea typeface="Roboto" pitchFamily="2" charset="0"/>
-              </a:rPr>
-              <a:t> </a:t>
-            </a:r>
-            <a:r>
-              <a:rPr lang="pt-PT" sz="2400" dirty="0" err="1">
-                <a:ea typeface="Roboto" pitchFamily="2" charset="0"/>
-              </a:rPr>
-              <a:t>the</a:t>
-            </a:r>
-            <a:r>
-              <a:rPr lang="pt-PT" sz="2400" dirty="0">
-                <a:ea typeface="Roboto" pitchFamily="2" charset="0"/>
-              </a:rPr>
-              <a:t> </a:t>
-            </a:r>
-            <a:r>
-              <a:rPr lang="pt-PT" sz="2400" dirty="0" err="1">
-                <a:ea typeface="Roboto" pitchFamily="2" charset="0"/>
-              </a:rPr>
-              <a:t>same</a:t>
-            </a:r>
-            <a:r>
-              <a:rPr lang="pt-PT" sz="2400" dirty="0">
-                <a:ea typeface="Roboto" pitchFamily="2" charset="0"/>
-              </a:rPr>
-              <a:t> </a:t>
-            </a:r>
-            <a:r>
-              <a:rPr lang="pt-PT" sz="2400" dirty="0" err="1">
-                <a:ea typeface="Roboto" pitchFamily="2" charset="0"/>
-              </a:rPr>
-              <a:t>colour</a:t>
-            </a:r>
-            <a:r>
-              <a:rPr lang="pt-PT" sz="2400" dirty="0">
-                <a:ea typeface="Roboto" pitchFamily="2" charset="0"/>
-              </a:rPr>
-              <a:t>. Ex:</a:t>
+              <a:t>Ex:</a:t>
             </a:r>
           </a:p>
         </p:txBody>
@@ -9538,7 +9534,7 @@
         </p:blipFill>
         <p:spPr>
           <a:xfrm>
-            <a:off x="7650816" y="3141005"/>
+            <a:off x="7545761" y="3300396"/>
             <a:ext cx="2138987" cy="3104098"/>
           </a:xfrm>
           <a:prstGeom prst="rect">
@@ -9875,7 +9871,7 @@
         </p:nvSpPr>
         <p:spPr>
           <a:xfrm>
-            <a:off x="559716" y="1796255"/>
+            <a:off x="559716" y="1620086"/>
             <a:ext cx="11072568" cy="4351338"/>
           </a:xfrm>
         </p:spPr>
@@ -10293,7 +10289,7 @@
               <a:rPr lang="pt-PT" sz="2200" dirty="0" err="1">
                 <a:ea typeface="Roboto" pitchFamily="2" charset="0"/>
               </a:rPr>
-              <a:t>seperate</a:t>
+              <a:t>separate</a:t>
             </a:r>
             <a:r>
               <a:rPr lang="pt-PT" sz="2200" dirty="0">
@@ -11925,178 +11921,10 @@
               <a:buNone/>
             </a:pPr>
             <a:r>
-              <a:rPr lang="pt-PT" sz="2200" dirty="0">
-                <a:ea typeface="Roboto" pitchFamily="2" charset="0"/>
-              </a:rPr>
-              <a:t>To </a:t>
-            </a:r>
-            <a:r>
-              <a:rPr lang="pt-PT" sz="2200" dirty="0" err="1">
-                <a:ea typeface="Roboto" pitchFamily="2" charset="0"/>
-              </a:rPr>
-              <a:t>analyze</a:t>
-            </a:r>
-            <a:r>
-              <a:rPr lang="pt-PT" sz="2200" dirty="0">
-                <a:ea typeface="Roboto" pitchFamily="2" charset="0"/>
-              </a:rPr>
-              <a:t> </a:t>
-            </a:r>
-            <a:r>
-              <a:rPr lang="pt-PT" sz="2200" dirty="0" err="1">
-                <a:ea typeface="Roboto" pitchFamily="2" charset="0"/>
-              </a:rPr>
-              <a:t>and</a:t>
-            </a:r>
-            <a:r>
-              <a:rPr lang="pt-PT" sz="2200" dirty="0">
-                <a:ea typeface="Roboto" pitchFamily="2" charset="0"/>
-              </a:rPr>
-              <a:t> compare </a:t>
-            </a:r>
-            <a:r>
-              <a:rPr lang="pt-PT" sz="2200" dirty="0" err="1">
-                <a:ea typeface="Roboto" pitchFamily="2" charset="0"/>
-              </a:rPr>
-              <a:t>the</a:t>
-            </a:r>
-            <a:r>
-              <a:rPr lang="pt-PT" sz="2200" dirty="0">
-                <a:ea typeface="Roboto" pitchFamily="2" charset="0"/>
-              </a:rPr>
-              <a:t> diferente </a:t>
-            </a:r>
-            <a:r>
-              <a:rPr lang="pt-PT" sz="2200" dirty="0" err="1">
-                <a:ea typeface="Roboto" pitchFamily="2" charset="0"/>
-              </a:rPr>
-              <a:t>algorithms</a:t>
-            </a:r>
-            <a:r>
-              <a:rPr lang="pt-PT" sz="2200" dirty="0">
-                <a:ea typeface="Roboto" pitchFamily="2" charset="0"/>
-              </a:rPr>
-              <a:t>, </a:t>
-            </a:r>
-            <a:r>
-              <a:rPr lang="pt-PT" sz="2200" dirty="0" err="1">
-                <a:ea typeface="Roboto" pitchFamily="2" charset="0"/>
-              </a:rPr>
-              <a:t>we</a:t>
-            </a:r>
-            <a:r>
-              <a:rPr lang="pt-PT" sz="2200" dirty="0">
-                <a:ea typeface="Roboto" pitchFamily="2" charset="0"/>
-              </a:rPr>
-              <a:t> </a:t>
-            </a:r>
-            <a:r>
-              <a:rPr lang="pt-PT" sz="2200" dirty="0" err="1">
-                <a:ea typeface="Roboto" pitchFamily="2" charset="0"/>
-              </a:rPr>
-              <a:t>used</a:t>
-            </a:r>
-            <a:r>
-              <a:rPr lang="pt-PT" sz="2200" dirty="0">
-                <a:ea typeface="Roboto" pitchFamily="2" charset="0"/>
-              </a:rPr>
-              <a:t> 25 </a:t>
-            </a:r>
-            <a:r>
-              <a:rPr lang="pt-PT" sz="2200" dirty="0" err="1">
-                <a:ea typeface="Roboto" pitchFamily="2" charset="0"/>
-              </a:rPr>
-              <a:t>pre-existing</a:t>
-            </a:r>
-            <a:r>
-              <a:rPr lang="pt-PT" sz="2200" dirty="0">
-                <a:ea typeface="Roboto" pitchFamily="2" charset="0"/>
-              </a:rPr>
-              <a:t> </a:t>
-            </a:r>
-            <a:r>
-              <a:rPr lang="pt-PT" sz="2200" dirty="0" err="1">
-                <a:ea typeface="Roboto" pitchFamily="2" charset="0"/>
-              </a:rPr>
-              <a:t>levels</a:t>
-            </a:r>
-            <a:r>
-              <a:rPr lang="pt-PT" sz="2200" dirty="0">
-                <a:ea typeface="Roboto" pitchFamily="2" charset="0"/>
-              </a:rPr>
-              <a:t>. </a:t>
-            </a:r>
-            <a:r>
-              <a:rPr lang="pt-PT" sz="2200" dirty="0" err="1">
-                <a:ea typeface="Roboto" pitchFamily="2" charset="0"/>
-              </a:rPr>
-              <a:t>Below</a:t>
-            </a:r>
-            <a:r>
-              <a:rPr lang="pt-PT" sz="2200" dirty="0">
-                <a:ea typeface="Roboto" pitchFamily="2" charset="0"/>
-              </a:rPr>
-              <a:t> are </a:t>
-            </a:r>
-            <a:r>
-              <a:rPr lang="pt-PT" sz="2200" dirty="0" err="1">
-                <a:ea typeface="Roboto" pitchFamily="2" charset="0"/>
-              </a:rPr>
-              <a:t>the</a:t>
-            </a:r>
-            <a:r>
-              <a:rPr lang="pt-PT" sz="2200" dirty="0">
-                <a:ea typeface="Roboto" pitchFamily="2" charset="0"/>
-              </a:rPr>
-              <a:t> </a:t>
-            </a:r>
-            <a:r>
-              <a:rPr lang="pt-PT" sz="2200" dirty="0" err="1">
-                <a:ea typeface="Roboto" pitchFamily="2" charset="0"/>
-              </a:rPr>
-              <a:t>results</a:t>
-            </a:r>
-            <a:r>
-              <a:rPr lang="pt-PT" sz="2200" dirty="0">
-                <a:ea typeface="Roboto" pitchFamily="2" charset="0"/>
-              </a:rPr>
-              <a:t> </a:t>
-            </a:r>
-            <a:r>
-              <a:rPr lang="pt-PT" sz="2200" dirty="0" err="1">
-                <a:ea typeface="Roboto" pitchFamily="2" charset="0"/>
-              </a:rPr>
-              <a:t>of</a:t>
-            </a:r>
-            <a:r>
-              <a:rPr lang="pt-PT" sz="2200" dirty="0">
-                <a:ea typeface="Roboto" pitchFamily="2" charset="0"/>
-              </a:rPr>
-              <a:t> </a:t>
-            </a:r>
-            <a:r>
-              <a:rPr lang="pt-PT" sz="2200" dirty="0" err="1">
-                <a:ea typeface="Roboto" pitchFamily="2" charset="0"/>
-              </a:rPr>
-              <a:t>such</a:t>
-            </a:r>
-            <a:r>
-              <a:rPr lang="pt-PT" sz="2200" dirty="0">
-                <a:ea typeface="Roboto" pitchFamily="2" charset="0"/>
-              </a:rPr>
-              <a:t> </a:t>
-            </a:r>
-            <a:r>
-              <a:rPr lang="pt-PT" sz="2200" dirty="0" err="1">
-                <a:ea typeface="Roboto" pitchFamily="2" charset="0"/>
-              </a:rPr>
-              <a:t>tests</a:t>
-            </a:r>
-            <a:r>
-              <a:rPr lang="pt-PT" sz="2200" dirty="0">
-                <a:ea typeface="Roboto" pitchFamily="2" charset="0"/>
-              </a:rPr>
-              <a:t>.</a:t>
+              <a:rPr lang="en-US" sz="2200" dirty="0">
+                <a:ea typeface="Roboto" pitchFamily="2" charset="0"/>
+              </a:rPr>
+              <a:t>To analyze and compare the different algorithms, we used 25 pre-existing levels. Below are the results of such tests.</a:t>
             </a:r>
           </a:p>
         </p:txBody>
@@ -13021,682 +12849,1467 @@
       </p:graphicFrame>
       <p:sp>
         <p:nvSpPr>
-          <p:cNvPr id="7" name="Marcador de Posição de Conteúdo 2">
+          <p:cNvPr id="8" name="Rectangle 1">
             <a:extLst>
               <a:ext uri="{FF2B5EF4-FFF2-40B4-BE49-F238E27FC236}">
-                <a16:creationId xmlns:a16="http://schemas.microsoft.com/office/drawing/2014/main" id="{62223C5A-A7D0-4D65-BA6F-31CD11DBE21B}"/>
+                <a16:creationId xmlns:a16="http://schemas.microsoft.com/office/drawing/2014/main" id="{C762F479-CED1-4D31-A5E5-5DAA3D36E5CC}"/>
               </a:ext>
             </a:extLst>
           </p:cNvPr>
-          <p:cNvSpPr txBox="1">
-            <a:spLocks/>
+          <p:cNvSpPr>
+            <a:spLocks noChangeArrowheads="1"/>
           </p:cNvSpPr>
           <p:nvPr/>
         </p:nvSpPr>
-        <p:spPr>
+        <p:spPr bwMode="auto">
           <a:xfrm>
-            <a:off x="610838" y="5603047"/>
-            <a:ext cx="9073910" cy="802772"/>
+            <a:off x="559716" y="5599093"/>
+            <a:ext cx="9028901" cy="954107"/>
           </a:xfrm>
           <a:prstGeom prst="rect">
             <a:avLst/>
           </a:prstGeom>
+          <a:noFill/>
+          <a:ln>
+            <a:noFill/>
+          </a:ln>
+          <a:effectLst/>
+          <a:extLst>
+            <a:ext uri="{909E8E84-426E-40DD-AFC4-6F175D3DCCD1}">
+              <a14:hiddenFill xmlns:a14="http://schemas.microsoft.com/office/drawing/2010/main">
+                <a:solidFill>
+                  <a:schemeClr val="accent1"/>
+                </a:solidFill>
+              </a14:hiddenFill>
+            </a:ext>
+            <a:ext uri="{91240B29-F687-4F45-9708-019B960494DF}">
+              <a14:hiddenLine xmlns:a14="http://schemas.microsoft.com/office/drawing/2010/main" w="9525">
+                <a:solidFill>
+                  <a:schemeClr val="tx1"/>
+                </a:solidFill>
+                <a:miter lim="800000"/>
+                <a:headEnd/>
+                <a:tailEnd/>
+              </a14:hiddenLine>
+            </a:ext>
+            <a:ext uri="{AF507438-7753-43E0-B8FC-AC1667EBCBE1}">
+              <a14:hiddenEffects xmlns:a14="http://schemas.microsoft.com/office/drawing/2010/main">
+                <a:effectLst>
+                  <a:outerShdw dist="35921" dir="2700000" algn="ctr" rotWithShape="0">
+                    <a:schemeClr val="bg2"/>
+                  </a:outerShdw>
+                </a:effectLst>
+              </a14:hiddenEffects>
+            </a:ext>
+          </a:extLst>
         </p:spPr>
         <p:txBody>
-          <a:bodyPr vert="horz" lIns="91440" tIns="45720" rIns="91440" bIns="45720" rtlCol="0">
-            <a:normAutofit lnSpcReduction="10000"/>
+          <a:bodyPr vert="horz" wrap="square" lIns="91440" tIns="45720" rIns="91440" bIns="45720" numCol="1" anchor="ctr" anchorCtr="0" compatLnSpc="1">
+            <a:prstTxWarp prst="textNoShape">
+              <a:avLst/>
+            </a:prstTxWarp>
+            <a:spAutoFit/>
           </a:bodyPr>
           <a:lstStyle>
-            <a:lvl1pPr marL="228600" indent="-228600" algn="l" defTabSz="914400" rtl="0" eaLnBrk="1" latinLnBrk="0" hangingPunct="1">
-              <a:lnSpc>
-                <a:spcPct val="90000"/>
-              </a:lnSpc>
+            <a:lvl1pPr eaLnBrk="0" fontAlgn="base" hangingPunct="0">
               <a:spcBef>
-                <a:spcPts val="1000"/>
+                <a:spcPct val="0"/>
               </a:spcBef>
-              <a:buFont typeface="Arial" panose="020B0604020202020204" pitchFamily="34" charset="0"/>
-              <a:buChar char="•"/>
-              <a:defRPr sz="2800" kern="1200">
+              <a:spcAft>
+                <a:spcPct val="0"/>
+              </a:spcAft>
+              <a:defRPr>
                 <a:solidFill>
                   <a:schemeClr val="tx1"/>
                 </a:solidFill>
-                <a:latin typeface="+mn-lt"/>
-                <a:ea typeface="+mn-ea"/>
-                <a:cs typeface="+mn-cs"/>
+                <a:latin typeface="Arial" panose="020B0604020202020204" pitchFamily="34" charset="0"/>
               </a:defRPr>
             </a:lvl1pPr>
-            <a:lvl2pPr marL="685800" indent="-228600" algn="l" defTabSz="914400" rtl="0" eaLnBrk="1" latinLnBrk="0" hangingPunct="1">
-              <a:lnSpc>
-                <a:spcPct val="90000"/>
-              </a:lnSpc>
+            <a:lvl2pPr eaLnBrk="0" fontAlgn="base" hangingPunct="0">
               <a:spcBef>
-                <a:spcPts val="500"/>
+                <a:spcPct val="0"/>
               </a:spcBef>
-              <a:buFont typeface="Arial" panose="020B0604020202020204" pitchFamily="34" charset="0"/>
-              <a:buChar char="•"/>
-              <a:defRPr sz="2400" kern="1200">
+              <a:spcAft>
+                <a:spcPct val="0"/>
+              </a:spcAft>
+              <a:defRPr>
                 <a:solidFill>
                   <a:schemeClr val="tx1"/>
                 </a:solidFill>
-                <a:latin typeface="+mn-lt"/>
-                <a:ea typeface="+mn-ea"/>
-                <a:cs typeface="+mn-cs"/>
+                <a:latin typeface="Arial" panose="020B0604020202020204" pitchFamily="34" charset="0"/>
               </a:defRPr>
             </a:lvl2pPr>
-            <a:lvl3pPr marL="1143000" indent="-228600" algn="l" defTabSz="914400" rtl="0" eaLnBrk="1" latinLnBrk="0" hangingPunct="1">
-              <a:lnSpc>
-                <a:spcPct val="90000"/>
-              </a:lnSpc>
+            <a:lvl3pPr eaLnBrk="0" fontAlgn="base" hangingPunct="0">
               <a:spcBef>
-                <a:spcPts val="500"/>
+                <a:spcPct val="0"/>
               </a:spcBef>
-              <a:buFont typeface="Arial" panose="020B0604020202020204" pitchFamily="34" charset="0"/>
-              <a:buChar char="•"/>
-              <a:defRPr sz="2000" kern="1200">
+              <a:spcAft>
+                <a:spcPct val="0"/>
+              </a:spcAft>
+              <a:defRPr>
                 <a:solidFill>
                   <a:schemeClr val="tx1"/>
                 </a:solidFill>
-                <a:latin typeface="+mn-lt"/>
-                <a:ea typeface="+mn-ea"/>
-                <a:cs typeface="+mn-cs"/>
+                <a:latin typeface="Arial" panose="020B0604020202020204" pitchFamily="34" charset="0"/>
               </a:defRPr>
             </a:lvl3pPr>
-            <a:lvl4pPr marL="1600200" indent="-228600" algn="l" defTabSz="914400" rtl="0" eaLnBrk="1" latinLnBrk="0" hangingPunct="1">
-              <a:lnSpc>
-                <a:spcPct val="90000"/>
-              </a:lnSpc>
+            <a:lvl4pPr eaLnBrk="0" fontAlgn="base" hangingPunct="0">
               <a:spcBef>
-                <a:spcPts val="500"/>
+                <a:spcPct val="0"/>
               </a:spcBef>
-              <a:buFont typeface="Arial" panose="020B0604020202020204" pitchFamily="34" charset="0"/>
-              <a:buChar char="•"/>
-              <a:defRPr sz="1800" kern="1200">
+              <a:spcAft>
+                <a:spcPct val="0"/>
+              </a:spcAft>
+              <a:defRPr>
                 <a:solidFill>
                   <a:schemeClr val="tx1"/>
                 </a:solidFill>
-                <a:latin typeface="+mn-lt"/>
-                <a:ea typeface="+mn-ea"/>
-                <a:cs typeface="+mn-cs"/>
+                <a:latin typeface="Arial" panose="020B0604020202020204" pitchFamily="34" charset="0"/>
               </a:defRPr>
             </a:lvl4pPr>
-            <a:lvl5pPr marL="2057400" indent="-228600" algn="l" defTabSz="914400" rtl="0" eaLnBrk="1" latinLnBrk="0" hangingPunct="1">
-              <a:lnSpc>
-                <a:spcPct val="90000"/>
-              </a:lnSpc>
+            <a:lvl5pPr eaLnBrk="0" fontAlgn="base" hangingPunct="0">
               <a:spcBef>
-                <a:spcPts val="500"/>
+                <a:spcPct val="0"/>
               </a:spcBef>
-              <a:buFont typeface="Arial" panose="020B0604020202020204" pitchFamily="34" charset="0"/>
-              <a:buChar char="•"/>
-              <a:defRPr sz="1800" kern="1200">
+              <a:spcAft>
+                <a:spcPct val="0"/>
+              </a:spcAft>
+              <a:defRPr>
                 <a:solidFill>
                   <a:schemeClr val="tx1"/>
                 </a:solidFill>
-                <a:latin typeface="+mn-lt"/>
-                <a:ea typeface="+mn-ea"/>
-                <a:cs typeface="+mn-cs"/>
+                <a:latin typeface="Arial" panose="020B0604020202020204" pitchFamily="34" charset="0"/>
               </a:defRPr>
             </a:lvl5pPr>
-            <a:lvl6pPr marL="2514600" indent="-228600" algn="l" defTabSz="914400" rtl="0" eaLnBrk="1" latinLnBrk="0" hangingPunct="1">
-              <a:lnSpc>
-                <a:spcPct val="90000"/>
-              </a:lnSpc>
+            <a:lvl6pPr eaLnBrk="0" fontAlgn="base" hangingPunct="0">
               <a:spcBef>
-                <a:spcPts val="500"/>
+                <a:spcPct val="0"/>
               </a:spcBef>
-              <a:buFont typeface="Arial" panose="020B0604020202020204" pitchFamily="34" charset="0"/>
-              <a:buChar char="•"/>
-              <a:defRPr sz="1800" kern="1200">
+              <a:spcAft>
+                <a:spcPct val="0"/>
+              </a:spcAft>
+              <a:defRPr>
                 <a:solidFill>
                   <a:schemeClr val="tx1"/>
                 </a:solidFill>
-                <a:latin typeface="+mn-lt"/>
-                <a:ea typeface="+mn-ea"/>
-                <a:cs typeface="+mn-cs"/>
+                <a:latin typeface="Arial" panose="020B0604020202020204" pitchFamily="34" charset="0"/>
               </a:defRPr>
             </a:lvl6pPr>
-            <a:lvl7pPr marL="2971800" indent="-228600" algn="l" defTabSz="914400" rtl="0" eaLnBrk="1" latinLnBrk="0" hangingPunct="1">
-              <a:lnSpc>
-                <a:spcPct val="90000"/>
-              </a:lnSpc>
+            <a:lvl7pPr eaLnBrk="0" fontAlgn="base" hangingPunct="0">
               <a:spcBef>
-                <a:spcPts val="500"/>
+                <a:spcPct val="0"/>
               </a:spcBef>
-              <a:buFont typeface="Arial" panose="020B0604020202020204" pitchFamily="34" charset="0"/>
-              <a:buChar char="•"/>
-              <a:defRPr sz="1800" kern="1200">
+              <a:spcAft>
+                <a:spcPct val="0"/>
+              </a:spcAft>
+              <a:defRPr>
                 <a:solidFill>
                   <a:schemeClr val="tx1"/>
                 </a:solidFill>
-                <a:latin typeface="+mn-lt"/>
-                <a:ea typeface="+mn-ea"/>
-                <a:cs typeface="+mn-cs"/>
+                <a:latin typeface="Arial" panose="020B0604020202020204" pitchFamily="34" charset="0"/>
               </a:defRPr>
             </a:lvl7pPr>
-            <a:lvl8pPr marL="3429000" indent="-228600" algn="l" defTabSz="914400" rtl="0" eaLnBrk="1" latinLnBrk="0" hangingPunct="1">
-              <a:lnSpc>
-                <a:spcPct val="90000"/>
-              </a:lnSpc>
+            <a:lvl8pPr eaLnBrk="0" fontAlgn="base" hangingPunct="0">
               <a:spcBef>
-                <a:spcPts val="500"/>
+                <a:spcPct val="0"/>
               </a:spcBef>
-              <a:buFont typeface="Arial" panose="020B0604020202020204" pitchFamily="34" charset="0"/>
-              <a:buChar char="•"/>
-              <a:defRPr sz="1800" kern="1200">
+              <a:spcAft>
+                <a:spcPct val="0"/>
+              </a:spcAft>
+              <a:defRPr>
                 <a:solidFill>
                   <a:schemeClr val="tx1"/>
                 </a:solidFill>
-                <a:latin typeface="+mn-lt"/>
-                <a:ea typeface="+mn-ea"/>
-                <a:cs typeface="+mn-cs"/>
+                <a:latin typeface="Arial" panose="020B0604020202020204" pitchFamily="34" charset="0"/>
               </a:defRPr>
             </a:lvl8pPr>
-            <a:lvl9pPr marL="3886200" indent="-228600" algn="l" defTabSz="914400" rtl="0" eaLnBrk="1" latinLnBrk="0" hangingPunct="1">
-              <a:lnSpc>
-                <a:spcPct val="90000"/>
-              </a:lnSpc>
+            <a:lvl9pPr eaLnBrk="0" fontAlgn="base" hangingPunct="0">
               <a:spcBef>
-                <a:spcPts val="500"/>
+                <a:spcPct val="0"/>
               </a:spcBef>
-              <a:buFont typeface="Arial" panose="020B0604020202020204" pitchFamily="34" charset="0"/>
-              <a:buChar char="•"/>
-              <a:defRPr sz="1800" kern="1200">
+              <a:spcAft>
+                <a:spcPct val="0"/>
+              </a:spcAft>
+              <a:defRPr>
                 <a:solidFill>
                   <a:schemeClr val="tx1"/>
                 </a:solidFill>
-                <a:latin typeface="+mn-lt"/>
-                <a:ea typeface="+mn-ea"/>
-                <a:cs typeface="+mn-cs"/>
+                <a:latin typeface="Arial" panose="020B0604020202020204" pitchFamily="34" charset="0"/>
               </a:defRPr>
             </a:lvl9pPr>
           </a:lstStyle>
           <a:p>
-            <a:pPr marL="0" indent="0">
-              <a:buFont typeface="Arial" panose="020B0604020202020204" pitchFamily="34" charset="0"/>
+            <a:pPr marL="0" marR="0" lvl="0" indent="0" algn="l" defTabSz="914400" rtl="0" eaLnBrk="0" fontAlgn="base" latinLnBrk="0" hangingPunct="0">
+              <a:lnSpc>
+                <a:spcPct val="100000"/>
+              </a:lnSpc>
+              <a:spcBef>
+                <a:spcPct val="0"/>
+              </a:spcBef>
+              <a:spcAft>
+                <a:spcPct val="0"/>
+              </a:spcAft>
+              <a:buClrTx/>
+              <a:buSzTx/>
+              <a:buFontTx/>
               <a:buNone/>
+              <a:tabLst/>
             </a:pPr>
             <a:r>
-              <a:rPr lang="pt-PT" sz="1200" dirty="0">
-                <a:ea typeface="Roboto" pitchFamily="2" charset="0"/>
+              <a:rPr kumimoji="0" lang="pt-PT" altLang="pt-PT" sz="1400" b="0" i="0" u="none" strike="noStrike" cap="none" normalizeH="0" baseline="0" dirty="0">
+                <a:ln>
+                  <a:noFill/>
+                </a:ln>
+                <a:solidFill>
+                  <a:schemeClr val="tx1"/>
+                </a:solidFill>
+                <a:effectLst/>
+                <a:latin typeface="Calibri" panose="020F0502020204030204" pitchFamily="34" charset="0"/>
+                <a:ea typeface="Roboto" pitchFamily="2" charset="0"/>
+                <a:cs typeface="+mn-cs"/>
               </a:rPr>
               <a:t>Notes:</a:t>
             </a:r>
-          </a:p>
-          <a:p>
-            <a:pPr marL="0" indent="0">
-              <a:buFont typeface="Arial" panose="020B0604020202020204" pitchFamily="34" charset="0"/>
+            <a:endParaRPr kumimoji="0" lang="pt-PT" altLang="pt-PT" sz="800" b="0" i="0" u="none" strike="noStrike" cap="none" normalizeH="0" baseline="0" dirty="0">
+              <a:ln>
+                <a:noFill/>
+              </a:ln>
+              <a:solidFill>
+                <a:schemeClr val="tx1"/>
+              </a:solidFill>
+              <a:effectLst/>
+            </a:endParaRPr>
+          </a:p>
+          <a:p>
+            <a:pPr marL="0" marR="0" lvl="0" indent="0" algn="l" defTabSz="914400" rtl="0" eaLnBrk="0" fontAlgn="base" latinLnBrk="0" hangingPunct="0">
+              <a:lnSpc>
+                <a:spcPct val="100000"/>
+              </a:lnSpc>
+              <a:spcBef>
+                <a:spcPct val="0"/>
+              </a:spcBef>
+              <a:spcAft>
+                <a:spcPct val="0"/>
+              </a:spcAft>
+              <a:buClrTx/>
+              <a:buSzTx/>
+              <a:buFontTx/>
               <a:buNone/>
+              <a:tabLst/>
             </a:pPr>
             <a:r>
-              <a:rPr lang="pt-PT" sz="1200" dirty="0">
-                <a:ea typeface="Roboto" pitchFamily="2" charset="0"/>
-              </a:rPr>
-              <a:t> - </a:t>
-            </a:r>
-            <a:r>
-              <a:rPr lang="pt-PT" sz="1200" dirty="0" err="1">
-                <a:ea typeface="Roboto" pitchFamily="2" charset="0"/>
+              <a:rPr kumimoji="0" lang="pt-PT" altLang="pt-PT" sz="1400" b="0" i="0" u="none" strike="noStrike" cap="none" normalizeH="0" baseline="0" dirty="0">
+                <a:ln>
+                  <a:noFill/>
+                </a:ln>
+                <a:solidFill>
+                  <a:schemeClr val="tx1"/>
+                </a:solidFill>
+                <a:effectLst/>
+                <a:latin typeface="Calibri" panose="020F0502020204030204" pitchFamily="34" charset="0"/>
+                <a:ea typeface="Roboto" pitchFamily="2" charset="0"/>
+                <a:cs typeface="+mn-cs"/>
+              </a:rPr>
+              <a:t>- </a:t>
+            </a:r>
+            <a:r>
+              <a:rPr kumimoji="0" lang="pt-PT" altLang="pt-PT" sz="1400" b="0" i="0" u="none" strike="noStrike" cap="none" normalizeH="0" baseline="0" dirty="0" err="1">
+                <a:ln>
+                  <a:noFill/>
+                </a:ln>
+                <a:solidFill>
+                  <a:schemeClr val="tx1"/>
+                </a:solidFill>
+                <a:effectLst/>
+                <a:latin typeface="Calibri" panose="020F0502020204030204" pitchFamily="34" charset="0"/>
+                <a:ea typeface="Roboto" pitchFamily="2" charset="0"/>
+                <a:cs typeface="+mn-cs"/>
               </a:rPr>
               <a:t>The</a:t>
             </a:r>
             <a:r>
-              <a:rPr lang="pt-PT" sz="1200" dirty="0">
-                <a:ea typeface="Roboto" pitchFamily="2" charset="0"/>
-              </a:rPr>
-              <a:t> </a:t>
-            </a:r>
-            <a:r>
-              <a:rPr lang="pt-PT" sz="1200" dirty="0" err="1">
-                <a:ea typeface="Roboto" pitchFamily="2" charset="0"/>
+              <a:rPr kumimoji="0" lang="pt-PT" altLang="pt-PT" sz="1400" b="0" i="0" u="none" strike="noStrike" cap="none" normalizeH="0" baseline="0" dirty="0">
+                <a:ln>
+                  <a:noFill/>
+                </a:ln>
+                <a:solidFill>
+                  <a:schemeClr val="tx1"/>
+                </a:solidFill>
+                <a:effectLst/>
+                <a:latin typeface="Calibri" panose="020F0502020204030204" pitchFamily="34" charset="0"/>
+                <a:ea typeface="Roboto" pitchFamily="2" charset="0"/>
+                <a:cs typeface="+mn-cs"/>
+              </a:rPr>
+              <a:t> </a:t>
+            </a:r>
+            <a:r>
+              <a:rPr kumimoji="0" lang="pt-PT" altLang="pt-PT" sz="1400" b="0" i="0" u="none" strike="noStrike" cap="none" normalizeH="0" baseline="0" dirty="0" err="1">
+                <a:ln>
+                  <a:noFill/>
+                </a:ln>
+                <a:solidFill>
+                  <a:schemeClr val="tx1"/>
+                </a:solidFill>
+                <a:effectLst/>
+                <a:latin typeface="Calibri" panose="020F0502020204030204" pitchFamily="34" charset="0"/>
+                <a:ea typeface="Roboto" pitchFamily="2" charset="0"/>
+                <a:cs typeface="+mn-cs"/>
               </a:rPr>
               <a:t>algorithms</a:t>
             </a:r>
             <a:r>
-              <a:rPr lang="pt-PT" sz="1200" dirty="0">
-                <a:ea typeface="Roboto" pitchFamily="2" charset="0"/>
-              </a:rPr>
-              <a:t> </a:t>
-            </a:r>
-            <a:r>
-              <a:rPr lang="pt-PT" sz="1200" dirty="0" err="1">
-                <a:ea typeface="Roboto" pitchFamily="2" charset="0"/>
+              <a:rPr kumimoji="0" lang="pt-PT" altLang="pt-PT" sz="1400" b="0" i="0" u="none" strike="noStrike" cap="none" normalizeH="0" baseline="0" dirty="0">
+                <a:ln>
+                  <a:noFill/>
+                </a:ln>
+                <a:solidFill>
+                  <a:schemeClr val="tx1"/>
+                </a:solidFill>
+                <a:effectLst/>
+                <a:latin typeface="Calibri" panose="020F0502020204030204" pitchFamily="34" charset="0"/>
+                <a:ea typeface="Roboto" pitchFamily="2" charset="0"/>
+                <a:cs typeface="+mn-cs"/>
+              </a:rPr>
+              <a:t> </a:t>
+            </a:r>
+            <a:r>
+              <a:rPr kumimoji="0" lang="pt-PT" altLang="pt-PT" sz="1400" b="0" i="0" u="none" strike="noStrike" cap="none" normalizeH="0" baseline="0" dirty="0" err="1">
+                <a:ln>
+                  <a:noFill/>
+                </a:ln>
+                <a:solidFill>
+                  <a:schemeClr val="tx1"/>
+                </a:solidFill>
+                <a:effectLst/>
+                <a:latin typeface="Calibri" panose="020F0502020204030204" pitchFamily="34" charset="0"/>
+                <a:ea typeface="Roboto" pitchFamily="2" charset="0"/>
+                <a:cs typeface="+mn-cs"/>
               </a:rPr>
               <a:t>with</a:t>
             </a:r>
             <a:r>
-              <a:rPr lang="pt-PT" sz="1200" dirty="0">
-                <a:ea typeface="Roboto" pitchFamily="2" charset="0"/>
-              </a:rPr>
-              <a:t> </a:t>
-            </a:r>
-            <a:r>
-              <a:rPr lang="pt-PT" sz="1200" dirty="0" err="1">
-                <a:ea typeface="Roboto" pitchFamily="2" charset="0"/>
+              <a:rPr kumimoji="0" lang="pt-PT" altLang="pt-PT" sz="1400" b="0" i="0" u="none" strike="noStrike" cap="none" normalizeH="0" baseline="0" dirty="0">
+                <a:ln>
+                  <a:noFill/>
+                </a:ln>
+                <a:solidFill>
+                  <a:schemeClr val="tx1"/>
+                </a:solidFill>
+                <a:effectLst/>
+                <a:latin typeface="Calibri" panose="020F0502020204030204" pitchFamily="34" charset="0"/>
+                <a:ea typeface="Roboto" pitchFamily="2" charset="0"/>
+                <a:cs typeface="+mn-cs"/>
+              </a:rPr>
+              <a:t> </a:t>
+            </a:r>
+            <a:r>
+              <a:rPr kumimoji="0" lang="pt-PT" altLang="pt-PT" sz="1400" b="0" i="0" u="none" strike="noStrike" cap="none" normalizeH="0" baseline="0" dirty="0" err="1">
+                <a:ln>
+                  <a:noFill/>
+                </a:ln>
+                <a:solidFill>
+                  <a:schemeClr val="tx1"/>
+                </a:solidFill>
+                <a:effectLst/>
+                <a:latin typeface="Calibri" panose="020F0502020204030204" pitchFamily="34" charset="0"/>
+                <a:ea typeface="Roboto" pitchFamily="2" charset="0"/>
+                <a:cs typeface="+mn-cs"/>
               </a:rPr>
               <a:t>less</a:t>
             </a:r>
             <a:r>
-              <a:rPr lang="pt-PT" sz="1200" dirty="0">
-                <a:ea typeface="Roboto" pitchFamily="2" charset="0"/>
-              </a:rPr>
-              <a:t> </a:t>
-            </a:r>
-            <a:r>
-              <a:rPr lang="pt-PT" sz="1200" dirty="0" err="1">
-                <a:ea typeface="Roboto" pitchFamily="2" charset="0"/>
+              <a:rPr kumimoji="0" lang="pt-PT" altLang="pt-PT" sz="1400" b="0" i="0" u="none" strike="noStrike" cap="none" normalizeH="0" baseline="0" dirty="0">
+                <a:ln>
+                  <a:noFill/>
+                </a:ln>
+                <a:solidFill>
+                  <a:schemeClr val="tx1"/>
+                </a:solidFill>
+                <a:effectLst/>
+                <a:latin typeface="Calibri" panose="020F0502020204030204" pitchFamily="34" charset="0"/>
+                <a:ea typeface="Roboto" pitchFamily="2" charset="0"/>
+                <a:cs typeface="+mn-cs"/>
+              </a:rPr>
+              <a:t> </a:t>
+            </a:r>
+            <a:r>
+              <a:rPr kumimoji="0" lang="pt-PT" altLang="pt-PT" sz="1400" b="0" i="0" u="none" strike="noStrike" cap="none" normalizeH="0" baseline="0" dirty="0" err="1">
+                <a:ln>
+                  <a:noFill/>
+                </a:ln>
+                <a:solidFill>
+                  <a:schemeClr val="tx1"/>
+                </a:solidFill>
+                <a:effectLst/>
+                <a:latin typeface="Calibri" panose="020F0502020204030204" pitchFamily="34" charset="0"/>
+                <a:ea typeface="Roboto" pitchFamily="2" charset="0"/>
+                <a:cs typeface="+mn-cs"/>
               </a:rPr>
               <a:t>completed</a:t>
             </a:r>
             <a:r>
-              <a:rPr lang="pt-PT" sz="1200" dirty="0">
-                <a:ea typeface="Roboto" pitchFamily="2" charset="0"/>
-              </a:rPr>
-              <a:t> </a:t>
-            </a:r>
-            <a:r>
-              <a:rPr lang="pt-PT" sz="1200" dirty="0" err="1">
-                <a:ea typeface="Roboto" pitchFamily="2" charset="0"/>
+              <a:rPr kumimoji="0" lang="pt-PT" altLang="pt-PT" sz="1400" b="0" i="0" u="none" strike="noStrike" cap="none" normalizeH="0" baseline="0" dirty="0">
+                <a:ln>
+                  <a:noFill/>
+                </a:ln>
+                <a:solidFill>
+                  <a:schemeClr val="tx1"/>
+                </a:solidFill>
+                <a:effectLst/>
+                <a:latin typeface="Calibri" panose="020F0502020204030204" pitchFamily="34" charset="0"/>
+                <a:ea typeface="Roboto" pitchFamily="2" charset="0"/>
+                <a:cs typeface="+mn-cs"/>
+              </a:rPr>
+              <a:t> </a:t>
+            </a:r>
+            <a:r>
+              <a:rPr kumimoji="0" lang="pt-PT" altLang="pt-PT" sz="1400" b="0" i="0" u="none" strike="noStrike" cap="none" normalizeH="0" baseline="0" dirty="0" err="1">
+                <a:ln>
+                  <a:noFill/>
+                </a:ln>
+                <a:solidFill>
+                  <a:schemeClr val="tx1"/>
+                </a:solidFill>
+                <a:effectLst/>
+                <a:latin typeface="Calibri" panose="020F0502020204030204" pitchFamily="34" charset="0"/>
+                <a:ea typeface="Roboto" pitchFamily="2" charset="0"/>
+                <a:cs typeface="+mn-cs"/>
               </a:rPr>
               <a:t>levels</a:t>
             </a:r>
             <a:r>
-              <a:rPr lang="pt-PT" sz="1200" dirty="0">
-                <a:ea typeface="Roboto" pitchFamily="2" charset="0"/>
-              </a:rPr>
-              <a:t> </a:t>
-            </a:r>
-            <a:r>
-              <a:rPr lang="pt-PT" sz="1200" dirty="0" err="1">
-                <a:ea typeface="Roboto" pitchFamily="2" charset="0"/>
+              <a:rPr kumimoji="0" lang="pt-PT" altLang="pt-PT" sz="1400" b="0" i="0" u="none" strike="noStrike" cap="none" normalizeH="0" baseline="0" dirty="0">
+                <a:ln>
+                  <a:noFill/>
+                </a:ln>
+                <a:solidFill>
+                  <a:schemeClr val="tx1"/>
+                </a:solidFill>
+                <a:effectLst/>
+                <a:latin typeface="Calibri" panose="020F0502020204030204" pitchFamily="34" charset="0"/>
+                <a:ea typeface="Roboto" pitchFamily="2" charset="0"/>
+                <a:cs typeface="+mn-cs"/>
+              </a:rPr>
+              <a:t> </a:t>
+            </a:r>
+            <a:r>
+              <a:rPr kumimoji="0" lang="pt-PT" altLang="pt-PT" sz="1400" b="0" i="0" u="none" strike="noStrike" cap="none" normalizeH="0" baseline="0" dirty="0" err="1">
+                <a:ln>
+                  <a:noFill/>
+                </a:ln>
+                <a:solidFill>
+                  <a:schemeClr val="tx1"/>
+                </a:solidFill>
+                <a:effectLst/>
+                <a:latin typeface="Calibri" panose="020F0502020204030204" pitchFamily="34" charset="0"/>
+                <a:ea typeface="Roboto" pitchFamily="2" charset="0"/>
+                <a:cs typeface="+mn-cs"/>
               </a:rPr>
               <a:t>did</a:t>
             </a:r>
             <a:r>
-              <a:rPr lang="pt-PT" sz="1200" dirty="0">
-                <a:ea typeface="Roboto" pitchFamily="2" charset="0"/>
-              </a:rPr>
-              <a:t> </a:t>
-            </a:r>
-            <a:r>
-              <a:rPr lang="pt-PT" sz="1200" dirty="0" err="1">
-                <a:ea typeface="Roboto" pitchFamily="2" charset="0"/>
+              <a:rPr kumimoji="0" lang="pt-PT" altLang="pt-PT" sz="1400" b="0" i="0" u="none" strike="noStrike" cap="none" normalizeH="0" baseline="0" dirty="0">
+                <a:ln>
+                  <a:noFill/>
+                </a:ln>
+                <a:solidFill>
+                  <a:schemeClr val="tx1"/>
+                </a:solidFill>
+                <a:effectLst/>
+                <a:latin typeface="Calibri" panose="020F0502020204030204" pitchFamily="34" charset="0"/>
+                <a:ea typeface="Roboto" pitchFamily="2" charset="0"/>
+                <a:cs typeface="+mn-cs"/>
+              </a:rPr>
+              <a:t> </a:t>
+            </a:r>
+            <a:r>
+              <a:rPr kumimoji="0" lang="pt-PT" altLang="pt-PT" sz="1400" b="0" i="0" u="none" strike="noStrike" cap="none" normalizeH="0" baseline="0" dirty="0" err="1">
+                <a:ln>
+                  <a:noFill/>
+                </a:ln>
+                <a:solidFill>
+                  <a:schemeClr val="tx1"/>
+                </a:solidFill>
+                <a:effectLst/>
+                <a:latin typeface="Calibri" panose="020F0502020204030204" pitchFamily="34" charset="0"/>
+                <a:ea typeface="Roboto" pitchFamily="2" charset="0"/>
+                <a:cs typeface="+mn-cs"/>
               </a:rPr>
               <a:t>not</a:t>
             </a:r>
             <a:r>
-              <a:rPr lang="pt-PT" sz="1200" dirty="0">
-                <a:ea typeface="Roboto" pitchFamily="2" charset="0"/>
-              </a:rPr>
-              <a:t> </a:t>
-            </a:r>
-            <a:r>
-              <a:rPr lang="pt-PT" sz="1200" dirty="0" err="1">
-                <a:ea typeface="Roboto" pitchFamily="2" charset="0"/>
+              <a:rPr kumimoji="0" lang="pt-PT" altLang="pt-PT" sz="1400" b="0" i="0" u="none" strike="noStrike" cap="none" normalizeH="0" baseline="0" dirty="0">
+                <a:ln>
+                  <a:noFill/>
+                </a:ln>
+                <a:solidFill>
+                  <a:schemeClr val="tx1"/>
+                </a:solidFill>
+                <a:effectLst/>
+                <a:latin typeface="Calibri" panose="020F0502020204030204" pitchFamily="34" charset="0"/>
+                <a:ea typeface="Roboto" pitchFamily="2" charset="0"/>
+                <a:cs typeface="+mn-cs"/>
+              </a:rPr>
+              <a:t> </a:t>
+            </a:r>
+            <a:r>
+              <a:rPr kumimoji="0" lang="pt-PT" altLang="pt-PT" sz="1400" b="0" i="0" u="none" strike="noStrike" cap="none" normalizeH="0" baseline="0" dirty="0" err="1">
+                <a:ln>
+                  <a:noFill/>
+                </a:ln>
+                <a:solidFill>
+                  <a:schemeClr val="tx1"/>
+                </a:solidFill>
+                <a:effectLst/>
+                <a:latin typeface="Calibri" panose="020F0502020204030204" pitchFamily="34" charset="0"/>
+                <a:ea typeface="Roboto" pitchFamily="2" charset="0"/>
+                <a:cs typeface="+mn-cs"/>
               </a:rPr>
               <a:t>find</a:t>
             </a:r>
             <a:r>
-              <a:rPr lang="pt-PT" sz="1200" dirty="0">
-                <a:ea typeface="Roboto" pitchFamily="2" charset="0"/>
+              <a:rPr kumimoji="0" lang="pt-PT" altLang="pt-PT" sz="1400" b="0" i="0" u="none" strike="noStrike" cap="none" normalizeH="0" baseline="0" dirty="0">
+                <a:ln>
+                  <a:noFill/>
+                </a:ln>
+                <a:solidFill>
+                  <a:schemeClr val="tx1"/>
+                </a:solidFill>
+                <a:effectLst/>
+                <a:latin typeface="Calibri" panose="020F0502020204030204" pitchFamily="34" charset="0"/>
+                <a:ea typeface="Roboto" pitchFamily="2" charset="0"/>
+                <a:cs typeface="+mn-cs"/>
               </a:rPr>
               <a:t> a </a:t>
             </a:r>
             <a:r>
-              <a:rPr lang="pt-PT" sz="1200" dirty="0" err="1">
-                <a:ea typeface="Roboto" pitchFamily="2" charset="0"/>
+              <a:rPr kumimoji="0" lang="pt-PT" altLang="pt-PT" sz="1400" b="0" i="0" u="none" strike="noStrike" cap="none" normalizeH="0" baseline="0" dirty="0" err="1">
+                <a:ln>
+                  <a:noFill/>
+                </a:ln>
+                <a:solidFill>
+                  <a:schemeClr val="tx1"/>
+                </a:solidFill>
+                <a:effectLst/>
+                <a:latin typeface="Calibri" panose="020F0502020204030204" pitchFamily="34" charset="0"/>
+                <a:ea typeface="Roboto" pitchFamily="2" charset="0"/>
+                <a:cs typeface="+mn-cs"/>
               </a:rPr>
               <a:t>solution</a:t>
             </a:r>
             <a:r>
-              <a:rPr lang="pt-PT" sz="1200" dirty="0">
-                <a:ea typeface="Roboto" pitchFamily="2" charset="0"/>
-              </a:rPr>
-              <a:t> </a:t>
-            </a:r>
-            <a:r>
-              <a:rPr lang="pt-PT" sz="1200" dirty="0" err="1">
-                <a:ea typeface="Roboto" pitchFamily="2" charset="0"/>
+              <a:rPr kumimoji="0" lang="pt-PT" altLang="pt-PT" sz="1400" b="0" i="0" u="none" strike="noStrike" cap="none" normalizeH="0" baseline="0" dirty="0">
+                <a:ln>
+                  <a:noFill/>
+                </a:ln>
+                <a:solidFill>
+                  <a:schemeClr val="tx1"/>
+                </a:solidFill>
+                <a:effectLst/>
+                <a:latin typeface="Calibri" panose="020F0502020204030204" pitchFamily="34" charset="0"/>
+                <a:ea typeface="Roboto" pitchFamily="2" charset="0"/>
+                <a:cs typeface="+mn-cs"/>
+              </a:rPr>
+              <a:t> </a:t>
+            </a:r>
+            <a:r>
+              <a:rPr kumimoji="0" lang="pt-PT" altLang="pt-PT" sz="1400" b="0" i="0" u="none" strike="noStrike" cap="none" normalizeH="0" baseline="0" dirty="0" err="1">
+                <a:ln>
+                  <a:noFill/>
+                </a:ln>
+                <a:solidFill>
+                  <a:schemeClr val="tx1"/>
+                </a:solidFill>
+                <a:effectLst/>
+                <a:latin typeface="Calibri" panose="020F0502020204030204" pitchFamily="34" charset="0"/>
+                <a:ea typeface="Roboto" pitchFamily="2" charset="0"/>
+                <a:cs typeface="+mn-cs"/>
               </a:rPr>
               <a:t>with</a:t>
             </a:r>
             <a:r>
-              <a:rPr lang="pt-PT" sz="1200" dirty="0">
-                <a:ea typeface="Roboto" pitchFamily="2" charset="0"/>
-              </a:rPr>
-              <a:t> </a:t>
-            </a:r>
-            <a:r>
-              <a:rPr lang="pt-PT" sz="1200" dirty="0" err="1">
-                <a:ea typeface="Roboto" pitchFamily="2" charset="0"/>
+              <a:rPr kumimoji="0" lang="pt-PT" altLang="pt-PT" sz="1400" b="0" i="0" u="none" strike="noStrike" cap="none" normalizeH="0" baseline="0" dirty="0">
+                <a:ln>
+                  <a:noFill/>
+                </a:ln>
+                <a:solidFill>
+                  <a:schemeClr val="tx1"/>
+                </a:solidFill>
+                <a:effectLst/>
+                <a:latin typeface="Calibri" panose="020F0502020204030204" pitchFamily="34" charset="0"/>
+                <a:ea typeface="Roboto" pitchFamily="2" charset="0"/>
+                <a:cs typeface="+mn-cs"/>
+              </a:rPr>
+              <a:t> </a:t>
+            </a:r>
+            <a:r>
+              <a:rPr kumimoji="0" lang="pt-PT" altLang="pt-PT" sz="1400" b="0" i="0" u="none" strike="noStrike" cap="none" normalizeH="0" baseline="0" dirty="0" err="1">
+                <a:ln>
+                  <a:noFill/>
+                </a:ln>
+                <a:solidFill>
+                  <a:schemeClr val="tx1"/>
+                </a:solidFill>
+                <a:effectLst/>
+                <a:latin typeface="Calibri" panose="020F0502020204030204" pitchFamily="34" charset="0"/>
+                <a:ea typeface="Roboto" pitchFamily="2" charset="0"/>
+                <a:cs typeface="+mn-cs"/>
               </a:rPr>
               <a:t>the</a:t>
             </a:r>
             <a:r>
-              <a:rPr lang="pt-PT" sz="1200" dirty="0">
-                <a:ea typeface="Roboto" pitchFamily="2" charset="0"/>
-              </a:rPr>
-              <a:t> </a:t>
-            </a:r>
-            <a:r>
-              <a:rPr lang="pt-PT" sz="1200" dirty="0" err="1">
-                <a:ea typeface="Roboto" pitchFamily="2" charset="0"/>
+              <a:rPr kumimoji="0" lang="pt-PT" altLang="pt-PT" sz="1400" b="0" i="0" u="none" strike="noStrike" cap="none" normalizeH="0" baseline="0" dirty="0">
+                <a:ln>
+                  <a:noFill/>
+                </a:ln>
+                <a:solidFill>
+                  <a:schemeClr val="tx1"/>
+                </a:solidFill>
+                <a:effectLst/>
+                <a:latin typeface="Calibri" panose="020F0502020204030204" pitchFamily="34" charset="0"/>
+                <a:ea typeface="Roboto" pitchFamily="2" charset="0"/>
+                <a:cs typeface="+mn-cs"/>
+              </a:rPr>
+              <a:t> </a:t>
+            </a:r>
+            <a:r>
+              <a:rPr kumimoji="0" lang="pt-PT" altLang="pt-PT" sz="1400" b="0" i="0" u="none" strike="noStrike" cap="none" normalizeH="0" baseline="0" dirty="0" err="1">
+                <a:ln>
+                  <a:noFill/>
+                </a:ln>
+                <a:solidFill>
+                  <a:schemeClr val="tx1"/>
+                </a:solidFill>
+                <a:effectLst/>
+                <a:latin typeface="Calibri" panose="020F0502020204030204" pitchFamily="34" charset="0"/>
+                <a:ea typeface="Roboto" pitchFamily="2" charset="0"/>
+                <a:cs typeface="+mn-cs"/>
               </a:rPr>
               <a:t>given</a:t>
             </a:r>
             <a:r>
-              <a:rPr lang="pt-PT" sz="1200" dirty="0">
-                <a:ea typeface="Roboto" pitchFamily="2" charset="0"/>
-              </a:rPr>
-              <a:t> </a:t>
-            </a:r>
-            <a:r>
-              <a:rPr lang="pt-PT" sz="1200" dirty="0" err="1">
-                <a:ea typeface="Roboto" pitchFamily="2" charset="0"/>
+              <a:rPr kumimoji="0" lang="pt-PT" altLang="pt-PT" sz="1400" b="0" i="0" u="none" strike="noStrike" cap="none" normalizeH="0" baseline="0" dirty="0">
+                <a:ln>
+                  <a:noFill/>
+                </a:ln>
+                <a:solidFill>
+                  <a:schemeClr val="tx1"/>
+                </a:solidFill>
+                <a:effectLst/>
+                <a:latin typeface="Calibri" panose="020F0502020204030204" pitchFamily="34" charset="0"/>
+                <a:ea typeface="Roboto" pitchFamily="2" charset="0"/>
+                <a:cs typeface="+mn-cs"/>
+              </a:rPr>
+              <a:t> </a:t>
+            </a:r>
+            <a:r>
+              <a:rPr kumimoji="0" lang="pt-PT" altLang="pt-PT" sz="1400" b="0" i="0" u="none" strike="noStrike" cap="none" normalizeH="0" baseline="0" dirty="0" err="1">
+                <a:ln>
+                  <a:noFill/>
+                </a:ln>
+                <a:solidFill>
+                  <a:schemeClr val="tx1"/>
+                </a:solidFill>
+                <a:effectLst/>
+                <a:latin typeface="Calibri" panose="020F0502020204030204" pitchFamily="34" charset="0"/>
+                <a:ea typeface="Roboto" pitchFamily="2" charset="0"/>
+                <a:cs typeface="+mn-cs"/>
               </a:rPr>
               <a:t>max</a:t>
             </a:r>
             <a:r>
-              <a:rPr lang="pt-PT" sz="1200" dirty="0">
-                <a:ea typeface="Roboto" pitchFamily="2" charset="0"/>
-              </a:rPr>
-              <a:t> </a:t>
-            </a:r>
-            <a:r>
-              <a:rPr lang="pt-PT" sz="1200" dirty="0" err="1">
-                <a:ea typeface="Roboto" pitchFamily="2" charset="0"/>
+              <a:rPr kumimoji="0" lang="pt-PT" altLang="pt-PT" sz="1400" b="0" i="0" u="none" strike="noStrike" cap="none" normalizeH="0" baseline="0" dirty="0">
+                <a:ln>
+                  <a:noFill/>
+                </a:ln>
+                <a:solidFill>
+                  <a:schemeClr val="tx1"/>
+                </a:solidFill>
+                <a:effectLst/>
+                <a:latin typeface="Calibri" panose="020F0502020204030204" pitchFamily="34" charset="0"/>
+                <a:ea typeface="Roboto" pitchFamily="2" charset="0"/>
+                <a:cs typeface="+mn-cs"/>
+              </a:rPr>
+              <a:t> </a:t>
+            </a:r>
+            <a:r>
+              <a:rPr kumimoji="0" lang="pt-PT" altLang="pt-PT" sz="1400" b="0" i="0" u="none" strike="noStrike" cap="none" normalizeH="0" baseline="0" dirty="0" err="1">
+                <a:ln>
+                  <a:noFill/>
+                </a:ln>
+                <a:solidFill>
+                  <a:schemeClr val="tx1"/>
+                </a:solidFill>
+                <a:effectLst/>
+                <a:latin typeface="Calibri" panose="020F0502020204030204" pitchFamily="34" charset="0"/>
+                <a:ea typeface="Roboto" pitchFamily="2" charset="0"/>
+                <a:cs typeface="+mn-cs"/>
               </a:rPr>
               <a:t>depth</a:t>
             </a:r>
             <a:r>
-              <a:rPr lang="pt-PT" sz="1200" dirty="0">
-                <a:ea typeface="Roboto" pitchFamily="2" charset="0"/>
-              </a:rPr>
-              <a:t> </a:t>
-            </a:r>
-            <a:r>
-              <a:rPr lang="pt-PT" sz="1200" dirty="0" err="1">
-                <a:ea typeface="Roboto" pitchFamily="2" charset="0"/>
+              <a:rPr kumimoji="0" lang="pt-PT" altLang="pt-PT" sz="1400" b="0" i="0" u="none" strike="noStrike" cap="none" normalizeH="0" baseline="0" dirty="0">
+                <a:ln>
+                  <a:noFill/>
+                </a:ln>
+                <a:solidFill>
+                  <a:schemeClr val="tx1"/>
+                </a:solidFill>
+                <a:effectLst/>
+                <a:latin typeface="Calibri" panose="020F0502020204030204" pitchFamily="34" charset="0"/>
+                <a:ea typeface="Roboto" pitchFamily="2" charset="0"/>
+                <a:cs typeface="+mn-cs"/>
+              </a:rPr>
+              <a:t> </a:t>
+            </a:r>
+            <a:r>
+              <a:rPr kumimoji="0" lang="pt-PT" altLang="pt-PT" sz="1400" b="0" i="0" u="none" strike="noStrike" cap="none" normalizeH="0" baseline="0" dirty="0" err="1">
+                <a:ln>
+                  <a:noFill/>
+                </a:ln>
+                <a:solidFill>
+                  <a:schemeClr val="tx1"/>
+                </a:solidFill>
+                <a:effectLst/>
+                <a:latin typeface="Calibri" panose="020F0502020204030204" pitchFamily="34" charset="0"/>
+                <a:ea typeface="Roboto" pitchFamily="2" charset="0"/>
+                <a:cs typeface="+mn-cs"/>
               </a:rPr>
               <a:t>or</a:t>
             </a:r>
             <a:r>
-              <a:rPr lang="pt-PT" sz="1200" dirty="0">
-                <a:ea typeface="Roboto" pitchFamily="2" charset="0"/>
-              </a:rPr>
-              <a:t> </a:t>
-            </a:r>
-            <a:r>
-              <a:rPr lang="pt-PT" sz="1200" dirty="0" err="1">
-                <a:ea typeface="Roboto" pitchFamily="2" charset="0"/>
+              <a:rPr kumimoji="0" lang="pt-PT" altLang="pt-PT" sz="1400" b="0" i="0" u="none" strike="noStrike" cap="none" normalizeH="0" baseline="0" dirty="0">
+                <a:ln>
+                  <a:noFill/>
+                </a:ln>
+                <a:solidFill>
+                  <a:schemeClr val="tx1"/>
+                </a:solidFill>
+                <a:effectLst/>
+                <a:latin typeface="Calibri" panose="020F0502020204030204" pitchFamily="34" charset="0"/>
+                <a:ea typeface="Roboto" pitchFamily="2" charset="0"/>
+                <a:cs typeface="+mn-cs"/>
+              </a:rPr>
+              <a:t> </a:t>
+            </a:r>
+            <a:r>
+              <a:rPr kumimoji="0" lang="pt-PT" altLang="pt-PT" sz="1400" b="0" i="0" u="none" strike="noStrike" cap="none" normalizeH="0" baseline="0" dirty="0" err="1">
+                <a:ln>
+                  <a:noFill/>
+                </a:ln>
+                <a:solidFill>
+                  <a:schemeClr val="tx1"/>
+                </a:solidFill>
+                <a:effectLst/>
+                <a:latin typeface="Calibri" panose="020F0502020204030204" pitchFamily="34" charset="0"/>
+                <a:ea typeface="Roboto" pitchFamily="2" charset="0"/>
+                <a:cs typeface="+mn-cs"/>
               </a:rPr>
               <a:t>took</a:t>
             </a:r>
             <a:r>
-              <a:rPr lang="pt-PT" sz="1200" dirty="0">
-                <a:ea typeface="Roboto" pitchFamily="2" charset="0"/>
-              </a:rPr>
-              <a:t> to </a:t>
-            </a:r>
-            <a:r>
-              <a:rPr lang="pt-PT" sz="1200" dirty="0" err="1">
-                <a:ea typeface="Roboto" pitchFamily="2" charset="0"/>
+              <a:rPr kumimoji="0" lang="pt-PT" altLang="pt-PT" sz="1400" b="0" i="0" u="none" strike="noStrike" cap="none" normalizeH="0" baseline="0" dirty="0">
+                <a:ln>
+                  <a:noFill/>
+                </a:ln>
+                <a:solidFill>
+                  <a:schemeClr val="tx1"/>
+                </a:solidFill>
+                <a:effectLst/>
+                <a:latin typeface="Calibri" panose="020F0502020204030204" pitchFamily="34" charset="0"/>
+                <a:ea typeface="Roboto" pitchFamily="2" charset="0"/>
+                <a:cs typeface="+mn-cs"/>
+              </a:rPr>
+              <a:t> too </a:t>
+            </a:r>
+            <a:r>
+              <a:rPr kumimoji="0" lang="pt-PT" altLang="pt-PT" sz="1400" b="0" i="0" u="none" strike="noStrike" cap="none" normalizeH="0" baseline="0" dirty="0" err="1">
+                <a:ln>
+                  <a:noFill/>
+                </a:ln>
+                <a:solidFill>
+                  <a:schemeClr val="tx1"/>
+                </a:solidFill>
+                <a:effectLst/>
+                <a:latin typeface="Calibri" panose="020F0502020204030204" pitchFamily="34" charset="0"/>
+                <a:ea typeface="Roboto" pitchFamily="2" charset="0"/>
+                <a:cs typeface="+mn-cs"/>
               </a:rPr>
               <a:t>much</a:t>
             </a:r>
             <a:r>
-              <a:rPr lang="pt-PT" sz="1200" dirty="0">
-                <a:ea typeface="Roboto" pitchFamily="2" charset="0"/>
+              <a:rPr kumimoji="0" lang="pt-PT" altLang="pt-PT" sz="1400" b="0" i="0" u="none" strike="noStrike" cap="none" normalizeH="0" baseline="0" dirty="0">
+                <a:ln>
+                  <a:noFill/>
+                </a:ln>
+                <a:solidFill>
+                  <a:schemeClr val="tx1"/>
+                </a:solidFill>
+                <a:effectLst/>
+                <a:latin typeface="Calibri" panose="020F0502020204030204" pitchFamily="34" charset="0"/>
+                <a:ea typeface="Roboto" pitchFamily="2" charset="0"/>
+                <a:cs typeface="+mn-cs"/>
               </a:rPr>
               <a:t> time</a:t>
             </a:r>
-          </a:p>
-          <a:p>
-            <a:pPr marL="0" indent="0">
-              <a:buFont typeface="Arial" panose="020B0604020202020204" pitchFamily="34" charset="0"/>
+            <a:endParaRPr kumimoji="0" lang="pt-PT" altLang="pt-PT" sz="800" b="0" i="0" u="none" strike="noStrike" cap="none" normalizeH="0" baseline="0" dirty="0">
+              <a:ln>
+                <a:noFill/>
+              </a:ln>
+              <a:solidFill>
+                <a:schemeClr val="tx1"/>
+              </a:solidFill>
+              <a:effectLst/>
+            </a:endParaRPr>
+          </a:p>
+          <a:p>
+            <a:pPr marL="0" marR="0" lvl="0" indent="0" algn="l" defTabSz="914400" rtl="0" eaLnBrk="0" fontAlgn="base" latinLnBrk="0" hangingPunct="0">
+              <a:lnSpc>
+                <a:spcPct val="100000"/>
+              </a:lnSpc>
+              <a:spcBef>
+                <a:spcPct val="0"/>
+              </a:spcBef>
+              <a:spcAft>
+                <a:spcPct val="0"/>
+              </a:spcAft>
+              <a:buClrTx/>
+              <a:buSzTx/>
+              <a:buFontTx/>
               <a:buNone/>
+              <a:tabLst/>
             </a:pPr>
             <a:r>
-              <a:rPr lang="pt-PT" sz="1200" dirty="0">
-                <a:ea typeface="Roboto" pitchFamily="2" charset="0"/>
+              <a:rPr kumimoji="0" lang="pt-PT" altLang="pt-PT" sz="1400" b="0" i="0" u="none" strike="noStrike" cap="none" normalizeH="0" baseline="0" dirty="0">
+                <a:ln>
+                  <a:noFill/>
+                </a:ln>
+                <a:solidFill>
+                  <a:schemeClr val="tx1"/>
+                </a:solidFill>
+                <a:effectLst/>
+                <a:latin typeface="Calibri" panose="020F0502020204030204" pitchFamily="34" charset="0"/>
+                <a:ea typeface="Roboto" pitchFamily="2" charset="0"/>
+                <a:cs typeface="+mn-cs"/>
               </a:rPr>
               <a:t>- </a:t>
             </a:r>
             <a:r>
-              <a:rPr lang="pt-PT" sz="1200" dirty="0" err="1">
-                <a:ea typeface="Roboto" pitchFamily="2" charset="0"/>
+              <a:rPr kumimoji="0" lang="pt-PT" altLang="pt-PT" sz="1400" b="0" i="0" u="none" strike="noStrike" cap="none" normalizeH="0" baseline="0" dirty="0" err="1">
+                <a:ln>
+                  <a:noFill/>
+                </a:ln>
+                <a:solidFill>
+                  <a:schemeClr val="tx1"/>
+                </a:solidFill>
+                <a:effectLst/>
+                <a:latin typeface="Calibri" panose="020F0502020204030204" pitchFamily="34" charset="0"/>
+                <a:ea typeface="Roboto" pitchFamily="2" charset="0"/>
+                <a:cs typeface="+mn-cs"/>
               </a:rPr>
               <a:t>While</a:t>
             </a:r>
             <a:r>
-              <a:rPr lang="pt-PT" sz="1200" dirty="0">
-                <a:ea typeface="Roboto" pitchFamily="2" charset="0"/>
-              </a:rPr>
-              <a:t> </a:t>
-            </a:r>
-            <a:r>
-              <a:rPr lang="pt-PT" sz="1200" dirty="0" err="1">
-                <a:ea typeface="Roboto" pitchFamily="2" charset="0"/>
+              <a:rPr kumimoji="0" lang="pt-PT" altLang="pt-PT" sz="1400" b="0" i="0" u="none" strike="noStrike" cap="none" normalizeH="0" baseline="0" dirty="0">
+                <a:ln>
+                  <a:noFill/>
+                </a:ln>
+                <a:solidFill>
+                  <a:schemeClr val="tx1"/>
+                </a:solidFill>
+                <a:effectLst/>
+                <a:latin typeface="Calibri" panose="020F0502020204030204" pitchFamily="34" charset="0"/>
+                <a:ea typeface="Roboto" pitchFamily="2" charset="0"/>
+                <a:cs typeface="+mn-cs"/>
+              </a:rPr>
+              <a:t> </a:t>
+            </a:r>
+            <a:r>
+              <a:rPr kumimoji="0" lang="pt-PT" altLang="pt-PT" sz="1400" b="0" i="0" u="none" strike="noStrike" cap="none" normalizeH="0" baseline="0" dirty="0" err="1">
+                <a:ln>
+                  <a:noFill/>
+                </a:ln>
+                <a:solidFill>
+                  <a:schemeClr val="tx1"/>
+                </a:solidFill>
+                <a:effectLst/>
+                <a:latin typeface="Calibri" panose="020F0502020204030204" pitchFamily="34" charset="0"/>
+                <a:ea typeface="Roboto" pitchFamily="2" charset="0"/>
+                <a:cs typeface="+mn-cs"/>
               </a:rPr>
               <a:t>the</a:t>
             </a:r>
             <a:r>
-              <a:rPr lang="pt-PT" sz="1200" dirty="0">
-                <a:ea typeface="Roboto" pitchFamily="2" charset="0"/>
+              <a:rPr kumimoji="0" lang="pt-PT" altLang="pt-PT" sz="1400" b="0" i="0" u="none" strike="noStrike" cap="none" normalizeH="0" baseline="0" dirty="0">
+                <a:ln>
+                  <a:noFill/>
+                </a:ln>
+                <a:solidFill>
+                  <a:schemeClr val="tx1"/>
+                </a:solidFill>
+                <a:effectLst/>
+                <a:latin typeface="Calibri" panose="020F0502020204030204" pitchFamily="34" charset="0"/>
+                <a:ea typeface="Roboto" pitchFamily="2" charset="0"/>
+                <a:cs typeface="+mn-cs"/>
               </a:rPr>
               <a:t> 25 </a:t>
             </a:r>
             <a:r>
-              <a:rPr lang="pt-PT" sz="1200" dirty="0" err="1">
-                <a:ea typeface="Roboto" pitchFamily="2" charset="0"/>
+              <a:rPr kumimoji="0" lang="pt-PT" altLang="pt-PT" sz="1400" b="0" i="0" u="none" strike="noStrike" cap="none" normalizeH="0" baseline="0" dirty="0" err="1">
+                <a:ln>
+                  <a:noFill/>
+                </a:ln>
+                <a:solidFill>
+                  <a:schemeClr val="tx1"/>
+                </a:solidFill>
+                <a:effectLst/>
+                <a:latin typeface="Calibri" panose="020F0502020204030204" pitchFamily="34" charset="0"/>
+                <a:ea typeface="Roboto" pitchFamily="2" charset="0"/>
+                <a:cs typeface="+mn-cs"/>
               </a:rPr>
               <a:t>levels</a:t>
             </a:r>
             <a:r>
-              <a:rPr lang="pt-PT" sz="1200" dirty="0">
-                <a:ea typeface="Roboto" pitchFamily="2" charset="0"/>
-              </a:rPr>
-              <a:t> </a:t>
-            </a:r>
-            <a:r>
-              <a:rPr lang="pt-PT" sz="1200" dirty="0" err="1">
-                <a:ea typeface="Roboto" pitchFamily="2" charset="0"/>
+              <a:rPr kumimoji="0" lang="pt-PT" altLang="pt-PT" sz="1400" b="0" i="0" u="none" strike="noStrike" cap="none" normalizeH="0" baseline="0" dirty="0">
+                <a:ln>
+                  <a:noFill/>
+                </a:ln>
+                <a:solidFill>
+                  <a:schemeClr val="tx1"/>
+                </a:solidFill>
+                <a:effectLst/>
+                <a:latin typeface="Calibri" panose="020F0502020204030204" pitchFamily="34" charset="0"/>
+                <a:ea typeface="Roboto" pitchFamily="2" charset="0"/>
+                <a:cs typeface="+mn-cs"/>
+              </a:rPr>
+              <a:t> </a:t>
+            </a:r>
+            <a:r>
+              <a:rPr kumimoji="0" lang="pt-PT" altLang="pt-PT" sz="1400" b="0" i="0" u="none" strike="noStrike" cap="none" normalizeH="0" baseline="0" dirty="0" err="1">
+                <a:ln>
+                  <a:noFill/>
+                </a:ln>
+                <a:solidFill>
+                  <a:schemeClr val="tx1"/>
+                </a:solidFill>
+                <a:effectLst/>
+                <a:latin typeface="Calibri" panose="020F0502020204030204" pitchFamily="34" charset="0"/>
+                <a:ea typeface="Roboto" pitchFamily="2" charset="0"/>
+                <a:cs typeface="+mn-cs"/>
               </a:rPr>
               <a:t>have</a:t>
             </a:r>
             <a:r>
-              <a:rPr lang="pt-PT" sz="1200" dirty="0">
-                <a:ea typeface="Roboto" pitchFamily="2" charset="0"/>
-              </a:rPr>
-              <a:t> diferente </a:t>
-            </a:r>
-            <a:r>
-              <a:rPr lang="pt-PT" sz="1200" dirty="0" err="1">
-                <a:ea typeface="Roboto" pitchFamily="2" charset="0"/>
+              <a:rPr kumimoji="0" lang="pt-PT" altLang="pt-PT" sz="1400" b="0" i="0" u="none" strike="noStrike" cap="none" normalizeH="0" baseline="0" dirty="0">
+                <a:ln>
+                  <a:noFill/>
+                </a:ln>
+                <a:solidFill>
+                  <a:schemeClr val="tx1"/>
+                </a:solidFill>
+                <a:effectLst/>
+                <a:latin typeface="Calibri" panose="020F0502020204030204" pitchFamily="34" charset="0"/>
+                <a:ea typeface="Roboto" pitchFamily="2" charset="0"/>
+                <a:cs typeface="+mn-cs"/>
+              </a:rPr>
+              <a:t> </a:t>
+            </a:r>
+            <a:r>
+              <a:rPr kumimoji="0" lang="pt-PT" altLang="pt-PT" sz="1400" b="0" i="0" u="none" strike="noStrike" cap="none" normalizeH="0" baseline="0" dirty="0" err="1">
+                <a:ln>
+                  <a:noFill/>
+                </a:ln>
+                <a:solidFill>
+                  <a:schemeClr val="tx1"/>
+                </a:solidFill>
+                <a:effectLst/>
+                <a:latin typeface="Calibri" panose="020F0502020204030204" pitchFamily="34" charset="0"/>
+                <a:ea typeface="Roboto" pitchFamily="2" charset="0"/>
+                <a:cs typeface="+mn-cs"/>
+              </a:rPr>
+              <a:t>different</a:t>
+            </a:r>
+            <a:r>
+              <a:rPr kumimoji="0" lang="pt-PT" altLang="pt-PT" sz="1400" b="0" i="0" u="none" strike="noStrike" cap="none" normalizeH="0" baseline="0" dirty="0">
+                <a:ln>
+                  <a:noFill/>
+                </a:ln>
+                <a:solidFill>
+                  <a:schemeClr val="tx1"/>
+                </a:solidFill>
+                <a:effectLst/>
+                <a:latin typeface="Calibri" panose="020F0502020204030204" pitchFamily="34" charset="0"/>
+                <a:ea typeface="Roboto" pitchFamily="2" charset="0"/>
+                <a:cs typeface="+mn-cs"/>
+              </a:rPr>
+              <a:t> </a:t>
+            </a:r>
+            <a:r>
+              <a:rPr kumimoji="0" lang="pt-PT" altLang="pt-PT" sz="1400" b="0" i="0" u="none" strike="noStrike" cap="none" normalizeH="0" baseline="0" dirty="0" err="1">
+                <a:ln>
+                  <a:noFill/>
+                </a:ln>
+                <a:solidFill>
+                  <a:schemeClr val="tx1"/>
+                </a:solidFill>
+                <a:effectLst/>
+                <a:latin typeface="Calibri" panose="020F0502020204030204" pitchFamily="34" charset="0"/>
+                <a:ea typeface="Roboto" pitchFamily="2" charset="0"/>
+                <a:cs typeface="+mn-cs"/>
               </a:rPr>
               <a:t>sizes</a:t>
             </a:r>
             <a:r>
-              <a:rPr lang="pt-PT" sz="1200" dirty="0">
-                <a:ea typeface="Roboto" pitchFamily="2" charset="0"/>
+              <a:rPr kumimoji="0" lang="pt-PT" altLang="pt-PT" sz="1400" b="0" i="0" u="none" strike="noStrike" cap="none" normalizeH="0" baseline="0" dirty="0">
+                <a:ln>
+                  <a:noFill/>
+                </a:ln>
+                <a:solidFill>
+                  <a:schemeClr val="tx1"/>
+                </a:solidFill>
+                <a:effectLst/>
+                <a:latin typeface="Calibri" panose="020F0502020204030204" pitchFamily="34" charset="0"/>
+                <a:ea typeface="Roboto" pitchFamily="2" charset="0"/>
+                <a:cs typeface="+mn-cs"/>
               </a:rPr>
               <a:t>, </a:t>
             </a:r>
             <a:r>
-              <a:rPr lang="pt-PT" sz="1200" dirty="0" err="1">
-                <a:ea typeface="Roboto" pitchFamily="2" charset="0"/>
+              <a:rPr kumimoji="0" lang="pt-PT" altLang="pt-PT" sz="1400" b="0" i="0" u="none" strike="noStrike" cap="none" normalizeH="0" baseline="0" dirty="0" err="1">
+                <a:ln>
+                  <a:noFill/>
+                </a:ln>
+                <a:solidFill>
+                  <a:schemeClr val="tx1"/>
+                </a:solidFill>
+                <a:effectLst/>
+                <a:latin typeface="Calibri" panose="020F0502020204030204" pitchFamily="34" charset="0"/>
+                <a:ea typeface="Roboto" pitchFamily="2" charset="0"/>
+                <a:cs typeface="+mn-cs"/>
               </a:rPr>
               <a:t>size</a:t>
             </a:r>
             <a:r>
-              <a:rPr lang="pt-PT" sz="1200" dirty="0">
-                <a:ea typeface="Roboto" pitchFamily="2" charset="0"/>
-              </a:rPr>
-              <a:t> </a:t>
-            </a:r>
-            <a:r>
-              <a:rPr lang="pt-PT" sz="1200" dirty="0" err="1">
-                <a:ea typeface="Roboto" pitchFamily="2" charset="0"/>
+              <a:rPr kumimoji="0" lang="pt-PT" altLang="pt-PT" sz="1400" b="0" i="0" u="none" strike="noStrike" cap="none" normalizeH="0" baseline="0" dirty="0">
+                <a:ln>
+                  <a:noFill/>
+                </a:ln>
+                <a:solidFill>
+                  <a:schemeClr val="tx1"/>
+                </a:solidFill>
+                <a:effectLst/>
+                <a:latin typeface="Calibri" panose="020F0502020204030204" pitchFamily="34" charset="0"/>
+                <a:ea typeface="Roboto" pitchFamily="2" charset="0"/>
+                <a:cs typeface="+mn-cs"/>
+              </a:rPr>
+              <a:t> </a:t>
+            </a:r>
+            <a:r>
+              <a:rPr kumimoji="0" lang="pt-PT" altLang="pt-PT" sz="1400" b="0" i="0" u="none" strike="noStrike" cap="none" normalizeH="0" baseline="0" dirty="0" err="1">
+                <a:ln>
+                  <a:noFill/>
+                </a:ln>
+                <a:solidFill>
+                  <a:schemeClr val="tx1"/>
+                </a:solidFill>
+                <a:effectLst/>
+                <a:latin typeface="Calibri" panose="020F0502020204030204" pitchFamily="34" charset="0"/>
+                <a:ea typeface="Roboto" pitchFamily="2" charset="0"/>
+                <a:cs typeface="+mn-cs"/>
               </a:rPr>
               <a:t>has</a:t>
             </a:r>
             <a:r>
-              <a:rPr lang="pt-PT" sz="1200" dirty="0">
-                <a:ea typeface="Roboto" pitchFamily="2" charset="0"/>
+              <a:rPr kumimoji="0" lang="pt-PT" altLang="pt-PT" sz="1400" b="0" i="0" u="none" strike="noStrike" cap="none" normalizeH="0" baseline="0" dirty="0">
+                <a:ln>
+                  <a:noFill/>
+                </a:ln>
+                <a:solidFill>
+                  <a:schemeClr val="tx1"/>
+                </a:solidFill>
+                <a:effectLst/>
+                <a:latin typeface="Calibri" panose="020F0502020204030204" pitchFamily="34" charset="0"/>
+                <a:ea typeface="Roboto" pitchFamily="2" charset="0"/>
+                <a:cs typeface="+mn-cs"/>
               </a:rPr>
               <a:t> no </a:t>
             </a:r>
             <a:r>
-              <a:rPr lang="pt-PT" sz="1200" dirty="0" err="1">
-                <a:ea typeface="Roboto" pitchFamily="2" charset="0"/>
+              <a:rPr kumimoji="0" lang="pt-PT" altLang="pt-PT" sz="1400" b="0" i="0" u="none" strike="noStrike" cap="none" normalizeH="0" baseline="0" dirty="0" err="1">
+                <a:ln>
+                  <a:noFill/>
+                </a:ln>
+                <a:solidFill>
+                  <a:schemeClr val="tx1"/>
+                </a:solidFill>
+                <a:effectLst/>
+                <a:latin typeface="Calibri" panose="020F0502020204030204" pitchFamily="34" charset="0"/>
+                <a:ea typeface="Roboto" pitchFamily="2" charset="0"/>
+                <a:cs typeface="+mn-cs"/>
               </a:rPr>
               <a:t>correlation</a:t>
             </a:r>
             <a:r>
-              <a:rPr lang="pt-PT" sz="1200" dirty="0">
-                <a:ea typeface="Roboto" pitchFamily="2" charset="0"/>
-              </a:rPr>
-              <a:t> </a:t>
-            </a:r>
-            <a:r>
-              <a:rPr lang="pt-PT" sz="1200" dirty="0" err="1">
-                <a:ea typeface="Roboto" pitchFamily="2" charset="0"/>
+              <a:rPr kumimoji="0" lang="pt-PT" altLang="pt-PT" sz="1400" b="0" i="0" u="none" strike="noStrike" cap="none" normalizeH="0" baseline="0" dirty="0">
+                <a:ln>
+                  <a:noFill/>
+                </a:ln>
+                <a:solidFill>
+                  <a:schemeClr val="tx1"/>
+                </a:solidFill>
+                <a:effectLst/>
+                <a:latin typeface="Calibri" panose="020F0502020204030204" pitchFamily="34" charset="0"/>
+                <a:ea typeface="Roboto" pitchFamily="2" charset="0"/>
+                <a:cs typeface="+mn-cs"/>
+              </a:rPr>
+              <a:t> </a:t>
+            </a:r>
+            <a:r>
+              <a:rPr kumimoji="0" lang="pt-PT" altLang="pt-PT" sz="1400" b="0" i="0" u="none" strike="noStrike" cap="none" normalizeH="0" baseline="0" dirty="0" err="1">
+                <a:ln>
+                  <a:noFill/>
+                </a:ln>
+                <a:solidFill>
+                  <a:schemeClr val="tx1"/>
+                </a:solidFill>
+                <a:effectLst/>
+                <a:latin typeface="Calibri" panose="020F0502020204030204" pitchFamily="34" charset="0"/>
+                <a:ea typeface="Roboto" pitchFamily="2" charset="0"/>
+                <a:cs typeface="+mn-cs"/>
               </a:rPr>
               <a:t>with</a:t>
             </a:r>
             <a:r>
-              <a:rPr lang="pt-PT" sz="1200" dirty="0">
-                <a:ea typeface="Roboto" pitchFamily="2" charset="0"/>
-              </a:rPr>
-              <a:t> </a:t>
-            </a:r>
-            <a:r>
-              <a:rPr lang="pt-PT" sz="1200" dirty="0" err="1">
-                <a:ea typeface="Roboto" pitchFamily="2" charset="0"/>
+              <a:rPr kumimoji="0" lang="pt-PT" altLang="pt-PT" sz="1400" b="0" i="0" u="none" strike="noStrike" cap="none" normalizeH="0" baseline="0" dirty="0">
+                <a:ln>
+                  <a:noFill/>
+                </a:ln>
+                <a:solidFill>
+                  <a:schemeClr val="tx1"/>
+                </a:solidFill>
+                <a:effectLst/>
+                <a:latin typeface="Calibri" panose="020F0502020204030204" pitchFamily="34" charset="0"/>
+                <a:ea typeface="Roboto" pitchFamily="2" charset="0"/>
+                <a:cs typeface="+mn-cs"/>
+              </a:rPr>
+              <a:t> </a:t>
+            </a:r>
+            <a:r>
+              <a:rPr kumimoji="0" lang="pt-PT" altLang="pt-PT" sz="1400" b="0" i="0" u="none" strike="noStrike" cap="none" normalizeH="0" baseline="0" dirty="0" err="1">
+                <a:ln>
+                  <a:noFill/>
+                </a:ln>
+                <a:solidFill>
+                  <a:schemeClr val="tx1"/>
+                </a:solidFill>
+                <a:effectLst/>
+                <a:latin typeface="Calibri" panose="020F0502020204030204" pitchFamily="34" charset="0"/>
+                <a:ea typeface="Roboto" pitchFamily="2" charset="0"/>
+                <a:cs typeface="+mn-cs"/>
               </a:rPr>
               <a:t>solution</a:t>
             </a:r>
             <a:r>
-              <a:rPr lang="pt-PT" sz="1200" dirty="0">
-                <a:ea typeface="Roboto" pitchFamily="2" charset="0"/>
-              </a:rPr>
-              <a:t> </a:t>
-            </a:r>
-            <a:r>
-              <a:rPr lang="pt-PT" sz="1200" dirty="0" err="1">
-                <a:ea typeface="Roboto" pitchFamily="2" charset="0"/>
+              <a:rPr kumimoji="0" lang="pt-PT" altLang="pt-PT" sz="1400" b="0" i="0" u="none" strike="noStrike" cap="none" normalizeH="0" baseline="0" dirty="0">
+                <a:ln>
+                  <a:noFill/>
+                </a:ln>
+                <a:solidFill>
+                  <a:schemeClr val="tx1"/>
+                </a:solidFill>
+                <a:effectLst/>
+                <a:latin typeface="Calibri" panose="020F0502020204030204" pitchFamily="34" charset="0"/>
+                <a:ea typeface="Roboto" pitchFamily="2" charset="0"/>
+                <a:cs typeface="+mn-cs"/>
+              </a:rPr>
+              <a:t> </a:t>
+            </a:r>
+            <a:r>
+              <a:rPr kumimoji="0" lang="pt-PT" altLang="pt-PT" sz="1400" b="0" i="0" u="none" strike="noStrike" cap="none" normalizeH="0" baseline="0" dirty="0" err="1">
+                <a:ln>
+                  <a:noFill/>
+                </a:ln>
+                <a:solidFill>
+                  <a:schemeClr val="tx1"/>
+                </a:solidFill>
+                <a:effectLst/>
+                <a:latin typeface="Calibri" panose="020F0502020204030204" pitchFamily="34" charset="0"/>
+                <a:ea typeface="Roboto" pitchFamily="2" charset="0"/>
+                <a:cs typeface="+mn-cs"/>
               </a:rPr>
               <a:t>size</a:t>
             </a:r>
             <a:r>
-              <a:rPr lang="pt-PT" sz="1200" dirty="0">
-                <a:ea typeface="Roboto" pitchFamily="2" charset="0"/>
-              </a:rPr>
-              <a:t> </a:t>
-            </a:r>
-            <a:r>
-              <a:rPr lang="pt-PT" sz="1200" dirty="0" err="1">
-                <a:ea typeface="Roboto" pitchFamily="2" charset="0"/>
+              <a:rPr kumimoji="0" lang="pt-PT" altLang="pt-PT" sz="1400" b="0" i="0" u="none" strike="noStrike" cap="none" normalizeH="0" baseline="0" dirty="0">
+                <a:ln>
+                  <a:noFill/>
+                </a:ln>
+                <a:solidFill>
+                  <a:schemeClr val="tx1"/>
+                </a:solidFill>
+                <a:effectLst/>
+                <a:latin typeface="Calibri" panose="020F0502020204030204" pitchFamily="34" charset="0"/>
+                <a:ea typeface="Roboto" pitchFamily="2" charset="0"/>
+                <a:cs typeface="+mn-cs"/>
+              </a:rPr>
+              <a:t> </a:t>
+            </a:r>
+            <a:r>
+              <a:rPr kumimoji="0" lang="pt-PT" altLang="pt-PT" sz="1400" b="0" i="0" u="none" strike="noStrike" cap="none" normalizeH="0" baseline="0" dirty="0" err="1">
+                <a:ln>
+                  <a:noFill/>
+                </a:ln>
+                <a:solidFill>
+                  <a:schemeClr val="tx1"/>
+                </a:solidFill>
+                <a:effectLst/>
+                <a:latin typeface="Calibri" panose="020F0502020204030204" pitchFamily="34" charset="0"/>
+                <a:ea typeface="Roboto" pitchFamily="2" charset="0"/>
+                <a:cs typeface="+mn-cs"/>
               </a:rPr>
               <a:t>or</a:t>
             </a:r>
             <a:r>
-              <a:rPr lang="pt-PT" sz="1200" dirty="0">
-                <a:ea typeface="Roboto" pitchFamily="2" charset="0"/>
-              </a:rPr>
-              <a:t> </a:t>
-            </a:r>
-            <a:r>
-              <a:rPr lang="pt-PT" sz="1200" dirty="0" err="1">
-                <a:ea typeface="Roboto" pitchFamily="2" charset="0"/>
-              </a:rPr>
-              <a:t>dificulty</a:t>
-            </a:r>
-            <a:r>
-              <a:rPr lang="pt-PT" sz="1200" dirty="0">
-                <a:ea typeface="Roboto" pitchFamily="2" charset="0"/>
-              </a:rPr>
-              <a:t> </a:t>
-            </a:r>
-            <a:r>
-              <a:rPr lang="pt-PT" sz="1200" dirty="0" err="1">
-                <a:ea typeface="Roboto" pitchFamily="2" charset="0"/>
+              <a:rPr kumimoji="0" lang="pt-PT" altLang="pt-PT" sz="1400" b="0" i="0" u="none" strike="noStrike" cap="none" normalizeH="0" baseline="0" dirty="0">
+                <a:ln>
+                  <a:noFill/>
+                </a:ln>
+                <a:solidFill>
+                  <a:schemeClr val="tx1"/>
+                </a:solidFill>
+                <a:effectLst/>
+                <a:latin typeface="Calibri" panose="020F0502020204030204" pitchFamily="34" charset="0"/>
+                <a:ea typeface="Roboto" pitchFamily="2" charset="0"/>
+                <a:cs typeface="+mn-cs"/>
+              </a:rPr>
+              <a:t> </a:t>
+            </a:r>
+            <a:r>
+              <a:rPr kumimoji="0" lang="pt-PT" altLang="pt-PT" sz="1400" b="0" i="0" u="none" strike="noStrike" cap="none" normalizeH="0" baseline="0" dirty="0" err="1">
+                <a:ln>
+                  <a:noFill/>
+                </a:ln>
+                <a:solidFill>
+                  <a:schemeClr val="tx1"/>
+                </a:solidFill>
+                <a:effectLst/>
+                <a:latin typeface="Calibri" panose="020F0502020204030204" pitchFamily="34" charset="0"/>
+                <a:ea typeface="Roboto" pitchFamily="2" charset="0"/>
+                <a:cs typeface="+mn-cs"/>
+              </a:rPr>
+              <a:t>difficulty</a:t>
+            </a:r>
+            <a:r>
+              <a:rPr kumimoji="0" lang="pt-PT" altLang="pt-PT" sz="1400" b="0" i="0" u="none" strike="noStrike" cap="none" normalizeH="0" baseline="0" dirty="0">
+                <a:ln>
+                  <a:noFill/>
+                </a:ln>
+                <a:solidFill>
+                  <a:schemeClr val="tx1"/>
+                </a:solidFill>
+                <a:effectLst/>
+                <a:latin typeface="Calibri" panose="020F0502020204030204" pitchFamily="34" charset="0"/>
+                <a:ea typeface="Roboto" pitchFamily="2" charset="0"/>
+                <a:cs typeface="+mn-cs"/>
+              </a:rPr>
+              <a:t> </a:t>
+            </a:r>
+            <a:r>
+              <a:rPr kumimoji="0" lang="pt-PT" altLang="pt-PT" sz="1400" b="0" i="0" u="none" strike="noStrike" cap="none" normalizeH="0" baseline="0" dirty="0" err="1">
+                <a:ln>
+                  <a:noFill/>
+                </a:ln>
+                <a:solidFill>
+                  <a:schemeClr val="tx1"/>
+                </a:solidFill>
+                <a:effectLst/>
+                <a:latin typeface="Calibri" panose="020F0502020204030204" pitchFamily="34" charset="0"/>
+                <a:ea typeface="Roboto" pitchFamily="2" charset="0"/>
+                <a:cs typeface="+mn-cs"/>
               </a:rPr>
               <a:t>and</a:t>
             </a:r>
             <a:r>
-              <a:rPr lang="pt-PT" sz="1200" dirty="0">
-                <a:ea typeface="Roboto" pitchFamily="2" charset="0"/>
-              </a:rPr>
-              <a:t> </a:t>
-            </a:r>
-            <a:r>
-              <a:rPr lang="pt-PT" sz="1200" dirty="0" err="1">
-                <a:ea typeface="Roboto" pitchFamily="2" charset="0"/>
+              <a:rPr kumimoji="0" lang="pt-PT" altLang="pt-PT" sz="1400" b="0" i="0" u="none" strike="noStrike" cap="none" normalizeH="0" baseline="0" dirty="0">
+                <a:ln>
+                  <a:noFill/>
+                </a:ln>
+                <a:solidFill>
+                  <a:schemeClr val="tx1"/>
+                </a:solidFill>
+                <a:effectLst/>
+                <a:latin typeface="Calibri" panose="020F0502020204030204" pitchFamily="34" charset="0"/>
+                <a:ea typeface="Roboto" pitchFamily="2" charset="0"/>
+                <a:cs typeface="+mn-cs"/>
+              </a:rPr>
+              <a:t> </a:t>
+            </a:r>
+            <a:r>
+              <a:rPr kumimoji="0" lang="pt-PT" altLang="pt-PT" sz="1400" b="0" i="0" u="none" strike="noStrike" cap="none" normalizeH="0" baseline="0" dirty="0" err="1">
+                <a:ln>
+                  <a:noFill/>
+                </a:ln>
+                <a:solidFill>
+                  <a:schemeClr val="tx1"/>
+                </a:solidFill>
+                <a:effectLst/>
+                <a:latin typeface="Calibri" panose="020F0502020204030204" pitchFamily="34" charset="0"/>
+                <a:ea typeface="Roboto" pitchFamily="2" charset="0"/>
+                <a:cs typeface="+mn-cs"/>
               </a:rPr>
               <a:t>therefore</a:t>
             </a:r>
             <a:r>
-              <a:rPr lang="pt-PT" sz="1200" dirty="0">
-                <a:ea typeface="Roboto" pitchFamily="2" charset="0"/>
+              <a:rPr kumimoji="0" lang="pt-PT" altLang="pt-PT" sz="1400" b="0" i="0" u="none" strike="noStrike" cap="none" normalizeH="0" baseline="0" dirty="0">
+                <a:ln>
+                  <a:noFill/>
+                </a:ln>
+                <a:solidFill>
+                  <a:schemeClr val="tx1"/>
+                </a:solidFill>
+                <a:effectLst/>
+                <a:latin typeface="Calibri" panose="020F0502020204030204" pitchFamily="34" charset="0"/>
+                <a:ea typeface="Roboto" pitchFamily="2" charset="0"/>
+                <a:cs typeface="+mn-cs"/>
               </a:rPr>
               <a:t>, </a:t>
             </a:r>
             <a:r>
-              <a:rPr lang="pt-PT" sz="1200" dirty="0" err="1">
-                <a:ea typeface="Roboto" pitchFamily="2" charset="0"/>
+              <a:rPr kumimoji="0" lang="pt-PT" altLang="pt-PT" sz="1400" b="0" i="0" u="none" strike="noStrike" cap="none" normalizeH="0" baseline="0" dirty="0" err="1">
+                <a:ln>
+                  <a:noFill/>
+                </a:ln>
+                <a:solidFill>
+                  <a:schemeClr val="tx1"/>
+                </a:solidFill>
+                <a:effectLst/>
+                <a:latin typeface="Calibri" panose="020F0502020204030204" pitchFamily="34" charset="0"/>
+                <a:ea typeface="Roboto" pitchFamily="2" charset="0"/>
+                <a:cs typeface="+mn-cs"/>
               </a:rPr>
               <a:t>was</a:t>
             </a:r>
             <a:r>
-              <a:rPr lang="pt-PT" sz="1200" dirty="0">
-                <a:ea typeface="Roboto" pitchFamily="2" charset="0"/>
-              </a:rPr>
-              <a:t> </a:t>
-            </a:r>
-            <a:r>
-              <a:rPr lang="pt-PT" sz="1200" dirty="0" err="1">
-                <a:ea typeface="Roboto" pitchFamily="2" charset="0"/>
+              <a:rPr kumimoji="0" lang="pt-PT" altLang="pt-PT" sz="1400" b="0" i="0" u="none" strike="noStrike" cap="none" normalizeH="0" baseline="0" dirty="0">
+                <a:ln>
+                  <a:noFill/>
+                </a:ln>
+                <a:solidFill>
+                  <a:schemeClr val="tx1"/>
+                </a:solidFill>
+                <a:effectLst/>
+                <a:latin typeface="Calibri" panose="020F0502020204030204" pitchFamily="34" charset="0"/>
+                <a:ea typeface="Roboto" pitchFamily="2" charset="0"/>
+                <a:cs typeface="+mn-cs"/>
+              </a:rPr>
+              <a:t> </a:t>
+            </a:r>
+            <a:r>
+              <a:rPr kumimoji="0" lang="pt-PT" altLang="pt-PT" sz="1400" b="0" i="0" u="none" strike="noStrike" cap="none" normalizeH="0" baseline="0" dirty="0" err="1">
+                <a:ln>
+                  <a:noFill/>
+                </a:ln>
+                <a:solidFill>
+                  <a:schemeClr val="tx1"/>
+                </a:solidFill>
+                <a:effectLst/>
+                <a:latin typeface="Calibri" panose="020F0502020204030204" pitchFamily="34" charset="0"/>
+                <a:ea typeface="Roboto" pitchFamily="2" charset="0"/>
+                <a:cs typeface="+mn-cs"/>
               </a:rPr>
               <a:t>not</a:t>
             </a:r>
             <a:r>
-              <a:rPr lang="pt-PT" sz="1200" dirty="0">
-                <a:ea typeface="Roboto" pitchFamily="2" charset="0"/>
-              </a:rPr>
-              <a:t> </a:t>
-            </a:r>
-            <a:r>
-              <a:rPr lang="pt-PT" sz="1200" dirty="0" err="1">
-                <a:ea typeface="Roboto" pitchFamily="2" charset="0"/>
+              <a:rPr lang="pt-PT" altLang="pt-PT" sz="1400" dirty="0">
+                <a:latin typeface="Calibri" panose="020F0502020204030204" pitchFamily="34" charset="0"/>
+                <a:ea typeface="Roboto" pitchFamily="2" charset="0"/>
+              </a:rPr>
+              <a:t> </a:t>
+            </a:r>
+            <a:r>
+              <a:rPr kumimoji="0" lang="pt-PT" altLang="pt-PT" sz="1400" b="0" i="0" u="none" strike="noStrike" cap="none" normalizeH="0" baseline="0" dirty="0" err="1">
+                <a:ln>
+                  <a:noFill/>
+                </a:ln>
+                <a:solidFill>
+                  <a:schemeClr val="tx1"/>
+                </a:solidFill>
+                <a:effectLst/>
+                <a:latin typeface="Calibri" panose="020F0502020204030204" pitchFamily="34" charset="0"/>
+                <a:ea typeface="Roboto" pitchFamily="2" charset="0"/>
+                <a:cs typeface="+mn-cs"/>
               </a:rPr>
               <a:t>taken</a:t>
             </a:r>
             <a:r>
-              <a:rPr lang="pt-PT" sz="1200" dirty="0">
-                <a:ea typeface="Roboto" pitchFamily="2" charset="0"/>
-              </a:rPr>
-              <a:t> </a:t>
-            </a:r>
-            <a:r>
-              <a:rPr lang="pt-PT" sz="1200" dirty="0" err="1">
-                <a:ea typeface="Roboto" pitchFamily="2" charset="0"/>
+              <a:rPr kumimoji="0" lang="pt-PT" altLang="pt-PT" sz="1400" b="0" i="0" u="none" strike="noStrike" cap="none" normalizeH="0" baseline="0" dirty="0">
+                <a:ln>
+                  <a:noFill/>
+                </a:ln>
+                <a:solidFill>
+                  <a:schemeClr val="tx1"/>
+                </a:solidFill>
+                <a:effectLst/>
+                <a:latin typeface="Calibri" panose="020F0502020204030204" pitchFamily="34" charset="0"/>
+                <a:ea typeface="Roboto" pitchFamily="2" charset="0"/>
+                <a:cs typeface="+mn-cs"/>
+              </a:rPr>
+              <a:t> </a:t>
+            </a:r>
+            <a:r>
+              <a:rPr kumimoji="0" lang="pt-PT" altLang="pt-PT" sz="1400" b="0" i="0" u="none" strike="noStrike" cap="none" normalizeH="0" baseline="0" dirty="0" err="1">
+                <a:ln>
+                  <a:noFill/>
+                </a:ln>
+                <a:solidFill>
+                  <a:schemeClr val="tx1"/>
+                </a:solidFill>
+                <a:effectLst/>
+                <a:latin typeface="Calibri" panose="020F0502020204030204" pitchFamily="34" charset="0"/>
+                <a:ea typeface="Roboto" pitchFamily="2" charset="0"/>
+                <a:cs typeface="+mn-cs"/>
               </a:rPr>
               <a:t>into</a:t>
             </a:r>
             <a:r>
-              <a:rPr lang="pt-PT" sz="1200" dirty="0">
-                <a:ea typeface="Roboto" pitchFamily="2" charset="0"/>
-              </a:rPr>
-              <a:t> </a:t>
-            </a:r>
-            <a:r>
-              <a:rPr lang="pt-PT" sz="1200" dirty="0" err="1">
-                <a:ea typeface="Roboto" pitchFamily="2" charset="0"/>
+              <a:rPr kumimoji="0" lang="pt-PT" altLang="pt-PT" sz="1400" b="0" i="0" u="none" strike="noStrike" cap="none" normalizeH="0" baseline="0" dirty="0">
+                <a:ln>
+                  <a:noFill/>
+                </a:ln>
+                <a:solidFill>
+                  <a:schemeClr val="tx1"/>
+                </a:solidFill>
+                <a:effectLst/>
+                <a:latin typeface="Calibri" panose="020F0502020204030204" pitchFamily="34" charset="0"/>
+                <a:ea typeface="Roboto" pitchFamily="2" charset="0"/>
+                <a:cs typeface="+mn-cs"/>
+              </a:rPr>
+              <a:t> </a:t>
+            </a:r>
+            <a:r>
+              <a:rPr kumimoji="0" lang="pt-PT" altLang="pt-PT" sz="1400" b="0" i="0" u="none" strike="noStrike" cap="none" normalizeH="0" baseline="0" dirty="0" err="1">
+                <a:ln>
+                  <a:noFill/>
+                </a:ln>
+                <a:solidFill>
+                  <a:schemeClr val="tx1"/>
+                </a:solidFill>
+                <a:effectLst/>
+                <a:latin typeface="Calibri" panose="020F0502020204030204" pitchFamily="34" charset="0"/>
+                <a:ea typeface="Roboto" pitchFamily="2" charset="0"/>
+                <a:cs typeface="+mn-cs"/>
               </a:rPr>
               <a:t>consideration</a:t>
             </a:r>
-            <a:endParaRPr lang="pt-PT" sz="1200" dirty="0">
-              <a:ea typeface="Roboto" pitchFamily="2" charset="0"/>
+            <a:endParaRPr kumimoji="0" lang="pt-PT" altLang="pt-PT" sz="1800" b="0" i="0" u="none" strike="noStrike" cap="none" normalizeH="0" baseline="0" dirty="0">
+              <a:ln>
+                <a:noFill/>
+              </a:ln>
+              <a:solidFill>
+                <a:schemeClr val="tx1"/>
+              </a:solidFill>
+              <a:effectLst/>
+              <a:latin typeface="Arial" panose="020B0604020202020204" pitchFamily="34" charset="0"/>
             </a:endParaRPr>
           </a:p>
         </p:txBody>
